--- a/units/10/lessons/4/resources/petascale-lesson-10.4-slides.pptx
+++ b/units/10/lessons/4/resources/petascale-lesson-10.4-slides.pptx
@@ -3,19 +3,25 @@
 <p:presentation xmlns:a="http://schemas.openxmlformats.org/drawingml/2006/main" xmlns:r="http://schemas.openxmlformats.org/officeDocument/2006/relationships" xmlns:p="http://schemas.openxmlformats.org/presentationml/2006/main" saveSubsetFonts="1">
   <p:sldMasterIdLst>
     <p:sldMasterId id="2147483660" r:id="rId4"/>
+    <p:sldMasterId id="2147483672" r:id="rId5"/>
   </p:sldMasterIdLst>
+  <p:notesMasterIdLst>
+    <p:notesMasterId r:id="rId19"/>
+  </p:notesMasterIdLst>
   <p:sldIdLst>
-    <p:sldId id="256" r:id="rId5"/>
-    <p:sldId id="257" r:id="rId6"/>
-    <p:sldId id="258" r:id="rId7"/>
-    <p:sldId id="259" r:id="rId8"/>
-    <p:sldId id="260" r:id="rId9"/>
-    <p:sldId id="261" r:id="rId10"/>
-    <p:sldId id="262" r:id="rId11"/>
-    <p:sldId id="263" r:id="rId12"/>
-    <p:sldId id="264" r:id="rId13"/>
-    <p:sldId id="265" r:id="rId14"/>
-    <p:sldId id="266" r:id="rId15"/>
+    <p:sldId id="267" r:id="rId6"/>
+    <p:sldId id="268" r:id="rId7"/>
+    <p:sldId id="256" r:id="rId8"/>
+    <p:sldId id="257" r:id="rId9"/>
+    <p:sldId id="258" r:id="rId10"/>
+    <p:sldId id="259" r:id="rId11"/>
+    <p:sldId id="260" r:id="rId12"/>
+    <p:sldId id="261" r:id="rId13"/>
+    <p:sldId id="262" r:id="rId14"/>
+    <p:sldId id="263" r:id="rId15"/>
+    <p:sldId id="264" r:id="rId16"/>
+    <p:sldId id="265" r:id="rId17"/>
+    <p:sldId id="266" r:id="rId18"/>
   </p:sldIdLst>
   <p:sldSz cx="12192000" cy="6858000"/>
   <p:notesSz cx="6858000" cy="9144000"/>
@@ -120,6 +126,441 @@
     </p:ext>
   </p:extLst>
 </p:presentation>
+</file>
+
+<file path=ppt/notesMasters/notesMaster1.xml><?xml version="1.0" encoding="utf-8"?>
+<p:notesMaster xmlns:a="http://schemas.openxmlformats.org/drawingml/2006/main" xmlns:r="http://schemas.openxmlformats.org/officeDocument/2006/relationships" xmlns:p="http://schemas.openxmlformats.org/presentationml/2006/main">
+  <p:cSld>
+    <p:bg>
+      <p:bgRef idx="1001">
+        <a:schemeClr val="bg1"/>
+      </p:bgRef>
+    </p:bg>
+    <p:spTree>
+      <p:nvGrpSpPr>
+        <p:cNvPr id="1" name=""/>
+        <p:cNvGrpSpPr/>
+        <p:nvPr/>
+      </p:nvGrpSpPr>
+      <p:grpSpPr>
+        <a:xfrm>
+          <a:off x="0" y="0"/>
+          <a:ext cx="0" cy="0"/>
+          <a:chOff x="0" y="0"/>
+          <a:chExt cx="0" cy="0"/>
+        </a:xfrm>
+      </p:grpSpPr>
+      <p:sp>
+        <p:nvSpPr>
+          <p:cNvPr id="2" name="Header Placeholder 1"/>
+          <p:cNvSpPr>
+            <a:spLocks noGrp="1"/>
+          </p:cNvSpPr>
+          <p:nvPr>
+            <p:ph type="hdr" sz="quarter"/>
+          </p:nvPr>
+        </p:nvSpPr>
+        <p:spPr>
+          <a:xfrm>
+            <a:off x="0" y="0"/>
+            <a:ext cx="2971800" cy="458788"/>
+          </a:xfrm>
+          <a:prstGeom prst="rect">
+            <a:avLst/>
+          </a:prstGeom>
+        </p:spPr>
+        <p:txBody>
+          <a:bodyPr vert="horz" lIns="91440" tIns="45720" rIns="91440" bIns="45720" rtlCol="0"/>
+          <a:lstStyle>
+            <a:lvl1pPr algn="l">
+              <a:defRPr sz="1200"/>
+            </a:lvl1pPr>
+          </a:lstStyle>
+          <a:p>
+            <a:endParaRPr lang="en-US"/>
+          </a:p>
+        </p:txBody>
+      </p:sp>
+      <p:sp>
+        <p:nvSpPr>
+          <p:cNvPr id="3" name="Date Placeholder 2"/>
+          <p:cNvSpPr>
+            <a:spLocks noGrp="1"/>
+          </p:cNvSpPr>
+          <p:nvPr>
+            <p:ph type="dt" idx="1"/>
+          </p:nvPr>
+        </p:nvSpPr>
+        <p:spPr>
+          <a:xfrm>
+            <a:off x="3884613" y="0"/>
+            <a:ext cx="2971800" cy="458788"/>
+          </a:xfrm>
+          <a:prstGeom prst="rect">
+            <a:avLst/>
+          </a:prstGeom>
+        </p:spPr>
+        <p:txBody>
+          <a:bodyPr vert="horz" lIns="91440" tIns="45720" rIns="91440" bIns="45720" rtlCol="0"/>
+          <a:lstStyle>
+            <a:lvl1pPr algn="r">
+              <a:defRPr sz="1200"/>
+            </a:lvl1pPr>
+          </a:lstStyle>
+          <a:p>
+            <a:fld id="{8EF9096A-EBB7-6742-9BE0-9F60DE8B3928}" type="datetimeFigureOut">
+              <a:rPr lang="en-US" smtClean="0"/>
+              <a:t>9/12/20</a:t>
+            </a:fld>
+            <a:endParaRPr lang="en-US"/>
+          </a:p>
+        </p:txBody>
+      </p:sp>
+      <p:sp>
+        <p:nvSpPr>
+          <p:cNvPr id="4" name="Slide Image Placeholder 3"/>
+          <p:cNvSpPr>
+            <a:spLocks noGrp="1" noRot="1" noChangeAspect="1"/>
+          </p:cNvSpPr>
+          <p:nvPr>
+            <p:ph type="sldImg" idx="2"/>
+          </p:nvPr>
+        </p:nvSpPr>
+        <p:spPr>
+          <a:xfrm>
+            <a:off x="685800" y="1143000"/>
+            <a:ext cx="5486400" cy="3086100"/>
+          </a:xfrm>
+          <a:prstGeom prst="rect">
+            <a:avLst/>
+          </a:prstGeom>
+          <a:noFill/>
+          <a:ln w="12700">
+            <a:solidFill>
+              <a:prstClr val="black"/>
+            </a:solidFill>
+          </a:ln>
+        </p:spPr>
+        <p:txBody>
+          <a:bodyPr vert="horz" lIns="91440" tIns="45720" rIns="91440" bIns="45720" rtlCol="0" anchor="ctr"/>
+          <a:lstStyle/>
+          <a:p>
+            <a:endParaRPr lang="en-US"/>
+          </a:p>
+        </p:txBody>
+      </p:sp>
+      <p:sp>
+        <p:nvSpPr>
+          <p:cNvPr id="5" name="Notes Placeholder 4"/>
+          <p:cNvSpPr>
+            <a:spLocks noGrp="1"/>
+          </p:cNvSpPr>
+          <p:nvPr>
+            <p:ph type="body" sz="quarter" idx="3"/>
+          </p:nvPr>
+        </p:nvSpPr>
+        <p:spPr>
+          <a:xfrm>
+            <a:off x="685800" y="4400550"/>
+            <a:ext cx="5486400" cy="3600450"/>
+          </a:xfrm>
+          <a:prstGeom prst="rect">
+            <a:avLst/>
+          </a:prstGeom>
+        </p:spPr>
+        <p:txBody>
+          <a:bodyPr vert="horz" lIns="91440" tIns="45720" rIns="91440" bIns="45720" rtlCol="0"/>
+          <a:lstStyle/>
+          <a:p>
+            <a:pPr lvl="0"/>
+            <a:r>
+              <a:rPr lang="en-US" smtClean="0"/>
+              <a:t>Click to edit Master text styles</a:t>
+            </a:r>
+          </a:p>
+          <a:p>
+            <a:pPr lvl="1"/>
+            <a:r>
+              <a:rPr lang="en-US" smtClean="0"/>
+              <a:t>Second level</a:t>
+            </a:r>
+          </a:p>
+          <a:p>
+            <a:pPr lvl="2"/>
+            <a:r>
+              <a:rPr lang="en-US" smtClean="0"/>
+              <a:t>Third level</a:t>
+            </a:r>
+          </a:p>
+          <a:p>
+            <a:pPr lvl="3"/>
+            <a:r>
+              <a:rPr lang="en-US" smtClean="0"/>
+              <a:t>Fourth level</a:t>
+            </a:r>
+          </a:p>
+          <a:p>
+            <a:pPr lvl="4"/>
+            <a:r>
+              <a:rPr lang="en-US" smtClean="0"/>
+              <a:t>Fifth level</a:t>
+            </a:r>
+            <a:endParaRPr lang="en-US"/>
+          </a:p>
+        </p:txBody>
+      </p:sp>
+      <p:sp>
+        <p:nvSpPr>
+          <p:cNvPr id="6" name="Footer Placeholder 5"/>
+          <p:cNvSpPr>
+            <a:spLocks noGrp="1"/>
+          </p:cNvSpPr>
+          <p:nvPr>
+            <p:ph type="ftr" sz="quarter" idx="4"/>
+          </p:nvPr>
+        </p:nvSpPr>
+        <p:spPr>
+          <a:xfrm>
+            <a:off x="0" y="8685213"/>
+            <a:ext cx="2971800" cy="458787"/>
+          </a:xfrm>
+          <a:prstGeom prst="rect">
+            <a:avLst/>
+          </a:prstGeom>
+        </p:spPr>
+        <p:txBody>
+          <a:bodyPr vert="horz" lIns="91440" tIns="45720" rIns="91440" bIns="45720" rtlCol="0" anchor="b"/>
+          <a:lstStyle>
+            <a:lvl1pPr algn="l">
+              <a:defRPr sz="1200"/>
+            </a:lvl1pPr>
+          </a:lstStyle>
+          <a:p>
+            <a:endParaRPr lang="en-US"/>
+          </a:p>
+        </p:txBody>
+      </p:sp>
+      <p:sp>
+        <p:nvSpPr>
+          <p:cNvPr id="7" name="Slide Number Placeholder 6"/>
+          <p:cNvSpPr>
+            <a:spLocks noGrp="1"/>
+          </p:cNvSpPr>
+          <p:nvPr>
+            <p:ph type="sldNum" sz="quarter" idx="5"/>
+          </p:nvPr>
+        </p:nvSpPr>
+        <p:spPr>
+          <a:xfrm>
+            <a:off x="3884613" y="8685213"/>
+            <a:ext cx="2971800" cy="458787"/>
+          </a:xfrm>
+          <a:prstGeom prst="rect">
+            <a:avLst/>
+          </a:prstGeom>
+        </p:spPr>
+        <p:txBody>
+          <a:bodyPr vert="horz" lIns="91440" tIns="45720" rIns="91440" bIns="45720" rtlCol="0" anchor="b"/>
+          <a:lstStyle>
+            <a:lvl1pPr algn="r">
+              <a:defRPr sz="1200"/>
+            </a:lvl1pPr>
+          </a:lstStyle>
+          <a:p>
+            <a:fld id="{AC8070BF-173A-954C-B8CE-26BB1B7A954B}" type="slidenum">
+              <a:rPr lang="en-US" smtClean="0"/>
+              <a:t>‹#›</a:t>
+            </a:fld>
+            <a:endParaRPr lang="en-US"/>
+          </a:p>
+        </p:txBody>
+      </p:sp>
+    </p:spTree>
+    <p:extLst>
+      <p:ext uri="{BB962C8B-B14F-4D97-AF65-F5344CB8AC3E}">
+        <p14:creationId xmlns:p14="http://schemas.microsoft.com/office/powerpoint/2010/main" val="1947787543"/>
+      </p:ext>
+    </p:extLst>
+  </p:cSld>
+  <p:clrMap bg1="lt1" tx1="dk1" bg2="lt2" tx2="dk2" accent1="accent1" accent2="accent2" accent3="accent3" accent4="accent4" accent5="accent5" accent6="accent6" hlink="hlink" folHlink="folHlink"/>
+  <p:notesStyle>
+    <a:lvl1pPr marL="0" algn="l" defTabSz="914400" rtl="0" eaLnBrk="1" latinLnBrk="0" hangingPunct="1">
+      <a:defRPr sz="1200" kern="1200">
+        <a:solidFill>
+          <a:schemeClr val="tx1"/>
+        </a:solidFill>
+        <a:latin typeface="+mn-lt"/>
+        <a:ea typeface="+mn-ea"/>
+        <a:cs typeface="+mn-cs"/>
+      </a:defRPr>
+    </a:lvl1pPr>
+    <a:lvl2pPr marL="457200" algn="l" defTabSz="914400" rtl="0" eaLnBrk="1" latinLnBrk="0" hangingPunct="1">
+      <a:defRPr sz="1200" kern="1200">
+        <a:solidFill>
+          <a:schemeClr val="tx1"/>
+        </a:solidFill>
+        <a:latin typeface="+mn-lt"/>
+        <a:ea typeface="+mn-ea"/>
+        <a:cs typeface="+mn-cs"/>
+      </a:defRPr>
+    </a:lvl2pPr>
+    <a:lvl3pPr marL="914400" algn="l" defTabSz="914400" rtl="0" eaLnBrk="1" latinLnBrk="0" hangingPunct="1">
+      <a:defRPr sz="1200" kern="1200">
+        <a:solidFill>
+          <a:schemeClr val="tx1"/>
+        </a:solidFill>
+        <a:latin typeface="+mn-lt"/>
+        <a:ea typeface="+mn-ea"/>
+        <a:cs typeface="+mn-cs"/>
+      </a:defRPr>
+    </a:lvl3pPr>
+    <a:lvl4pPr marL="1371600" algn="l" defTabSz="914400" rtl="0" eaLnBrk="1" latinLnBrk="0" hangingPunct="1">
+      <a:defRPr sz="1200" kern="1200">
+        <a:solidFill>
+          <a:schemeClr val="tx1"/>
+        </a:solidFill>
+        <a:latin typeface="+mn-lt"/>
+        <a:ea typeface="+mn-ea"/>
+        <a:cs typeface="+mn-cs"/>
+      </a:defRPr>
+    </a:lvl4pPr>
+    <a:lvl5pPr marL="1828800" algn="l" defTabSz="914400" rtl="0" eaLnBrk="1" latinLnBrk="0" hangingPunct="1">
+      <a:defRPr sz="1200" kern="1200">
+        <a:solidFill>
+          <a:schemeClr val="tx1"/>
+        </a:solidFill>
+        <a:latin typeface="+mn-lt"/>
+        <a:ea typeface="+mn-ea"/>
+        <a:cs typeface="+mn-cs"/>
+      </a:defRPr>
+    </a:lvl5pPr>
+    <a:lvl6pPr marL="2286000" algn="l" defTabSz="914400" rtl="0" eaLnBrk="1" latinLnBrk="0" hangingPunct="1">
+      <a:defRPr sz="1200" kern="1200">
+        <a:solidFill>
+          <a:schemeClr val="tx1"/>
+        </a:solidFill>
+        <a:latin typeface="+mn-lt"/>
+        <a:ea typeface="+mn-ea"/>
+        <a:cs typeface="+mn-cs"/>
+      </a:defRPr>
+    </a:lvl6pPr>
+    <a:lvl7pPr marL="2743200" algn="l" defTabSz="914400" rtl="0" eaLnBrk="1" latinLnBrk="0" hangingPunct="1">
+      <a:defRPr sz="1200" kern="1200">
+        <a:solidFill>
+          <a:schemeClr val="tx1"/>
+        </a:solidFill>
+        <a:latin typeface="+mn-lt"/>
+        <a:ea typeface="+mn-ea"/>
+        <a:cs typeface="+mn-cs"/>
+      </a:defRPr>
+    </a:lvl7pPr>
+    <a:lvl8pPr marL="3200400" algn="l" defTabSz="914400" rtl="0" eaLnBrk="1" latinLnBrk="0" hangingPunct="1">
+      <a:defRPr sz="1200" kern="1200">
+        <a:solidFill>
+          <a:schemeClr val="tx1"/>
+        </a:solidFill>
+        <a:latin typeface="+mn-lt"/>
+        <a:ea typeface="+mn-ea"/>
+        <a:cs typeface="+mn-cs"/>
+      </a:defRPr>
+    </a:lvl8pPr>
+    <a:lvl9pPr marL="3657600" algn="l" defTabSz="914400" rtl="0" eaLnBrk="1" latinLnBrk="0" hangingPunct="1">
+      <a:defRPr sz="1200" kern="1200">
+        <a:solidFill>
+          <a:schemeClr val="tx1"/>
+        </a:solidFill>
+        <a:latin typeface="+mn-lt"/>
+        <a:ea typeface="+mn-ea"/>
+        <a:cs typeface="+mn-cs"/>
+      </a:defRPr>
+    </a:lvl9pPr>
+  </p:notesStyle>
+</p:notesMaster>
+</file>
+
+<file path=ppt/notesSlides/notesSlide1.xml><?xml version="1.0" encoding="utf-8"?>
+<p:notes xmlns:a="http://schemas.openxmlformats.org/drawingml/2006/main" xmlns:r="http://schemas.openxmlformats.org/officeDocument/2006/relationships" xmlns:p="http://schemas.openxmlformats.org/presentationml/2006/main">
+  <p:cSld>
+    <p:spTree>
+      <p:nvGrpSpPr>
+        <p:cNvPr id="1" name=""/>
+        <p:cNvGrpSpPr/>
+        <p:nvPr/>
+      </p:nvGrpSpPr>
+      <p:grpSpPr>
+        <a:xfrm>
+          <a:off x="0" y="0"/>
+          <a:ext cx="0" cy="0"/>
+          <a:chOff x="0" y="0"/>
+          <a:chExt cx="0" cy="0"/>
+        </a:xfrm>
+      </p:grpSpPr>
+      <p:sp>
+        <p:nvSpPr>
+          <p:cNvPr id="2" name="Slide Image Placeholder 1"/>
+          <p:cNvSpPr>
+            <a:spLocks noGrp="1" noRot="1" noChangeAspect="1"/>
+          </p:cNvSpPr>
+          <p:nvPr>
+            <p:ph type="sldImg"/>
+          </p:nvPr>
+        </p:nvSpPr>
+        <p:spPr>
+          <a:xfrm>
+            <a:off x="381000" y="685800"/>
+            <a:ext cx="6096000" cy="3429000"/>
+          </a:xfrm>
+        </p:spPr>
+      </p:sp>
+      <p:sp>
+        <p:nvSpPr>
+          <p:cNvPr id="3" name="Notes Placeholder 2"/>
+          <p:cNvSpPr>
+            <a:spLocks noGrp="1"/>
+          </p:cNvSpPr>
+          <p:nvPr>
+            <p:ph type="body" idx="1"/>
+          </p:nvPr>
+        </p:nvSpPr>
+        <p:spPr/>
+        <p:txBody>
+          <a:bodyPr/>
+          <a:lstStyle/>
+          <a:p>
+            <a:pPr marL="457200" marR="0" lvl="0" indent="-298450" algn="l" defTabSz="914400" rtl="0" eaLnBrk="1" fontAlgn="auto" latinLnBrk="0" hangingPunct="1">
+              <a:lnSpc>
+                <a:spcPct val="100000"/>
+              </a:lnSpc>
+              <a:spcBef>
+                <a:spcPts val="0"/>
+              </a:spcBef>
+              <a:spcAft>
+                <a:spcPts val="0"/>
+              </a:spcAft>
+              <a:buClr>
+                <a:srgbClr val="000000"/>
+              </a:buClr>
+              <a:buSzPts val="1100"/>
+              <a:buFont typeface="Arial"/>
+              <a:buNone/>
+              <a:tabLst/>
+              <a:defRPr/>
+            </a:pPr>
+            <a:endParaRPr lang="en-US" dirty="0"/>
+          </a:p>
+        </p:txBody>
+      </p:sp>
+    </p:spTree>
+    <p:extLst>
+      <p:ext uri="{BB962C8B-B14F-4D97-AF65-F5344CB8AC3E}">
+        <p14:creationId xmlns:p14="http://schemas.microsoft.com/office/powerpoint/2010/main" val="751504954"/>
+      </p:ext>
+    </p:extLst>
+  </p:cSld>
+  <p:clrMapOvr>
+    <a:masterClrMapping/>
+  </p:clrMapOvr>
+</p:notes>
 </file>
 
 <file path=ppt/slideLayouts/slideLayout1.xml><?xml version="1.0" encoding="utf-8"?>
@@ -8915,7 +9356,7 @@
           <a:p>
             <a:fld id="{9A0AFBE5-001C-400D-A452-098101439866}" type="datetimeFigureOut">
               <a:rPr lang="en-US" smtClean="0"/>
-              <a:t>7/31/2020</a:t>
+              <a:t>9/12/20</a:t>
             </a:fld>
             <a:endParaRPr lang="en-US"/>
           </a:p>
@@ -9122,7 +9563,7 @@
           <a:p>
             <a:fld id="{9A0AFBE5-001C-400D-A452-098101439866}" type="datetimeFigureOut">
               <a:rPr lang="en-US" smtClean="0"/>
-              <a:t>7/31/2020</a:t>
+              <a:t>9/12/20</a:t>
             </a:fld>
             <a:endParaRPr lang="en-US"/>
           </a:p>
@@ -9302,7 +9743,7 @@
           <a:p>
             <a:fld id="{9A0AFBE5-001C-400D-A452-098101439866}" type="datetimeFigureOut">
               <a:rPr lang="en-US" smtClean="0"/>
-              <a:t>7/31/2020</a:t>
+              <a:t>9/12/20</a:t>
             </a:fld>
             <a:endParaRPr lang="en-US"/>
           </a:p>
@@ -9391,6 +9832,2872 @@
         <p14:creationId xmlns:p14="http://schemas.microsoft.com/office/powerpoint/2010/main" val="808502869"/>
       </p:ext>
     </p:extLst>
+  </p:cSld>
+  <p:clrMapOvr>
+    <a:masterClrMapping/>
+  </p:clrMapOvr>
+</p:sldLayout>
+</file>
+
+<file path=ppt/slideLayouts/slideLayout12.xml><?xml version="1.0" encoding="utf-8"?>
+<p:sldLayout xmlns:a="http://schemas.openxmlformats.org/drawingml/2006/main" xmlns:r="http://schemas.openxmlformats.org/officeDocument/2006/relationships" xmlns:p="http://schemas.openxmlformats.org/presentationml/2006/main" matchingName="Title slide" type="title">
+  <p:cSld name="Title slide">
+    <p:spTree>
+      <p:nvGrpSpPr>
+        <p:cNvPr id="1" name="Shape 9"/>
+        <p:cNvGrpSpPr/>
+        <p:nvPr/>
+      </p:nvGrpSpPr>
+      <p:grpSpPr>
+        <a:xfrm>
+          <a:off x="0" y="0"/>
+          <a:ext cx="0" cy="0"/>
+          <a:chOff x="0" y="0"/>
+          <a:chExt cx="0" cy="0"/>
+        </a:xfrm>
+      </p:grpSpPr>
+      <p:sp>
+        <p:nvSpPr>
+          <p:cNvPr id="10" name="Google Shape;10;p2"/>
+          <p:cNvSpPr txBox="1">
+            <a:spLocks noGrp="1"/>
+          </p:cNvSpPr>
+          <p:nvPr>
+            <p:ph type="ctrTitle"/>
+          </p:nvPr>
+        </p:nvSpPr>
+        <p:spPr>
+          <a:xfrm>
+            <a:off x="415611" y="992767"/>
+            <a:ext cx="11360800" cy="2736800"/>
+          </a:xfrm>
+          <a:prstGeom prst="rect">
+            <a:avLst/>
+          </a:prstGeom>
+        </p:spPr>
+        <p:txBody>
+          <a:bodyPr spcFirstLastPara="1" wrap="square" lIns="91425" tIns="91425" rIns="91425" bIns="91425" anchor="b" anchorCtr="0">
+            <a:noAutofit/>
+          </a:bodyPr>
+          <a:lstStyle>
+            <a:lvl1pPr lvl="0" algn="ctr">
+              <a:spcBef>
+                <a:spcPts val="0"/>
+              </a:spcBef>
+              <a:spcAft>
+                <a:spcPts val="0"/>
+              </a:spcAft>
+              <a:buSzPts val="5200"/>
+              <a:buNone/>
+              <a:defRPr sz="6933"/>
+            </a:lvl1pPr>
+            <a:lvl2pPr lvl="1" algn="ctr">
+              <a:spcBef>
+                <a:spcPts val="0"/>
+              </a:spcBef>
+              <a:spcAft>
+                <a:spcPts val="0"/>
+              </a:spcAft>
+              <a:buSzPts val="5200"/>
+              <a:buNone/>
+              <a:defRPr sz="6933"/>
+            </a:lvl2pPr>
+            <a:lvl3pPr lvl="2" algn="ctr">
+              <a:spcBef>
+                <a:spcPts val="0"/>
+              </a:spcBef>
+              <a:spcAft>
+                <a:spcPts val="0"/>
+              </a:spcAft>
+              <a:buSzPts val="5200"/>
+              <a:buNone/>
+              <a:defRPr sz="6933"/>
+            </a:lvl3pPr>
+            <a:lvl4pPr lvl="3" algn="ctr">
+              <a:spcBef>
+                <a:spcPts val="0"/>
+              </a:spcBef>
+              <a:spcAft>
+                <a:spcPts val="0"/>
+              </a:spcAft>
+              <a:buSzPts val="5200"/>
+              <a:buNone/>
+              <a:defRPr sz="6933"/>
+            </a:lvl4pPr>
+            <a:lvl5pPr lvl="4" algn="ctr">
+              <a:spcBef>
+                <a:spcPts val="0"/>
+              </a:spcBef>
+              <a:spcAft>
+                <a:spcPts val="0"/>
+              </a:spcAft>
+              <a:buSzPts val="5200"/>
+              <a:buNone/>
+              <a:defRPr sz="6933"/>
+            </a:lvl5pPr>
+            <a:lvl6pPr lvl="5" algn="ctr">
+              <a:spcBef>
+                <a:spcPts val="0"/>
+              </a:spcBef>
+              <a:spcAft>
+                <a:spcPts val="0"/>
+              </a:spcAft>
+              <a:buSzPts val="5200"/>
+              <a:buNone/>
+              <a:defRPr sz="6933"/>
+            </a:lvl6pPr>
+            <a:lvl7pPr lvl="6" algn="ctr">
+              <a:spcBef>
+                <a:spcPts val="0"/>
+              </a:spcBef>
+              <a:spcAft>
+                <a:spcPts val="0"/>
+              </a:spcAft>
+              <a:buSzPts val="5200"/>
+              <a:buNone/>
+              <a:defRPr sz="6933"/>
+            </a:lvl7pPr>
+            <a:lvl8pPr lvl="7" algn="ctr">
+              <a:spcBef>
+                <a:spcPts val="0"/>
+              </a:spcBef>
+              <a:spcAft>
+                <a:spcPts val="0"/>
+              </a:spcAft>
+              <a:buSzPts val="5200"/>
+              <a:buNone/>
+              <a:defRPr sz="6933"/>
+            </a:lvl8pPr>
+            <a:lvl9pPr lvl="8" algn="ctr">
+              <a:spcBef>
+                <a:spcPts val="0"/>
+              </a:spcBef>
+              <a:spcAft>
+                <a:spcPts val="0"/>
+              </a:spcAft>
+              <a:buSzPts val="5200"/>
+              <a:buNone/>
+              <a:defRPr sz="6933"/>
+            </a:lvl9pPr>
+          </a:lstStyle>
+          <a:p>
+            <a:endParaRPr/>
+          </a:p>
+        </p:txBody>
+      </p:sp>
+      <p:sp>
+        <p:nvSpPr>
+          <p:cNvPr id="11" name="Google Shape;11;p2"/>
+          <p:cNvSpPr txBox="1">
+            <a:spLocks noGrp="1"/>
+          </p:cNvSpPr>
+          <p:nvPr>
+            <p:ph type="subTitle" idx="1"/>
+          </p:nvPr>
+        </p:nvSpPr>
+        <p:spPr>
+          <a:xfrm>
+            <a:off x="415600" y="3778833"/>
+            <a:ext cx="11360800" cy="1056800"/>
+          </a:xfrm>
+          <a:prstGeom prst="rect">
+            <a:avLst/>
+          </a:prstGeom>
+        </p:spPr>
+        <p:txBody>
+          <a:bodyPr spcFirstLastPara="1" wrap="square" lIns="91425" tIns="91425" rIns="91425" bIns="91425" anchor="t" anchorCtr="0">
+            <a:noAutofit/>
+          </a:bodyPr>
+          <a:lstStyle>
+            <a:lvl1pPr lvl="0" algn="ctr">
+              <a:lnSpc>
+                <a:spcPct val="100000"/>
+              </a:lnSpc>
+              <a:spcBef>
+                <a:spcPts val="0"/>
+              </a:spcBef>
+              <a:spcAft>
+                <a:spcPts val="0"/>
+              </a:spcAft>
+              <a:buSzPts val="2800"/>
+              <a:buNone/>
+              <a:defRPr sz="3733"/>
+            </a:lvl1pPr>
+            <a:lvl2pPr lvl="1" algn="ctr">
+              <a:lnSpc>
+                <a:spcPct val="100000"/>
+              </a:lnSpc>
+              <a:spcBef>
+                <a:spcPts val="0"/>
+              </a:spcBef>
+              <a:spcAft>
+                <a:spcPts val="0"/>
+              </a:spcAft>
+              <a:buSzPts val="2800"/>
+              <a:buNone/>
+              <a:defRPr sz="3733"/>
+            </a:lvl2pPr>
+            <a:lvl3pPr lvl="2" algn="ctr">
+              <a:lnSpc>
+                <a:spcPct val="100000"/>
+              </a:lnSpc>
+              <a:spcBef>
+                <a:spcPts val="0"/>
+              </a:spcBef>
+              <a:spcAft>
+                <a:spcPts val="0"/>
+              </a:spcAft>
+              <a:buSzPts val="2800"/>
+              <a:buNone/>
+              <a:defRPr sz="3733"/>
+            </a:lvl3pPr>
+            <a:lvl4pPr lvl="3" algn="ctr">
+              <a:lnSpc>
+                <a:spcPct val="100000"/>
+              </a:lnSpc>
+              <a:spcBef>
+                <a:spcPts val="0"/>
+              </a:spcBef>
+              <a:spcAft>
+                <a:spcPts val="0"/>
+              </a:spcAft>
+              <a:buSzPts val="2800"/>
+              <a:buNone/>
+              <a:defRPr sz="3733"/>
+            </a:lvl4pPr>
+            <a:lvl5pPr lvl="4" algn="ctr">
+              <a:lnSpc>
+                <a:spcPct val="100000"/>
+              </a:lnSpc>
+              <a:spcBef>
+                <a:spcPts val="0"/>
+              </a:spcBef>
+              <a:spcAft>
+                <a:spcPts val="0"/>
+              </a:spcAft>
+              <a:buSzPts val="2800"/>
+              <a:buNone/>
+              <a:defRPr sz="3733"/>
+            </a:lvl5pPr>
+            <a:lvl6pPr lvl="5" algn="ctr">
+              <a:lnSpc>
+                <a:spcPct val="100000"/>
+              </a:lnSpc>
+              <a:spcBef>
+                <a:spcPts val="0"/>
+              </a:spcBef>
+              <a:spcAft>
+                <a:spcPts val="0"/>
+              </a:spcAft>
+              <a:buSzPts val="2800"/>
+              <a:buNone/>
+              <a:defRPr sz="3733"/>
+            </a:lvl6pPr>
+            <a:lvl7pPr lvl="6" algn="ctr">
+              <a:lnSpc>
+                <a:spcPct val="100000"/>
+              </a:lnSpc>
+              <a:spcBef>
+                <a:spcPts val="0"/>
+              </a:spcBef>
+              <a:spcAft>
+                <a:spcPts val="0"/>
+              </a:spcAft>
+              <a:buSzPts val="2800"/>
+              <a:buNone/>
+              <a:defRPr sz="3733"/>
+            </a:lvl7pPr>
+            <a:lvl8pPr lvl="7" algn="ctr">
+              <a:lnSpc>
+                <a:spcPct val="100000"/>
+              </a:lnSpc>
+              <a:spcBef>
+                <a:spcPts val="0"/>
+              </a:spcBef>
+              <a:spcAft>
+                <a:spcPts val="0"/>
+              </a:spcAft>
+              <a:buSzPts val="2800"/>
+              <a:buNone/>
+              <a:defRPr sz="3733"/>
+            </a:lvl8pPr>
+            <a:lvl9pPr lvl="8" algn="ctr">
+              <a:lnSpc>
+                <a:spcPct val="100000"/>
+              </a:lnSpc>
+              <a:spcBef>
+                <a:spcPts val="0"/>
+              </a:spcBef>
+              <a:spcAft>
+                <a:spcPts val="0"/>
+              </a:spcAft>
+              <a:buSzPts val="2800"/>
+              <a:buNone/>
+              <a:defRPr sz="3733"/>
+            </a:lvl9pPr>
+          </a:lstStyle>
+          <a:p>
+            <a:endParaRPr/>
+          </a:p>
+        </p:txBody>
+      </p:sp>
+      <p:sp>
+        <p:nvSpPr>
+          <p:cNvPr id="12" name="Google Shape;12;p2"/>
+          <p:cNvSpPr txBox="1">
+            <a:spLocks noGrp="1"/>
+          </p:cNvSpPr>
+          <p:nvPr>
+            <p:ph type="sldNum" idx="12"/>
+          </p:nvPr>
+        </p:nvSpPr>
+        <p:spPr>
+          <a:xfrm>
+            <a:off x="11296611" y="6217623"/>
+            <a:ext cx="731600" cy="524800"/>
+          </a:xfrm>
+          <a:prstGeom prst="rect">
+            <a:avLst/>
+          </a:prstGeom>
+        </p:spPr>
+        <p:txBody>
+          <a:bodyPr spcFirstLastPara="1" wrap="square" lIns="91425" tIns="91425" rIns="91425" bIns="91425" anchor="ctr" anchorCtr="0">
+            <a:noAutofit/>
+          </a:bodyPr>
+          <a:lstStyle>
+            <a:lvl1pPr lvl="0">
+              <a:buNone/>
+              <a:defRPr/>
+            </a:lvl1pPr>
+            <a:lvl2pPr lvl="1">
+              <a:buNone/>
+              <a:defRPr/>
+            </a:lvl2pPr>
+            <a:lvl3pPr lvl="2">
+              <a:buNone/>
+              <a:defRPr/>
+            </a:lvl3pPr>
+            <a:lvl4pPr lvl="3">
+              <a:buNone/>
+              <a:defRPr/>
+            </a:lvl4pPr>
+            <a:lvl5pPr lvl="4">
+              <a:buNone/>
+              <a:defRPr/>
+            </a:lvl5pPr>
+            <a:lvl6pPr lvl="5">
+              <a:buNone/>
+              <a:defRPr/>
+            </a:lvl6pPr>
+            <a:lvl7pPr lvl="6">
+              <a:buNone/>
+              <a:defRPr/>
+            </a:lvl7pPr>
+            <a:lvl8pPr lvl="7">
+              <a:buNone/>
+              <a:defRPr/>
+            </a:lvl8pPr>
+            <a:lvl9pPr lvl="8">
+              <a:buNone/>
+              <a:defRPr/>
+            </a:lvl9pPr>
+          </a:lstStyle>
+          <a:p>
+            <a:fld id="{00000000-1234-1234-1234-123412341234}" type="slidenum">
+              <a:rPr lang="en">
+                <a:solidFill>
+                  <a:srgbClr val="595959"/>
+                </a:solidFill>
+              </a:rPr>
+              <a:pPr/>
+              <a:t>‹#›</a:t>
+            </a:fld>
+            <a:endParaRPr>
+              <a:solidFill>
+                <a:srgbClr val="595959"/>
+              </a:solidFill>
+            </a:endParaRPr>
+          </a:p>
+        </p:txBody>
+      </p:sp>
+    </p:spTree>
+  </p:cSld>
+  <p:clrMapOvr>
+    <a:masterClrMapping/>
+  </p:clrMapOvr>
+</p:sldLayout>
+</file>
+
+<file path=ppt/slideLayouts/slideLayout13.xml><?xml version="1.0" encoding="utf-8"?>
+<p:sldLayout xmlns:a="http://schemas.openxmlformats.org/drawingml/2006/main" xmlns:r="http://schemas.openxmlformats.org/officeDocument/2006/relationships" xmlns:p="http://schemas.openxmlformats.org/presentationml/2006/main" matchingName="Section header" type="secHead">
+  <p:cSld name="Section header">
+    <p:spTree>
+      <p:nvGrpSpPr>
+        <p:cNvPr id="1" name="Shape 13"/>
+        <p:cNvGrpSpPr/>
+        <p:nvPr/>
+      </p:nvGrpSpPr>
+      <p:grpSpPr>
+        <a:xfrm>
+          <a:off x="0" y="0"/>
+          <a:ext cx="0" cy="0"/>
+          <a:chOff x="0" y="0"/>
+          <a:chExt cx="0" cy="0"/>
+        </a:xfrm>
+      </p:grpSpPr>
+      <p:sp>
+        <p:nvSpPr>
+          <p:cNvPr id="14" name="Google Shape;14;p3"/>
+          <p:cNvSpPr txBox="1">
+            <a:spLocks noGrp="1"/>
+          </p:cNvSpPr>
+          <p:nvPr>
+            <p:ph type="title"/>
+          </p:nvPr>
+        </p:nvSpPr>
+        <p:spPr>
+          <a:xfrm>
+            <a:off x="415600" y="2867800"/>
+            <a:ext cx="11360800" cy="1122400"/>
+          </a:xfrm>
+          <a:prstGeom prst="rect">
+            <a:avLst/>
+          </a:prstGeom>
+        </p:spPr>
+        <p:txBody>
+          <a:bodyPr spcFirstLastPara="1" wrap="square" lIns="91425" tIns="91425" rIns="91425" bIns="91425" anchor="ctr" anchorCtr="0">
+            <a:noAutofit/>
+          </a:bodyPr>
+          <a:lstStyle>
+            <a:lvl1pPr lvl="0" algn="ctr">
+              <a:spcBef>
+                <a:spcPts val="0"/>
+              </a:spcBef>
+              <a:spcAft>
+                <a:spcPts val="0"/>
+              </a:spcAft>
+              <a:buSzPts val="3600"/>
+              <a:buNone/>
+              <a:defRPr sz="4800"/>
+            </a:lvl1pPr>
+            <a:lvl2pPr lvl="1" algn="ctr">
+              <a:spcBef>
+                <a:spcPts val="0"/>
+              </a:spcBef>
+              <a:spcAft>
+                <a:spcPts val="0"/>
+              </a:spcAft>
+              <a:buSzPts val="3600"/>
+              <a:buNone/>
+              <a:defRPr sz="4800"/>
+            </a:lvl2pPr>
+            <a:lvl3pPr lvl="2" algn="ctr">
+              <a:spcBef>
+                <a:spcPts val="0"/>
+              </a:spcBef>
+              <a:spcAft>
+                <a:spcPts val="0"/>
+              </a:spcAft>
+              <a:buSzPts val="3600"/>
+              <a:buNone/>
+              <a:defRPr sz="4800"/>
+            </a:lvl3pPr>
+            <a:lvl4pPr lvl="3" algn="ctr">
+              <a:spcBef>
+                <a:spcPts val="0"/>
+              </a:spcBef>
+              <a:spcAft>
+                <a:spcPts val="0"/>
+              </a:spcAft>
+              <a:buSzPts val="3600"/>
+              <a:buNone/>
+              <a:defRPr sz="4800"/>
+            </a:lvl4pPr>
+            <a:lvl5pPr lvl="4" algn="ctr">
+              <a:spcBef>
+                <a:spcPts val="0"/>
+              </a:spcBef>
+              <a:spcAft>
+                <a:spcPts val="0"/>
+              </a:spcAft>
+              <a:buSzPts val="3600"/>
+              <a:buNone/>
+              <a:defRPr sz="4800"/>
+            </a:lvl5pPr>
+            <a:lvl6pPr lvl="5" algn="ctr">
+              <a:spcBef>
+                <a:spcPts val="0"/>
+              </a:spcBef>
+              <a:spcAft>
+                <a:spcPts val="0"/>
+              </a:spcAft>
+              <a:buSzPts val="3600"/>
+              <a:buNone/>
+              <a:defRPr sz="4800"/>
+            </a:lvl6pPr>
+            <a:lvl7pPr lvl="6" algn="ctr">
+              <a:spcBef>
+                <a:spcPts val="0"/>
+              </a:spcBef>
+              <a:spcAft>
+                <a:spcPts val="0"/>
+              </a:spcAft>
+              <a:buSzPts val="3600"/>
+              <a:buNone/>
+              <a:defRPr sz="4800"/>
+            </a:lvl7pPr>
+            <a:lvl8pPr lvl="7" algn="ctr">
+              <a:spcBef>
+                <a:spcPts val="0"/>
+              </a:spcBef>
+              <a:spcAft>
+                <a:spcPts val="0"/>
+              </a:spcAft>
+              <a:buSzPts val="3600"/>
+              <a:buNone/>
+              <a:defRPr sz="4800"/>
+            </a:lvl8pPr>
+            <a:lvl9pPr lvl="8" algn="ctr">
+              <a:spcBef>
+                <a:spcPts val="0"/>
+              </a:spcBef>
+              <a:spcAft>
+                <a:spcPts val="0"/>
+              </a:spcAft>
+              <a:buSzPts val="3600"/>
+              <a:buNone/>
+              <a:defRPr sz="4800"/>
+            </a:lvl9pPr>
+          </a:lstStyle>
+          <a:p>
+            <a:endParaRPr/>
+          </a:p>
+        </p:txBody>
+      </p:sp>
+      <p:sp>
+        <p:nvSpPr>
+          <p:cNvPr id="15" name="Google Shape;15;p3"/>
+          <p:cNvSpPr txBox="1">
+            <a:spLocks noGrp="1"/>
+          </p:cNvSpPr>
+          <p:nvPr>
+            <p:ph type="sldNum" idx="12"/>
+          </p:nvPr>
+        </p:nvSpPr>
+        <p:spPr>
+          <a:xfrm>
+            <a:off x="11296611" y="6217623"/>
+            <a:ext cx="731600" cy="524800"/>
+          </a:xfrm>
+          <a:prstGeom prst="rect">
+            <a:avLst/>
+          </a:prstGeom>
+        </p:spPr>
+        <p:txBody>
+          <a:bodyPr spcFirstLastPara="1" wrap="square" lIns="91425" tIns="91425" rIns="91425" bIns="91425" anchor="ctr" anchorCtr="0">
+            <a:noAutofit/>
+          </a:bodyPr>
+          <a:lstStyle>
+            <a:lvl1pPr lvl="0">
+              <a:buNone/>
+              <a:defRPr/>
+            </a:lvl1pPr>
+            <a:lvl2pPr lvl="1">
+              <a:buNone/>
+              <a:defRPr/>
+            </a:lvl2pPr>
+            <a:lvl3pPr lvl="2">
+              <a:buNone/>
+              <a:defRPr/>
+            </a:lvl3pPr>
+            <a:lvl4pPr lvl="3">
+              <a:buNone/>
+              <a:defRPr/>
+            </a:lvl4pPr>
+            <a:lvl5pPr lvl="4">
+              <a:buNone/>
+              <a:defRPr/>
+            </a:lvl5pPr>
+            <a:lvl6pPr lvl="5">
+              <a:buNone/>
+              <a:defRPr/>
+            </a:lvl6pPr>
+            <a:lvl7pPr lvl="6">
+              <a:buNone/>
+              <a:defRPr/>
+            </a:lvl7pPr>
+            <a:lvl8pPr lvl="7">
+              <a:buNone/>
+              <a:defRPr/>
+            </a:lvl8pPr>
+            <a:lvl9pPr lvl="8">
+              <a:buNone/>
+              <a:defRPr/>
+            </a:lvl9pPr>
+          </a:lstStyle>
+          <a:p>
+            <a:fld id="{00000000-1234-1234-1234-123412341234}" type="slidenum">
+              <a:rPr lang="en">
+                <a:solidFill>
+                  <a:srgbClr val="595959"/>
+                </a:solidFill>
+              </a:rPr>
+              <a:pPr/>
+              <a:t>‹#›</a:t>
+            </a:fld>
+            <a:endParaRPr>
+              <a:solidFill>
+                <a:srgbClr val="595959"/>
+              </a:solidFill>
+            </a:endParaRPr>
+          </a:p>
+        </p:txBody>
+      </p:sp>
+    </p:spTree>
+  </p:cSld>
+  <p:clrMapOvr>
+    <a:masterClrMapping/>
+  </p:clrMapOvr>
+</p:sldLayout>
+</file>
+
+<file path=ppt/slideLayouts/slideLayout14.xml><?xml version="1.0" encoding="utf-8"?>
+<p:sldLayout xmlns:a="http://schemas.openxmlformats.org/drawingml/2006/main" xmlns:r="http://schemas.openxmlformats.org/officeDocument/2006/relationships" xmlns:p="http://schemas.openxmlformats.org/presentationml/2006/main" matchingName="Title and body" type="tx">
+  <p:cSld name="Title and body">
+    <p:spTree>
+      <p:nvGrpSpPr>
+        <p:cNvPr id="1" name="Shape 16"/>
+        <p:cNvGrpSpPr/>
+        <p:nvPr/>
+      </p:nvGrpSpPr>
+      <p:grpSpPr>
+        <a:xfrm>
+          <a:off x="0" y="0"/>
+          <a:ext cx="0" cy="0"/>
+          <a:chOff x="0" y="0"/>
+          <a:chExt cx="0" cy="0"/>
+        </a:xfrm>
+      </p:grpSpPr>
+      <p:sp>
+        <p:nvSpPr>
+          <p:cNvPr id="17" name="Google Shape;17;p4"/>
+          <p:cNvSpPr txBox="1">
+            <a:spLocks noGrp="1"/>
+          </p:cNvSpPr>
+          <p:nvPr>
+            <p:ph type="title"/>
+          </p:nvPr>
+        </p:nvSpPr>
+        <p:spPr>
+          <a:xfrm>
+            <a:off x="415600" y="593367"/>
+            <a:ext cx="11360800" cy="763600"/>
+          </a:xfrm>
+          <a:prstGeom prst="rect">
+            <a:avLst/>
+          </a:prstGeom>
+        </p:spPr>
+        <p:txBody>
+          <a:bodyPr spcFirstLastPara="1" wrap="square" lIns="91425" tIns="91425" rIns="91425" bIns="91425" anchor="t" anchorCtr="0">
+            <a:noAutofit/>
+          </a:bodyPr>
+          <a:lstStyle>
+            <a:lvl1pPr lvl="0">
+              <a:spcBef>
+                <a:spcPts val="0"/>
+              </a:spcBef>
+              <a:spcAft>
+                <a:spcPts val="0"/>
+              </a:spcAft>
+              <a:buSzPts val="2800"/>
+              <a:buNone/>
+              <a:defRPr/>
+            </a:lvl1pPr>
+            <a:lvl2pPr lvl="1">
+              <a:spcBef>
+                <a:spcPts val="0"/>
+              </a:spcBef>
+              <a:spcAft>
+                <a:spcPts val="0"/>
+              </a:spcAft>
+              <a:buSzPts val="2800"/>
+              <a:buNone/>
+              <a:defRPr/>
+            </a:lvl2pPr>
+            <a:lvl3pPr lvl="2">
+              <a:spcBef>
+                <a:spcPts val="0"/>
+              </a:spcBef>
+              <a:spcAft>
+                <a:spcPts val="0"/>
+              </a:spcAft>
+              <a:buSzPts val="2800"/>
+              <a:buNone/>
+              <a:defRPr/>
+            </a:lvl3pPr>
+            <a:lvl4pPr lvl="3">
+              <a:spcBef>
+                <a:spcPts val="0"/>
+              </a:spcBef>
+              <a:spcAft>
+                <a:spcPts val="0"/>
+              </a:spcAft>
+              <a:buSzPts val="2800"/>
+              <a:buNone/>
+              <a:defRPr/>
+            </a:lvl4pPr>
+            <a:lvl5pPr lvl="4">
+              <a:spcBef>
+                <a:spcPts val="0"/>
+              </a:spcBef>
+              <a:spcAft>
+                <a:spcPts val="0"/>
+              </a:spcAft>
+              <a:buSzPts val="2800"/>
+              <a:buNone/>
+              <a:defRPr/>
+            </a:lvl5pPr>
+            <a:lvl6pPr lvl="5">
+              <a:spcBef>
+                <a:spcPts val="0"/>
+              </a:spcBef>
+              <a:spcAft>
+                <a:spcPts val="0"/>
+              </a:spcAft>
+              <a:buSzPts val="2800"/>
+              <a:buNone/>
+              <a:defRPr/>
+            </a:lvl6pPr>
+            <a:lvl7pPr lvl="6">
+              <a:spcBef>
+                <a:spcPts val="0"/>
+              </a:spcBef>
+              <a:spcAft>
+                <a:spcPts val="0"/>
+              </a:spcAft>
+              <a:buSzPts val="2800"/>
+              <a:buNone/>
+              <a:defRPr/>
+            </a:lvl7pPr>
+            <a:lvl8pPr lvl="7">
+              <a:spcBef>
+                <a:spcPts val="0"/>
+              </a:spcBef>
+              <a:spcAft>
+                <a:spcPts val="0"/>
+              </a:spcAft>
+              <a:buSzPts val="2800"/>
+              <a:buNone/>
+              <a:defRPr/>
+            </a:lvl8pPr>
+            <a:lvl9pPr lvl="8">
+              <a:spcBef>
+                <a:spcPts val="0"/>
+              </a:spcBef>
+              <a:spcAft>
+                <a:spcPts val="0"/>
+              </a:spcAft>
+              <a:buSzPts val="2800"/>
+              <a:buNone/>
+              <a:defRPr/>
+            </a:lvl9pPr>
+          </a:lstStyle>
+          <a:p>
+            <a:endParaRPr/>
+          </a:p>
+        </p:txBody>
+      </p:sp>
+      <p:sp>
+        <p:nvSpPr>
+          <p:cNvPr id="18" name="Google Shape;18;p4"/>
+          <p:cNvSpPr txBox="1">
+            <a:spLocks noGrp="1"/>
+          </p:cNvSpPr>
+          <p:nvPr>
+            <p:ph type="body" idx="1"/>
+          </p:nvPr>
+        </p:nvSpPr>
+        <p:spPr>
+          <a:xfrm>
+            <a:off x="415600" y="1536633"/>
+            <a:ext cx="11360800" cy="4555200"/>
+          </a:xfrm>
+          <a:prstGeom prst="rect">
+            <a:avLst/>
+          </a:prstGeom>
+        </p:spPr>
+        <p:txBody>
+          <a:bodyPr spcFirstLastPara="1" wrap="square" lIns="91425" tIns="91425" rIns="91425" bIns="91425" anchor="t" anchorCtr="0">
+            <a:noAutofit/>
+          </a:bodyPr>
+          <a:lstStyle>
+            <a:lvl1pPr marL="609585" lvl="0" indent="-457189">
+              <a:spcBef>
+                <a:spcPts val="0"/>
+              </a:spcBef>
+              <a:spcAft>
+                <a:spcPts val="0"/>
+              </a:spcAft>
+              <a:buSzPts val="1800"/>
+              <a:buChar char="●"/>
+              <a:defRPr/>
+            </a:lvl1pPr>
+            <a:lvl2pPr marL="1219170" lvl="1" indent="-423323">
+              <a:spcBef>
+                <a:spcPts val="2133"/>
+              </a:spcBef>
+              <a:spcAft>
+                <a:spcPts val="0"/>
+              </a:spcAft>
+              <a:buSzPts val="1400"/>
+              <a:buChar char="○"/>
+              <a:defRPr/>
+            </a:lvl2pPr>
+            <a:lvl3pPr marL="1828754" lvl="2" indent="-423323">
+              <a:spcBef>
+                <a:spcPts val="2133"/>
+              </a:spcBef>
+              <a:spcAft>
+                <a:spcPts val="0"/>
+              </a:spcAft>
+              <a:buSzPts val="1400"/>
+              <a:buChar char="■"/>
+              <a:defRPr/>
+            </a:lvl3pPr>
+            <a:lvl4pPr marL="2438339" lvl="3" indent="-423323">
+              <a:spcBef>
+                <a:spcPts val="2133"/>
+              </a:spcBef>
+              <a:spcAft>
+                <a:spcPts val="0"/>
+              </a:spcAft>
+              <a:buSzPts val="1400"/>
+              <a:buChar char="●"/>
+              <a:defRPr/>
+            </a:lvl4pPr>
+            <a:lvl5pPr marL="3047924" lvl="4" indent="-423323">
+              <a:spcBef>
+                <a:spcPts val="2133"/>
+              </a:spcBef>
+              <a:spcAft>
+                <a:spcPts val="0"/>
+              </a:spcAft>
+              <a:buSzPts val="1400"/>
+              <a:buChar char="○"/>
+              <a:defRPr/>
+            </a:lvl5pPr>
+            <a:lvl6pPr marL="3657509" lvl="5" indent="-423323">
+              <a:spcBef>
+                <a:spcPts val="2133"/>
+              </a:spcBef>
+              <a:spcAft>
+                <a:spcPts val="0"/>
+              </a:spcAft>
+              <a:buSzPts val="1400"/>
+              <a:buChar char="■"/>
+              <a:defRPr/>
+            </a:lvl6pPr>
+            <a:lvl7pPr marL="4267093" lvl="6" indent="-423323">
+              <a:spcBef>
+                <a:spcPts val="2133"/>
+              </a:spcBef>
+              <a:spcAft>
+                <a:spcPts val="0"/>
+              </a:spcAft>
+              <a:buSzPts val="1400"/>
+              <a:buChar char="●"/>
+              <a:defRPr/>
+            </a:lvl7pPr>
+            <a:lvl8pPr marL="4876678" lvl="7" indent="-423323">
+              <a:spcBef>
+                <a:spcPts val="2133"/>
+              </a:spcBef>
+              <a:spcAft>
+                <a:spcPts val="0"/>
+              </a:spcAft>
+              <a:buSzPts val="1400"/>
+              <a:buChar char="○"/>
+              <a:defRPr/>
+            </a:lvl8pPr>
+            <a:lvl9pPr marL="5486263" lvl="8" indent="-423323">
+              <a:spcBef>
+                <a:spcPts val="2133"/>
+              </a:spcBef>
+              <a:spcAft>
+                <a:spcPts val="2133"/>
+              </a:spcAft>
+              <a:buSzPts val="1400"/>
+              <a:buChar char="■"/>
+              <a:defRPr/>
+            </a:lvl9pPr>
+          </a:lstStyle>
+          <a:p>
+            <a:endParaRPr/>
+          </a:p>
+        </p:txBody>
+      </p:sp>
+      <p:sp>
+        <p:nvSpPr>
+          <p:cNvPr id="19" name="Google Shape;19;p4"/>
+          <p:cNvSpPr txBox="1">
+            <a:spLocks noGrp="1"/>
+          </p:cNvSpPr>
+          <p:nvPr>
+            <p:ph type="sldNum" idx="12"/>
+          </p:nvPr>
+        </p:nvSpPr>
+        <p:spPr>
+          <a:xfrm>
+            <a:off x="11296611" y="6217623"/>
+            <a:ext cx="731600" cy="524800"/>
+          </a:xfrm>
+          <a:prstGeom prst="rect">
+            <a:avLst/>
+          </a:prstGeom>
+        </p:spPr>
+        <p:txBody>
+          <a:bodyPr spcFirstLastPara="1" wrap="square" lIns="91425" tIns="91425" rIns="91425" bIns="91425" anchor="ctr" anchorCtr="0">
+            <a:noAutofit/>
+          </a:bodyPr>
+          <a:lstStyle>
+            <a:lvl1pPr lvl="0">
+              <a:buNone/>
+              <a:defRPr/>
+            </a:lvl1pPr>
+            <a:lvl2pPr lvl="1">
+              <a:buNone/>
+              <a:defRPr/>
+            </a:lvl2pPr>
+            <a:lvl3pPr lvl="2">
+              <a:buNone/>
+              <a:defRPr/>
+            </a:lvl3pPr>
+            <a:lvl4pPr lvl="3">
+              <a:buNone/>
+              <a:defRPr/>
+            </a:lvl4pPr>
+            <a:lvl5pPr lvl="4">
+              <a:buNone/>
+              <a:defRPr/>
+            </a:lvl5pPr>
+            <a:lvl6pPr lvl="5">
+              <a:buNone/>
+              <a:defRPr/>
+            </a:lvl6pPr>
+            <a:lvl7pPr lvl="6">
+              <a:buNone/>
+              <a:defRPr/>
+            </a:lvl7pPr>
+            <a:lvl8pPr lvl="7">
+              <a:buNone/>
+              <a:defRPr/>
+            </a:lvl8pPr>
+            <a:lvl9pPr lvl="8">
+              <a:buNone/>
+              <a:defRPr/>
+            </a:lvl9pPr>
+          </a:lstStyle>
+          <a:p>
+            <a:fld id="{00000000-1234-1234-1234-123412341234}" type="slidenum">
+              <a:rPr lang="en">
+                <a:solidFill>
+                  <a:srgbClr val="595959"/>
+                </a:solidFill>
+              </a:rPr>
+              <a:pPr/>
+              <a:t>‹#›</a:t>
+            </a:fld>
+            <a:endParaRPr>
+              <a:solidFill>
+                <a:srgbClr val="595959"/>
+              </a:solidFill>
+            </a:endParaRPr>
+          </a:p>
+        </p:txBody>
+      </p:sp>
+    </p:spTree>
+  </p:cSld>
+  <p:clrMapOvr>
+    <a:masterClrMapping/>
+  </p:clrMapOvr>
+</p:sldLayout>
+</file>
+
+<file path=ppt/slideLayouts/slideLayout15.xml><?xml version="1.0" encoding="utf-8"?>
+<p:sldLayout xmlns:a="http://schemas.openxmlformats.org/drawingml/2006/main" xmlns:r="http://schemas.openxmlformats.org/officeDocument/2006/relationships" xmlns:p="http://schemas.openxmlformats.org/presentationml/2006/main" matchingName="Title and two columns" type="twoColTx">
+  <p:cSld name="Title and two columns">
+    <p:spTree>
+      <p:nvGrpSpPr>
+        <p:cNvPr id="1" name="Shape 20"/>
+        <p:cNvGrpSpPr/>
+        <p:nvPr/>
+      </p:nvGrpSpPr>
+      <p:grpSpPr>
+        <a:xfrm>
+          <a:off x="0" y="0"/>
+          <a:ext cx="0" cy="0"/>
+          <a:chOff x="0" y="0"/>
+          <a:chExt cx="0" cy="0"/>
+        </a:xfrm>
+      </p:grpSpPr>
+      <p:sp>
+        <p:nvSpPr>
+          <p:cNvPr id="21" name="Google Shape;21;p5"/>
+          <p:cNvSpPr txBox="1">
+            <a:spLocks noGrp="1"/>
+          </p:cNvSpPr>
+          <p:nvPr>
+            <p:ph type="title"/>
+          </p:nvPr>
+        </p:nvSpPr>
+        <p:spPr>
+          <a:xfrm>
+            <a:off x="415600" y="593367"/>
+            <a:ext cx="11360800" cy="763600"/>
+          </a:xfrm>
+          <a:prstGeom prst="rect">
+            <a:avLst/>
+          </a:prstGeom>
+        </p:spPr>
+        <p:txBody>
+          <a:bodyPr spcFirstLastPara="1" wrap="square" lIns="91425" tIns="91425" rIns="91425" bIns="91425" anchor="t" anchorCtr="0">
+            <a:noAutofit/>
+          </a:bodyPr>
+          <a:lstStyle>
+            <a:lvl1pPr lvl="0">
+              <a:spcBef>
+                <a:spcPts val="0"/>
+              </a:spcBef>
+              <a:spcAft>
+                <a:spcPts val="0"/>
+              </a:spcAft>
+              <a:buSzPts val="2800"/>
+              <a:buNone/>
+              <a:defRPr/>
+            </a:lvl1pPr>
+            <a:lvl2pPr lvl="1">
+              <a:spcBef>
+                <a:spcPts val="0"/>
+              </a:spcBef>
+              <a:spcAft>
+                <a:spcPts val="0"/>
+              </a:spcAft>
+              <a:buSzPts val="2800"/>
+              <a:buNone/>
+              <a:defRPr/>
+            </a:lvl2pPr>
+            <a:lvl3pPr lvl="2">
+              <a:spcBef>
+                <a:spcPts val="0"/>
+              </a:spcBef>
+              <a:spcAft>
+                <a:spcPts val="0"/>
+              </a:spcAft>
+              <a:buSzPts val="2800"/>
+              <a:buNone/>
+              <a:defRPr/>
+            </a:lvl3pPr>
+            <a:lvl4pPr lvl="3">
+              <a:spcBef>
+                <a:spcPts val="0"/>
+              </a:spcBef>
+              <a:spcAft>
+                <a:spcPts val="0"/>
+              </a:spcAft>
+              <a:buSzPts val="2800"/>
+              <a:buNone/>
+              <a:defRPr/>
+            </a:lvl4pPr>
+            <a:lvl5pPr lvl="4">
+              <a:spcBef>
+                <a:spcPts val="0"/>
+              </a:spcBef>
+              <a:spcAft>
+                <a:spcPts val="0"/>
+              </a:spcAft>
+              <a:buSzPts val="2800"/>
+              <a:buNone/>
+              <a:defRPr/>
+            </a:lvl5pPr>
+            <a:lvl6pPr lvl="5">
+              <a:spcBef>
+                <a:spcPts val="0"/>
+              </a:spcBef>
+              <a:spcAft>
+                <a:spcPts val="0"/>
+              </a:spcAft>
+              <a:buSzPts val="2800"/>
+              <a:buNone/>
+              <a:defRPr/>
+            </a:lvl6pPr>
+            <a:lvl7pPr lvl="6">
+              <a:spcBef>
+                <a:spcPts val="0"/>
+              </a:spcBef>
+              <a:spcAft>
+                <a:spcPts val="0"/>
+              </a:spcAft>
+              <a:buSzPts val="2800"/>
+              <a:buNone/>
+              <a:defRPr/>
+            </a:lvl7pPr>
+            <a:lvl8pPr lvl="7">
+              <a:spcBef>
+                <a:spcPts val="0"/>
+              </a:spcBef>
+              <a:spcAft>
+                <a:spcPts val="0"/>
+              </a:spcAft>
+              <a:buSzPts val="2800"/>
+              <a:buNone/>
+              <a:defRPr/>
+            </a:lvl8pPr>
+            <a:lvl9pPr lvl="8">
+              <a:spcBef>
+                <a:spcPts val="0"/>
+              </a:spcBef>
+              <a:spcAft>
+                <a:spcPts val="0"/>
+              </a:spcAft>
+              <a:buSzPts val="2800"/>
+              <a:buNone/>
+              <a:defRPr/>
+            </a:lvl9pPr>
+          </a:lstStyle>
+          <a:p>
+            <a:endParaRPr/>
+          </a:p>
+        </p:txBody>
+      </p:sp>
+      <p:sp>
+        <p:nvSpPr>
+          <p:cNvPr id="22" name="Google Shape;22;p5"/>
+          <p:cNvSpPr txBox="1">
+            <a:spLocks noGrp="1"/>
+          </p:cNvSpPr>
+          <p:nvPr>
+            <p:ph type="body" idx="1"/>
+          </p:nvPr>
+        </p:nvSpPr>
+        <p:spPr>
+          <a:xfrm>
+            <a:off x="415600" y="1536633"/>
+            <a:ext cx="5333200" cy="4555200"/>
+          </a:xfrm>
+          <a:prstGeom prst="rect">
+            <a:avLst/>
+          </a:prstGeom>
+        </p:spPr>
+        <p:txBody>
+          <a:bodyPr spcFirstLastPara="1" wrap="square" lIns="91425" tIns="91425" rIns="91425" bIns="91425" anchor="t" anchorCtr="0">
+            <a:noAutofit/>
+          </a:bodyPr>
+          <a:lstStyle>
+            <a:lvl1pPr marL="609585" lvl="0" indent="-423323">
+              <a:spcBef>
+                <a:spcPts val="0"/>
+              </a:spcBef>
+              <a:spcAft>
+                <a:spcPts val="0"/>
+              </a:spcAft>
+              <a:buSzPts val="1400"/>
+              <a:buChar char="●"/>
+              <a:defRPr sz="1867"/>
+            </a:lvl1pPr>
+            <a:lvl2pPr marL="1219170" lvl="1" indent="-406390">
+              <a:spcBef>
+                <a:spcPts val="2133"/>
+              </a:spcBef>
+              <a:spcAft>
+                <a:spcPts val="0"/>
+              </a:spcAft>
+              <a:buSzPts val="1200"/>
+              <a:buChar char="○"/>
+              <a:defRPr sz="1600"/>
+            </a:lvl2pPr>
+            <a:lvl3pPr marL="1828754" lvl="2" indent="-406390">
+              <a:spcBef>
+                <a:spcPts val="2133"/>
+              </a:spcBef>
+              <a:spcAft>
+                <a:spcPts val="0"/>
+              </a:spcAft>
+              <a:buSzPts val="1200"/>
+              <a:buChar char="■"/>
+              <a:defRPr sz="1600"/>
+            </a:lvl3pPr>
+            <a:lvl4pPr marL="2438339" lvl="3" indent="-406390">
+              <a:spcBef>
+                <a:spcPts val="2133"/>
+              </a:spcBef>
+              <a:spcAft>
+                <a:spcPts val="0"/>
+              </a:spcAft>
+              <a:buSzPts val="1200"/>
+              <a:buChar char="●"/>
+              <a:defRPr sz="1600"/>
+            </a:lvl4pPr>
+            <a:lvl5pPr marL="3047924" lvl="4" indent="-406390">
+              <a:spcBef>
+                <a:spcPts val="2133"/>
+              </a:spcBef>
+              <a:spcAft>
+                <a:spcPts val="0"/>
+              </a:spcAft>
+              <a:buSzPts val="1200"/>
+              <a:buChar char="○"/>
+              <a:defRPr sz="1600"/>
+            </a:lvl5pPr>
+            <a:lvl6pPr marL="3657509" lvl="5" indent="-406390">
+              <a:spcBef>
+                <a:spcPts val="2133"/>
+              </a:spcBef>
+              <a:spcAft>
+                <a:spcPts val="0"/>
+              </a:spcAft>
+              <a:buSzPts val="1200"/>
+              <a:buChar char="■"/>
+              <a:defRPr sz="1600"/>
+            </a:lvl6pPr>
+            <a:lvl7pPr marL="4267093" lvl="6" indent="-406390">
+              <a:spcBef>
+                <a:spcPts val="2133"/>
+              </a:spcBef>
+              <a:spcAft>
+                <a:spcPts val="0"/>
+              </a:spcAft>
+              <a:buSzPts val="1200"/>
+              <a:buChar char="●"/>
+              <a:defRPr sz="1600"/>
+            </a:lvl7pPr>
+            <a:lvl8pPr marL="4876678" lvl="7" indent="-406390">
+              <a:spcBef>
+                <a:spcPts val="2133"/>
+              </a:spcBef>
+              <a:spcAft>
+                <a:spcPts val="0"/>
+              </a:spcAft>
+              <a:buSzPts val="1200"/>
+              <a:buChar char="○"/>
+              <a:defRPr sz="1600"/>
+            </a:lvl8pPr>
+            <a:lvl9pPr marL="5486263" lvl="8" indent="-406390">
+              <a:spcBef>
+                <a:spcPts val="2133"/>
+              </a:spcBef>
+              <a:spcAft>
+                <a:spcPts val="2133"/>
+              </a:spcAft>
+              <a:buSzPts val="1200"/>
+              <a:buChar char="■"/>
+              <a:defRPr sz="1600"/>
+            </a:lvl9pPr>
+          </a:lstStyle>
+          <a:p>
+            <a:endParaRPr/>
+          </a:p>
+        </p:txBody>
+      </p:sp>
+      <p:sp>
+        <p:nvSpPr>
+          <p:cNvPr id="23" name="Google Shape;23;p5"/>
+          <p:cNvSpPr txBox="1">
+            <a:spLocks noGrp="1"/>
+          </p:cNvSpPr>
+          <p:nvPr>
+            <p:ph type="body" idx="2"/>
+          </p:nvPr>
+        </p:nvSpPr>
+        <p:spPr>
+          <a:xfrm>
+            <a:off x="6443200" y="1536633"/>
+            <a:ext cx="5333200" cy="4555200"/>
+          </a:xfrm>
+          <a:prstGeom prst="rect">
+            <a:avLst/>
+          </a:prstGeom>
+        </p:spPr>
+        <p:txBody>
+          <a:bodyPr spcFirstLastPara="1" wrap="square" lIns="91425" tIns="91425" rIns="91425" bIns="91425" anchor="t" anchorCtr="0">
+            <a:noAutofit/>
+          </a:bodyPr>
+          <a:lstStyle>
+            <a:lvl1pPr marL="609585" lvl="0" indent="-423323">
+              <a:spcBef>
+                <a:spcPts val="0"/>
+              </a:spcBef>
+              <a:spcAft>
+                <a:spcPts val="0"/>
+              </a:spcAft>
+              <a:buSzPts val="1400"/>
+              <a:buChar char="●"/>
+              <a:defRPr sz="1867"/>
+            </a:lvl1pPr>
+            <a:lvl2pPr marL="1219170" lvl="1" indent="-406390">
+              <a:spcBef>
+                <a:spcPts val="2133"/>
+              </a:spcBef>
+              <a:spcAft>
+                <a:spcPts val="0"/>
+              </a:spcAft>
+              <a:buSzPts val="1200"/>
+              <a:buChar char="○"/>
+              <a:defRPr sz="1600"/>
+            </a:lvl2pPr>
+            <a:lvl3pPr marL="1828754" lvl="2" indent="-406390">
+              <a:spcBef>
+                <a:spcPts val="2133"/>
+              </a:spcBef>
+              <a:spcAft>
+                <a:spcPts val="0"/>
+              </a:spcAft>
+              <a:buSzPts val="1200"/>
+              <a:buChar char="■"/>
+              <a:defRPr sz="1600"/>
+            </a:lvl3pPr>
+            <a:lvl4pPr marL="2438339" lvl="3" indent="-406390">
+              <a:spcBef>
+                <a:spcPts val="2133"/>
+              </a:spcBef>
+              <a:spcAft>
+                <a:spcPts val="0"/>
+              </a:spcAft>
+              <a:buSzPts val="1200"/>
+              <a:buChar char="●"/>
+              <a:defRPr sz="1600"/>
+            </a:lvl4pPr>
+            <a:lvl5pPr marL="3047924" lvl="4" indent="-406390">
+              <a:spcBef>
+                <a:spcPts val="2133"/>
+              </a:spcBef>
+              <a:spcAft>
+                <a:spcPts val="0"/>
+              </a:spcAft>
+              <a:buSzPts val="1200"/>
+              <a:buChar char="○"/>
+              <a:defRPr sz="1600"/>
+            </a:lvl5pPr>
+            <a:lvl6pPr marL="3657509" lvl="5" indent="-406390">
+              <a:spcBef>
+                <a:spcPts val="2133"/>
+              </a:spcBef>
+              <a:spcAft>
+                <a:spcPts val="0"/>
+              </a:spcAft>
+              <a:buSzPts val="1200"/>
+              <a:buChar char="■"/>
+              <a:defRPr sz="1600"/>
+            </a:lvl6pPr>
+            <a:lvl7pPr marL="4267093" lvl="6" indent="-406390">
+              <a:spcBef>
+                <a:spcPts val="2133"/>
+              </a:spcBef>
+              <a:spcAft>
+                <a:spcPts val="0"/>
+              </a:spcAft>
+              <a:buSzPts val="1200"/>
+              <a:buChar char="●"/>
+              <a:defRPr sz="1600"/>
+            </a:lvl7pPr>
+            <a:lvl8pPr marL="4876678" lvl="7" indent="-406390">
+              <a:spcBef>
+                <a:spcPts val="2133"/>
+              </a:spcBef>
+              <a:spcAft>
+                <a:spcPts val="0"/>
+              </a:spcAft>
+              <a:buSzPts val="1200"/>
+              <a:buChar char="○"/>
+              <a:defRPr sz="1600"/>
+            </a:lvl8pPr>
+            <a:lvl9pPr marL="5486263" lvl="8" indent="-406390">
+              <a:spcBef>
+                <a:spcPts val="2133"/>
+              </a:spcBef>
+              <a:spcAft>
+                <a:spcPts val="2133"/>
+              </a:spcAft>
+              <a:buSzPts val="1200"/>
+              <a:buChar char="■"/>
+              <a:defRPr sz="1600"/>
+            </a:lvl9pPr>
+          </a:lstStyle>
+          <a:p>
+            <a:endParaRPr/>
+          </a:p>
+        </p:txBody>
+      </p:sp>
+      <p:sp>
+        <p:nvSpPr>
+          <p:cNvPr id="24" name="Google Shape;24;p5"/>
+          <p:cNvSpPr txBox="1">
+            <a:spLocks noGrp="1"/>
+          </p:cNvSpPr>
+          <p:nvPr>
+            <p:ph type="sldNum" idx="12"/>
+          </p:nvPr>
+        </p:nvSpPr>
+        <p:spPr>
+          <a:xfrm>
+            <a:off x="11296611" y="6217623"/>
+            <a:ext cx="731600" cy="524800"/>
+          </a:xfrm>
+          <a:prstGeom prst="rect">
+            <a:avLst/>
+          </a:prstGeom>
+        </p:spPr>
+        <p:txBody>
+          <a:bodyPr spcFirstLastPara="1" wrap="square" lIns="91425" tIns="91425" rIns="91425" bIns="91425" anchor="ctr" anchorCtr="0">
+            <a:noAutofit/>
+          </a:bodyPr>
+          <a:lstStyle>
+            <a:lvl1pPr lvl="0">
+              <a:buNone/>
+              <a:defRPr/>
+            </a:lvl1pPr>
+            <a:lvl2pPr lvl="1">
+              <a:buNone/>
+              <a:defRPr/>
+            </a:lvl2pPr>
+            <a:lvl3pPr lvl="2">
+              <a:buNone/>
+              <a:defRPr/>
+            </a:lvl3pPr>
+            <a:lvl4pPr lvl="3">
+              <a:buNone/>
+              <a:defRPr/>
+            </a:lvl4pPr>
+            <a:lvl5pPr lvl="4">
+              <a:buNone/>
+              <a:defRPr/>
+            </a:lvl5pPr>
+            <a:lvl6pPr lvl="5">
+              <a:buNone/>
+              <a:defRPr/>
+            </a:lvl6pPr>
+            <a:lvl7pPr lvl="6">
+              <a:buNone/>
+              <a:defRPr/>
+            </a:lvl7pPr>
+            <a:lvl8pPr lvl="7">
+              <a:buNone/>
+              <a:defRPr/>
+            </a:lvl8pPr>
+            <a:lvl9pPr lvl="8">
+              <a:buNone/>
+              <a:defRPr/>
+            </a:lvl9pPr>
+          </a:lstStyle>
+          <a:p>
+            <a:fld id="{00000000-1234-1234-1234-123412341234}" type="slidenum">
+              <a:rPr lang="en">
+                <a:solidFill>
+                  <a:srgbClr val="595959"/>
+                </a:solidFill>
+              </a:rPr>
+              <a:pPr/>
+              <a:t>‹#›</a:t>
+            </a:fld>
+            <a:endParaRPr>
+              <a:solidFill>
+                <a:srgbClr val="595959"/>
+              </a:solidFill>
+            </a:endParaRPr>
+          </a:p>
+        </p:txBody>
+      </p:sp>
+    </p:spTree>
+  </p:cSld>
+  <p:clrMapOvr>
+    <a:masterClrMapping/>
+  </p:clrMapOvr>
+</p:sldLayout>
+</file>
+
+<file path=ppt/slideLayouts/slideLayout16.xml><?xml version="1.0" encoding="utf-8"?>
+<p:sldLayout xmlns:a="http://schemas.openxmlformats.org/drawingml/2006/main" xmlns:r="http://schemas.openxmlformats.org/officeDocument/2006/relationships" xmlns:p="http://schemas.openxmlformats.org/presentationml/2006/main" matchingName="Title only" type="titleOnly">
+  <p:cSld name="Title only">
+    <p:spTree>
+      <p:nvGrpSpPr>
+        <p:cNvPr id="1" name="Shape 25"/>
+        <p:cNvGrpSpPr/>
+        <p:nvPr/>
+      </p:nvGrpSpPr>
+      <p:grpSpPr>
+        <a:xfrm>
+          <a:off x="0" y="0"/>
+          <a:ext cx="0" cy="0"/>
+          <a:chOff x="0" y="0"/>
+          <a:chExt cx="0" cy="0"/>
+        </a:xfrm>
+      </p:grpSpPr>
+      <p:sp>
+        <p:nvSpPr>
+          <p:cNvPr id="26" name="Google Shape;26;p6"/>
+          <p:cNvSpPr txBox="1">
+            <a:spLocks noGrp="1"/>
+          </p:cNvSpPr>
+          <p:nvPr>
+            <p:ph type="title"/>
+          </p:nvPr>
+        </p:nvSpPr>
+        <p:spPr>
+          <a:xfrm>
+            <a:off x="415600" y="593367"/>
+            <a:ext cx="11360800" cy="763600"/>
+          </a:xfrm>
+          <a:prstGeom prst="rect">
+            <a:avLst/>
+          </a:prstGeom>
+        </p:spPr>
+        <p:txBody>
+          <a:bodyPr spcFirstLastPara="1" wrap="square" lIns="91425" tIns="91425" rIns="91425" bIns="91425" anchor="t" anchorCtr="0">
+            <a:noAutofit/>
+          </a:bodyPr>
+          <a:lstStyle>
+            <a:lvl1pPr lvl="0">
+              <a:spcBef>
+                <a:spcPts val="0"/>
+              </a:spcBef>
+              <a:spcAft>
+                <a:spcPts val="0"/>
+              </a:spcAft>
+              <a:buSzPts val="2800"/>
+              <a:buNone/>
+              <a:defRPr/>
+            </a:lvl1pPr>
+            <a:lvl2pPr lvl="1">
+              <a:spcBef>
+                <a:spcPts val="0"/>
+              </a:spcBef>
+              <a:spcAft>
+                <a:spcPts val="0"/>
+              </a:spcAft>
+              <a:buSzPts val="2800"/>
+              <a:buNone/>
+              <a:defRPr/>
+            </a:lvl2pPr>
+            <a:lvl3pPr lvl="2">
+              <a:spcBef>
+                <a:spcPts val="0"/>
+              </a:spcBef>
+              <a:spcAft>
+                <a:spcPts val="0"/>
+              </a:spcAft>
+              <a:buSzPts val="2800"/>
+              <a:buNone/>
+              <a:defRPr/>
+            </a:lvl3pPr>
+            <a:lvl4pPr lvl="3">
+              <a:spcBef>
+                <a:spcPts val="0"/>
+              </a:spcBef>
+              <a:spcAft>
+                <a:spcPts val="0"/>
+              </a:spcAft>
+              <a:buSzPts val="2800"/>
+              <a:buNone/>
+              <a:defRPr/>
+            </a:lvl4pPr>
+            <a:lvl5pPr lvl="4">
+              <a:spcBef>
+                <a:spcPts val="0"/>
+              </a:spcBef>
+              <a:spcAft>
+                <a:spcPts val="0"/>
+              </a:spcAft>
+              <a:buSzPts val="2800"/>
+              <a:buNone/>
+              <a:defRPr/>
+            </a:lvl5pPr>
+            <a:lvl6pPr lvl="5">
+              <a:spcBef>
+                <a:spcPts val="0"/>
+              </a:spcBef>
+              <a:spcAft>
+                <a:spcPts val="0"/>
+              </a:spcAft>
+              <a:buSzPts val="2800"/>
+              <a:buNone/>
+              <a:defRPr/>
+            </a:lvl6pPr>
+            <a:lvl7pPr lvl="6">
+              <a:spcBef>
+                <a:spcPts val="0"/>
+              </a:spcBef>
+              <a:spcAft>
+                <a:spcPts val="0"/>
+              </a:spcAft>
+              <a:buSzPts val="2800"/>
+              <a:buNone/>
+              <a:defRPr/>
+            </a:lvl7pPr>
+            <a:lvl8pPr lvl="7">
+              <a:spcBef>
+                <a:spcPts val="0"/>
+              </a:spcBef>
+              <a:spcAft>
+                <a:spcPts val="0"/>
+              </a:spcAft>
+              <a:buSzPts val="2800"/>
+              <a:buNone/>
+              <a:defRPr/>
+            </a:lvl8pPr>
+            <a:lvl9pPr lvl="8">
+              <a:spcBef>
+                <a:spcPts val="0"/>
+              </a:spcBef>
+              <a:spcAft>
+                <a:spcPts val="0"/>
+              </a:spcAft>
+              <a:buSzPts val="2800"/>
+              <a:buNone/>
+              <a:defRPr/>
+            </a:lvl9pPr>
+          </a:lstStyle>
+          <a:p>
+            <a:endParaRPr/>
+          </a:p>
+        </p:txBody>
+      </p:sp>
+      <p:sp>
+        <p:nvSpPr>
+          <p:cNvPr id="27" name="Google Shape;27;p6"/>
+          <p:cNvSpPr txBox="1">
+            <a:spLocks noGrp="1"/>
+          </p:cNvSpPr>
+          <p:nvPr>
+            <p:ph type="sldNum" idx="12"/>
+          </p:nvPr>
+        </p:nvSpPr>
+        <p:spPr>
+          <a:xfrm>
+            <a:off x="11296611" y="6217623"/>
+            <a:ext cx="731600" cy="524800"/>
+          </a:xfrm>
+          <a:prstGeom prst="rect">
+            <a:avLst/>
+          </a:prstGeom>
+        </p:spPr>
+        <p:txBody>
+          <a:bodyPr spcFirstLastPara="1" wrap="square" lIns="91425" tIns="91425" rIns="91425" bIns="91425" anchor="ctr" anchorCtr="0">
+            <a:noAutofit/>
+          </a:bodyPr>
+          <a:lstStyle>
+            <a:lvl1pPr lvl="0">
+              <a:buNone/>
+              <a:defRPr/>
+            </a:lvl1pPr>
+            <a:lvl2pPr lvl="1">
+              <a:buNone/>
+              <a:defRPr/>
+            </a:lvl2pPr>
+            <a:lvl3pPr lvl="2">
+              <a:buNone/>
+              <a:defRPr/>
+            </a:lvl3pPr>
+            <a:lvl4pPr lvl="3">
+              <a:buNone/>
+              <a:defRPr/>
+            </a:lvl4pPr>
+            <a:lvl5pPr lvl="4">
+              <a:buNone/>
+              <a:defRPr/>
+            </a:lvl5pPr>
+            <a:lvl6pPr lvl="5">
+              <a:buNone/>
+              <a:defRPr/>
+            </a:lvl6pPr>
+            <a:lvl7pPr lvl="6">
+              <a:buNone/>
+              <a:defRPr/>
+            </a:lvl7pPr>
+            <a:lvl8pPr lvl="7">
+              <a:buNone/>
+              <a:defRPr/>
+            </a:lvl8pPr>
+            <a:lvl9pPr lvl="8">
+              <a:buNone/>
+              <a:defRPr/>
+            </a:lvl9pPr>
+          </a:lstStyle>
+          <a:p>
+            <a:fld id="{00000000-1234-1234-1234-123412341234}" type="slidenum">
+              <a:rPr lang="en">
+                <a:solidFill>
+                  <a:srgbClr val="595959"/>
+                </a:solidFill>
+              </a:rPr>
+              <a:pPr/>
+              <a:t>‹#›</a:t>
+            </a:fld>
+            <a:endParaRPr>
+              <a:solidFill>
+                <a:srgbClr val="595959"/>
+              </a:solidFill>
+            </a:endParaRPr>
+          </a:p>
+        </p:txBody>
+      </p:sp>
+    </p:spTree>
+  </p:cSld>
+  <p:clrMapOvr>
+    <a:masterClrMapping/>
+  </p:clrMapOvr>
+</p:sldLayout>
+</file>
+
+<file path=ppt/slideLayouts/slideLayout17.xml><?xml version="1.0" encoding="utf-8"?>
+<p:sldLayout xmlns:a="http://schemas.openxmlformats.org/drawingml/2006/main" xmlns:r="http://schemas.openxmlformats.org/officeDocument/2006/relationships" xmlns:p="http://schemas.openxmlformats.org/presentationml/2006/main" matchingName="One column text">
+  <p:cSld name="One column text">
+    <p:spTree>
+      <p:nvGrpSpPr>
+        <p:cNvPr id="1" name="Shape 28"/>
+        <p:cNvGrpSpPr/>
+        <p:nvPr/>
+      </p:nvGrpSpPr>
+      <p:grpSpPr>
+        <a:xfrm>
+          <a:off x="0" y="0"/>
+          <a:ext cx="0" cy="0"/>
+          <a:chOff x="0" y="0"/>
+          <a:chExt cx="0" cy="0"/>
+        </a:xfrm>
+      </p:grpSpPr>
+      <p:sp>
+        <p:nvSpPr>
+          <p:cNvPr id="29" name="Google Shape;29;p7"/>
+          <p:cNvSpPr txBox="1">
+            <a:spLocks noGrp="1"/>
+          </p:cNvSpPr>
+          <p:nvPr>
+            <p:ph type="title"/>
+          </p:nvPr>
+        </p:nvSpPr>
+        <p:spPr>
+          <a:xfrm>
+            <a:off x="415600" y="740800"/>
+            <a:ext cx="3744000" cy="1007600"/>
+          </a:xfrm>
+          <a:prstGeom prst="rect">
+            <a:avLst/>
+          </a:prstGeom>
+        </p:spPr>
+        <p:txBody>
+          <a:bodyPr spcFirstLastPara="1" wrap="square" lIns="91425" tIns="91425" rIns="91425" bIns="91425" anchor="b" anchorCtr="0">
+            <a:noAutofit/>
+          </a:bodyPr>
+          <a:lstStyle>
+            <a:lvl1pPr lvl="0">
+              <a:spcBef>
+                <a:spcPts val="0"/>
+              </a:spcBef>
+              <a:spcAft>
+                <a:spcPts val="0"/>
+              </a:spcAft>
+              <a:buSzPts val="2400"/>
+              <a:buNone/>
+              <a:defRPr sz="3200"/>
+            </a:lvl1pPr>
+            <a:lvl2pPr lvl="1">
+              <a:spcBef>
+                <a:spcPts val="0"/>
+              </a:spcBef>
+              <a:spcAft>
+                <a:spcPts val="0"/>
+              </a:spcAft>
+              <a:buSzPts val="2400"/>
+              <a:buNone/>
+              <a:defRPr sz="3200"/>
+            </a:lvl2pPr>
+            <a:lvl3pPr lvl="2">
+              <a:spcBef>
+                <a:spcPts val="0"/>
+              </a:spcBef>
+              <a:spcAft>
+                <a:spcPts val="0"/>
+              </a:spcAft>
+              <a:buSzPts val="2400"/>
+              <a:buNone/>
+              <a:defRPr sz="3200"/>
+            </a:lvl3pPr>
+            <a:lvl4pPr lvl="3">
+              <a:spcBef>
+                <a:spcPts val="0"/>
+              </a:spcBef>
+              <a:spcAft>
+                <a:spcPts val="0"/>
+              </a:spcAft>
+              <a:buSzPts val="2400"/>
+              <a:buNone/>
+              <a:defRPr sz="3200"/>
+            </a:lvl4pPr>
+            <a:lvl5pPr lvl="4">
+              <a:spcBef>
+                <a:spcPts val="0"/>
+              </a:spcBef>
+              <a:spcAft>
+                <a:spcPts val="0"/>
+              </a:spcAft>
+              <a:buSzPts val="2400"/>
+              <a:buNone/>
+              <a:defRPr sz="3200"/>
+            </a:lvl5pPr>
+            <a:lvl6pPr lvl="5">
+              <a:spcBef>
+                <a:spcPts val="0"/>
+              </a:spcBef>
+              <a:spcAft>
+                <a:spcPts val="0"/>
+              </a:spcAft>
+              <a:buSzPts val="2400"/>
+              <a:buNone/>
+              <a:defRPr sz="3200"/>
+            </a:lvl6pPr>
+            <a:lvl7pPr lvl="6">
+              <a:spcBef>
+                <a:spcPts val="0"/>
+              </a:spcBef>
+              <a:spcAft>
+                <a:spcPts val="0"/>
+              </a:spcAft>
+              <a:buSzPts val="2400"/>
+              <a:buNone/>
+              <a:defRPr sz="3200"/>
+            </a:lvl7pPr>
+            <a:lvl8pPr lvl="7">
+              <a:spcBef>
+                <a:spcPts val="0"/>
+              </a:spcBef>
+              <a:spcAft>
+                <a:spcPts val="0"/>
+              </a:spcAft>
+              <a:buSzPts val="2400"/>
+              <a:buNone/>
+              <a:defRPr sz="3200"/>
+            </a:lvl8pPr>
+            <a:lvl9pPr lvl="8">
+              <a:spcBef>
+                <a:spcPts val="0"/>
+              </a:spcBef>
+              <a:spcAft>
+                <a:spcPts val="0"/>
+              </a:spcAft>
+              <a:buSzPts val="2400"/>
+              <a:buNone/>
+              <a:defRPr sz="3200"/>
+            </a:lvl9pPr>
+          </a:lstStyle>
+          <a:p>
+            <a:endParaRPr/>
+          </a:p>
+        </p:txBody>
+      </p:sp>
+      <p:sp>
+        <p:nvSpPr>
+          <p:cNvPr id="30" name="Google Shape;30;p7"/>
+          <p:cNvSpPr txBox="1">
+            <a:spLocks noGrp="1"/>
+          </p:cNvSpPr>
+          <p:nvPr>
+            <p:ph type="body" idx="1"/>
+          </p:nvPr>
+        </p:nvSpPr>
+        <p:spPr>
+          <a:xfrm>
+            <a:off x="415600" y="1852800"/>
+            <a:ext cx="3744000" cy="4239200"/>
+          </a:xfrm>
+          <a:prstGeom prst="rect">
+            <a:avLst/>
+          </a:prstGeom>
+        </p:spPr>
+        <p:txBody>
+          <a:bodyPr spcFirstLastPara="1" wrap="square" lIns="91425" tIns="91425" rIns="91425" bIns="91425" anchor="t" anchorCtr="0">
+            <a:noAutofit/>
+          </a:bodyPr>
+          <a:lstStyle>
+            <a:lvl1pPr marL="609585" lvl="0" indent="-406390">
+              <a:spcBef>
+                <a:spcPts val="0"/>
+              </a:spcBef>
+              <a:spcAft>
+                <a:spcPts val="0"/>
+              </a:spcAft>
+              <a:buSzPts val="1200"/>
+              <a:buChar char="●"/>
+              <a:defRPr sz="1600"/>
+            </a:lvl1pPr>
+            <a:lvl2pPr marL="1219170" lvl="1" indent="-406390">
+              <a:spcBef>
+                <a:spcPts val="2133"/>
+              </a:spcBef>
+              <a:spcAft>
+                <a:spcPts val="0"/>
+              </a:spcAft>
+              <a:buSzPts val="1200"/>
+              <a:buChar char="○"/>
+              <a:defRPr sz="1600"/>
+            </a:lvl2pPr>
+            <a:lvl3pPr marL="1828754" lvl="2" indent="-406390">
+              <a:spcBef>
+                <a:spcPts val="2133"/>
+              </a:spcBef>
+              <a:spcAft>
+                <a:spcPts val="0"/>
+              </a:spcAft>
+              <a:buSzPts val="1200"/>
+              <a:buChar char="■"/>
+              <a:defRPr sz="1600"/>
+            </a:lvl3pPr>
+            <a:lvl4pPr marL="2438339" lvl="3" indent="-406390">
+              <a:spcBef>
+                <a:spcPts val="2133"/>
+              </a:spcBef>
+              <a:spcAft>
+                <a:spcPts val="0"/>
+              </a:spcAft>
+              <a:buSzPts val="1200"/>
+              <a:buChar char="●"/>
+              <a:defRPr sz="1600"/>
+            </a:lvl4pPr>
+            <a:lvl5pPr marL="3047924" lvl="4" indent="-406390">
+              <a:spcBef>
+                <a:spcPts val="2133"/>
+              </a:spcBef>
+              <a:spcAft>
+                <a:spcPts val="0"/>
+              </a:spcAft>
+              <a:buSzPts val="1200"/>
+              <a:buChar char="○"/>
+              <a:defRPr sz="1600"/>
+            </a:lvl5pPr>
+            <a:lvl6pPr marL="3657509" lvl="5" indent="-406390">
+              <a:spcBef>
+                <a:spcPts val="2133"/>
+              </a:spcBef>
+              <a:spcAft>
+                <a:spcPts val="0"/>
+              </a:spcAft>
+              <a:buSzPts val="1200"/>
+              <a:buChar char="■"/>
+              <a:defRPr sz="1600"/>
+            </a:lvl6pPr>
+            <a:lvl7pPr marL="4267093" lvl="6" indent="-406390">
+              <a:spcBef>
+                <a:spcPts val="2133"/>
+              </a:spcBef>
+              <a:spcAft>
+                <a:spcPts val="0"/>
+              </a:spcAft>
+              <a:buSzPts val="1200"/>
+              <a:buChar char="●"/>
+              <a:defRPr sz="1600"/>
+            </a:lvl7pPr>
+            <a:lvl8pPr marL="4876678" lvl="7" indent="-406390">
+              <a:spcBef>
+                <a:spcPts val="2133"/>
+              </a:spcBef>
+              <a:spcAft>
+                <a:spcPts val="0"/>
+              </a:spcAft>
+              <a:buSzPts val="1200"/>
+              <a:buChar char="○"/>
+              <a:defRPr sz="1600"/>
+            </a:lvl8pPr>
+            <a:lvl9pPr marL="5486263" lvl="8" indent="-406390">
+              <a:spcBef>
+                <a:spcPts val="2133"/>
+              </a:spcBef>
+              <a:spcAft>
+                <a:spcPts val="2133"/>
+              </a:spcAft>
+              <a:buSzPts val="1200"/>
+              <a:buChar char="■"/>
+              <a:defRPr sz="1600"/>
+            </a:lvl9pPr>
+          </a:lstStyle>
+          <a:p>
+            <a:endParaRPr/>
+          </a:p>
+        </p:txBody>
+      </p:sp>
+      <p:sp>
+        <p:nvSpPr>
+          <p:cNvPr id="31" name="Google Shape;31;p7"/>
+          <p:cNvSpPr txBox="1">
+            <a:spLocks noGrp="1"/>
+          </p:cNvSpPr>
+          <p:nvPr>
+            <p:ph type="sldNum" idx="12"/>
+          </p:nvPr>
+        </p:nvSpPr>
+        <p:spPr>
+          <a:xfrm>
+            <a:off x="11296611" y="6217623"/>
+            <a:ext cx="731600" cy="524800"/>
+          </a:xfrm>
+          <a:prstGeom prst="rect">
+            <a:avLst/>
+          </a:prstGeom>
+        </p:spPr>
+        <p:txBody>
+          <a:bodyPr spcFirstLastPara="1" wrap="square" lIns="91425" tIns="91425" rIns="91425" bIns="91425" anchor="ctr" anchorCtr="0">
+            <a:noAutofit/>
+          </a:bodyPr>
+          <a:lstStyle>
+            <a:lvl1pPr lvl="0">
+              <a:buNone/>
+              <a:defRPr/>
+            </a:lvl1pPr>
+            <a:lvl2pPr lvl="1">
+              <a:buNone/>
+              <a:defRPr/>
+            </a:lvl2pPr>
+            <a:lvl3pPr lvl="2">
+              <a:buNone/>
+              <a:defRPr/>
+            </a:lvl3pPr>
+            <a:lvl4pPr lvl="3">
+              <a:buNone/>
+              <a:defRPr/>
+            </a:lvl4pPr>
+            <a:lvl5pPr lvl="4">
+              <a:buNone/>
+              <a:defRPr/>
+            </a:lvl5pPr>
+            <a:lvl6pPr lvl="5">
+              <a:buNone/>
+              <a:defRPr/>
+            </a:lvl6pPr>
+            <a:lvl7pPr lvl="6">
+              <a:buNone/>
+              <a:defRPr/>
+            </a:lvl7pPr>
+            <a:lvl8pPr lvl="7">
+              <a:buNone/>
+              <a:defRPr/>
+            </a:lvl8pPr>
+            <a:lvl9pPr lvl="8">
+              <a:buNone/>
+              <a:defRPr/>
+            </a:lvl9pPr>
+          </a:lstStyle>
+          <a:p>
+            <a:fld id="{00000000-1234-1234-1234-123412341234}" type="slidenum">
+              <a:rPr lang="en">
+                <a:solidFill>
+                  <a:srgbClr val="595959"/>
+                </a:solidFill>
+              </a:rPr>
+              <a:pPr/>
+              <a:t>‹#›</a:t>
+            </a:fld>
+            <a:endParaRPr>
+              <a:solidFill>
+                <a:srgbClr val="595959"/>
+              </a:solidFill>
+            </a:endParaRPr>
+          </a:p>
+        </p:txBody>
+      </p:sp>
+    </p:spTree>
+  </p:cSld>
+  <p:clrMapOvr>
+    <a:masterClrMapping/>
+  </p:clrMapOvr>
+</p:sldLayout>
+</file>
+
+<file path=ppt/slideLayouts/slideLayout18.xml><?xml version="1.0" encoding="utf-8"?>
+<p:sldLayout xmlns:a="http://schemas.openxmlformats.org/drawingml/2006/main" xmlns:r="http://schemas.openxmlformats.org/officeDocument/2006/relationships" xmlns:p="http://schemas.openxmlformats.org/presentationml/2006/main" matchingName="Main point">
+  <p:cSld name="Main point">
+    <p:spTree>
+      <p:nvGrpSpPr>
+        <p:cNvPr id="1" name="Shape 32"/>
+        <p:cNvGrpSpPr/>
+        <p:nvPr/>
+      </p:nvGrpSpPr>
+      <p:grpSpPr>
+        <a:xfrm>
+          <a:off x="0" y="0"/>
+          <a:ext cx="0" cy="0"/>
+          <a:chOff x="0" y="0"/>
+          <a:chExt cx="0" cy="0"/>
+        </a:xfrm>
+      </p:grpSpPr>
+      <p:sp>
+        <p:nvSpPr>
+          <p:cNvPr id="33" name="Google Shape;33;p8"/>
+          <p:cNvSpPr txBox="1">
+            <a:spLocks noGrp="1"/>
+          </p:cNvSpPr>
+          <p:nvPr>
+            <p:ph type="title"/>
+          </p:nvPr>
+        </p:nvSpPr>
+        <p:spPr>
+          <a:xfrm>
+            <a:off x="653667" y="600200"/>
+            <a:ext cx="8490400" cy="5454400"/>
+          </a:xfrm>
+          <a:prstGeom prst="rect">
+            <a:avLst/>
+          </a:prstGeom>
+        </p:spPr>
+        <p:txBody>
+          <a:bodyPr spcFirstLastPara="1" wrap="square" lIns="91425" tIns="91425" rIns="91425" bIns="91425" anchor="ctr" anchorCtr="0">
+            <a:noAutofit/>
+          </a:bodyPr>
+          <a:lstStyle>
+            <a:lvl1pPr lvl="0">
+              <a:spcBef>
+                <a:spcPts val="0"/>
+              </a:spcBef>
+              <a:spcAft>
+                <a:spcPts val="0"/>
+              </a:spcAft>
+              <a:buSzPts val="4800"/>
+              <a:buNone/>
+              <a:defRPr sz="6400"/>
+            </a:lvl1pPr>
+            <a:lvl2pPr lvl="1">
+              <a:spcBef>
+                <a:spcPts val="0"/>
+              </a:spcBef>
+              <a:spcAft>
+                <a:spcPts val="0"/>
+              </a:spcAft>
+              <a:buSzPts val="4800"/>
+              <a:buNone/>
+              <a:defRPr sz="6400"/>
+            </a:lvl2pPr>
+            <a:lvl3pPr lvl="2">
+              <a:spcBef>
+                <a:spcPts val="0"/>
+              </a:spcBef>
+              <a:spcAft>
+                <a:spcPts val="0"/>
+              </a:spcAft>
+              <a:buSzPts val="4800"/>
+              <a:buNone/>
+              <a:defRPr sz="6400"/>
+            </a:lvl3pPr>
+            <a:lvl4pPr lvl="3">
+              <a:spcBef>
+                <a:spcPts val="0"/>
+              </a:spcBef>
+              <a:spcAft>
+                <a:spcPts val="0"/>
+              </a:spcAft>
+              <a:buSzPts val="4800"/>
+              <a:buNone/>
+              <a:defRPr sz="6400"/>
+            </a:lvl4pPr>
+            <a:lvl5pPr lvl="4">
+              <a:spcBef>
+                <a:spcPts val="0"/>
+              </a:spcBef>
+              <a:spcAft>
+                <a:spcPts val="0"/>
+              </a:spcAft>
+              <a:buSzPts val="4800"/>
+              <a:buNone/>
+              <a:defRPr sz="6400"/>
+            </a:lvl5pPr>
+            <a:lvl6pPr lvl="5">
+              <a:spcBef>
+                <a:spcPts val="0"/>
+              </a:spcBef>
+              <a:spcAft>
+                <a:spcPts val="0"/>
+              </a:spcAft>
+              <a:buSzPts val="4800"/>
+              <a:buNone/>
+              <a:defRPr sz="6400"/>
+            </a:lvl6pPr>
+            <a:lvl7pPr lvl="6">
+              <a:spcBef>
+                <a:spcPts val="0"/>
+              </a:spcBef>
+              <a:spcAft>
+                <a:spcPts val="0"/>
+              </a:spcAft>
+              <a:buSzPts val="4800"/>
+              <a:buNone/>
+              <a:defRPr sz="6400"/>
+            </a:lvl7pPr>
+            <a:lvl8pPr lvl="7">
+              <a:spcBef>
+                <a:spcPts val="0"/>
+              </a:spcBef>
+              <a:spcAft>
+                <a:spcPts val="0"/>
+              </a:spcAft>
+              <a:buSzPts val="4800"/>
+              <a:buNone/>
+              <a:defRPr sz="6400"/>
+            </a:lvl8pPr>
+            <a:lvl9pPr lvl="8">
+              <a:spcBef>
+                <a:spcPts val="0"/>
+              </a:spcBef>
+              <a:spcAft>
+                <a:spcPts val="0"/>
+              </a:spcAft>
+              <a:buSzPts val="4800"/>
+              <a:buNone/>
+              <a:defRPr sz="6400"/>
+            </a:lvl9pPr>
+          </a:lstStyle>
+          <a:p>
+            <a:endParaRPr/>
+          </a:p>
+        </p:txBody>
+      </p:sp>
+      <p:sp>
+        <p:nvSpPr>
+          <p:cNvPr id="34" name="Google Shape;34;p8"/>
+          <p:cNvSpPr txBox="1">
+            <a:spLocks noGrp="1"/>
+          </p:cNvSpPr>
+          <p:nvPr>
+            <p:ph type="sldNum" idx="12"/>
+          </p:nvPr>
+        </p:nvSpPr>
+        <p:spPr>
+          <a:xfrm>
+            <a:off x="11296611" y="6217623"/>
+            <a:ext cx="731600" cy="524800"/>
+          </a:xfrm>
+          <a:prstGeom prst="rect">
+            <a:avLst/>
+          </a:prstGeom>
+        </p:spPr>
+        <p:txBody>
+          <a:bodyPr spcFirstLastPara="1" wrap="square" lIns="91425" tIns="91425" rIns="91425" bIns="91425" anchor="ctr" anchorCtr="0">
+            <a:noAutofit/>
+          </a:bodyPr>
+          <a:lstStyle>
+            <a:lvl1pPr lvl="0">
+              <a:buNone/>
+              <a:defRPr/>
+            </a:lvl1pPr>
+            <a:lvl2pPr lvl="1">
+              <a:buNone/>
+              <a:defRPr/>
+            </a:lvl2pPr>
+            <a:lvl3pPr lvl="2">
+              <a:buNone/>
+              <a:defRPr/>
+            </a:lvl3pPr>
+            <a:lvl4pPr lvl="3">
+              <a:buNone/>
+              <a:defRPr/>
+            </a:lvl4pPr>
+            <a:lvl5pPr lvl="4">
+              <a:buNone/>
+              <a:defRPr/>
+            </a:lvl5pPr>
+            <a:lvl6pPr lvl="5">
+              <a:buNone/>
+              <a:defRPr/>
+            </a:lvl6pPr>
+            <a:lvl7pPr lvl="6">
+              <a:buNone/>
+              <a:defRPr/>
+            </a:lvl7pPr>
+            <a:lvl8pPr lvl="7">
+              <a:buNone/>
+              <a:defRPr/>
+            </a:lvl8pPr>
+            <a:lvl9pPr lvl="8">
+              <a:buNone/>
+              <a:defRPr/>
+            </a:lvl9pPr>
+          </a:lstStyle>
+          <a:p>
+            <a:fld id="{00000000-1234-1234-1234-123412341234}" type="slidenum">
+              <a:rPr lang="en">
+                <a:solidFill>
+                  <a:srgbClr val="595959"/>
+                </a:solidFill>
+              </a:rPr>
+              <a:pPr/>
+              <a:t>‹#›</a:t>
+            </a:fld>
+            <a:endParaRPr>
+              <a:solidFill>
+                <a:srgbClr val="595959"/>
+              </a:solidFill>
+            </a:endParaRPr>
+          </a:p>
+        </p:txBody>
+      </p:sp>
+    </p:spTree>
+  </p:cSld>
+  <p:clrMapOvr>
+    <a:masterClrMapping/>
+  </p:clrMapOvr>
+</p:sldLayout>
+</file>
+
+<file path=ppt/slideLayouts/slideLayout19.xml><?xml version="1.0" encoding="utf-8"?>
+<p:sldLayout xmlns:a="http://schemas.openxmlformats.org/drawingml/2006/main" xmlns:r="http://schemas.openxmlformats.org/officeDocument/2006/relationships" xmlns:p="http://schemas.openxmlformats.org/presentationml/2006/main" matchingName="Section title and description">
+  <p:cSld name="Section title and description">
+    <p:spTree>
+      <p:nvGrpSpPr>
+        <p:cNvPr id="1" name="Shape 35"/>
+        <p:cNvGrpSpPr/>
+        <p:nvPr/>
+      </p:nvGrpSpPr>
+      <p:grpSpPr>
+        <a:xfrm>
+          <a:off x="0" y="0"/>
+          <a:ext cx="0" cy="0"/>
+          <a:chOff x="0" y="0"/>
+          <a:chExt cx="0" cy="0"/>
+        </a:xfrm>
+      </p:grpSpPr>
+      <p:sp>
+        <p:nvSpPr>
+          <p:cNvPr id="36" name="Google Shape;36;p9"/>
+          <p:cNvSpPr/>
+          <p:nvPr/>
+        </p:nvSpPr>
+        <p:spPr>
+          <a:xfrm>
+            <a:off x="6096000" y="-167"/>
+            <a:ext cx="6096000" cy="6858000"/>
+          </a:xfrm>
+          <a:prstGeom prst="rect">
+            <a:avLst/>
+          </a:prstGeom>
+          <a:solidFill>
+            <a:schemeClr val="lt2"/>
+          </a:solidFill>
+          <a:ln>
+            <a:noFill/>
+          </a:ln>
+        </p:spPr>
+        <p:txBody>
+          <a:bodyPr spcFirstLastPara="1" wrap="square" lIns="121900" tIns="121900" rIns="121900" bIns="121900" anchor="ctr" anchorCtr="0">
+            <a:noAutofit/>
+          </a:bodyPr>
+          <a:lstStyle/>
+          <a:p>
+            <a:pPr defTabSz="1219170">
+              <a:buClr>
+                <a:srgbClr val="000000"/>
+              </a:buClr>
+              <a:buFont typeface="Arial"/>
+              <a:buNone/>
+            </a:pPr>
+            <a:endParaRPr sz="1867" kern="0">
+              <a:solidFill>
+                <a:srgbClr val="000000"/>
+              </a:solidFill>
+              <a:ea typeface="Arial"/>
+              <a:cs typeface="Arial"/>
+              <a:sym typeface="Arial"/>
+            </a:endParaRPr>
+          </a:p>
+        </p:txBody>
+      </p:sp>
+      <p:sp>
+        <p:nvSpPr>
+          <p:cNvPr id="37" name="Google Shape;37;p9"/>
+          <p:cNvSpPr txBox="1">
+            <a:spLocks noGrp="1"/>
+          </p:cNvSpPr>
+          <p:nvPr>
+            <p:ph type="title"/>
+          </p:nvPr>
+        </p:nvSpPr>
+        <p:spPr>
+          <a:xfrm>
+            <a:off x="354000" y="1644233"/>
+            <a:ext cx="5393600" cy="1976400"/>
+          </a:xfrm>
+          <a:prstGeom prst="rect">
+            <a:avLst/>
+          </a:prstGeom>
+        </p:spPr>
+        <p:txBody>
+          <a:bodyPr spcFirstLastPara="1" wrap="square" lIns="91425" tIns="91425" rIns="91425" bIns="91425" anchor="b" anchorCtr="0">
+            <a:noAutofit/>
+          </a:bodyPr>
+          <a:lstStyle>
+            <a:lvl1pPr lvl="0" algn="ctr">
+              <a:spcBef>
+                <a:spcPts val="0"/>
+              </a:spcBef>
+              <a:spcAft>
+                <a:spcPts val="0"/>
+              </a:spcAft>
+              <a:buSzPts val="4200"/>
+              <a:buNone/>
+              <a:defRPr sz="5600"/>
+            </a:lvl1pPr>
+            <a:lvl2pPr lvl="1" algn="ctr">
+              <a:spcBef>
+                <a:spcPts val="0"/>
+              </a:spcBef>
+              <a:spcAft>
+                <a:spcPts val="0"/>
+              </a:spcAft>
+              <a:buSzPts val="4200"/>
+              <a:buNone/>
+              <a:defRPr sz="5600"/>
+            </a:lvl2pPr>
+            <a:lvl3pPr lvl="2" algn="ctr">
+              <a:spcBef>
+                <a:spcPts val="0"/>
+              </a:spcBef>
+              <a:spcAft>
+                <a:spcPts val="0"/>
+              </a:spcAft>
+              <a:buSzPts val="4200"/>
+              <a:buNone/>
+              <a:defRPr sz="5600"/>
+            </a:lvl3pPr>
+            <a:lvl4pPr lvl="3" algn="ctr">
+              <a:spcBef>
+                <a:spcPts val="0"/>
+              </a:spcBef>
+              <a:spcAft>
+                <a:spcPts val="0"/>
+              </a:spcAft>
+              <a:buSzPts val="4200"/>
+              <a:buNone/>
+              <a:defRPr sz="5600"/>
+            </a:lvl4pPr>
+            <a:lvl5pPr lvl="4" algn="ctr">
+              <a:spcBef>
+                <a:spcPts val="0"/>
+              </a:spcBef>
+              <a:spcAft>
+                <a:spcPts val="0"/>
+              </a:spcAft>
+              <a:buSzPts val="4200"/>
+              <a:buNone/>
+              <a:defRPr sz="5600"/>
+            </a:lvl5pPr>
+            <a:lvl6pPr lvl="5" algn="ctr">
+              <a:spcBef>
+                <a:spcPts val="0"/>
+              </a:spcBef>
+              <a:spcAft>
+                <a:spcPts val="0"/>
+              </a:spcAft>
+              <a:buSzPts val="4200"/>
+              <a:buNone/>
+              <a:defRPr sz="5600"/>
+            </a:lvl6pPr>
+            <a:lvl7pPr lvl="6" algn="ctr">
+              <a:spcBef>
+                <a:spcPts val="0"/>
+              </a:spcBef>
+              <a:spcAft>
+                <a:spcPts val="0"/>
+              </a:spcAft>
+              <a:buSzPts val="4200"/>
+              <a:buNone/>
+              <a:defRPr sz="5600"/>
+            </a:lvl7pPr>
+            <a:lvl8pPr lvl="7" algn="ctr">
+              <a:spcBef>
+                <a:spcPts val="0"/>
+              </a:spcBef>
+              <a:spcAft>
+                <a:spcPts val="0"/>
+              </a:spcAft>
+              <a:buSzPts val="4200"/>
+              <a:buNone/>
+              <a:defRPr sz="5600"/>
+            </a:lvl8pPr>
+            <a:lvl9pPr lvl="8" algn="ctr">
+              <a:spcBef>
+                <a:spcPts val="0"/>
+              </a:spcBef>
+              <a:spcAft>
+                <a:spcPts val="0"/>
+              </a:spcAft>
+              <a:buSzPts val="4200"/>
+              <a:buNone/>
+              <a:defRPr sz="5600"/>
+            </a:lvl9pPr>
+          </a:lstStyle>
+          <a:p>
+            <a:endParaRPr/>
+          </a:p>
+        </p:txBody>
+      </p:sp>
+      <p:sp>
+        <p:nvSpPr>
+          <p:cNvPr id="38" name="Google Shape;38;p9"/>
+          <p:cNvSpPr txBox="1">
+            <a:spLocks noGrp="1"/>
+          </p:cNvSpPr>
+          <p:nvPr>
+            <p:ph type="subTitle" idx="1"/>
+          </p:nvPr>
+        </p:nvSpPr>
+        <p:spPr>
+          <a:xfrm>
+            <a:off x="354000" y="3737433"/>
+            <a:ext cx="5393600" cy="1646800"/>
+          </a:xfrm>
+          <a:prstGeom prst="rect">
+            <a:avLst/>
+          </a:prstGeom>
+        </p:spPr>
+        <p:txBody>
+          <a:bodyPr spcFirstLastPara="1" wrap="square" lIns="91425" tIns="91425" rIns="91425" bIns="91425" anchor="t" anchorCtr="0">
+            <a:noAutofit/>
+          </a:bodyPr>
+          <a:lstStyle>
+            <a:lvl1pPr lvl="0" algn="ctr">
+              <a:lnSpc>
+                <a:spcPct val="100000"/>
+              </a:lnSpc>
+              <a:spcBef>
+                <a:spcPts val="0"/>
+              </a:spcBef>
+              <a:spcAft>
+                <a:spcPts val="0"/>
+              </a:spcAft>
+              <a:buSzPts val="2100"/>
+              <a:buNone/>
+              <a:defRPr sz="2800"/>
+            </a:lvl1pPr>
+            <a:lvl2pPr lvl="1" algn="ctr">
+              <a:lnSpc>
+                <a:spcPct val="100000"/>
+              </a:lnSpc>
+              <a:spcBef>
+                <a:spcPts val="0"/>
+              </a:spcBef>
+              <a:spcAft>
+                <a:spcPts val="0"/>
+              </a:spcAft>
+              <a:buSzPts val="2100"/>
+              <a:buNone/>
+              <a:defRPr sz="2800"/>
+            </a:lvl2pPr>
+            <a:lvl3pPr lvl="2" algn="ctr">
+              <a:lnSpc>
+                <a:spcPct val="100000"/>
+              </a:lnSpc>
+              <a:spcBef>
+                <a:spcPts val="0"/>
+              </a:spcBef>
+              <a:spcAft>
+                <a:spcPts val="0"/>
+              </a:spcAft>
+              <a:buSzPts val="2100"/>
+              <a:buNone/>
+              <a:defRPr sz="2800"/>
+            </a:lvl3pPr>
+            <a:lvl4pPr lvl="3" algn="ctr">
+              <a:lnSpc>
+                <a:spcPct val="100000"/>
+              </a:lnSpc>
+              <a:spcBef>
+                <a:spcPts val="0"/>
+              </a:spcBef>
+              <a:spcAft>
+                <a:spcPts val="0"/>
+              </a:spcAft>
+              <a:buSzPts val="2100"/>
+              <a:buNone/>
+              <a:defRPr sz="2800"/>
+            </a:lvl4pPr>
+            <a:lvl5pPr lvl="4" algn="ctr">
+              <a:lnSpc>
+                <a:spcPct val="100000"/>
+              </a:lnSpc>
+              <a:spcBef>
+                <a:spcPts val="0"/>
+              </a:spcBef>
+              <a:spcAft>
+                <a:spcPts val="0"/>
+              </a:spcAft>
+              <a:buSzPts val="2100"/>
+              <a:buNone/>
+              <a:defRPr sz="2800"/>
+            </a:lvl5pPr>
+            <a:lvl6pPr lvl="5" algn="ctr">
+              <a:lnSpc>
+                <a:spcPct val="100000"/>
+              </a:lnSpc>
+              <a:spcBef>
+                <a:spcPts val="0"/>
+              </a:spcBef>
+              <a:spcAft>
+                <a:spcPts val="0"/>
+              </a:spcAft>
+              <a:buSzPts val="2100"/>
+              <a:buNone/>
+              <a:defRPr sz="2800"/>
+            </a:lvl6pPr>
+            <a:lvl7pPr lvl="6" algn="ctr">
+              <a:lnSpc>
+                <a:spcPct val="100000"/>
+              </a:lnSpc>
+              <a:spcBef>
+                <a:spcPts val="0"/>
+              </a:spcBef>
+              <a:spcAft>
+                <a:spcPts val="0"/>
+              </a:spcAft>
+              <a:buSzPts val="2100"/>
+              <a:buNone/>
+              <a:defRPr sz="2800"/>
+            </a:lvl7pPr>
+            <a:lvl8pPr lvl="7" algn="ctr">
+              <a:lnSpc>
+                <a:spcPct val="100000"/>
+              </a:lnSpc>
+              <a:spcBef>
+                <a:spcPts val="0"/>
+              </a:spcBef>
+              <a:spcAft>
+                <a:spcPts val="0"/>
+              </a:spcAft>
+              <a:buSzPts val="2100"/>
+              <a:buNone/>
+              <a:defRPr sz="2800"/>
+            </a:lvl8pPr>
+            <a:lvl9pPr lvl="8" algn="ctr">
+              <a:lnSpc>
+                <a:spcPct val="100000"/>
+              </a:lnSpc>
+              <a:spcBef>
+                <a:spcPts val="0"/>
+              </a:spcBef>
+              <a:spcAft>
+                <a:spcPts val="0"/>
+              </a:spcAft>
+              <a:buSzPts val="2100"/>
+              <a:buNone/>
+              <a:defRPr sz="2800"/>
+            </a:lvl9pPr>
+          </a:lstStyle>
+          <a:p>
+            <a:endParaRPr/>
+          </a:p>
+        </p:txBody>
+      </p:sp>
+      <p:sp>
+        <p:nvSpPr>
+          <p:cNvPr id="39" name="Google Shape;39;p9"/>
+          <p:cNvSpPr txBox="1">
+            <a:spLocks noGrp="1"/>
+          </p:cNvSpPr>
+          <p:nvPr>
+            <p:ph type="body" idx="2"/>
+          </p:nvPr>
+        </p:nvSpPr>
+        <p:spPr>
+          <a:xfrm>
+            <a:off x="6586000" y="965433"/>
+            <a:ext cx="5116000" cy="4926800"/>
+          </a:xfrm>
+          <a:prstGeom prst="rect">
+            <a:avLst/>
+          </a:prstGeom>
+        </p:spPr>
+        <p:txBody>
+          <a:bodyPr spcFirstLastPara="1" wrap="square" lIns="91425" tIns="91425" rIns="91425" bIns="91425" anchor="ctr" anchorCtr="0">
+            <a:noAutofit/>
+          </a:bodyPr>
+          <a:lstStyle>
+            <a:lvl1pPr marL="609585" lvl="0" indent="-457189">
+              <a:spcBef>
+                <a:spcPts val="0"/>
+              </a:spcBef>
+              <a:spcAft>
+                <a:spcPts val="0"/>
+              </a:spcAft>
+              <a:buSzPts val="1800"/>
+              <a:buChar char="●"/>
+              <a:defRPr/>
+            </a:lvl1pPr>
+            <a:lvl2pPr marL="1219170" lvl="1" indent="-423323">
+              <a:spcBef>
+                <a:spcPts val="2133"/>
+              </a:spcBef>
+              <a:spcAft>
+                <a:spcPts val="0"/>
+              </a:spcAft>
+              <a:buSzPts val="1400"/>
+              <a:buChar char="○"/>
+              <a:defRPr/>
+            </a:lvl2pPr>
+            <a:lvl3pPr marL="1828754" lvl="2" indent="-423323">
+              <a:spcBef>
+                <a:spcPts val="2133"/>
+              </a:spcBef>
+              <a:spcAft>
+                <a:spcPts val="0"/>
+              </a:spcAft>
+              <a:buSzPts val="1400"/>
+              <a:buChar char="■"/>
+              <a:defRPr/>
+            </a:lvl3pPr>
+            <a:lvl4pPr marL="2438339" lvl="3" indent="-423323">
+              <a:spcBef>
+                <a:spcPts val="2133"/>
+              </a:spcBef>
+              <a:spcAft>
+                <a:spcPts val="0"/>
+              </a:spcAft>
+              <a:buSzPts val="1400"/>
+              <a:buChar char="●"/>
+              <a:defRPr/>
+            </a:lvl4pPr>
+            <a:lvl5pPr marL="3047924" lvl="4" indent="-423323">
+              <a:spcBef>
+                <a:spcPts val="2133"/>
+              </a:spcBef>
+              <a:spcAft>
+                <a:spcPts val="0"/>
+              </a:spcAft>
+              <a:buSzPts val="1400"/>
+              <a:buChar char="○"/>
+              <a:defRPr/>
+            </a:lvl5pPr>
+            <a:lvl6pPr marL="3657509" lvl="5" indent="-423323">
+              <a:spcBef>
+                <a:spcPts val="2133"/>
+              </a:spcBef>
+              <a:spcAft>
+                <a:spcPts val="0"/>
+              </a:spcAft>
+              <a:buSzPts val="1400"/>
+              <a:buChar char="■"/>
+              <a:defRPr/>
+            </a:lvl6pPr>
+            <a:lvl7pPr marL="4267093" lvl="6" indent="-423323">
+              <a:spcBef>
+                <a:spcPts val="2133"/>
+              </a:spcBef>
+              <a:spcAft>
+                <a:spcPts val="0"/>
+              </a:spcAft>
+              <a:buSzPts val="1400"/>
+              <a:buChar char="●"/>
+              <a:defRPr/>
+            </a:lvl7pPr>
+            <a:lvl8pPr marL="4876678" lvl="7" indent="-423323">
+              <a:spcBef>
+                <a:spcPts val="2133"/>
+              </a:spcBef>
+              <a:spcAft>
+                <a:spcPts val="0"/>
+              </a:spcAft>
+              <a:buSzPts val="1400"/>
+              <a:buChar char="○"/>
+              <a:defRPr/>
+            </a:lvl8pPr>
+            <a:lvl9pPr marL="5486263" lvl="8" indent="-423323">
+              <a:spcBef>
+                <a:spcPts val="2133"/>
+              </a:spcBef>
+              <a:spcAft>
+                <a:spcPts val="2133"/>
+              </a:spcAft>
+              <a:buSzPts val="1400"/>
+              <a:buChar char="■"/>
+              <a:defRPr/>
+            </a:lvl9pPr>
+          </a:lstStyle>
+          <a:p>
+            <a:endParaRPr/>
+          </a:p>
+        </p:txBody>
+      </p:sp>
+      <p:sp>
+        <p:nvSpPr>
+          <p:cNvPr id="40" name="Google Shape;40;p9"/>
+          <p:cNvSpPr txBox="1">
+            <a:spLocks noGrp="1"/>
+          </p:cNvSpPr>
+          <p:nvPr>
+            <p:ph type="sldNum" idx="12"/>
+          </p:nvPr>
+        </p:nvSpPr>
+        <p:spPr>
+          <a:xfrm>
+            <a:off x="11296611" y="6217623"/>
+            <a:ext cx="731600" cy="524800"/>
+          </a:xfrm>
+          <a:prstGeom prst="rect">
+            <a:avLst/>
+          </a:prstGeom>
+        </p:spPr>
+        <p:txBody>
+          <a:bodyPr spcFirstLastPara="1" wrap="square" lIns="91425" tIns="91425" rIns="91425" bIns="91425" anchor="ctr" anchorCtr="0">
+            <a:noAutofit/>
+          </a:bodyPr>
+          <a:lstStyle>
+            <a:lvl1pPr lvl="0">
+              <a:buNone/>
+              <a:defRPr/>
+            </a:lvl1pPr>
+            <a:lvl2pPr lvl="1">
+              <a:buNone/>
+              <a:defRPr/>
+            </a:lvl2pPr>
+            <a:lvl3pPr lvl="2">
+              <a:buNone/>
+              <a:defRPr/>
+            </a:lvl3pPr>
+            <a:lvl4pPr lvl="3">
+              <a:buNone/>
+              <a:defRPr/>
+            </a:lvl4pPr>
+            <a:lvl5pPr lvl="4">
+              <a:buNone/>
+              <a:defRPr/>
+            </a:lvl5pPr>
+            <a:lvl6pPr lvl="5">
+              <a:buNone/>
+              <a:defRPr/>
+            </a:lvl6pPr>
+            <a:lvl7pPr lvl="6">
+              <a:buNone/>
+              <a:defRPr/>
+            </a:lvl7pPr>
+            <a:lvl8pPr lvl="7">
+              <a:buNone/>
+              <a:defRPr/>
+            </a:lvl8pPr>
+            <a:lvl9pPr lvl="8">
+              <a:buNone/>
+              <a:defRPr/>
+            </a:lvl9pPr>
+          </a:lstStyle>
+          <a:p>
+            <a:fld id="{00000000-1234-1234-1234-123412341234}" type="slidenum">
+              <a:rPr lang="en">
+                <a:solidFill>
+                  <a:srgbClr val="595959"/>
+                </a:solidFill>
+              </a:rPr>
+              <a:pPr/>
+              <a:t>‹#›</a:t>
+            </a:fld>
+            <a:endParaRPr>
+              <a:solidFill>
+                <a:srgbClr val="595959"/>
+              </a:solidFill>
+            </a:endParaRPr>
+          </a:p>
+        </p:txBody>
+      </p:sp>
+    </p:spTree>
   </p:cSld>
   <p:clrMapOvr>
     <a:masterClrMapping/>
@@ -9507,7 +12814,7 @@
           <a:p>
             <a:fld id="{9A0AFBE5-001C-400D-A452-098101439866}" type="datetimeFigureOut">
               <a:rPr lang="en-US" smtClean="0"/>
-              <a:t>7/31/2020</a:t>
+              <a:t>9/12/20</a:t>
             </a:fld>
             <a:endParaRPr lang="en-US"/>
           </a:p>
@@ -9561,6 +12868,622 @@
         <p14:creationId xmlns:p14="http://schemas.microsoft.com/office/powerpoint/2010/main" val="2723006368"/>
       </p:ext>
     </p:extLst>
+  </p:cSld>
+  <p:clrMapOvr>
+    <a:masterClrMapping/>
+  </p:clrMapOvr>
+</p:sldLayout>
+</file>
+
+<file path=ppt/slideLayouts/slideLayout20.xml><?xml version="1.0" encoding="utf-8"?>
+<p:sldLayout xmlns:a="http://schemas.openxmlformats.org/drawingml/2006/main" xmlns:r="http://schemas.openxmlformats.org/officeDocument/2006/relationships" xmlns:p="http://schemas.openxmlformats.org/presentationml/2006/main" matchingName="Caption">
+  <p:cSld name="Caption">
+    <p:spTree>
+      <p:nvGrpSpPr>
+        <p:cNvPr id="1" name="Shape 41"/>
+        <p:cNvGrpSpPr/>
+        <p:nvPr/>
+      </p:nvGrpSpPr>
+      <p:grpSpPr>
+        <a:xfrm>
+          <a:off x="0" y="0"/>
+          <a:ext cx="0" cy="0"/>
+          <a:chOff x="0" y="0"/>
+          <a:chExt cx="0" cy="0"/>
+        </a:xfrm>
+      </p:grpSpPr>
+      <p:sp>
+        <p:nvSpPr>
+          <p:cNvPr id="42" name="Google Shape;42;p10"/>
+          <p:cNvSpPr txBox="1">
+            <a:spLocks noGrp="1"/>
+          </p:cNvSpPr>
+          <p:nvPr>
+            <p:ph type="body" idx="1"/>
+          </p:nvPr>
+        </p:nvSpPr>
+        <p:spPr>
+          <a:xfrm>
+            <a:off x="415600" y="5640767"/>
+            <a:ext cx="7998400" cy="806800"/>
+          </a:xfrm>
+          <a:prstGeom prst="rect">
+            <a:avLst/>
+          </a:prstGeom>
+        </p:spPr>
+        <p:txBody>
+          <a:bodyPr spcFirstLastPara="1" wrap="square" lIns="91425" tIns="91425" rIns="91425" bIns="91425" anchor="ctr" anchorCtr="0">
+            <a:noAutofit/>
+          </a:bodyPr>
+          <a:lstStyle>
+            <a:lvl1pPr marL="609585" lvl="0" indent="-304792">
+              <a:lnSpc>
+                <a:spcPct val="100000"/>
+              </a:lnSpc>
+              <a:spcBef>
+                <a:spcPts val="0"/>
+              </a:spcBef>
+              <a:spcAft>
+                <a:spcPts val="0"/>
+              </a:spcAft>
+              <a:buSzPts val="1800"/>
+              <a:buNone/>
+              <a:defRPr/>
+            </a:lvl1pPr>
+          </a:lstStyle>
+          <a:p>
+            <a:endParaRPr/>
+          </a:p>
+        </p:txBody>
+      </p:sp>
+      <p:sp>
+        <p:nvSpPr>
+          <p:cNvPr id="43" name="Google Shape;43;p10"/>
+          <p:cNvSpPr txBox="1">
+            <a:spLocks noGrp="1"/>
+          </p:cNvSpPr>
+          <p:nvPr>
+            <p:ph type="sldNum" idx="12"/>
+          </p:nvPr>
+        </p:nvSpPr>
+        <p:spPr>
+          <a:xfrm>
+            <a:off x="11296611" y="6217623"/>
+            <a:ext cx="731600" cy="524800"/>
+          </a:xfrm>
+          <a:prstGeom prst="rect">
+            <a:avLst/>
+          </a:prstGeom>
+        </p:spPr>
+        <p:txBody>
+          <a:bodyPr spcFirstLastPara="1" wrap="square" lIns="91425" tIns="91425" rIns="91425" bIns="91425" anchor="ctr" anchorCtr="0">
+            <a:noAutofit/>
+          </a:bodyPr>
+          <a:lstStyle>
+            <a:lvl1pPr lvl="0">
+              <a:buNone/>
+              <a:defRPr/>
+            </a:lvl1pPr>
+            <a:lvl2pPr lvl="1">
+              <a:buNone/>
+              <a:defRPr/>
+            </a:lvl2pPr>
+            <a:lvl3pPr lvl="2">
+              <a:buNone/>
+              <a:defRPr/>
+            </a:lvl3pPr>
+            <a:lvl4pPr lvl="3">
+              <a:buNone/>
+              <a:defRPr/>
+            </a:lvl4pPr>
+            <a:lvl5pPr lvl="4">
+              <a:buNone/>
+              <a:defRPr/>
+            </a:lvl5pPr>
+            <a:lvl6pPr lvl="5">
+              <a:buNone/>
+              <a:defRPr/>
+            </a:lvl6pPr>
+            <a:lvl7pPr lvl="6">
+              <a:buNone/>
+              <a:defRPr/>
+            </a:lvl7pPr>
+            <a:lvl8pPr lvl="7">
+              <a:buNone/>
+              <a:defRPr/>
+            </a:lvl8pPr>
+            <a:lvl9pPr lvl="8">
+              <a:buNone/>
+              <a:defRPr/>
+            </a:lvl9pPr>
+          </a:lstStyle>
+          <a:p>
+            <a:fld id="{00000000-1234-1234-1234-123412341234}" type="slidenum">
+              <a:rPr lang="en">
+                <a:solidFill>
+                  <a:srgbClr val="595959"/>
+                </a:solidFill>
+              </a:rPr>
+              <a:pPr/>
+              <a:t>‹#›</a:t>
+            </a:fld>
+            <a:endParaRPr>
+              <a:solidFill>
+                <a:srgbClr val="595959"/>
+              </a:solidFill>
+            </a:endParaRPr>
+          </a:p>
+        </p:txBody>
+      </p:sp>
+    </p:spTree>
+  </p:cSld>
+  <p:clrMapOvr>
+    <a:masterClrMapping/>
+  </p:clrMapOvr>
+</p:sldLayout>
+</file>
+
+<file path=ppt/slideLayouts/slideLayout21.xml><?xml version="1.0" encoding="utf-8"?>
+<p:sldLayout xmlns:a="http://schemas.openxmlformats.org/drawingml/2006/main" xmlns:r="http://schemas.openxmlformats.org/officeDocument/2006/relationships" xmlns:p="http://schemas.openxmlformats.org/presentationml/2006/main" matchingName="Big number">
+  <p:cSld name="Big number">
+    <p:spTree>
+      <p:nvGrpSpPr>
+        <p:cNvPr id="1" name="Shape 44"/>
+        <p:cNvGrpSpPr/>
+        <p:nvPr/>
+      </p:nvGrpSpPr>
+      <p:grpSpPr>
+        <a:xfrm>
+          <a:off x="0" y="0"/>
+          <a:ext cx="0" cy="0"/>
+          <a:chOff x="0" y="0"/>
+          <a:chExt cx="0" cy="0"/>
+        </a:xfrm>
+      </p:grpSpPr>
+      <p:sp>
+        <p:nvSpPr>
+          <p:cNvPr id="45" name="Google Shape;45;p11"/>
+          <p:cNvSpPr txBox="1">
+            <a:spLocks noGrp="1"/>
+          </p:cNvSpPr>
+          <p:nvPr>
+            <p:ph type="title" hasCustomPrompt="1"/>
+          </p:nvPr>
+        </p:nvSpPr>
+        <p:spPr>
+          <a:xfrm>
+            <a:off x="415600" y="1474833"/>
+            <a:ext cx="11360800" cy="2618000"/>
+          </a:xfrm>
+          <a:prstGeom prst="rect">
+            <a:avLst/>
+          </a:prstGeom>
+        </p:spPr>
+        <p:txBody>
+          <a:bodyPr spcFirstLastPara="1" wrap="square" lIns="91425" tIns="91425" rIns="91425" bIns="91425" anchor="b" anchorCtr="0">
+            <a:noAutofit/>
+          </a:bodyPr>
+          <a:lstStyle>
+            <a:lvl1pPr lvl="0" algn="ctr">
+              <a:spcBef>
+                <a:spcPts val="0"/>
+              </a:spcBef>
+              <a:spcAft>
+                <a:spcPts val="0"/>
+              </a:spcAft>
+              <a:buSzPts val="12000"/>
+              <a:buNone/>
+              <a:defRPr sz="16000"/>
+            </a:lvl1pPr>
+            <a:lvl2pPr lvl="1" algn="ctr">
+              <a:spcBef>
+                <a:spcPts val="0"/>
+              </a:spcBef>
+              <a:spcAft>
+                <a:spcPts val="0"/>
+              </a:spcAft>
+              <a:buSzPts val="12000"/>
+              <a:buNone/>
+              <a:defRPr sz="16000"/>
+            </a:lvl2pPr>
+            <a:lvl3pPr lvl="2" algn="ctr">
+              <a:spcBef>
+                <a:spcPts val="0"/>
+              </a:spcBef>
+              <a:spcAft>
+                <a:spcPts val="0"/>
+              </a:spcAft>
+              <a:buSzPts val="12000"/>
+              <a:buNone/>
+              <a:defRPr sz="16000"/>
+            </a:lvl3pPr>
+            <a:lvl4pPr lvl="3" algn="ctr">
+              <a:spcBef>
+                <a:spcPts val="0"/>
+              </a:spcBef>
+              <a:spcAft>
+                <a:spcPts val="0"/>
+              </a:spcAft>
+              <a:buSzPts val="12000"/>
+              <a:buNone/>
+              <a:defRPr sz="16000"/>
+            </a:lvl4pPr>
+            <a:lvl5pPr lvl="4" algn="ctr">
+              <a:spcBef>
+                <a:spcPts val="0"/>
+              </a:spcBef>
+              <a:spcAft>
+                <a:spcPts val="0"/>
+              </a:spcAft>
+              <a:buSzPts val="12000"/>
+              <a:buNone/>
+              <a:defRPr sz="16000"/>
+            </a:lvl5pPr>
+            <a:lvl6pPr lvl="5" algn="ctr">
+              <a:spcBef>
+                <a:spcPts val="0"/>
+              </a:spcBef>
+              <a:spcAft>
+                <a:spcPts val="0"/>
+              </a:spcAft>
+              <a:buSzPts val="12000"/>
+              <a:buNone/>
+              <a:defRPr sz="16000"/>
+            </a:lvl6pPr>
+            <a:lvl7pPr lvl="6" algn="ctr">
+              <a:spcBef>
+                <a:spcPts val="0"/>
+              </a:spcBef>
+              <a:spcAft>
+                <a:spcPts val="0"/>
+              </a:spcAft>
+              <a:buSzPts val="12000"/>
+              <a:buNone/>
+              <a:defRPr sz="16000"/>
+            </a:lvl7pPr>
+            <a:lvl8pPr lvl="7" algn="ctr">
+              <a:spcBef>
+                <a:spcPts val="0"/>
+              </a:spcBef>
+              <a:spcAft>
+                <a:spcPts val="0"/>
+              </a:spcAft>
+              <a:buSzPts val="12000"/>
+              <a:buNone/>
+              <a:defRPr sz="16000"/>
+            </a:lvl8pPr>
+            <a:lvl9pPr lvl="8" algn="ctr">
+              <a:spcBef>
+                <a:spcPts val="0"/>
+              </a:spcBef>
+              <a:spcAft>
+                <a:spcPts val="0"/>
+              </a:spcAft>
+              <a:buSzPts val="12000"/>
+              <a:buNone/>
+              <a:defRPr sz="16000"/>
+            </a:lvl9pPr>
+          </a:lstStyle>
+          <a:p>
+            <a:r>
+              <a:t>xx%</a:t>
+            </a:r>
+          </a:p>
+        </p:txBody>
+      </p:sp>
+      <p:sp>
+        <p:nvSpPr>
+          <p:cNvPr id="46" name="Google Shape;46;p11"/>
+          <p:cNvSpPr txBox="1">
+            <a:spLocks noGrp="1"/>
+          </p:cNvSpPr>
+          <p:nvPr>
+            <p:ph type="body" idx="1"/>
+          </p:nvPr>
+        </p:nvSpPr>
+        <p:spPr>
+          <a:xfrm>
+            <a:off x="415600" y="4202967"/>
+            <a:ext cx="11360800" cy="1734400"/>
+          </a:xfrm>
+          <a:prstGeom prst="rect">
+            <a:avLst/>
+          </a:prstGeom>
+        </p:spPr>
+        <p:txBody>
+          <a:bodyPr spcFirstLastPara="1" wrap="square" lIns="91425" tIns="91425" rIns="91425" bIns="91425" anchor="t" anchorCtr="0">
+            <a:noAutofit/>
+          </a:bodyPr>
+          <a:lstStyle>
+            <a:lvl1pPr marL="609585" lvl="0" indent="-457189" algn="ctr">
+              <a:spcBef>
+                <a:spcPts val="0"/>
+              </a:spcBef>
+              <a:spcAft>
+                <a:spcPts val="0"/>
+              </a:spcAft>
+              <a:buSzPts val="1800"/>
+              <a:buChar char="●"/>
+              <a:defRPr/>
+            </a:lvl1pPr>
+            <a:lvl2pPr marL="1219170" lvl="1" indent="-423323" algn="ctr">
+              <a:spcBef>
+                <a:spcPts val="2133"/>
+              </a:spcBef>
+              <a:spcAft>
+                <a:spcPts val="0"/>
+              </a:spcAft>
+              <a:buSzPts val="1400"/>
+              <a:buChar char="○"/>
+              <a:defRPr/>
+            </a:lvl2pPr>
+            <a:lvl3pPr marL="1828754" lvl="2" indent="-423323" algn="ctr">
+              <a:spcBef>
+                <a:spcPts val="2133"/>
+              </a:spcBef>
+              <a:spcAft>
+                <a:spcPts val="0"/>
+              </a:spcAft>
+              <a:buSzPts val="1400"/>
+              <a:buChar char="■"/>
+              <a:defRPr/>
+            </a:lvl3pPr>
+            <a:lvl4pPr marL="2438339" lvl="3" indent="-423323" algn="ctr">
+              <a:spcBef>
+                <a:spcPts val="2133"/>
+              </a:spcBef>
+              <a:spcAft>
+                <a:spcPts val="0"/>
+              </a:spcAft>
+              <a:buSzPts val="1400"/>
+              <a:buChar char="●"/>
+              <a:defRPr/>
+            </a:lvl4pPr>
+            <a:lvl5pPr marL="3047924" lvl="4" indent="-423323" algn="ctr">
+              <a:spcBef>
+                <a:spcPts val="2133"/>
+              </a:spcBef>
+              <a:spcAft>
+                <a:spcPts val="0"/>
+              </a:spcAft>
+              <a:buSzPts val="1400"/>
+              <a:buChar char="○"/>
+              <a:defRPr/>
+            </a:lvl5pPr>
+            <a:lvl6pPr marL="3657509" lvl="5" indent="-423323" algn="ctr">
+              <a:spcBef>
+                <a:spcPts val="2133"/>
+              </a:spcBef>
+              <a:spcAft>
+                <a:spcPts val="0"/>
+              </a:spcAft>
+              <a:buSzPts val="1400"/>
+              <a:buChar char="■"/>
+              <a:defRPr/>
+            </a:lvl6pPr>
+            <a:lvl7pPr marL="4267093" lvl="6" indent="-423323" algn="ctr">
+              <a:spcBef>
+                <a:spcPts val="2133"/>
+              </a:spcBef>
+              <a:spcAft>
+                <a:spcPts val="0"/>
+              </a:spcAft>
+              <a:buSzPts val="1400"/>
+              <a:buChar char="●"/>
+              <a:defRPr/>
+            </a:lvl7pPr>
+            <a:lvl8pPr marL="4876678" lvl="7" indent="-423323" algn="ctr">
+              <a:spcBef>
+                <a:spcPts val="2133"/>
+              </a:spcBef>
+              <a:spcAft>
+                <a:spcPts val="0"/>
+              </a:spcAft>
+              <a:buSzPts val="1400"/>
+              <a:buChar char="○"/>
+              <a:defRPr/>
+            </a:lvl8pPr>
+            <a:lvl9pPr marL="5486263" lvl="8" indent="-423323" algn="ctr">
+              <a:spcBef>
+                <a:spcPts val="2133"/>
+              </a:spcBef>
+              <a:spcAft>
+                <a:spcPts val="2133"/>
+              </a:spcAft>
+              <a:buSzPts val="1400"/>
+              <a:buChar char="■"/>
+              <a:defRPr/>
+            </a:lvl9pPr>
+          </a:lstStyle>
+          <a:p>
+            <a:endParaRPr/>
+          </a:p>
+        </p:txBody>
+      </p:sp>
+      <p:sp>
+        <p:nvSpPr>
+          <p:cNvPr id="47" name="Google Shape;47;p11"/>
+          <p:cNvSpPr txBox="1">
+            <a:spLocks noGrp="1"/>
+          </p:cNvSpPr>
+          <p:nvPr>
+            <p:ph type="sldNum" idx="12"/>
+          </p:nvPr>
+        </p:nvSpPr>
+        <p:spPr>
+          <a:xfrm>
+            <a:off x="11296611" y="6217623"/>
+            <a:ext cx="731600" cy="524800"/>
+          </a:xfrm>
+          <a:prstGeom prst="rect">
+            <a:avLst/>
+          </a:prstGeom>
+        </p:spPr>
+        <p:txBody>
+          <a:bodyPr spcFirstLastPara="1" wrap="square" lIns="91425" tIns="91425" rIns="91425" bIns="91425" anchor="ctr" anchorCtr="0">
+            <a:noAutofit/>
+          </a:bodyPr>
+          <a:lstStyle>
+            <a:lvl1pPr lvl="0">
+              <a:buNone/>
+              <a:defRPr/>
+            </a:lvl1pPr>
+            <a:lvl2pPr lvl="1">
+              <a:buNone/>
+              <a:defRPr/>
+            </a:lvl2pPr>
+            <a:lvl3pPr lvl="2">
+              <a:buNone/>
+              <a:defRPr/>
+            </a:lvl3pPr>
+            <a:lvl4pPr lvl="3">
+              <a:buNone/>
+              <a:defRPr/>
+            </a:lvl4pPr>
+            <a:lvl5pPr lvl="4">
+              <a:buNone/>
+              <a:defRPr/>
+            </a:lvl5pPr>
+            <a:lvl6pPr lvl="5">
+              <a:buNone/>
+              <a:defRPr/>
+            </a:lvl6pPr>
+            <a:lvl7pPr lvl="6">
+              <a:buNone/>
+              <a:defRPr/>
+            </a:lvl7pPr>
+            <a:lvl8pPr lvl="7">
+              <a:buNone/>
+              <a:defRPr/>
+            </a:lvl8pPr>
+            <a:lvl9pPr lvl="8">
+              <a:buNone/>
+              <a:defRPr/>
+            </a:lvl9pPr>
+          </a:lstStyle>
+          <a:p>
+            <a:fld id="{00000000-1234-1234-1234-123412341234}" type="slidenum">
+              <a:rPr lang="en">
+                <a:solidFill>
+                  <a:srgbClr val="595959"/>
+                </a:solidFill>
+              </a:rPr>
+              <a:pPr/>
+              <a:t>‹#›</a:t>
+            </a:fld>
+            <a:endParaRPr>
+              <a:solidFill>
+                <a:srgbClr val="595959"/>
+              </a:solidFill>
+            </a:endParaRPr>
+          </a:p>
+        </p:txBody>
+      </p:sp>
+    </p:spTree>
+  </p:cSld>
+  <p:clrMapOvr>
+    <a:masterClrMapping/>
+  </p:clrMapOvr>
+</p:sldLayout>
+</file>
+
+<file path=ppt/slideLayouts/slideLayout22.xml><?xml version="1.0" encoding="utf-8"?>
+<p:sldLayout xmlns:a="http://schemas.openxmlformats.org/drawingml/2006/main" xmlns:r="http://schemas.openxmlformats.org/officeDocument/2006/relationships" xmlns:p="http://schemas.openxmlformats.org/presentationml/2006/main" matchingName="Blank" type="blank">
+  <p:cSld name="Blank">
+    <p:spTree>
+      <p:nvGrpSpPr>
+        <p:cNvPr id="1" name="Shape 48"/>
+        <p:cNvGrpSpPr/>
+        <p:nvPr/>
+      </p:nvGrpSpPr>
+      <p:grpSpPr>
+        <a:xfrm>
+          <a:off x="0" y="0"/>
+          <a:ext cx="0" cy="0"/>
+          <a:chOff x="0" y="0"/>
+          <a:chExt cx="0" cy="0"/>
+        </a:xfrm>
+      </p:grpSpPr>
+      <p:sp>
+        <p:nvSpPr>
+          <p:cNvPr id="49" name="Google Shape;49;p12"/>
+          <p:cNvSpPr txBox="1">
+            <a:spLocks noGrp="1"/>
+          </p:cNvSpPr>
+          <p:nvPr>
+            <p:ph type="sldNum" idx="12"/>
+          </p:nvPr>
+        </p:nvSpPr>
+        <p:spPr>
+          <a:xfrm>
+            <a:off x="11296611" y="6217623"/>
+            <a:ext cx="731600" cy="524800"/>
+          </a:xfrm>
+          <a:prstGeom prst="rect">
+            <a:avLst/>
+          </a:prstGeom>
+        </p:spPr>
+        <p:txBody>
+          <a:bodyPr spcFirstLastPara="1" wrap="square" lIns="91425" tIns="91425" rIns="91425" bIns="91425" anchor="ctr" anchorCtr="0">
+            <a:noAutofit/>
+          </a:bodyPr>
+          <a:lstStyle>
+            <a:lvl1pPr lvl="0">
+              <a:buNone/>
+              <a:defRPr/>
+            </a:lvl1pPr>
+            <a:lvl2pPr lvl="1">
+              <a:buNone/>
+              <a:defRPr/>
+            </a:lvl2pPr>
+            <a:lvl3pPr lvl="2">
+              <a:buNone/>
+              <a:defRPr/>
+            </a:lvl3pPr>
+            <a:lvl4pPr lvl="3">
+              <a:buNone/>
+              <a:defRPr/>
+            </a:lvl4pPr>
+            <a:lvl5pPr lvl="4">
+              <a:buNone/>
+              <a:defRPr/>
+            </a:lvl5pPr>
+            <a:lvl6pPr lvl="5">
+              <a:buNone/>
+              <a:defRPr/>
+            </a:lvl6pPr>
+            <a:lvl7pPr lvl="6">
+              <a:buNone/>
+              <a:defRPr/>
+            </a:lvl7pPr>
+            <a:lvl8pPr lvl="7">
+              <a:buNone/>
+              <a:defRPr/>
+            </a:lvl8pPr>
+            <a:lvl9pPr lvl="8">
+              <a:buNone/>
+              <a:defRPr/>
+            </a:lvl9pPr>
+          </a:lstStyle>
+          <a:p>
+            <a:fld id="{00000000-1234-1234-1234-123412341234}" type="slidenum">
+              <a:rPr lang="en">
+                <a:solidFill>
+                  <a:srgbClr val="595959"/>
+                </a:solidFill>
+              </a:rPr>
+              <a:pPr/>
+              <a:t>‹#›</a:t>
+            </a:fld>
+            <a:endParaRPr>
+              <a:solidFill>
+                <a:srgbClr val="595959"/>
+              </a:solidFill>
+            </a:endParaRPr>
+          </a:p>
+        </p:txBody>
+      </p:sp>
+    </p:spTree>
   </p:cSld>
   <p:clrMapOvr>
     <a:masterClrMapping/>
@@ -18405,7 +22328,7 @@
           <a:p>
             <a:fld id="{9A0AFBE5-001C-400D-A452-098101439866}" type="datetimeFigureOut">
               <a:rPr lang="en-US" smtClean="0"/>
-              <a:t>7/31/2020</a:t>
+              <a:t>9/12/20</a:t>
             </a:fld>
             <a:endParaRPr lang="en-US"/>
           </a:p>
@@ -18679,7 +22602,7 @@
           <a:p>
             <a:fld id="{9A0AFBE5-001C-400D-A452-098101439866}" type="datetimeFigureOut">
               <a:rPr lang="en-US" smtClean="0"/>
-              <a:t>7/31/2020</a:t>
+              <a:t>9/12/20</a:t>
             </a:fld>
             <a:endParaRPr lang="en-US"/>
           </a:p>
@@ -19077,7 +23000,7 @@
           <a:p>
             <a:fld id="{9A0AFBE5-001C-400D-A452-098101439866}" type="datetimeFigureOut">
               <a:rPr lang="en-US" smtClean="0"/>
-              <a:t>7/31/2020</a:t>
+              <a:t>9/12/20</a:t>
             </a:fld>
             <a:endParaRPr lang="en-US"/>
           </a:p>
@@ -19195,7 +23118,7 @@
           <a:p>
             <a:fld id="{9A0AFBE5-001C-400D-A452-098101439866}" type="datetimeFigureOut">
               <a:rPr lang="en-US" smtClean="0"/>
-              <a:t>7/31/2020</a:t>
+              <a:t>9/12/20</a:t>
             </a:fld>
             <a:endParaRPr lang="en-US"/>
           </a:p>
@@ -19290,7 +23213,7 @@
           <a:p>
             <a:fld id="{9A0AFBE5-001C-400D-A452-098101439866}" type="datetimeFigureOut">
               <a:rPr lang="en-US" smtClean="0"/>
-              <a:t>7/31/2020</a:t>
+              <a:t>9/12/20</a:t>
             </a:fld>
             <a:endParaRPr lang="en-US"/>
           </a:p>
@@ -19580,7 +23503,7 @@
           <a:p>
             <a:fld id="{9A0AFBE5-001C-400D-A452-098101439866}" type="datetimeFigureOut">
               <a:rPr lang="en-US" smtClean="0"/>
-              <a:t>7/31/2020</a:t>
+              <a:t>9/12/20</a:t>
             </a:fld>
             <a:endParaRPr lang="en-US"/>
           </a:p>
@@ -19860,7 +23783,7 @@
           <a:p>
             <a:fld id="{9A0AFBE5-001C-400D-A452-098101439866}" type="datetimeFigureOut">
               <a:rPr lang="en-US" smtClean="0"/>
-              <a:t>7/31/2020</a:t>
+              <a:t>9/12/20</a:t>
             </a:fld>
             <a:endParaRPr lang="en-US"/>
           </a:p>
@@ -20110,7 +24033,7 @@
           <a:p>
             <a:fld id="{9A0AFBE5-001C-400D-A452-098101439866}" type="datetimeFigureOut">
               <a:rPr lang="en-US" smtClean="0"/>
-              <a:t>7/31/2020</a:t>
+              <a:t>9/12/20</a:t>
             </a:fld>
             <a:endParaRPr lang="en-US"/>
           </a:p>
@@ -20595,17 +24518,1301 @@
 </p:sldMaster>
 </file>
 
-<file path=ppt/slides/slide1.xml><?xml version="1.0" encoding="utf-8"?>
-<p:sld xmlns:a="http://schemas.openxmlformats.org/drawingml/2006/main" xmlns:r="http://schemas.openxmlformats.org/officeDocument/2006/relationships" xmlns:p="http://schemas.openxmlformats.org/presentationml/2006/main">
+<file path=ppt/slideMasters/slideMaster2.xml><?xml version="1.0" encoding="utf-8"?>
+<p:sldMaster xmlns:a="http://schemas.openxmlformats.org/drawingml/2006/main" xmlns:r="http://schemas.openxmlformats.org/officeDocument/2006/relationships" xmlns:p="http://schemas.openxmlformats.org/presentationml/2006/main">
   <p:cSld>
     <p:bg>
       <p:bgPr>
         <a:solidFill>
-          <a:schemeClr val="bg1"/>
+          <a:schemeClr val="lt1"/>
         </a:solidFill>
         <a:effectLst/>
       </p:bgPr>
     </p:bg>
+    <p:spTree>
+      <p:nvGrpSpPr>
+        <p:cNvPr id="1" name="Shape 5"/>
+        <p:cNvGrpSpPr/>
+        <p:nvPr/>
+      </p:nvGrpSpPr>
+      <p:grpSpPr>
+        <a:xfrm>
+          <a:off x="0" y="0"/>
+          <a:ext cx="0" cy="0"/>
+          <a:chOff x="0" y="0"/>
+          <a:chExt cx="0" cy="0"/>
+        </a:xfrm>
+      </p:grpSpPr>
+      <p:sp>
+        <p:nvSpPr>
+          <p:cNvPr id="6" name="Google Shape;6;p1"/>
+          <p:cNvSpPr txBox="1">
+            <a:spLocks noGrp="1"/>
+          </p:cNvSpPr>
+          <p:nvPr>
+            <p:ph type="title"/>
+          </p:nvPr>
+        </p:nvSpPr>
+        <p:spPr>
+          <a:xfrm>
+            <a:off x="415600" y="593367"/>
+            <a:ext cx="11360800" cy="763600"/>
+          </a:xfrm>
+          <a:prstGeom prst="rect">
+            <a:avLst/>
+          </a:prstGeom>
+          <a:noFill/>
+          <a:ln>
+            <a:noFill/>
+          </a:ln>
+        </p:spPr>
+        <p:txBody>
+          <a:bodyPr spcFirstLastPara="1" wrap="square" lIns="91425" tIns="91425" rIns="91425" bIns="91425" anchor="t" anchorCtr="0">
+            <a:noAutofit/>
+          </a:bodyPr>
+          <a:lstStyle>
+            <a:lvl1pPr lvl="0">
+              <a:spcBef>
+                <a:spcPts val="0"/>
+              </a:spcBef>
+              <a:spcAft>
+                <a:spcPts val="0"/>
+              </a:spcAft>
+              <a:buClr>
+                <a:schemeClr val="dk1"/>
+              </a:buClr>
+              <a:buSzPts val="2800"/>
+              <a:buNone/>
+              <a:defRPr sz="2800">
+                <a:solidFill>
+                  <a:schemeClr val="dk1"/>
+                </a:solidFill>
+              </a:defRPr>
+            </a:lvl1pPr>
+            <a:lvl2pPr lvl="1">
+              <a:spcBef>
+                <a:spcPts val="0"/>
+              </a:spcBef>
+              <a:spcAft>
+                <a:spcPts val="0"/>
+              </a:spcAft>
+              <a:buClr>
+                <a:schemeClr val="dk1"/>
+              </a:buClr>
+              <a:buSzPts val="2800"/>
+              <a:buNone/>
+              <a:defRPr sz="2800">
+                <a:solidFill>
+                  <a:schemeClr val="dk1"/>
+                </a:solidFill>
+              </a:defRPr>
+            </a:lvl2pPr>
+            <a:lvl3pPr lvl="2">
+              <a:spcBef>
+                <a:spcPts val="0"/>
+              </a:spcBef>
+              <a:spcAft>
+                <a:spcPts val="0"/>
+              </a:spcAft>
+              <a:buClr>
+                <a:schemeClr val="dk1"/>
+              </a:buClr>
+              <a:buSzPts val="2800"/>
+              <a:buNone/>
+              <a:defRPr sz="2800">
+                <a:solidFill>
+                  <a:schemeClr val="dk1"/>
+                </a:solidFill>
+              </a:defRPr>
+            </a:lvl3pPr>
+            <a:lvl4pPr lvl="3">
+              <a:spcBef>
+                <a:spcPts val="0"/>
+              </a:spcBef>
+              <a:spcAft>
+                <a:spcPts val="0"/>
+              </a:spcAft>
+              <a:buClr>
+                <a:schemeClr val="dk1"/>
+              </a:buClr>
+              <a:buSzPts val="2800"/>
+              <a:buNone/>
+              <a:defRPr sz="2800">
+                <a:solidFill>
+                  <a:schemeClr val="dk1"/>
+                </a:solidFill>
+              </a:defRPr>
+            </a:lvl4pPr>
+            <a:lvl5pPr lvl="4">
+              <a:spcBef>
+                <a:spcPts val="0"/>
+              </a:spcBef>
+              <a:spcAft>
+                <a:spcPts val="0"/>
+              </a:spcAft>
+              <a:buClr>
+                <a:schemeClr val="dk1"/>
+              </a:buClr>
+              <a:buSzPts val="2800"/>
+              <a:buNone/>
+              <a:defRPr sz="2800">
+                <a:solidFill>
+                  <a:schemeClr val="dk1"/>
+                </a:solidFill>
+              </a:defRPr>
+            </a:lvl5pPr>
+            <a:lvl6pPr lvl="5">
+              <a:spcBef>
+                <a:spcPts val="0"/>
+              </a:spcBef>
+              <a:spcAft>
+                <a:spcPts val="0"/>
+              </a:spcAft>
+              <a:buClr>
+                <a:schemeClr val="dk1"/>
+              </a:buClr>
+              <a:buSzPts val="2800"/>
+              <a:buNone/>
+              <a:defRPr sz="2800">
+                <a:solidFill>
+                  <a:schemeClr val="dk1"/>
+                </a:solidFill>
+              </a:defRPr>
+            </a:lvl6pPr>
+            <a:lvl7pPr lvl="6">
+              <a:spcBef>
+                <a:spcPts val="0"/>
+              </a:spcBef>
+              <a:spcAft>
+                <a:spcPts val="0"/>
+              </a:spcAft>
+              <a:buClr>
+                <a:schemeClr val="dk1"/>
+              </a:buClr>
+              <a:buSzPts val="2800"/>
+              <a:buNone/>
+              <a:defRPr sz="2800">
+                <a:solidFill>
+                  <a:schemeClr val="dk1"/>
+                </a:solidFill>
+              </a:defRPr>
+            </a:lvl7pPr>
+            <a:lvl8pPr lvl="7">
+              <a:spcBef>
+                <a:spcPts val="0"/>
+              </a:spcBef>
+              <a:spcAft>
+                <a:spcPts val="0"/>
+              </a:spcAft>
+              <a:buClr>
+                <a:schemeClr val="dk1"/>
+              </a:buClr>
+              <a:buSzPts val="2800"/>
+              <a:buNone/>
+              <a:defRPr sz="2800">
+                <a:solidFill>
+                  <a:schemeClr val="dk1"/>
+                </a:solidFill>
+              </a:defRPr>
+            </a:lvl8pPr>
+            <a:lvl9pPr lvl="8">
+              <a:spcBef>
+                <a:spcPts val="0"/>
+              </a:spcBef>
+              <a:spcAft>
+                <a:spcPts val="0"/>
+              </a:spcAft>
+              <a:buClr>
+                <a:schemeClr val="dk1"/>
+              </a:buClr>
+              <a:buSzPts val="2800"/>
+              <a:buNone/>
+              <a:defRPr sz="2800">
+                <a:solidFill>
+                  <a:schemeClr val="dk1"/>
+                </a:solidFill>
+              </a:defRPr>
+            </a:lvl9pPr>
+          </a:lstStyle>
+          <a:p>
+            <a:endParaRPr/>
+          </a:p>
+        </p:txBody>
+      </p:sp>
+      <p:sp>
+        <p:nvSpPr>
+          <p:cNvPr id="7" name="Google Shape;7;p1"/>
+          <p:cNvSpPr txBox="1">
+            <a:spLocks noGrp="1"/>
+          </p:cNvSpPr>
+          <p:nvPr>
+            <p:ph type="body" idx="1"/>
+          </p:nvPr>
+        </p:nvSpPr>
+        <p:spPr>
+          <a:xfrm>
+            <a:off x="415600" y="1536633"/>
+            <a:ext cx="11360800" cy="4555200"/>
+          </a:xfrm>
+          <a:prstGeom prst="rect">
+            <a:avLst/>
+          </a:prstGeom>
+          <a:noFill/>
+          <a:ln>
+            <a:noFill/>
+          </a:ln>
+        </p:spPr>
+        <p:txBody>
+          <a:bodyPr spcFirstLastPara="1" wrap="square" lIns="91425" tIns="91425" rIns="91425" bIns="91425" anchor="t" anchorCtr="0">
+            <a:noAutofit/>
+          </a:bodyPr>
+          <a:lstStyle>
+            <a:lvl1pPr marL="457200" lvl="0" indent="-342900">
+              <a:lnSpc>
+                <a:spcPct val="115000"/>
+              </a:lnSpc>
+              <a:spcBef>
+                <a:spcPts val="0"/>
+              </a:spcBef>
+              <a:spcAft>
+                <a:spcPts val="0"/>
+              </a:spcAft>
+              <a:buClr>
+                <a:schemeClr val="dk2"/>
+              </a:buClr>
+              <a:buSzPts val="1800"/>
+              <a:buChar char="●"/>
+              <a:defRPr sz="1800">
+                <a:solidFill>
+                  <a:schemeClr val="dk2"/>
+                </a:solidFill>
+              </a:defRPr>
+            </a:lvl1pPr>
+            <a:lvl2pPr marL="914400" lvl="1" indent="-317500">
+              <a:lnSpc>
+                <a:spcPct val="115000"/>
+              </a:lnSpc>
+              <a:spcBef>
+                <a:spcPts val="1600"/>
+              </a:spcBef>
+              <a:spcAft>
+                <a:spcPts val="0"/>
+              </a:spcAft>
+              <a:buClr>
+                <a:schemeClr val="dk2"/>
+              </a:buClr>
+              <a:buSzPts val="1400"/>
+              <a:buChar char="○"/>
+              <a:defRPr>
+                <a:solidFill>
+                  <a:schemeClr val="dk2"/>
+                </a:solidFill>
+              </a:defRPr>
+            </a:lvl2pPr>
+            <a:lvl3pPr marL="1371600" lvl="2" indent="-317500">
+              <a:lnSpc>
+                <a:spcPct val="115000"/>
+              </a:lnSpc>
+              <a:spcBef>
+                <a:spcPts val="1600"/>
+              </a:spcBef>
+              <a:spcAft>
+                <a:spcPts val="0"/>
+              </a:spcAft>
+              <a:buClr>
+                <a:schemeClr val="dk2"/>
+              </a:buClr>
+              <a:buSzPts val="1400"/>
+              <a:buChar char="■"/>
+              <a:defRPr>
+                <a:solidFill>
+                  <a:schemeClr val="dk2"/>
+                </a:solidFill>
+              </a:defRPr>
+            </a:lvl3pPr>
+            <a:lvl4pPr marL="1828800" lvl="3" indent="-317500">
+              <a:lnSpc>
+                <a:spcPct val="115000"/>
+              </a:lnSpc>
+              <a:spcBef>
+                <a:spcPts val="1600"/>
+              </a:spcBef>
+              <a:spcAft>
+                <a:spcPts val="0"/>
+              </a:spcAft>
+              <a:buClr>
+                <a:schemeClr val="dk2"/>
+              </a:buClr>
+              <a:buSzPts val="1400"/>
+              <a:buChar char="●"/>
+              <a:defRPr>
+                <a:solidFill>
+                  <a:schemeClr val="dk2"/>
+                </a:solidFill>
+              </a:defRPr>
+            </a:lvl4pPr>
+            <a:lvl5pPr marL="2286000" lvl="4" indent="-317500">
+              <a:lnSpc>
+                <a:spcPct val="115000"/>
+              </a:lnSpc>
+              <a:spcBef>
+                <a:spcPts val="1600"/>
+              </a:spcBef>
+              <a:spcAft>
+                <a:spcPts val="0"/>
+              </a:spcAft>
+              <a:buClr>
+                <a:schemeClr val="dk2"/>
+              </a:buClr>
+              <a:buSzPts val="1400"/>
+              <a:buChar char="○"/>
+              <a:defRPr>
+                <a:solidFill>
+                  <a:schemeClr val="dk2"/>
+                </a:solidFill>
+              </a:defRPr>
+            </a:lvl5pPr>
+            <a:lvl6pPr marL="2743200" lvl="5" indent="-317500">
+              <a:lnSpc>
+                <a:spcPct val="115000"/>
+              </a:lnSpc>
+              <a:spcBef>
+                <a:spcPts val="1600"/>
+              </a:spcBef>
+              <a:spcAft>
+                <a:spcPts val="0"/>
+              </a:spcAft>
+              <a:buClr>
+                <a:schemeClr val="dk2"/>
+              </a:buClr>
+              <a:buSzPts val="1400"/>
+              <a:buChar char="■"/>
+              <a:defRPr>
+                <a:solidFill>
+                  <a:schemeClr val="dk2"/>
+                </a:solidFill>
+              </a:defRPr>
+            </a:lvl6pPr>
+            <a:lvl7pPr marL="3200400" lvl="6" indent="-317500">
+              <a:lnSpc>
+                <a:spcPct val="115000"/>
+              </a:lnSpc>
+              <a:spcBef>
+                <a:spcPts val="1600"/>
+              </a:spcBef>
+              <a:spcAft>
+                <a:spcPts val="0"/>
+              </a:spcAft>
+              <a:buClr>
+                <a:schemeClr val="dk2"/>
+              </a:buClr>
+              <a:buSzPts val="1400"/>
+              <a:buChar char="●"/>
+              <a:defRPr>
+                <a:solidFill>
+                  <a:schemeClr val="dk2"/>
+                </a:solidFill>
+              </a:defRPr>
+            </a:lvl7pPr>
+            <a:lvl8pPr marL="3657600" lvl="7" indent="-317500">
+              <a:lnSpc>
+                <a:spcPct val="115000"/>
+              </a:lnSpc>
+              <a:spcBef>
+                <a:spcPts val="1600"/>
+              </a:spcBef>
+              <a:spcAft>
+                <a:spcPts val="0"/>
+              </a:spcAft>
+              <a:buClr>
+                <a:schemeClr val="dk2"/>
+              </a:buClr>
+              <a:buSzPts val="1400"/>
+              <a:buChar char="○"/>
+              <a:defRPr>
+                <a:solidFill>
+                  <a:schemeClr val="dk2"/>
+                </a:solidFill>
+              </a:defRPr>
+            </a:lvl8pPr>
+            <a:lvl9pPr marL="4114800" lvl="8" indent="-317500">
+              <a:lnSpc>
+                <a:spcPct val="115000"/>
+              </a:lnSpc>
+              <a:spcBef>
+                <a:spcPts val="1600"/>
+              </a:spcBef>
+              <a:spcAft>
+                <a:spcPts val="1600"/>
+              </a:spcAft>
+              <a:buClr>
+                <a:schemeClr val="dk2"/>
+              </a:buClr>
+              <a:buSzPts val="1400"/>
+              <a:buChar char="■"/>
+              <a:defRPr>
+                <a:solidFill>
+                  <a:schemeClr val="dk2"/>
+                </a:solidFill>
+              </a:defRPr>
+            </a:lvl9pPr>
+          </a:lstStyle>
+          <a:p>
+            <a:endParaRPr/>
+          </a:p>
+        </p:txBody>
+      </p:sp>
+      <p:sp>
+        <p:nvSpPr>
+          <p:cNvPr id="8" name="Google Shape;8;p1"/>
+          <p:cNvSpPr txBox="1">
+            <a:spLocks noGrp="1"/>
+          </p:cNvSpPr>
+          <p:nvPr>
+            <p:ph type="sldNum" idx="12"/>
+          </p:nvPr>
+        </p:nvSpPr>
+        <p:spPr>
+          <a:xfrm>
+            <a:off x="11296611" y="6217623"/>
+            <a:ext cx="731600" cy="524800"/>
+          </a:xfrm>
+          <a:prstGeom prst="rect">
+            <a:avLst/>
+          </a:prstGeom>
+          <a:noFill/>
+          <a:ln>
+            <a:noFill/>
+          </a:ln>
+        </p:spPr>
+        <p:txBody>
+          <a:bodyPr spcFirstLastPara="1" wrap="square" lIns="91425" tIns="91425" rIns="91425" bIns="91425" anchor="ctr" anchorCtr="0">
+            <a:noAutofit/>
+          </a:bodyPr>
+          <a:lstStyle>
+            <a:lvl1pPr lvl="0" algn="r">
+              <a:buNone/>
+              <a:defRPr sz="1333">
+                <a:solidFill>
+                  <a:schemeClr val="dk2"/>
+                </a:solidFill>
+              </a:defRPr>
+            </a:lvl1pPr>
+            <a:lvl2pPr lvl="1" algn="r">
+              <a:buNone/>
+              <a:defRPr sz="1333">
+                <a:solidFill>
+                  <a:schemeClr val="dk2"/>
+                </a:solidFill>
+              </a:defRPr>
+            </a:lvl2pPr>
+            <a:lvl3pPr lvl="2" algn="r">
+              <a:buNone/>
+              <a:defRPr sz="1333">
+                <a:solidFill>
+                  <a:schemeClr val="dk2"/>
+                </a:solidFill>
+              </a:defRPr>
+            </a:lvl3pPr>
+            <a:lvl4pPr lvl="3" algn="r">
+              <a:buNone/>
+              <a:defRPr sz="1333">
+                <a:solidFill>
+                  <a:schemeClr val="dk2"/>
+                </a:solidFill>
+              </a:defRPr>
+            </a:lvl4pPr>
+            <a:lvl5pPr lvl="4" algn="r">
+              <a:buNone/>
+              <a:defRPr sz="1333">
+                <a:solidFill>
+                  <a:schemeClr val="dk2"/>
+                </a:solidFill>
+              </a:defRPr>
+            </a:lvl5pPr>
+            <a:lvl6pPr lvl="5" algn="r">
+              <a:buNone/>
+              <a:defRPr sz="1333">
+                <a:solidFill>
+                  <a:schemeClr val="dk2"/>
+                </a:solidFill>
+              </a:defRPr>
+            </a:lvl6pPr>
+            <a:lvl7pPr lvl="6" algn="r">
+              <a:buNone/>
+              <a:defRPr sz="1333">
+                <a:solidFill>
+                  <a:schemeClr val="dk2"/>
+                </a:solidFill>
+              </a:defRPr>
+            </a:lvl7pPr>
+            <a:lvl8pPr lvl="7" algn="r">
+              <a:buNone/>
+              <a:defRPr sz="1333">
+                <a:solidFill>
+                  <a:schemeClr val="dk2"/>
+                </a:solidFill>
+              </a:defRPr>
+            </a:lvl8pPr>
+            <a:lvl9pPr lvl="8" algn="r">
+              <a:buNone/>
+              <a:defRPr sz="1333">
+                <a:solidFill>
+                  <a:schemeClr val="dk2"/>
+                </a:solidFill>
+              </a:defRPr>
+            </a:lvl9pPr>
+          </a:lstStyle>
+          <a:p>
+            <a:pPr defTabSz="1219170">
+              <a:buClr>
+                <a:srgbClr val="000000"/>
+              </a:buClr>
+            </a:pPr>
+            <a:fld id="{00000000-1234-1234-1234-123412341234}" type="slidenum">
+              <a:rPr lang="uk-UA" kern="0" smtClean="0">
+                <a:solidFill>
+                  <a:srgbClr val="595959"/>
+                </a:solidFill>
+                <a:ea typeface="Arial"/>
+                <a:cs typeface="Arial"/>
+                <a:sym typeface="Arial"/>
+              </a:rPr>
+              <a:pPr defTabSz="1219170">
+                <a:buClr>
+                  <a:srgbClr val="000000"/>
+                </a:buClr>
+              </a:pPr>
+              <a:t>‹#›</a:t>
+            </a:fld>
+            <a:endParaRPr lang="uk-UA" kern="0">
+              <a:solidFill>
+                <a:srgbClr val="595959"/>
+              </a:solidFill>
+              <a:ea typeface="Arial"/>
+              <a:cs typeface="Arial"/>
+              <a:sym typeface="Arial"/>
+            </a:endParaRPr>
+          </a:p>
+        </p:txBody>
+      </p:sp>
+    </p:spTree>
+    <p:extLst>
+      <p:ext uri="{BB962C8B-B14F-4D97-AF65-F5344CB8AC3E}">
+        <p14:creationId xmlns:p14="http://schemas.microsoft.com/office/powerpoint/2010/main" val="2138866088"/>
+      </p:ext>
+    </p:extLst>
+  </p:cSld>
+  <p:clrMap bg1="lt1" tx1="dk1" bg2="dk2" tx2="lt2" accent1="accent1" accent2="accent2" accent3="accent3" accent4="accent4" accent5="accent5" accent6="accent6" hlink="hlink" folHlink="folHlink"/>
+  <p:sldLayoutIdLst>
+    <p:sldLayoutId id="2147483673" r:id="rId1"/>
+    <p:sldLayoutId id="2147483674" r:id="rId2"/>
+    <p:sldLayoutId id="2147483675" r:id="rId3"/>
+    <p:sldLayoutId id="2147483676" r:id="rId4"/>
+    <p:sldLayoutId id="2147483677" r:id="rId5"/>
+    <p:sldLayoutId id="2147483678" r:id="rId6"/>
+    <p:sldLayoutId id="2147483679" r:id="rId7"/>
+    <p:sldLayoutId id="2147483680" r:id="rId8"/>
+    <p:sldLayoutId id="2147483681" r:id="rId9"/>
+    <p:sldLayoutId id="2147483682" r:id="rId10"/>
+    <p:sldLayoutId id="2147483683" r:id="rId11"/>
+  </p:sldLayoutIdLst>
+  <p:hf sldNum="0" hdr="0" ftr="0" dt="0"/>
+  <p:txStyles>
+    <p:titleStyle>
+      <a:defPPr marR="0" lvl="0" algn="l" rtl="0">
+        <a:lnSpc>
+          <a:spcPct val="100000"/>
+        </a:lnSpc>
+        <a:spcBef>
+          <a:spcPts val="0"/>
+        </a:spcBef>
+        <a:spcAft>
+          <a:spcPts val="0"/>
+        </a:spcAft>
+      </a:defPPr>
+      <a:lvl1pPr marR="0" lvl="0" algn="l" rtl="0">
+        <a:lnSpc>
+          <a:spcPct val="100000"/>
+        </a:lnSpc>
+        <a:spcBef>
+          <a:spcPts val="0"/>
+        </a:spcBef>
+        <a:spcAft>
+          <a:spcPts val="0"/>
+        </a:spcAft>
+        <a:buClr>
+          <a:srgbClr val="000000"/>
+        </a:buClr>
+        <a:buFont typeface="Arial"/>
+        <a:defRPr sz="1867" b="0" i="0" u="none" strike="noStrike" cap="none">
+          <a:solidFill>
+            <a:srgbClr val="000000"/>
+          </a:solidFill>
+          <a:latin typeface="Arial"/>
+          <a:ea typeface="Arial"/>
+          <a:cs typeface="Arial"/>
+          <a:sym typeface="Arial"/>
+        </a:defRPr>
+      </a:lvl1pPr>
+      <a:lvl2pPr marR="0" lvl="1" algn="l" rtl="0">
+        <a:lnSpc>
+          <a:spcPct val="100000"/>
+        </a:lnSpc>
+        <a:spcBef>
+          <a:spcPts val="0"/>
+        </a:spcBef>
+        <a:spcAft>
+          <a:spcPts val="0"/>
+        </a:spcAft>
+        <a:buClr>
+          <a:srgbClr val="000000"/>
+        </a:buClr>
+        <a:buFont typeface="Arial"/>
+        <a:defRPr sz="1867" b="0" i="0" u="none" strike="noStrike" cap="none">
+          <a:solidFill>
+            <a:srgbClr val="000000"/>
+          </a:solidFill>
+          <a:latin typeface="Arial"/>
+          <a:ea typeface="Arial"/>
+          <a:cs typeface="Arial"/>
+          <a:sym typeface="Arial"/>
+        </a:defRPr>
+      </a:lvl2pPr>
+      <a:lvl3pPr marR="0" lvl="2" algn="l" rtl="0">
+        <a:lnSpc>
+          <a:spcPct val="100000"/>
+        </a:lnSpc>
+        <a:spcBef>
+          <a:spcPts val="0"/>
+        </a:spcBef>
+        <a:spcAft>
+          <a:spcPts val="0"/>
+        </a:spcAft>
+        <a:buClr>
+          <a:srgbClr val="000000"/>
+        </a:buClr>
+        <a:buFont typeface="Arial"/>
+        <a:defRPr sz="1867" b="0" i="0" u="none" strike="noStrike" cap="none">
+          <a:solidFill>
+            <a:srgbClr val="000000"/>
+          </a:solidFill>
+          <a:latin typeface="Arial"/>
+          <a:ea typeface="Arial"/>
+          <a:cs typeface="Arial"/>
+          <a:sym typeface="Arial"/>
+        </a:defRPr>
+      </a:lvl3pPr>
+      <a:lvl4pPr marR="0" lvl="3" algn="l" rtl="0">
+        <a:lnSpc>
+          <a:spcPct val="100000"/>
+        </a:lnSpc>
+        <a:spcBef>
+          <a:spcPts val="0"/>
+        </a:spcBef>
+        <a:spcAft>
+          <a:spcPts val="0"/>
+        </a:spcAft>
+        <a:buClr>
+          <a:srgbClr val="000000"/>
+        </a:buClr>
+        <a:buFont typeface="Arial"/>
+        <a:defRPr sz="1867" b="0" i="0" u="none" strike="noStrike" cap="none">
+          <a:solidFill>
+            <a:srgbClr val="000000"/>
+          </a:solidFill>
+          <a:latin typeface="Arial"/>
+          <a:ea typeface="Arial"/>
+          <a:cs typeface="Arial"/>
+          <a:sym typeface="Arial"/>
+        </a:defRPr>
+      </a:lvl4pPr>
+      <a:lvl5pPr marR="0" lvl="4" algn="l" rtl="0">
+        <a:lnSpc>
+          <a:spcPct val="100000"/>
+        </a:lnSpc>
+        <a:spcBef>
+          <a:spcPts val="0"/>
+        </a:spcBef>
+        <a:spcAft>
+          <a:spcPts val="0"/>
+        </a:spcAft>
+        <a:buClr>
+          <a:srgbClr val="000000"/>
+        </a:buClr>
+        <a:buFont typeface="Arial"/>
+        <a:defRPr sz="1867" b="0" i="0" u="none" strike="noStrike" cap="none">
+          <a:solidFill>
+            <a:srgbClr val="000000"/>
+          </a:solidFill>
+          <a:latin typeface="Arial"/>
+          <a:ea typeface="Arial"/>
+          <a:cs typeface="Arial"/>
+          <a:sym typeface="Arial"/>
+        </a:defRPr>
+      </a:lvl5pPr>
+      <a:lvl6pPr marR="0" lvl="5" algn="l" rtl="0">
+        <a:lnSpc>
+          <a:spcPct val="100000"/>
+        </a:lnSpc>
+        <a:spcBef>
+          <a:spcPts val="0"/>
+        </a:spcBef>
+        <a:spcAft>
+          <a:spcPts val="0"/>
+        </a:spcAft>
+        <a:buClr>
+          <a:srgbClr val="000000"/>
+        </a:buClr>
+        <a:buFont typeface="Arial"/>
+        <a:defRPr sz="1867" b="0" i="0" u="none" strike="noStrike" cap="none">
+          <a:solidFill>
+            <a:srgbClr val="000000"/>
+          </a:solidFill>
+          <a:latin typeface="Arial"/>
+          <a:ea typeface="Arial"/>
+          <a:cs typeface="Arial"/>
+          <a:sym typeface="Arial"/>
+        </a:defRPr>
+      </a:lvl6pPr>
+      <a:lvl7pPr marR="0" lvl="6" algn="l" rtl="0">
+        <a:lnSpc>
+          <a:spcPct val="100000"/>
+        </a:lnSpc>
+        <a:spcBef>
+          <a:spcPts val="0"/>
+        </a:spcBef>
+        <a:spcAft>
+          <a:spcPts val="0"/>
+        </a:spcAft>
+        <a:buClr>
+          <a:srgbClr val="000000"/>
+        </a:buClr>
+        <a:buFont typeface="Arial"/>
+        <a:defRPr sz="1867" b="0" i="0" u="none" strike="noStrike" cap="none">
+          <a:solidFill>
+            <a:srgbClr val="000000"/>
+          </a:solidFill>
+          <a:latin typeface="Arial"/>
+          <a:ea typeface="Arial"/>
+          <a:cs typeface="Arial"/>
+          <a:sym typeface="Arial"/>
+        </a:defRPr>
+      </a:lvl7pPr>
+      <a:lvl8pPr marR="0" lvl="7" algn="l" rtl="0">
+        <a:lnSpc>
+          <a:spcPct val="100000"/>
+        </a:lnSpc>
+        <a:spcBef>
+          <a:spcPts val="0"/>
+        </a:spcBef>
+        <a:spcAft>
+          <a:spcPts val="0"/>
+        </a:spcAft>
+        <a:buClr>
+          <a:srgbClr val="000000"/>
+        </a:buClr>
+        <a:buFont typeface="Arial"/>
+        <a:defRPr sz="1867" b="0" i="0" u="none" strike="noStrike" cap="none">
+          <a:solidFill>
+            <a:srgbClr val="000000"/>
+          </a:solidFill>
+          <a:latin typeface="Arial"/>
+          <a:ea typeface="Arial"/>
+          <a:cs typeface="Arial"/>
+          <a:sym typeface="Arial"/>
+        </a:defRPr>
+      </a:lvl8pPr>
+      <a:lvl9pPr marR="0" lvl="8" algn="l" rtl="0">
+        <a:lnSpc>
+          <a:spcPct val="100000"/>
+        </a:lnSpc>
+        <a:spcBef>
+          <a:spcPts val="0"/>
+        </a:spcBef>
+        <a:spcAft>
+          <a:spcPts val="0"/>
+        </a:spcAft>
+        <a:buClr>
+          <a:srgbClr val="000000"/>
+        </a:buClr>
+        <a:buFont typeface="Arial"/>
+        <a:defRPr sz="1867" b="0" i="0" u="none" strike="noStrike" cap="none">
+          <a:solidFill>
+            <a:srgbClr val="000000"/>
+          </a:solidFill>
+          <a:latin typeface="Arial"/>
+          <a:ea typeface="Arial"/>
+          <a:cs typeface="Arial"/>
+          <a:sym typeface="Arial"/>
+        </a:defRPr>
+      </a:lvl9pPr>
+    </p:titleStyle>
+    <p:bodyStyle>
+      <a:defPPr marR="0" lvl="0" algn="l" rtl="0">
+        <a:lnSpc>
+          <a:spcPct val="100000"/>
+        </a:lnSpc>
+        <a:spcBef>
+          <a:spcPts val="0"/>
+        </a:spcBef>
+        <a:spcAft>
+          <a:spcPts val="0"/>
+        </a:spcAft>
+      </a:defPPr>
+      <a:lvl1pPr marR="0" lvl="0" algn="l" rtl="0">
+        <a:lnSpc>
+          <a:spcPct val="100000"/>
+        </a:lnSpc>
+        <a:spcBef>
+          <a:spcPts val="0"/>
+        </a:spcBef>
+        <a:spcAft>
+          <a:spcPts val="0"/>
+        </a:spcAft>
+        <a:buClr>
+          <a:srgbClr val="000000"/>
+        </a:buClr>
+        <a:buFont typeface="Arial"/>
+        <a:defRPr sz="1867" b="0" i="0" u="none" strike="noStrike" cap="none">
+          <a:solidFill>
+            <a:srgbClr val="000000"/>
+          </a:solidFill>
+          <a:latin typeface="Arial"/>
+          <a:ea typeface="Arial"/>
+          <a:cs typeface="Arial"/>
+          <a:sym typeface="Arial"/>
+        </a:defRPr>
+      </a:lvl1pPr>
+      <a:lvl2pPr marR="0" lvl="1" algn="l" rtl="0">
+        <a:lnSpc>
+          <a:spcPct val="100000"/>
+        </a:lnSpc>
+        <a:spcBef>
+          <a:spcPts val="0"/>
+        </a:spcBef>
+        <a:spcAft>
+          <a:spcPts val="0"/>
+        </a:spcAft>
+        <a:buClr>
+          <a:srgbClr val="000000"/>
+        </a:buClr>
+        <a:buFont typeface="Arial"/>
+        <a:defRPr sz="1867" b="0" i="0" u="none" strike="noStrike" cap="none">
+          <a:solidFill>
+            <a:srgbClr val="000000"/>
+          </a:solidFill>
+          <a:latin typeface="Arial"/>
+          <a:ea typeface="Arial"/>
+          <a:cs typeface="Arial"/>
+          <a:sym typeface="Arial"/>
+        </a:defRPr>
+      </a:lvl2pPr>
+      <a:lvl3pPr marR="0" lvl="2" algn="l" rtl="0">
+        <a:lnSpc>
+          <a:spcPct val="100000"/>
+        </a:lnSpc>
+        <a:spcBef>
+          <a:spcPts val="0"/>
+        </a:spcBef>
+        <a:spcAft>
+          <a:spcPts val="0"/>
+        </a:spcAft>
+        <a:buClr>
+          <a:srgbClr val="000000"/>
+        </a:buClr>
+        <a:buFont typeface="Arial"/>
+        <a:defRPr sz="1867" b="0" i="0" u="none" strike="noStrike" cap="none">
+          <a:solidFill>
+            <a:srgbClr val="000000"/>
+          </a:solidFill>
+          <a:latin typeface="Arial"/>
+          <a:ea typeface="Arial"/>
+          <a:cs typeface="Arial"/>
+          <a:sym typeface="Arial"/>
+        </a:defRPr>
+      </a:lvl3pPr>
+      <a:lvl4pPr marR="0" lvl="3" algn="l" rtl="0">
+        <a:lnSpc>
+          <a:spcPct val="100000"/>
+        </a:lnSpc>
+        <a:spcBef>
+          <a:spcPts val="0"/>
+        </a:spcBef>
+        <a:spcAft>
+          <a:spcPts val="0"/>
+        </a:spcAft>
+        <a:buClr>
+          <a:srgbClr val="000000"/>
+        </a:buClr>
+        <a:buFont typeface="Arial"/>
+        <a:defRPr sz="1867" b="0" i="0" u="none" strike="noStrike" cap="none">
+          <a:solidFill>
+            <a:srgbClr val="000000"/>
+          </a:solidFill>
+          <a:latin typeface="Arial"/>
+          <a:ea typeface="Arial"/>
+          <a:cs typeface="Arial"/>
+          <a:sym typeface="Arial"/>
+        </a:defRPr>
+      </a:lvl4pPr>
+      <a:lvl5pPr marR="0" lvl="4" algn="l" rtl="0">
+        <a:lnSpc>
+          <a:spcPct val="100000"/>
+        </a:lnSpc>
+        <a:spcBef>
+          <a:spcPts val="0"/>
+        </a:spcBef>
+        <a:spcAft>
+          <a:spcPts val="0"/>
+        </a:spcAft>
+        <a:buClr>
+          <a:srgbClr val="000000"/>
+        </a:buClr>
+        <a:buFont typeface="Arial"/>
+        <a:defRPr sz="1867" b="0" i="0" u="none" strike="noStrike" cap="none">
+          <a:solidFill>
+            <a:srgbClr val="000000"/>
+          </a:solidFill>
+          <a:latin typeface="Arial"/>
+          <a:ea typeface="Arial"/>
+          <a:cs typeface="Arial"/>
+          <a:sym typeface="Arial"/>
+        </a:defRPr>
+      </a:lvl5pPr>
+      <a:lvl6pPr marR="0" lvl="5" algn="l" rtl="0">
+        <a:lnSpc>
+          <a:spcPct val="100000"/>
+        </a:lnSpc>
+        <a:spcBef>
+          <a:spcPts val="0"/>
+        </a:spcBef>
+        <a:spcAft>
+          <a:spcPts val="0"/>
+        </a:spcAft>
+        <a:buClr>
+          <a:srgbClr val="000000"/>
+        </a:buClr>
+        <a:buFont typeface="Arial"/>
+        <a:defRPr sz="1867" b="0" i="0" u="none" strike="noStrike" cap="none">
+          <a:solidFill>
+            <a:srgbClr val="000000"/>
+          </a:solidFill>
+          <a:latin typeface="Arial"/>
+          <a:ea typeface="Arial"/>
+          <a:cs typeface="Arial"/>
+          <a:sym typeface="Arial"/>
+        </a:defRPr>
+      </a:lvl6pPr>
+      <a:lvl7pPr marR="0" lvl="6" algn="l" rtl="0">
+        <a:lnSpc>
+          <a:spcPct val="100000"/>
+        </a:lnSpc>
+        <a:spcBef>
+          <a:spcPts val="0"/>
+        </a:spcBef>
+        <a:spcAft>
+          <a:spcPts val="0"/>
+        </a:spcAft>
+        <a:buClr>
+          <a:srgbClr val="000000"/>
+        </a:buClr>
+        <a:buFont typeface="Arial"/>
+        <a:defRPr sz="1867" b="0" i="0" u="none" strike="noStrike" cap="none">
+          <a:solidFill>
+            <a:srgbClr val="000000"/>
+          </a:solidFill>
+          <a:latin typeface="Arial"/>
+          <a:ea typeface="Arial"/>
+          <a:cs typeface="Arial"/>
+          <a:sym typeface="Arial"/>
+        </a:defRPr>
+      </a:lvl7pPr>
+      <a:lvl8pPr marR="0" lvl="7" algn="l" rtl="0">
+        <a:lnSpc>
+          <a:spcPct val="100000"/>
+        </a:lnSpc>
+        <a:spcBef>
+          <a:spcPts val="0"/>
+        </a:spcBef>
+        <a:spcAft>
+          <a:spcPts val="0"/>
+        </a:spcAft>
+        <a:buClr>
+          <a:srgbClr val="000000"/>
+        </a:buClr>
+        <a:buFont typeface="Arial"/>
+        <a:defRPr sz="1867" b="0" i="0" u="none" strike="noStrike" cap="none">
+          <a:solidFill>
+            <a:srgbClr val="000000"/>
+          </a:solidFill>
+          <a:latin typeface="Arial"/>
+          <a:ea typeface="Arial"/>
+          <a:cs typeface="Arial"/>
+          <a:sym typeface="Arial"/>
+        </a:defRPr>
+      </a:lvl8pPr>
+      <a:lvl9pPr marR="0" lvl="8" algn="l" rtl="0">
+        <a:lnSpc>
+          <a:spcPct val="100000"/>
+        </a:lnSpc>
+        <a:spcBef>
+          <a:spcPts val="0"/>
+        </a:spcBef>
+        <a:spcAft>
+          <a:spcPts val="0"/>
+        </a:spcAft>
+        <a:buClr>
+          <a:srgbClr val="000000"/>
+        </a:buClr>
+        <a:buFont typeface="Arial"/>
+        <a:defRPr sz="1867" b="0" i="0" u="none" strike="noStrike" cap="none">
+          <a:solidFill>
+            <a:srgbClr val="000000"/>
+          </a:solidFill>
+          <a:latin typeface="Arial"/>
+          <a:ea typeface="Arial"/>
+          <a:cs typeface="Arial"/>
+          <a:sym typeface="Arial"/>
+        </a:defRPr>
+      </a:lvl9pPr>
+    </p:bodyStyle>
+    <p:otherStyle>
+      <a:defPPr marR="0" lvl="0" algn="l" rtl="0">
+        <a:lnSpc>
+          <a:spcPct val="100000"/>
+        </a:lnSpc>
+        <a:spcBef>
+          <a:spcPts val="0"/>
+        </a:spcBef>
+        <a:spcAft>
+          <a:spcPts val="0"/>
+        </a:spcAft>
+      </a:defPPr>
+      <a:lvl1pPr marR="0" lvl="0" algn="l" rtl="0">
+        <a:lnSpc>
+          <a:spcPct val="100000"/>
+        </a:lnSpc>
+        <a:spcBef>
+          <a:spcPts val="0"/>
+        </a:spcBef>
+        <a:spcAft>
+          <a:spcPts val="0"/>
+        </a:spcAft>
+        <a:buClr>
+          <a:srgbClr val="000000"/>
+        </a:buClr>
+        <a:buFont typeface="Arial"/>
+        <a:defRPr sz="1867" b="0" i="0" u="none" strike="noStrike" cap="none">
+          <a:solidFill>
+            <a:srgbClr val="000000"/>
+          </a:solidFill>
+          <a:latin typeface="Arial"/>
+          <a:ea typeface="Arial"/>
+          <a:cs typeface="Arial"/>
+          <a:sym typeface="Arial"/>
+        </a:defRPr>
+      </a:lvl1pPr>
+      <a:lvl2pPr marR="0" lvl="1" algn="l" rtl="0">
+        <a:lnSpc>
+          <a:spcPct val="100000"/>
+        </a:lnSpc>
+        <a:spcBef>
+          <a:spcPts val="0"/>
+        </a:spcBef>
+        <a:spcAft>
+          <a:spcPts val="0"/>
+        </a:spcAft>
+        <a:buClr>
+          <a:srgbClr val="000000"/>
+        </a:buClr>
+        <a:buFont typeface="Arial"/>
+        <a:defRPr sz="1867" b="0" i="0" u="none" strike="noStrike" cap="none">
+          <a:solidFill>
+            <a:srgbClr val="000000"/>
+          </a:solidFill>
+          <a:latin typeface="Arial"/>
+          <a:ea typeface="Arial"/>
+          <a:cs typeface="Arial"/>
+          <a:sym typeface="Arial"/>
+        </a:defRPr>
+      </a:lvl2pPr>
+      <a:lvl3pPr marR="0" lvl="2" algn="l" rtl="0">
+        <a:lnSpc>
+          <a:spcPct val="100000"/>
+        </a:lnSpc>
+        <a:spcBef>
+          <a:spcPts val="0"/>
+        </a:spcBef>
+        <a:spcAft>
+          <a:spcPts val="0"/>
+        </a:spcAft>
+        <a:buClr>
+          <a:srgbClr val="000000"/>
+        </a:buClr>
+        <a:buFont typeface="Arial"/>
+        <a:defRPr sz="1867" b="0" i="0" u="none" strike="noStrike" cap="none">
+          <a:solidFill>
+            <a:srgbClr val="000000"/>
+          </a:solidFill>
+          <a:latin typeface="Arial"/>
+          <a:ea typeface="Arial"/>
+          <a:cs typeface="Arial"/>
+          <a:sym typeface="Arial"/>
+        </a:defRPr>
+      </a:lvl3pPr>
+      <a:lvl4pPr marR="0" lvl="3" algn="l" rtl="0">
+        <a:lnSpc>
+          <a:spcPct val="100000"/>
+        </a:lnSpc>
+        <a:spcBef>
+          <a:spcPts val="0"/>
+        </a:spcBef>
+        <a:spcAft>
+          <a:spcPts val="0"/>
+        </a:spcAft>
+        <a:buClr>
+          <a:srgbClr val="000000"/>
+        </a:buClr>
+        <a:buFont typeface="Arial"/>
+        <a:defRPr sz="1867" b="0" i="0" u="none" strike="noStrike" cap="none">
+          <a:solidFill>
+            <a:srgbClr val="000000"/>
+          </a:solidFill>
+          <a:latin typeface="Arial"/>
+          <a:ea typeface="Arial"/>
+          <a:cs typeface="Arial"/>
+          <a:sym typeface="Arial"/>
+        </a:defRPr>
+      </a:lvl4pPr>
+      <a:lvl5pPr marR="0" lvl="4" algn="l" rtl="0">
+        <a:lnSpc>
+          <a:spcPct val="100000"/>
+        </a:lnSpc>
+        <a:spcBef>
+          <a:spcPts val="0"/>
+        </a:spcBef>
+        <a:spcAft>
+          <a:spcPts val="0"/>
+        </a:spcAft>
+        <a:buClr>
+          <a:srgbClr val="000000"/>
+        </a:buClr>
+        <a:buFont typeface="Arial"/>
+        <a:defRPr sz="1867" b="0" i="0" u="none" strike="noStrike" cap="none">
+          <a:solidFill>
+            <a:srgbClr val="000000"/>
+          </a:solidFill>
+          <a:latin typeface="Arial"/>
+          <a:ea typeface="Arial"/>
+          <a:cs typeface="Arial"/>
+          <a:sym typeface="Arial"/>
+        </a:defRPr>
+      </a:lvl5pPr>
+      <a:lvl6pPr marR="0" lvl="5" algn="l" rtl="0">
+        <a:lnSpc>
+          <a:spcPct val="100000"/>
+        </a:lnSpc>
+        <a:spcBef>
+          <a:spcPts val="0"/>
+        </a:spcBef>
+        <a:spcAft>
+          <a:spcPts val="0"/>
+        </a:spcAft>
+        <a:buClr>
+          <a:srgbClr val="000000"/>
+        </a:buClr>
+        <a:buFont typeface="Arial"/>
+        <a:defRPr sz="1867" b="0" i="0" u="none" strike="noStrike" cap="none">
+          <a:solidFill>
+            <a:srgbClr val="000000"/>
+          </a:solidFill>
+          <a:latin typeface="Arial"/>
+          <a:ea typeface="Arial"/>
+          <a:cs typeface="Arial"/>
+          <a:sym typeface="Arial"/>
+        </a:defRPr>
+      </a:lvl6pPr>
+      <a:lvl7pPr marR="0" lvl="6" algn="l" rtl="0">
+        <a:lnSpc>
+          <a:spcPct val="100000"/>
+        </a:lnSpc>
+        <a:spcBef>
+          <a:spcPts val="0"/>
+        </a:spcBef>
+        <a:spcAft>
+          <a:spcPts val="0"/>
+        </a:spcAft>
+        <a:buClr>
+          <a:srgbClr val="000000"/>
+        </a:buClr>
+        <a:buFont typeface="Arial"/>
+        <a:defRPr sz="1867" b="0" i="0" u="none" strike="noStrike" cap="none">
+          <a:solidFill>
+            <a:srgbClr val="000000"/>
+          </a:solidFill>
+          <a:latin typeface="Arial"/>
+          <a:ea typeface="Arial"/>
+          <a:cs typeface="Arial"/>
+          <a:sym typeface="Arial"/>
+        </a:defRPr>
+      </a:lvl7pPr>
+      <a:lvl8pPr marR="0" lvl="7" algn="l" rtl="0">
+        <a:lnSpc>
+          <a:spcPct val="100000"/>
+        </a:lnSpc>
+        <a:spcBef>
+          <a:spcPts val="0"/>
+        </a:spcBef>
+        <a:spcAft>
+          <a:spcPts val="0"/>
+        </a:spcAft>
+        <a:buClr>
+          <a:srgbClr val="000000"/>
+        </a:buClr>
+        <a:buFont typeface="Arial"/>
+        <a:defRPr sz="1867" b="0" i="0" u="none" strike="noStrike" cap="none">
+          <a:solidFill>
+            <a:srgbClr val="000000"/>
+          </a:solidFill>
+          <a:latin typeface="Arial"/>
+          <a:ea typeface="Arial"/>
+          <a:cs typeface="Arial"/>
+          <a:sym typeface="Arial"/>
+        </a:defRPr>
+      </a:lvl8pPr>
+      <a:lvl9pPr marR="0" lvl="8" algn="l" rtl="0">
+        <a:lnSpc>
+          <a:spcPct val="100000"/>
+        </a:lnSpc>
+        <a:spcBef>
+          <a:spcPts val="0"/>
+        </a:spcBef>
+        <a:spcAft>
+          <a:spcPts val="0"/>
+        </a:spcAft>
+        <a:buClr>
+          <a:srgbClr val="000000"/>
+        </a:buClr>
+        <a:buFont typeface="Arial"/>
+        <a:defRPr sz="1867" b="0" i="0" u="none" strike="noStrike" cap="none">
+          <a:solidFill>
+            <a:srgbClr val="000000"/>
+          </a:solidFill>
+          <a:latin typeface="Arial"/>
+          <a:ea typeface="Arial"/>
+          <a:cs typeface="Arial"/>
+          <a:sym typeface="Arial"/>
+        </a:defRPr>
+      </a:lvl9pPr>
+    </p:otherStyle>
+  </p:txStyles>
+</p:sldMaster>
+</file>
+
+<file path=ppt/slides/slide1.xml><?xml version="1.0" encoding="utf-8"?>
+<p:sld xmlns:a="http://schemas.openxmlformats.org/drawingml/2006/main" xmlns:r="http://schemas.openxmlformats.org/officeDocument/2006/relationships" xmlns:p="http://schemas.openxmlformats.org/presentationml/2006/main">
+  <p:cSld>
     <p:spTree>
       <p:nvGrpSpPr>
         <p:cNvPr id="1" name=""/>
@@ -20622,170 +25829,7 @@
       </p:grpSpPr>
       <p:sp>
         <p:nvSpPr>
-          <p:cNvPr id="22" name="Rectangle 16">
-            <a:extLst>
-              <a:ext uri="{FF2B5EF4-FFF2-40B4-BE49-F238E27FC236}">
-                <a16:creationId xmlns:a16="http://schemas.microsoft.com/office/drawing/2014/main" id="{2FDF0794-1B86-42B2-B8C7-F60123E638ED}"/>
-              </a:ext>
-              <a:ext uri="{C183D7F6-B498-43B3-948B-1728B52AA6E4}">
-                <adec:decorative xmlns:adec="http://schemas.microsoft.com/office/drawing/2017/decorative" val="1"/>
-              </a:ext>
-            </a:extLst>
-          </p:cNvPr>
-          <p:cNvSpPr>
-            <a:spLocks noGrp="1" noRot="1" noChangeAspect="1" noMove="1" noResize="1" noEditPoints="1" noAdjustHandles="1" noChangeArrowheads="1" noChangeShapeType="1" noTextEdit="1"/>
-          </p:cNvSpPr>
-          <p:nvPr>
-            <p:extLst>
-              <p:ext uri="{386F3935-93C4-4BCD-93E2-E3B085C9AB24}">
-                <p16:designElem xmlns:p16="http://schemas.microsoft.com/office/powerpoint/2015/main" val="1"/>
-              </p:ext>
-            </p:extLst>
-          </p:nvPr>
-        </p:nvSpPr>
-        <p:spPr>
-          <a:xfrm>
-            <a:off x="3274" y="0"/>
-            <a:ext cx="12188726" cy="6858975"/>
-          </a:xfrm>
-          <a:prstGeom prst="rect">
-            <a:avLst/>
-          </a:prstGeom>
-          <a:solidFill>
-            <a:schemeClr val="bg1"/>
-          </a:solidFill>
-          <a:ln>
-            <a:noFill/>
-          </a:ln>
-        </p:spPr>
-        <p:style>
-          <a:lnRef idx="2">
-            <a:schemeClr val="accent1">
-              <a:shade val="50000"/>
-            </a:schemeClr>
-          </a:lnRef>
-          <a:fillRef idx="1">
-            <a:schemeClr val="accent1"/>
-          </a:fillRef>
-          <a:effectRef idx="0">
-            <a:schemeClr val="accent1"/>
-          </a:effectRef>
-          <a:fontRef idx="minor">
-            <a:schemeClr val="lt1"/>
-          </a:fontRef>
-        </p:style>
-        <p:txBody>
-          <a:bodyPr rtlCol="0" anchor="ctr"/>
-          <a:lstStyle/>
-          <a:p>
-            <a:pPr algn="ctr"/>
-            <a:endParaRPr lang="en-US"/>
-          </a:p>
-        </p:txBody>
-      </p:sp>
-      <p:pic>
-        <p:nvPicPr>
-          <p:cNvPr id="5" name="Picture 4">
-            <a:extLst>
-              <a:ext uri="{FF2B5EF4-FFF2-40B4-BE49-F238E27FC236}">
-                <a16:creationId xmlns:a16="http://schemas.microsoft.com/office/drawing/2014/main" id="{65BCED74-8C23-468B-93E9-2C5CCD60AD6A}"/>
-              </a:ext>
-            </a:extLst>
-          </p:cNvPr>
-          <p:cNvPicPr>
-            <a:picLocks noChangeAspect="1"/>
-          </p:cNvPicPr>
-          <p:nvPr/>
-        </p:nvPicPr>
-        <p:blipFill rotWithShape="1">
-          <a:blip r:embed="rId2"/>
-          <a:srcRect t="1430" b="23570"/>
-          <a:stretch/>
-        </p:blipFill>
-        <p:spPr>
-          <a:xfrm>
-            <a:off x="20" y="975"/>
-            <a:ext cx="12191980" cy="6858000"/>
-          </a:xfrm>
-          <a:prstGeom prst="rect">
-            <a:avLst/>
-          </a:prstGeom>
-        </p:spPr>
-      </p:pic>
-      <p:sp>
-        <p:nvSpPr>
-          <p:cNvPr id="23" name="Rectangle 18">
-            <a:extLst>
-              <a:ext uri="{FF2B5EF4-FFF2-40B4-BE49-F238E27FC236}">
-                <a16:creationId xmlns:a16="http://schemas.microsoft.com/office/drawing/2014/main" id="{C5373426-E26E-431D-959C-5DB96C0B6208}"/>
-              </a:ext>
-              <a:ext uri="{C183D7F6-B498-43B3-948B-1728B52AA6E4}">
-                <adec:decorative xmlns:adec="http://schemas.microsoft.com/office/drawing/2017/decorative" val="1"/>
-              </a:ext>
-            </a:extLst>
-          </p:cNvPr>
-          <p:cNvSpPr>
-            <a:spLocks noGrp="1" noRot="1" noChangeAspect="1" noMove="1" noResize="1" noEditPoints="1" noAdjustHandles="1" noChangeArrowheads="1" noChangeShapeType="1" noTextEdit="1"/>
-          </p:cNvSpPr>
-          <p:nvPr>
-            <p:extLst>
-              <p:ext uri="{386F3935-93C4-4BCD-93E2-E3B085C9AB24}">
-                <p16:designElem xmlns:p16="http://schemas.microsoft.com/office/powerpoint/2015/main" val="1"/>
-              </p:ext>
-            </p:extLst>
-          </p:nvPr>
-        </p:nvSpPr>
-        <p:spPr>
-          <a:xfrm>
-            <a:off x="643467" y="1238442"/>
-            <a:ext cx="3635926" cy="4355751"/>
-          </a:xfrm>
-          <a:prstGeom prst="rect">
-            <a:avLst/>
-          </a:prstGeom>
-          <a:solidFill>
-            <a:srgbClr val="000000">
-              <a:alpha val="79000"/>
-            </a:srgbClr>
-          </a:solidFill>
-          <a:ln>
-            <a:noFill/>
-          </a:ln>
-        </p:spPr>
-        <p:style>
-          <a:lnRef idx="2">
-            <a:schemeClr val="accent1">
-              <a:shade val="50000"/>
-            </a:schemeClr>
-          </a:lnRef>
-          <a:fillRef idx="1">
-            <a:schemeClr val="accent1"/>
-          </a:fillRef>
-          <a:effectRef idx="0">
-            <a:schemeClr val="accent1"/>
-          </a:effectRef>
-          <a:fontRef idx="minor">
-            <a:schemeClr val="lt1"/>
-          </a:fontRef>
-        </p:style>
-        <p:txBody>
-          <a:bodyPr rtlCol="0" anchor="ctr"/>
-          <a:lstStyle/>
-          <a:p>
-            <a:pPr algn="ctr"/>
-            <a:endParaRPr lang="en-US"/>
-          </a:p>
-        </p:txBody>
-      </p:sp>
-      <p:sp>
-        <p:nvSpPr>
-          <p:cNvPr id="2" name="Title 1">
-            <a:extLst>
-              <a:ext uri="{FF2B5EF4-FFF2-40B4-BE49-F238E27FC236}">
-                <a16:creationId xmlns:a16="http://schemas.microsoft.com/office/drawing/2014/main" id="{7EC255F8-4C8F-46C1-8EF3-020D7D5358F5}"/>
-              </a:ext>
-            </a:extLst>
-          </p:cNvPr>
+          <p:cNvPr id="2" name="Title 1"/>
           <p:cNvSpPr>
             <a:spLocks noGrp="1"/>
           </p:cNvSpPr>
@@ -20795,83 +25839,391 @@
         </p:nvSpPr>
         <p:spPr>
           <a:xfrm>
-            <a:off x="853439" y="1475234"/>
-            <a:ext cx="3214307" cy="2901694"/>
+            <a:off x="754745" y="0"/>
+            <a:ext cx="10682515" cy="6858000"/>
           </a:xfrm>
         </p:spPr>
         <p:txBody>
-          <a:bodyPr anchor="b">
-            <a:normAutofit/>
+          <a:bodyPr anchor="ctr">
+            <a:noAutofit/>
           </a:bodyPr>
           <a:lstStyle/>
           <a:p>
+            <a:pPr algn="l" fontAlgn="ctr">
+              <a:lnSpc>
+                <a:spcPct val="150000"/>
+              </a:lnSpc>
+            </a:pPr>
             <a:r>
-              <a:rPr lang="en-US" sz="3700" b="1">
-                <a:solidFill>
-                  <a:srgbClr val="FFFFFF"/>
-                </a:solidFill>
+              <a:rPr lang="en-US" sz="3600" b="1" dirty="0">
+                <a:latin typeface="Times New Roman" charset="0"/>
+                <a:ea typeface="Times New Roman" charset="0"/>
+                <a:cs typeface="Times New Roman" charset="0"/>
               </a:rPr>
-              <a:t>VISUALIZATION OF molecular simulations using VMD on Stampede2 </a:t>
+              <a:t>Blue Waters Petascale</a:t>
+            </a:r>
+            <a:r>
+              <a:rPr lang="en-US" sz="3600" b="1" dirty="0">
+                <a:latin typeface="Times New Roman" charset="0"/>
+                <a:ea typeface="Times New Roman" charset="0"/>
+                <a:cs typeface="Times New Roman" charset="0"/>
+              </a:rPr>
+              <a:t> Semester Curriculum v1.0</a:t>
+            </a:r>
+            <a:r>
+              <a:rPr lang="en-US" sz="3600" dirty="0">
+                <a:latin typeface="Times New Roman" charset="0"/>
+                <a:ea typeface="Times New Roman" charset="0"/>
+                <a:cs typeface="Times New Roman" charset="0"/>
+              </a:rPr>
+              <a:t/>
+            </a:r>
+            <a:br>
+              <a:rPr lang="en-US" sz="3600" dirty="0">
+                <a:latin typeface="Times New Roman" charset="0"/>
+                <a:ea typeface="Times New Roman" charset="0"/>
+                <a:cs typeface="Times New Roman" charset="0"/>
+              </a:rPr>
+            </a:br>
+            <a:r>
+              <a:rPr lang="en-US" sz="3600" b="1" dirty="0">
+                <a:latin typeface="Times New Roman" charset="0"/>
+                <a:ea typeface="Times New Roman" charset="0"/>
+                <a:cs typeface="Times New Roman" charset="0"/>
+              </a:rPr>
+              <a:t>Unit </a:t>
+            </a:r>
+            <a:r>
+              <a:rPr lang="en-US" sz="3600" b="1" dirty="0">
+                <a:latin typeface="Times New Roman" charset="0"/>
+                <a:ea typeface="Times New Roman" charset="0"/>
+                <a:cs typeface="Times New Roman" charset="0"/>
+              </a:rPr>
+              <a:t>10: Productivity and Visualization</a:t>
+            </a:r>
+            <a:br>
+              <a:rPr lang="en-US" sz="3600" b="1" dirty="0">
+                <a:latin typeface="Times New Roman" charset="0"/>
+                <a:ea typeface="Times New Roman" charset="0"/>
+                <a:cs typeface="Times New Roman" charset="0"/>
+              </a:rPr>
+            </a:br>
+            <a:r>
+              <a:rPr lang="en-US" sz="3600" b="1" dirty="0">
+                <a:latin typeface="Times New Roman" charset="0"/>
+                <a:ea typeface="Times New Roman" charset="0"/>
+                <a:cs typeface="Times New Roman" charset="0"/>
+              </a:rPr>
+              <a:t>Lesson </a:t>
+            </a:r>
+            <a:r>
+              <a:rPr lang="en-US" sz="3600" b="1" dirty="0" smtClean="0">
+                <a:latin typeface="Times New Roman" charset="0"/>
+                <a:ea typeface="Times New Roman" charset="0"/>
+                <a:cs typeface="Times New Roman" charset="0"/>
+              </a:rPr>
+              <a:t>4: </a:t>
+            </a:r>
+            <a:r>
+              <a:rPr lang="en-US" sz="3600" b="1" dirty="0">
+                <a:latin typeface="Times New Roman" charset="0"/>
+                <a:ea typeface="Times New Roman" charset="0"/>
+                <a:cs typeface="Times New Roman" charset="0"/>
+              </a:rPr>
+              <a:t>Visualization </a:t>
+            </a:r>
+            <a:r>
+              <a:rPr lang="en-US" sz="3600" b="1" dirty="0" smtClean="0">
+                <a:latin typeface="Times New Roman" charset="0"/>
+                <a:ea typeface="Times New Roman" charset="0"/>
+                <a:cs typeface="Times New Roman" charset="0"/>
+              </a:rPr>
+              <a:t>2</a:t>
+            </a:r>
+            <a:r>
+              <a:rPr lang="en-US" sz="3600" b="1" dirty="0">
+                <a:latin typeface="Times New Roman" charset="0"/>
+                <a:ea typeface="Times New Roman" charset="0"/>
+                <a:cs typeface="Times New Roman" charset="0"/>
+              </a:rPr>
+              <a:t/>
+            </a:r>
+            <a:br>
+              <a:rPr lang="en-US" sz="3600" b="1" dirty="0">
+                <a:latin typeface="Times New Roman" charset="0"/>
+                <a:ea typeface="Times New Roman" charset="0"/>
+                <a:cs typeface="Times New Roman" charset="0"/>
+              </a:rPr>
+            </a:br>
+            <a:r>
+              <a:rPr lang="en-US" sz="3600" i="1" dirty="0">
+                <a:latin typeface="Times New Roman" charset="0"/>
+                <a:ea typeface="Times New Roman" charset="0"/>
+                <a:cs typeface="Times New Roman" charset="0"/>
+              </a:rPr>
+              <a:t>Developed </a:t>
+            </a:r>
+            <a:r>
+              <a:rPr lang="en-US" sz="3600" i="1" dirty="0">
+                <a:latin typeface="Times New Roman" charset="0"/>
+                <a:ea typeface="Times New Roman" charset="0"/>
+                <a:cs typeface="Times New Roman" charset="0"/>
+              </a:rPr>
+              <a:t>by </a:t>
+            </a:r>
+            <a:r>
+              <a:rPr lang="en-US" sz="3600" i="1" dirty="0">
+                <a:latin typeface="Times New Roman" charset="0"/>
+                <a:ea typeface="Times New Roman" charset="0"/>
+                <a:cs typeface="Times New Roman" charset="0"/>
+              </a:rPr>
+              <a:t>Juan R. </a:t>
+            </a:r>
+            <a:r>
+              <a:rPr lang="en-US" sz="3600" i="1" dirty="0" err="1" smtClean="0">
+                <a:latin typeface="Times New Roman" charset="0"/>
+                <a:ea typeface="Times New Roman" charset="0"/>
+                <a:cs typeface="Times New Roman" charset="0"/>
+              </a:rPr>
+              <a:t>Perilla</a:t>
+            </a:r>
+            <a:r>
+              <a:rPr lang="en-US" sz="3600" i="1" dirty="0">
+                <a:latin typeface="Times New Roman" charset="0"/>
+                <a:ea typeface="Times New Roman" charset="0"/>
+                <a:cs typeface="Times New Roman" charset="0"/>
+              </a:rPr>
+              <a:t/>
+            </a:r>
+            <a:br>
+              <a:rPr lang="en-US" sz="3600" i="1" dirty="0">
+                <a:latin typeface="Times New Roman" charset="0"/>
+                <a:ea typeface="Times New Roman" charset="0"/>
+                <a:cs typeface="Times New Roman" charset="0"/>
+              </a:rPr>
+            </a:br>
+            <a:r>
+              <a:rPr lang="en-US" sz="3600" i="1" dirty="0">
+                <a:latin typeface="Times New Roman" charset="0"/>
+                <a:ea typeface="Times New Roman" charset="0"/>
+                <a:cs typeface="Times New Roman" charset="0"/>
+              </a:rPr>
+              <a:t>for the Shodor Education Foundation, Inc.</a:t>
             </a:r>
           </a:p>
         </p:txBody>
       </p:sp>
-      <p:cxnSp>
-        <p:nvCxnSpPr>
-          <p:cNvPr id="21" name="Straight Connector 20">
+    </p:spTree>
+    <p:extLst>
+      <p:ext uri="{BB962C8B-B14F-4D97-AF65-F5344CB8AC3E}">
+        <p14:creationId xmlns:p14="http://schemas.microsoft.com/office/powerpoint/2010/main" val="1193573883"/>
+      </p:ext>
+    </p:extLst>
+  </p:cSld>
+  <p:clrMapOvr>
+    <a:masterClrMapping/>
+  </p:clrMapOvr>
+  <p:timing>
+    <p:tnLst>
+      <p:par>
+        <p:cTn id="1" dur="indefinite" restart="never" nodeType="tmRoot"/>
+      </p:par>
+    </p:tnLst>
+  </p:timing>
+</p:sld>
+</file>
+
+<file path=ppt/slides/slide10.xml><?xml version="1.0" encoding="utf-8"?>
+<p:sld xmlns:a="http://schemas.openxmlformats.org/drawingml/2006/main" xmlns:r="http://schemas.openxmlformats.org/officeDocument/2006/relationships" xmlns:p="http://schemas.openxmlformats.org/presentationml/2006/main">
+  <p:cSld>
+    <p:spTree>
+      <p:nvGrpSpPr>
+        <p:cNvPr id="1" name=""/>
+        <p:cNvGrpSpPr/>
+        <p:nvPr/>
+      </p:nvGrpSpPr>
+      <p:grpSpPr>
+        <a:xfrm>
+          <a:off x="0" y="0"/>
+          <a:ext cx="0" cy="0"/>
+          <a:chOff x="0" y="0"/>
+          <a:chExt cx="0" cy="0"/>
+        </a:xfrm>
+      </p:grpSpPr>
+      <p:sp>
+        <p:nvSpPr>
+          <p:cNvPr id="2" name="Title 1">
             <a:extLst>
               <a:ext uri="{FF2B5EF4-FFF2-40B4-BE49-F238E27FC236}">
-                <a16:creationId xmlns:a16="http://schemas.microsoft.com/office/drawing/2014/main" id="{96D07482-83A3-4451-943C-B46961082957}"/>
-              </a:ext>
-              <a:ext uri="{C183D7F6-B498-43B3-948B-1728B52AA6E4}">
-                <adec:decorative xmlns:adec="http://schemas.microsoft.com/office/drawing/2017/decorative" val="1"/>
+                <a16:creationId xmlns:a16="http://schemas.microsoft.com/office/drawing/2014/main" xmlns="" id="{AF364D4C-E3D9-4755-8034-FF331AF56E30}"/>
               </a:ext>
             </a:extLst>
           </p:cNvPr>
-          <p:cNvCxnSpPr>
-            <a:cxnSpLocks noGrp="1" noRot="1" noChangeAspect="1" noMove="1" noResize="1" noEditPoints="1" noAdjustHandles="1" noChangeArrowheads="1" noChangeShapeType="1"/>
-          </p:cNvCxnSpPr>
+          <p:cNvSpPr>
+            <a:spLocks noGrp="1"/>
+          </p:cNvSpPr>
           <p:nvPr>
-            <p:extLst>
-              <p:ext uri="{386F3935-93C4-4BCD-93E2-E3B085C9AB24}">
-                <p16:designElem xmlns:p16="http://schemas.microsoft.com/office/powerpoint/2015/main" val="1"/>
-              </p:ext>
-            </p:extLst>
+            <p:ph type="title"/>
           </p:nvPr>
-        </p:nvCxnSpPr>
+        </p:nvSpPr>
         <p:spPr>
           <a:xfrm>
-            <a:off x="1065829" y="4508519"/>
-            <a:ext cx="2926080" cy="0"/>
+            <a:off x="0" y="18255"/>
+            <a:ext cx="10515600" cy="766359"/>
           </a:xfrm>
-          <a:prstGeom prst="line">
+        </p:spPr>
+        <p:txBody>
+          <a:bodyPr/>
+          <a:lstStyle/>
+          <a:p>
+            <a:r>
+              <a:rPr lang="en-US" dirty="0"/>
+              <a:t>Rendering using VMD MPI</a:t>
+            </a:r>
+          </a:p>
+        </p:txBody>
+      </p:sp>
+      <p:sp>
+        <p:nvSpPr>
+          <p:cNvPr id="3" name="Content Placeholder 2">
+            <a:extLst>
+              <a:ext uri="{FF2B5EF4-FFF2-40B4-BE49-F238E27FC236}">
+                <a16:creationId xmlns:a16="http://schemas.microsoft.com/office/drawing/2014/main" xmlns="" id="{CBF82D96-0AC4-4AA6-81F2-4B224E88F30E}"/>
+              </a:ext>
+            </a:extLst>
+          </p:cNvPr>
+          <p:cNvSpPr>
+            <a:spLocks noGrp="1"/>
+          </p:cNvSpPr>
+          <p:nvPr>
+            <p:ph idx="1"/>
+          </p:nvPr>
+        </p:nvSpPr>
+        <p:spPr>
+          <a:xfrm>
+            <a:off x="896702" y="784614"/>
+            <a:ext cx="8406581" cy="915636"/>
+          </a:xfrm>
+        </p:spPr>
+        <p:txBody>
+          <a:bodyPr>
+            <a:noAutofit/>
+          </a:bodyPr>
+          <a:lstStyle/>
+          <a:p>
+            <a:pPr marL="0" indent="0" algn="just">
+              <a:buNone/>
+            </a:pPr>
+            <a:r>
+              <a:rPr lang="en-US" sz="1900" dirty="0"/>
+              <a:t>The following script describes rendering movies using MPI-supported VMD on Stampede2 supercomputer.</a:t>
+            </a:r>
+            <a:endParaRPr lang="en-US" sz="2000" dirty="0">
+              <a:cs typeface="Times New Roman" panose="02020603050405020304" pitchFamily="18" charset="0"/>
+            </a:endParaRPr>
+          </a:p>
+          <a:p>
+            <a:pPr marL="0" indent="0" algn="just">
+              <a:buNone/>
+            </a:pPr>
+            <a:r>
+              <a:rPr lang="en-US" sz="1900" dirty="0">
+                <a:cs typeface="Times New Roman" panose="02020603050405020304" pitchFamily="18" charset="0"/>
+              </a:rPr>
+              <a:t>	</a:t>
+            </a:r>
+            <a:r>
+              <a:rPr lang="en-US" sz="1900" b="1" dirty="0">
+                <a:cs typeface="Times New Roman" panose="02020603050405020304" pitchFamily="18" charset="0"/>
+              </a:rPr>
+              <a:t>render_movies_mpi.tcl</a:t>
+            </a:r>
+          </a:p>
+        </p:txBody>
+      </p:sp>
+      <p:sp>
+        <p:nvSpPr>
+          <p:cNvPr id="9" name="TextBox 8">
+            <a:extLst>
+              <a:ext uri="{FF2B5EF4-FFF2-40B4-BE49-F238E27FC236}">
+                <a16:creationId xmlns:a16="http://schemas.microsoft.com/office/drawing/2014/main" xmlns="" id="{4E0E68D9-BEB8-4A1B-8F56-334F8EA6DD1D}"/>
+              </a:ext>
+            </a:extLst>
+          </p:cNvPr>
+          <p:cNvSpPr txBox="1"/>
+          <p:nvPr/>
+        </p:nvSpPr>
+        <p:spPr>
+          <a:xfrm>
+            <a:off x="7751752" y="3255599"/>
+            <a:ext cx="4289140" cy="1477328"/>
+          </a:xfrm>
+          <a:prstGeom prst="rect">
             <a:avLst/>
           </a:prstGeom>
-          <a:ln w="19050">
-            <a:solidFill>
-              <a:srgbClr val="36D8EE"/>
-            </a:solidFill>
-          </a:ln>
+          <a:noFill/>
         </p:spPr>
-        <p:style>
-          <a:lnRef idx="1">
-            <a:schemeClr val="accent1"/>
-          </a:lnRef>
-          <a:fillRef idx="0">
-            <a:schemeClr val="accent1"/>
-          </a:fillRef>
-          <a:effectRef idx="0">
-            <a:schemeClr val="accent1"/>
-          </a:effectRef>
-          <a:fontRef idx="minor">
-            <a:schemeClr val="tx1"/>
-          </a:fontRef>
-        </p:style>
-      </p:cxnSp>
+        <p:txBody>
+          <a:bodyPr wrap="square" rtlCol="0">
+            <a:spAutoFit/>
+          </a:bodyPr>
+          <a:lstStyle/>
+          <a:p>
+            <a:pPr marL="285750" indent="-285750" algn="just">
+              <a:buFont typeface="Arial" panose="020B0604020202020204" pitchFamily="34" charset="0"/>
+              <a:buChar char="•"/>
+            </a:pPr>
+            <a:r>
+              <a:rPr lang="en-US" dirty="0"/>
+              <a:t>Loads the structure file and preforms the rendering over the total number of ranks requested.</a:t>
+            </a:r>
+          </a:p>
+          <a:p>
+            <a:pPr marL="285750" indent="-285750" algn="just">
+              <a:buFont typeface="Arial" panose="020B0604020202020204" pitchFamily="34" charset="0"/>
+              <a:buChar char="•"/>
+            </a:pPr>
+            <a:r>
+              <a:rPr lang="en-US" dirty="0"/>
+              <a:t>The example follows a trajectory with 5,000 frames.</a:t>
+            </a:r>
+          </a:p>
+        </p:txBody>
+      </p:sp>
+      <p:pic>
+        <p:nvPicPr>
+          <p:cNvPr id="11" name="Picture 10">
+            <a:extLst>
+              <a:ext uri="{FF2B5EF4-FFF2-40B4-BE49-F238E27FC236}">
+                <a16:creationId xmlns:a16="http://schemas.microsoft.com/office/drawing/2014/main" xmlns="" id="{5374A9E5-7EF6-4B80-8AD2-0A7E78D52EC5}"/>
+              </a:ext>
+            </a:extLst>
+          </p:cNvPr>
+          <p:cNvPicPr>
+            <a:picLocks noChangeAspect="1"/>
+          </p:cNvPicPr>
+          <p:nvPr/>
+        </p:nvPicPr>
+        <p:blipFill>
+          <a:blip r:embed="rId2"/>
+          <a:stretch>
+            <a:fillRect/>
+          </a:stretch>
+        </p:blipFill>
+        <p:spPr>
+          <a:xfrm>
+            <a:off x="-1" y="2170963"/>
+            <a:ext cx="7705075" cy="3646600"/>
+          </a:xfrm>
+          <a:prstGeom prst="rect">
+            <a:avLst/>
+          </a:prstGeom>
+        </p:spPr>
+      </p:pic>
     </p:spTree>
     <p:extLst>
       <p:ext uri="{BB962C8B-B14F-4D97-AF65-F5344CB8AC3E}">
-        <p14:creationId xmlns:p14="http://schemas.microsoft.com/office/powerpoint/2010/main" val="2122616403"/>
+        <p14:creationId xmlns:p14="http://schemas.microsoft.com/office/powerpoint/2010/main" val="4152492162"/>
       </p:ext>
     </p:extLst>
   </p:cSld>
@@ -20881,7 +26233,333 @@
 </p:sld>
 </file>
 
-<file path=ppt/slides/slide10.xml><?xml version="1.0" encoding="utf-8"?>
+<file path=ppt/slides/slide11.xml><?xml version="1.0" encoding="utf-8"?>
+<p:sld xmlns:a="http://schemas.openxmlformats.org/drawingml/2006/main" xmlns:r="http://schemas.openxmlformats.org/officeDocument/2006/relationships" xmlns:p="http://schemas.openxmlformats.org/presentationml/2006/main">
+  <p:cSld>
+    <p:spTree>
+      <p:nvGrpSpPr>
+        <p:cNvPr id="1" name=""/>
+        <p:cNvGrpSpPr/>
+        <p:nvPr/>
+      </p:nvGrpSpPr>
+      <p:grpSpPr>
+        <a:xfrm>
+          <a:off x="0" y="0"/>
+          <a:ext cx="0" cy="0"/>
+          <a:chOff x="0" y="0"/>
+          <a:chExt cx="0" cy="0"/>
+        </a:xfrm>
+      </p:grpSpPr>
+      <p:sp>
+        <p:nvSpPr>
+          <p:cNvPr id="2" name="Title 1">
+            <a:extLst>
+              <a:ext uri="{FF2B5EF4-FFF2-40B4-BE49-F238E27FC236}">
+                <a16:creationId xmlns:a16="http://schemas.microsoft.com/office/drawing/2014/main" xmlns="" id="{AF364D4C-E3D9-4755-8034-FF331AF56E30}"/>
+              </a:ext>
+            </a:extLst>
+          </p:cNvPr>
+          <p:cNvSpPr>
+            <a:spLocks noGrp="1"/>
+          </p:cNvSpPr>
+          <p:nvPr>
+            <p:ph type="title"/>
+          </p:nvPr>
+        </p:nvSpPr>
+        <p:spPr>
+          <a:xfrm>
+            <a:off x="892122" y="987961"/>
+            <a:ext cx="5769569" cy="630674"/>
+          </a:xfrm>
+        </p:spPr>
+        <p:txBody>
+          <a:bodyPr>
+            <a:normAutofit fontScale="90000"/>
+          </a:bodyPr>
+          <a:lstStyle/>
+          <a:p>
+            <a:r>
+              <a:rPr lang="en-US" dirty="0"/>
+              <a:t>Rendering using VMD MPI</a:t>
+            </a:r>
+          </a:p>
+        </p:txBody>
+      </p:sp>
+      <p:sp>
+        <p:nvSpPr>
+          <p:cNvPr id="3" name="Content Placeholder 2">
+            <a:extLst>
+              <a:ext uri="{FF2B5EF4-FFF2-40B4-BE49-F238E27FC236}">
+                <a16:creationId xmlns:a16="http://schemas.microsoft.com/office/drawing/2014/main" xmlns="" id="{CBF82D96-0AC4-4AA6-81F2-4B224E88F30E}"/>
+              </a:ext>
+            </a:extLst>
+          </p:cNvPr>
+          <p:cNvSpPr>
+            <a:spLocks noGrp="1"/>
+          </p:cNvSpPr>
+          <p:nvPr>
+            <p:ph idx="1"/>
+          </p:nvPr>
+        </p:nvSpPr>
+        <p:spPr>
+          <a:xfrm>
+            <a:off x="119472" y="2007461"/>
+            <a:ext cx="5858059" cy="1116936"/>
+          </a:xfrm>
+        </p:spPr>
+        <p:txBody>
+          <a:bodyPr>
+            <a:noAutofit/>
+          </a:bodyPr>
+          <a:lstStyle/>
+          <a:p>
+            <a:pPr marL="0" indent="0" algn="just">
+              <a:buNone/>
+            </a:pPr>
+            <a:r>
+              <a:rPr lang="en-US" sz="1900" dirty="0"/>
+              <a:t>The script is submitted using </a:t>
+            </a:r>
+            <a:r>
+              <a:rPr lang="en-US" sz="1900" dirty="0" err="1"/>
+              <a:t>Slurm</a:t>
+            </a:r>
+            <a:r>
+              <a:rPr lang="en-US" sz="1900" dirty="0"/>
+              <a:t> Workload Manager</a:t>
+            </a:r>
+            <a:endParaRPr lang="en-US" sz="2000" dirty="0">
+              <a:cs typeface="Times New Roman" panose="02020603050405020304" pitchFamily="18" charset="0"/>
+            </a:endParaRPr>
+          </a:p>
+          <a:p>
+            <a:pPr marL="0" indent="0" algn="just">
+              <a:buNone/>
+            </a:pPr>
+            <a:r>
+              <a:rPr lang="en-US" sz="1900" dirty="0">
+                <a:cs typeface="Times New Roman" panose="02020603050405020304" pitchFamily="18" charset="0"/>
+              </a:rPr>
+              <a:t>	</a:t>
+            </a:r>
+            <a:r>
+              <a:rPr lang="en-US" sz="1900" b="1" dirty="0">
+                <a:cs typeface="Times New Roman" panose="02020603050405020304" pitchFamily="18" charset="0"/>
+              </a:rPr>
+              <a:t>runbatch_mpi.sh</a:t>
+            </a:r>
+          </a:p>
+        </p:txBody>
+      </p:sp>
+      <p:pic>
+        <p:nvPicPr>
+          <p:cNvPr id="4" name="Picture 3">
+            <a:extLst>
+              <a:ext uri="{FF2B5EF4-FFF2-40B4-BE49-F238E27FC236}">
+                <a16:creationId xmlns:a16="http://schemas.microsoft.com/office/drawing/2014/main" xmlns="" id="{DADC84BD-F84A-43B6-9200-AFB0471B51F0}"/>
+              </a:ext>
+            </a:extLst>
+          </p:cNvPr>
+          <p:cNvPicPr>
+            <a:picLocks noChangeAspect="1"/>
+          </p:cNvPicPr>
+          <p:nvPr/>
+        </p:nvPicPr>
+        <p:blipFill>
+          <a:blip r:embed="rId2"/>
+          <a:stretch>
+            <a:fillRect/>
+          </a:stretch>
+        </p:blipFill>
+        <p:spPr>
+          <a:xfrm>
+            <a:off x="10062162" y="1737469"/>
+            <a:ext cx="2107406" cy="4173374"/>
+          </a:xfrm>
+          <a:prstGeom prst="rect">
+            <a:avLst/>
+          </a:prstGeom>
+        </p:spPr>
+      </p:pic>
+      <p:pic>
+        <p:nvPicPr>
+          <p:cNvPr id="5" name="Picture 4">
+            <a:extLst>
+              <a:ext uri="{FF2B5EF4-FFF2-40B4-BE49-F238E27FC236}">
+                <a16:creationId xmlns:a16="http://schemas.microsoft.com/office/drawing/2014/main" xmlns="" id="{4B87B48A-A769-4A4D-B9B8-DD0EB4A7A02A}"/>
+              </a:ext>
+            </a:extLst>
+          </p:cNvPr>
+          <p:cNvPicPr>
+            <a:picLocks noChangeAspect="1"/>
+          </p:cNvPicPr>
+          <p:nvPr/>
+        </p:nvPicPr>
+        <p:blipFill>
+          <a:blip r:embed="rId3"/>
+          <a:stretch>
+            <a:fillRect/>
+          </a:stretch>
+        </p:blipFill>
+        <p:spPr>
+          <a:xfrm>
+            <a:off x="8036697" y="1737469"/>
+            <a:ext cx="2188101" cy="4173374"/>
+          </a:xfrm>
+          <a:prstGeom prst="rect">
+            <a:avLst/>
+          </a:prstGeom>
+        </p:spPr>
+      </p:pic>
+      <p:sp>
+        <p:nvSpPr>
+          <p:cNvPr id="6" name="TextBox 5">
+            <a:extLst>
+              <a:ext uri="{FF2B5EF4-FFF2-40B4-BE49-F238E27FC236}">
+                <a16:creationId xmlns:a16="http://schemas.microsoft.com/office/drawing/2014/main" xmlns="" id="{2AB23CE2-76C0-4625-B53F-8A9BA767110F}"/>
+              </a:ext>
+            </a:extLst>
+          </p:cNvPr>
+          <p:cNvSpPr txBox="1"/>
+          <p:nvPr/>
+        </p:nvSpPr>
+        <p:spPr>
+          <a:xfrm>
+            <a:off x="8427225" y="1449358"/>
+            <a:ext cx="908197" cy="338554"/>
+          </a:xfrm>
+          <a:prstGeom prst="rect">
+            <a:avLst/>
+          </a:prstGeom>
+          <a:noFill/>
+        </p:spPr>
+        <p:txBody>
+          <a:bodyPr wrap="none" rtlCol="0">
+            <a:spAutoFit/>
+          </a:bodyPr>
+          <a:lstStyle/>
+          <a:p>
+            <a:r>
+              <a:rPr lang="en-US" sz="1600" b="1" dirty="0"/>
+              <a:t>Frame 0 </a:t>
+            </a:r>
+          </a:p>
+        </p:txBody>
+      </p:sp>
+      <p:sp>
+        <p:nvSpPr>
+          <p:cNvPr id="7" name="TextBox 6">
+            <a:extLst>
+              <a:ext uri="{FF2B5EF4-FFF2-40B4-BE49-F238E27FC236}">
+                <a16:creationId xmlns:a16="http://schemas.microsoft.com/office/drawing/2014/main" xmlns="" id="{877042EC-A726-4FD8-B256-D9E1E3C9A372}"/>
+              </a:ext>
+            </a:extLst>
+          </p:cNvPr>
+          <p:cNvSpPr txBox="1"/>
+          <p:nvPr/>
+        </p:nvSpPr>
+        <p:spPr>
+          <a:xfrm>
+            <a:off x="10383922" y="1449358"/>
+            <a:ext cx="915956" cy="338554"/>
+          </a:xfrm>
+          <a:prstGeom prst="rect">
+            <a:avLst/>
+          </a:prstGeom>
+          <a:noFill/>
+        </p:spPr>
+        <p:txBody>
+          <a:bodyPr wrap="none" rtlCol="0">
+            <a:spAutoFit/>
+          </a:bodyPr>
+          <a:lstStyle/>
+          <a:p>
+            <a:r>
+              <a:rPr lang="en-US" sz="1600" b="1" dirty="0"/>
+              <a:t>Frame 9 </a:t>
+            </a:r>
+          </a:p>
+        </p:txBody>
+      </p:sp>
+      <p:pic>
+        <p:nvPicPr>
+          <p:cNvPr id="12" name="Picture 11">
+            <a:extLst>
+              <a:ext uri="{FF2B5EF4-FFF2-40B4-BE49-F238E27FC236}">
+                <a16:creationId xmlns:a16="http://schemas.microsoft.com/office/drawing/2014/main" xmlns="" id="{CBFE07F0-5024-4848-A609-104ADA063D2D}"/>
+              </a:ext>
+            </a:extLst>
+          </p:cNvPr>
+          <p:cNvPicPr>
+            <a:picLocks noChangeAspect="1"/>
+          </p:cNvPicPr>
+          <p:nvPr/>
+        </p:nvPicPr>
+        <p:blipFill>
+          <a:blip r:embed="rId4"/>
+          <a:stretch>
+            <a:fillRect/>
+          </a:stretch>
+        </p:blipFill>
+        <p:spPr>
+          <a:xfrm>
+            <a:off x="119472" y="3212029"/>
+            <a:ext cx="7917225" cy="1739772"/>
+          </a:xfrm>
+          <a:prstGeom prst="rect">
+            <a:avLst/>
+          </a:prstGeom>
+        </p:spPr>
+      </p:pic>
+      <p:sp>
+        <p:nvSpPr>
+          <p:cNvPr id="13" name="TextBox 12">
+            <a:extLst>
+              <a:ext uri="{FF2B5EF4-FFF2-40B4-BE49-F238E27FC236}">
+                <a16:creationId xmlns:a16="http://schemas.microsoft.com/office/drawing/2014/main" xmlns="" id="{F9A7AFAA-F6B1-489D-B341-8E102CB8BCC2}"/>
+              </a:ext>
+            </a:extLst>
+          </p:cNvPr>
+          <p:cNvSpPr txBox="1"/>
+          <p:nvPr/>
+        </p:nvSpPr>
+        <p:spPr>
+          <a:xfrm>
+            <a:off x="153758" y="5587677"/>
+            <a:ext cx="8003092" cy="646331"/>
+          </a:xfrm>
+          <a:prstGeom prst="rect">
+            <a:avLst/>
+          </a:prstGeom>
+          <a:noFill/>
+        </p:spPr>
+        <p:txBody>
+          <a:bodyPr wrap="square" rtlCol="0">
+            <a:spAutoFit/>
+          </a:bodyPr>
+          <a:lstStyle/>
+          <a:p>
+            <a:r>
+              <a:rPr lang="en-US" dirty="0"/>
+              <a:t>The resources requested correspond to 2 nodes, each one running a single process. Therefore, each node renders 2,500 frames. </a:t>
+            </a:r>
+          </a:p>
+        </p:txBody>
+      </p:sp>
+    </p:spTree>
+    <p:extLst>
+      <p:ext uri="{BB962C8B-B14F-4D97-AF65-F5344CB8AC3E}">
+        <p14:creationId xmlns:p14="http://schemas.microsoft.com/office/powerpoint/2010/main" val="2310702846"/>
+      </p:ext>
+    </p:extLst>
+  </p:cSld>
+  <p:clrMapOvr>
+    <a:masterClrMapping/>
+  </p:clrMapOvr>
+</p:sld>
+</file>
+
+<file path=ppt/slides/slide12.xml><?xml version="1.0" encoding="utf-8"?>
 <p:sld xmlns:a="http://schemas.openxmlformats.org/drawingml/2006/main" xmlns:r="http://schemas.openxmlformats.org/officeDocument/2006/relationships" xmlns:p="http://schemas.openxmlformats.org/presentationml/2006/main">
   <p:cSld>
     <p:bg>
@@ -20915,10 +26593,10 @@
           <p:cNvPr id="8" name="Rectangle 7">
             <a:extLst>
               <a:ext uri="{FF2B5EF4-FFF2-40B4-BE49-F238E27FC236}">
-                <a16:creationId xmlns:a16="http://schemas.microsoft.com/office/drawing/2014/main" id="{A43280A9-E265-46D1-8575-622906D204C9}"/>
+                <a16:creationId xmlns:a16="http://schemas.microsoft.com/office/drawing/2014/main" xmlns="" id="{A43280A9-E265-46D1-8575-622906D204C9}"/>
               </a:ext>
               <a:ext uri="{C183D7F6-B498-43B3-948B-1728B52AA6E4}">
-                <adec:decorative xmlns:adec="http://schemas.microsoft.com/office/drawing/2017/decorative" val="1"/>
+                <adec:decorative xmlns:adec="http://schemas.microsoft.com/office/drawing/2017/decorative" xmlns="" val="1"/>
               </a:ext>
             </a:extLst>
           </p:cNvPr>
@@ -20975,10 +26653,10 @@
           <p:cNvPr id="10" name="Freeform 16">
             <a:extLst>
               <a:ext uri="{FF2B5EF4-FFF2-40B4-BE49-F238E27FC236}">
-                <a16:creationId xmlns:a16="http://schemas.microsoft.com/office/drawing/2014/main" id="{4DE20B70-4750-4280-B3AC-512C05EEF920}"/>
+                <a16:creationId xmlns:a16="http://schemas.microsoft.com/office/drawing/2014/main" xmlns="" id="{4DE20B70-4750-4280-B3AC-512C05EEF920}"/>
               </a:ext>
               <a:ext uri="{C183D7F6-B498-43B3-948B-1728B52AA6E4}">
-                <adec:decorative xmlns:adec="http://schemas.microsoft.com/office/drawing/2017/decorative" val="1"/>
+                <adec:decorative xmlns:adec="http://schemas.microsoft.com/office/drawing/2017/decorative" xmlns="" val="1"/>
               </a:ext>
             </a:extLst>
           </p:cNvPr>
@@ -30224,10 +35902,10 @@
           <p:cNvPr id="12" name="Rectangle 11">
             <a:extLst>
               <a:ext uri="{FF2B5EF4-FFF2-40B4-BE49-F238E27FC236}">
-                <a16:creationId xmlns:a16="http://schemas.microsoft.com/office/drawing/2014/main" id="{98D95174-B5F2-424A-8183-654A5064D0B6}"/>
+                <a16:creationId xmlns:a16="http://schemas.microsoft.com/office/drawing/2014/main" xmlns="" id="{98D95174-B5F2-424A-8183-654A5064D0B6}"/>
               </a:ext>
               <a:ext uri="{C183D7F6-B498-43B3-948B-1728B52AA6E4}">
-                <adec:decorative xmlns:adec="http://schemas.microsoft.com/office/drawing/2017/decorative" val="1"/>
+                <adec:decorative xmlns:adec="http://schemas.microsoft.com/office/drawing/2017/decorative" xmlns="" val="1"/>
               </a:ext>
             </a:extLst>
           </p:cNvPr>
@@ -30284,10 +35962,10 @@
           <p:cNvPr id="14" name="Rectangle 13">
             <a:extLst>
               <a:ext uri="{FF2B5EF4-FFF2-40B4-BE49-F238E27FC236}">
-                <a16:creationId xmlns:a16="http://schemas.microsoft.com/office/drawing/2014/main" id="{DD368A96-A16E-42CE-842C-9166E567BCC1}"/>
+                <a16:creationId xmlns:a16="http://schemas.microsoft.com/office/drawing/2014/main" xmlns="" id="{DD368A96-A16E-42CE-842C-9166E567BCC1}"/>
               </a:ext>
               <a:ext uri="{C183D7F6-B498-43B3-948B-1728B52AA6E4}">
-                <adec:decorative xmlns:adec="http://schemas.microsoft.com/office/drawing/2017/decorative" val="1"/>
+                <adec:decorative xmlns:adec="http://schemas.microsoft.com/office/drawing/2017/decorative" xmlns="" val="1"/>
               </a:ext>
             </a:extLst>
           </p:cNvPr>
@@ -30347,7 +36025,7 @@
           <p:cNvPr id="2" name="Title 1">
             <a:extLst>
               <a:ext uri="{FF2B5EF4-FFF2-40B4-BE49-F238E27FC236}">
-                <a16:creationId xmlns:a16="http://schemas.microsoft.com/office/drawing/2014/main" id="{AF364D4C-E3D9-4755-8034-FF331AF56E30}"/>
+                <a16:creationId xmlns:a16="http://schemas.microsoft.com/office/drawing/2014/main" xmlns="" id="{AF364D4C-E3D9-4755-8034-FF331AF56E30}"/>
               </a:ext>
             </a:extLst>
           </p:cNvPr>
@@ -30382,10 +36060,10 @@
           <p:cNvPr id="16" name="Straight Connector 15">
             <a:extLst>
               <a:ext uri="{FF2B5EF4-FFF2-40B4-BE49-F238E27FC236}">
-                <a16:creationId xmlns:a16="http://schemas.microsoft.com/office/drawing/2014/main" id="{E350D170-418B-4A22-8B98-15EF799FD957}"/>
+                <a16:creationId xmlns:a16="http://schemas.microsoft.com/office/drawing/2014/main" xmlns="" id="{E350D170-418B-4A22-8B98-15EF799FD957}"/>
               </a:ext>
               <a:ext uri="{C183D7F6-B498-43B3-948B-1728B52AA6E4}">
-                <adec:decorative xmlns:adec="http://schemas.microsoft.com/office/drawing/2017/decorative" val="1"/>
+                <adec:decorative xmlns:adec="http://schemas.microsoft.com/office/drawing/2017/decorative" xmlns="" val="1"/>
               </a:ext>
             </a:extLst>
           </p:cNvPr>
@@ -30434,7 +36112,7 @@
           <p:cNvPr id="3" name="Content Placeholder 2">
             <a:extLst>
               <a:ext uri="{FF2B5EF4-FFF2-40B4-BE49-F238E27FC236}">
-                <a16:creationId xmlns:a16="http://schemas.microsoft.com/office/drawing/2014/main" id="{CBF82D96-0AC4-4AA6-81F2-4B224E88F30E}"/>
+                <a16:creationId xmlns:a16="http://schemas.microsoft.com/office/drawing/2014/main" xmlns="" id="{CBF82D96-0AC4-4AA6-81F2-4B224E88F30E}"/>
               </a:ext>
             </a:extLst>
           </p:cNvPr>
@@ -30673,7 +36351,7 @@
 </p:sld>
 </file>
 
-<file path=ppt/slides/slide11.xml><?xml version="1.0" encoding="utf-8"?>
+<file path=ppt/slides/slide13.xml><?xml version="1.0" encoding="utf-8"?>
 <p:sld xmlns:a="http://schemas.openxmlformats.org/drawingml/2006/main" xmlns:r="http://schemas.openxmlformats.org/officeDocument/2006/relationships" xmlns:p="http://schemas.openxmlformats.org/presentationml/2006/main">
   <p:cSld>
     <p:bg>
@@ -30703,10 +36381,10 @@
           <p:cNvPr id="8" name="Rectangle 7">
             <a:extLst>
               <a:ext uri="{FF2B5EF4-FFF2-40B4-BE49-F238E27FC236}">
-                <a16:creationId xmlns:a16="http://schemas.microsoft.com/office/drawing/2014/main" id="{B0890400-BB8B-4A44-AB63-65C7CA223EBA}"/>
+                <a16:creationId xmlns:a16="http://schemas.microsoft.com/office/drawing/2014/main" xmlns="" id="{B0890400-BB8B-4A44-AB63-65C7CA223EBA}"/>
               </a:ext>
               <a:ext uri="{C183D7F6-B498-43B3-948B-1728B52AA6E4}">
-                <adec:decorative xmlns:adec="http://schemas.microsoft.com/office/drawing/2017/decorative" val="1"/>
+                <adec:decorative xmlns:adec="http://schemas.microsoft.com/office/drawing/2017/decorative" xmlns="" val="1"/>
               </a:ext>
             </a:extLst>
           </p:cNvPr>
@@ -30763,7 +36441,7 @@
           <p:cNvPr id="2" name="Title 1">
             <a:extLst>
               <a:ext uri="{FF2B5EF4-FFF2-40B4-BE49-F238E27FC236}">
-                <a16:creationId xmlns:a16="http://schemas.microsoft.com/office/drawing/2014/main" id="{AF364D4C-E3D9-4755-8034-FF331AF56E30}"/>
+                <a16:creationId xmlns:a16="http://schemas.microsoft.com/office/drawing/2014/main" xmlns="" id="{AF364D4C-E3D9-4755-8034-FF331AF56E30}"/>
               </a:ext>
             </a:extLst>
           </p:cNvPr>
@@ -30800,10 +36478,10 @@
           <p:cNvPr id="10" name="Straight Connector 9">
             <a:extLst>
               <a:ext uri="{FF2B5EF4-FFF2-40B4-BE49-F238E27FC236}">
-                <a16:creationId xmlns:a16="http://schemas.microsoft.com/office/drawing/2014/main" id="{4D39B797-CDC6-4529-8A36-9CBFC9816337}"/>
+                <a16:creationId xmlns:a16="http://schemas.microsoft.com/office/drawing/2014/main" xmlns="" id="{4D39B797-CDC6-4529-8A36-9CBFC9816337}"/>
               </a:ext>
               <a:ext uri="{C183D7F6-B498-43B3-948B-1728B52AA6E4}">
-                <adec:decorative xmlns:adec="http://schemas.microsoft.com/office/drawing/2017/decorative" val="1"/>
+                <adec:decorative xmlns:adec="http://schemas.microsoft.com/office/drawing/2017/decorative" xmlns="" val="1"/>
               </a:ext>
             </a:extLst>
           </p:cNvPr>
@@ -30852,7 +36530,7 @@
           <p:cNvPr id="3" name="Content Placeholder 2">
             <a:extLst>
               <a:ext uri="{FF2B5EF4-FFF2-40B4-BE49-F238E27FC236}">
-                <a16:creationId xmlns:a16="http://schemas.microsoft.com/office/drawing/2014/main" id="{CBF82D96-0AC4-4AA6-81F2-4B224E88F30E}"/>
+                <a16:creationId xmlns:a16="http://schemas.microsoft.com/office/drawing/2014/main" xmlns="" id="{CBF82D96-0AC4-4AA6-81F2-4B224E88F30E}"/>
               </a:ext>
             </a:extLst>
           </p:cNvPr>
@@ -31058,10 +36736,552 @@
       </p:grpSpPr>
       <p:sp>
         <p:nvSpPr>
+          <p:cNvPr id="2" name="Title 1"/>
+          <p:cNvSpPr>
+            <a:spLocks noGrp="1"/>
+          </p:cNvSpPr>
+          <p:nvPr>
+            <p:ph type="ctrTitle"/>
+          </p:nvPr>
+        </p:nvSpPr>
+        <p:spPr>
+          <a:xfrm>
+            <a:off x="754745" y="0"/>
+            <a:ext cx="10682515" cy="6858000"/>
+          </a:xfrm>
+        </p:spPr>
+        <p:txBody>
+          <a:bodyPr anchor="ctr">
+            <a:noAutofit/>
+          </a:bodyPr>
+          <a:lstStyle/>
+          <a:p>
+            <a:pPr algn="l" fontAlgn="ctr"/>
+            <a:r>
+              <a:rPr lang="en-US" sz="2800" dirty="0">
+                <a:latin typeface="Times New Roman" charset="0"/>
+                <a:ea typeface="Times New Roman" charset="0"/>
+                <a:cs typeface="Times New Roman" charset="0"/>
+              </a:rPr>
+              <a:t>Except where otherwise noted, this work by</a:t>
+            </a:r>
+            <a:br>
+              <a:rPr lang="en-US" sz="2800" dirty="0">
+                <a:latin typeface="Times New Roman" charset="0"/>
+                <a:ea typeface="Times New Roman" charset="0"/>
+                <a:cs typeface="Times New Roman" charset="0"/>
+              </a:rPr>
+            </a:br>
+            <a:r>
+              <a:rPr lang="en-US" sz="2800" dirty="0">
+                <a:latin typeface="Times New Roman" charset="0"/>
+                <a:ea typeface="Times New Roman" charset="0"/>
+                <a:cs typeface="Times New Roman" charset="0"/>
+              </a:rPr>
+              <a:t>The Shodor Education Foundation, Inc. is licensed under</a:t>
+            </a:r>
+            <a:br>
+              <a:rPr lang="en-US" sz="2800" dirty="0">
+                <a:latin typeface="Times New Roman" charset="0"/>
+                <a:ea typeface="Times New Roman" charset="0"/>
+                <a:cs typeface="Times New Roman" charset="0"/>
+              </a:rPr>
+            </a:br>
+            <a:r>
+              <a:rPr lang="en-US" sz="2800" dirty="0">
+                <a:latin typeface="Times New Roman" charset="0"/>
+                <a:ea typeface="Times New Roman" charset="0"/>
+                <a:cs typeface="Times New Roman" charset="0"/>
+              </a:rPr>
+              <a:t>CC BY-NC 4.0. To view a copy of this license, visit </a:t>
+            </a:r>
+            <a:r>
+              <a:rPr lang="en-US" sz="2800" dirty="0">
+                <a:latin typeface="Times New Roman" charset="0"/>
+                <a:ea typeface="Times New Roman" charset="0"/>
+                <a:cs typeface="Times New Roman" charset="0"/>
+                <a:hlinkClick r:id="rId2"/>
+              </a:rPr>
+              <a:t>https://creativecommons.org/licenses/by-nc/4.0</a:t>
+            </a:r>
+            <a:r>
+              <a:rPr lang="en-US" sz="2800" dirty="0">
+                <a:latin typeface="Times New Roman" charset="0"/>
+                <a:ea typeface="Times New Roman" charset="0"/>
+                <a:cs typeface="Times New Roman" charset="0"/>
+              </a:rPr>
+              <a:t/>
+            </a:r>
+            <a:br>
+              <a:rPr lang="en-US" sz="2800" dirty="0">
+                <a:latin typeface="Times New Roman" charset="0"/>
+                <a:ea typeface="Times New Roman" charset="0"/>
+                <a:cs typeface="Times New Roman" charset="0"/>
+              </a:rPr>
+            </a:br>
+            <a:r>
+              <a:rPr lang="en-US" sz="2800" dirty="0">
+                <a:latin typeface="Times New Roman" charset="0"/>
+                <a:ea typeface="Times New Roman" charset="0"/>
+                <a:cs typeface="Times New Roman" charset="0"/>
+              </a:rPr>
+              <a:t/>
+            </a:r>
+            <a:br>
+              <a:rPr lang="en-US" sz="2800" dirty="0">
+                <a:latin typeface="Times New Roman" charset="0"/>
+                <a:ea typeface="Times New Roman" charset="0"/>
+                <a:cs typeface="Times New Roman" charset="0"/>
+              </a:rPr>
+            </a:br>
+            <a:r>
+              <a:rPr lang="en-US" sz="2800" dirty="0">
+                <a:latin typeface="Times New Roman" charset="0"/>
+                <a:ea typeface="Times New Roman" charset="0"/>
+                <a:cs typeface="Times New Roman" charset="0"/>
+              </a:rPr>
+              <a:t>Browse and search the full curriculum at </a:t>
+            </a:r>
+            <a:r>
+              <a:rPr lang="en-US" sz="2800" dirty="0">
+                <a:latin typeface="Times New Roman" charset="0"/>
+                <a:ea typeface="Times New Roman" charset="0"/>
+                <a:cs typeface="Times New Roman" charset="0"/>
+                <a:hlinkClick r:id="rId3"/>
+              </a:rPr>
+              <a:t>http://shodor.org/petascale/materials/semester-curriculum</a:t>
+            </a:r>
+            <a:r>
+              <a:rPr lang="en-US" sz="2800" dirty="0">
+                <a:latin typeface="Times New Roman" charset="0"/>
+                <a:ea typeface="Times New Roman" charset="0"/>
+                <a:cs typeface="Times New Roman" charset="0"/>
+              </a:rPr>
+              <a:t/>
+            </a:r>
+            <a:br>
+              <a:rPr lang="en-US" sz="2800" dirty="0">
+                <a:latin typeface="Times New Roman" charset="0"/>
+                <a:ea typeface="Times New Roman" charset="0"/>
+                <a:cs typeface="Times New Roman" charset="0"/>
+              </a:rPr>
+            </a:br>
+            <a:r>
+              <a:rPr lang="en-US" sz="2800" dirty="0">
+                <a:latin typeface="Times New Roman" charset="0"/>
+                <a:ea typeface="Times New Roman" charset="0"/>
+                <a:cs typeface="Times New Roman" charset="0"/>
+              </a:rPr>
+              <a:t/>
+            </a:r>
+            <a:br>
+              <a:rPr lang="en-US" sz="2800" dirty="0">
+                <a:latin typeface="Times New Roman" charset="0"/>
+                <a:ea typeface="Times New Roman" charset="0"/>
+                <a:cs typeface="Times New Roman" charset="0"/>
+              </a:rPr>
+            </a:br>
+            <a:r>
+              <a:rPr lang="en-US" sz="2800" dirty="0">
+                <a:latin typeface="Times New Roman" charset="0"/>
+                <a:ea typeface="Times New Roman" charset="0"/>
+                <a:cs typeface="Times New Roman" charset="0"/>
+              </a:rPr>
+              <a:t>We welcome your improvements! You can submit your proposed changes to this material and the rest of the curriculum in our GitHub repository at </a:t>
+            </a:r>
+            <a:r>
+              <a:rPr lang="en-US" sz="2800" dirty="0">
+                <a:latin typeface="Times New Roman" charset="0"/>
+                <a:ea typeface="Times New Roman" charset="0"/>
+                <a:cs typeface="Times New Roman" charset="0"/>
+                <a:hlinkClick r:id="rId4"/>
+              </a:rPr>
+              <a:t>https://github.com/shodor-education/petascale-semester-curriculum</a:t>
+            </a:r>
+            <a:r>
+              <a:rPr lang="en-US" sz="2800" dirty="0">
+                <a:latin typeface="Times New Roman" charset="0"/>
+                <a:ea typeface="Times New Roman" charset="0"/>
+                <a:cs typeface="Times New Roman" charset="0"/>
+              </a:rPr>
+              <a:t/>
+            </a:r>
+            <a:br>
+              <a:rPr lang="en-US" sz="2800" dirty="0">
+                <a:latin typeface="Times New Roman" charset="0"/>
+                <a:ea typeface="Times New Roman" charset="0"/>
+                <a:cs typeface="Times New Roman" charset="0"/>
+              </a:rPr>
+            </a:br>
+            <a:r>
+              <a:rPr lang="en-US" sz="2800" dirty="0">
+                <a:latin typeface="Times New Roman" charset="0"/>
+                <a:ea typeface="Times New Roman" charset="0"/>
+                <a:cs typeface="Times New Roman" charset="0"/>
+              </a:rPr>
+              <a:t/>
+            </a:r>
+            <a:br>
+              <a:rPr lang="en-US" sz="2800" dirty="0">
+                <a:latin typeface="Times New Roman" charset="0"/>
+                <a:ea typeface="Times New Roman" charset="0"/>
+                <a:cs typeface="Times New Roman" charset="0"/>
+              </a:rPr>
+            </a:br>
+            <a:r>
+              <a:rPr lang="en-US" sz="2800" dirty="0">
+                <a:latin typeface="Times New Roman" charset="0"/>
+                <a:ea typeface="Times New Roman" charset="0"/>
+                <a:cs typeface="Times New Roman" charset="0"/>
+              </a:rPr>
+              <a:t>We want to hear from you! Please let us know your experiences using this material by sending email to </a:t>
+            </a:r>
+            <a:r>
+              <a:rPr lang="en-US" sz="2800" dirty="0">
+                <a:latin typeface="Times New Roman" charset="0"/>
+                <a:ea typeface="Times New Roman" charset="0"/>
+                <a:cs typeface="Times New Roman" charset="0"/>
+                <a:hlinkClick r:id="rId5"/>
+              </a:rPr>
+              <a:t>petascale@shodor.org</a:t>
+            </a:r>
+            <a:endParaRPr lang="en-US" sz="3600" dirty="0">
+              <a:latin typeface="Times New Roman" charset="0"/>
+              <a:ea typeface="Times New Roman" charset="0"/>
+              <a:cs typeface="Times New Roman" charset="0"/>
+            </a:endParaRPr>
+          </a:p>
+        </p:txBody>
+      </p:sp>
+    </p:spTree>
+    <p:extLst>
+      <p:ext uri="{BB962C8B-B14F-4D97-AF65-F5344CB8AC3E}">
+        <p14:creationId xmlns:p14="http://schemas.microsoft.com/office/powerpoint/2010/main" val="1192433871"/>
+      </p:ext>
+    </p:extLst>
+  </p:cSld>
+  <p:clrMapOvr>
+    <a:masterClrMapping/>
+  </p:clrMapOvr>
+  <p:timing>
+    <p:tnLst>
+      <p:par>
+        <p:cTn id="1" dur="indefinite" restart="never" nodeType="tmRoot"/>
+      </p:par>
+    </p:tnLst>
+  </p:timing>
+</p:sld>
+</file>
+
+<file path=ppt/slides/slide3.xml><?xml version="1.0" encoding="utf-8"?>
+<p:sld xmlns:a="http://schemas.openxmlformats.org/drawingml/2006/main" xmlns:r="http://schemas.openxmlformats.org/officeDocument/2006/relationships" xmlns:p="http://schemas.openxmlformats.org/presentationml/2006/main">
+  <p:cSld>
+    <p:bg>
+      <p:bgPr>
+        <a:solidFill>
+          <a:schemeClr val="bg1"/>
+        </a:solidFill>
+        <a:effectLst/>
+      </p:bgPr>
+    </p:bg>
+    <p:spTree>
+      <p:nvGrpSpPr>
+        <p:cNvPr id="1" name=""/>
+        <p:cNvGrpSpPr/>
+        <p:nvPr/>
+      </p:nvGrpSpPr>
+      <p:grpSpPr>
+        <a:xfrm>
+          <a:off x="0" y="0"/>
+          <a:ext cx="0" cy="0"/>
+          <a:chOff x="0" y="0"/>
+          <a:chExt cx="0" cy="0"/>
+        </a:xfrm>
+      </p:grpSpPr>
+      <p:sp>
+        <p:nvSpPr>
+          <p:cNvPr id="22" name="Rectangle 16">
+            <a:extLst>
+              <a:ext uri="{FF2B5EF4-FFF2-40B4-BE49-F238E27FC236}">
+                <a16:creationId xmlns:a16="http://schemas.microsoft.com/office/drawing/2014/main" xmlns="" id="{2FDF0794-1B86-42B2-B8C7-F60123E638ED}"/>
+              </a:ext>
+              <a:ext uri="{C183D7F6-B498-43B3-948B-1728B52AA6E4}">
+                <adec:decorative xmlns:adec="http://schemas.microsoft.com/office/drawing/2017/decorative" xmlns="" val="1"/>
+              </a:ext>
+            </a:extLst>
+          </p:cNvPr>
+          <p:cNvSpPr>
+            <a:spLocks noGrp="1" noRot="1" noChangeAspect="1" noMove="1" noResize="1" noEditPoints="1" noAdjustHandles="1" noChangeArrowheads="1" noChangeShapeType="1" noTextEdit="1"/>
+          </p:cNvSpPr>
+          <p:nvPr>
+            <p:extLst>
+              <p:ext uri="{386F3935-93C4-4BCD-93E2-E3B085C9AB24}">
+                <p16:designElem xmlns:p16="http://schemas.microsoft.com/office/powerpoint/2015/main" val="1"/>
+              </p:ext>
+            </p:extLst>
+          </p:nvPr>
+        </p:nvSpPr>
+        <p:spPr>
+          <a:xfrm>
+            <a:off x="3274" y="0"/>
+            <a:ext cx="12188726" cy="6858975"/>
+          </a:xfrm>
+          <a:prstGeom prst="rect">
+            <a:avLst/>
+          </a:prstGeom>
+          <a:solidFill>
+            <a:schemeClr val="bg1"/>
+          </a:solidFill>
+          <a:ln>
+            <a:noFill/>
+          </a:ln>
+        </p:spPr>
+        <p:style>
+          <a:lnRef idx="2">
+            <a:schemeClr val="accent1">
+              <a:shade val="50000"/>
+            </a:schemeClr>
+          </a:lnRef>
+          <a:fillRef idx="1">
+            <a:schemeClr val="accent1"/>
+          </a:fillRef>
+          <a:effectRef idx="0">
+            <a:schemeClr val="accent1"/>
+          </a:effectRef>
+          <a:fontRef idx="minor">
+            <a:schemeClr val="lt1"/>
+          </a:fontRef>
+        </p:style>
+        <p:txBody>
+          <a:bodyPr rtlCol="0" anchor="ctr"/>
+          <a:lstStyle/>
+          <a:p>
+            <a:pPr algn="ctr"/>
+            <a:endParaRPr lang="en-US"/>
+          </a:p>
+        </p:txBody>
+      </p:sp>
+      <p:pic>
+        <p:nvPicPr>
+          <p:cNvPr id="5" name="Picture 4">
+            <a:extLst>
+              <a:ext uri="{FF2B5EF4-FFF2-40B4-BE49-F238E27FC236}">
+                <a16:creationId xmlns:a16="http://schemas.microsoft.com/office/drawing/2014/main" xmlns="" id="{65BCED74-8C23-468B-93E9-2C5CCD60AD6A}"/>
+              </a:ext>
+            </a:extLst>
+          </p:cNvPr>
+          <p:cNvPicPr>
+            <a:picLocks noChangeAspect="1"/>
+          </p:cNvPicPr>
+          <p:nvPr/>
+        </p:nvPicPr>
+        <p:blipFill rotWithShape="1">
+          <a:blip r:embed="rId2"/>
+          <a:srcRect t="1430" b="23570"/>
+          <a:stretch/>
+        </p:blipFill>
+        <p:spPr>
+          <a:xfrm>
+            <a:off x="20" y="975"/>
+            <a:ext cx="12191980" cy="6858000"/>
+          </a:xfrm>
+          <a:prstGeom prst="rect">
+            <a:avLst/>
+          </a:prstGeom>
+        </p:spPr>
+      </p:pic>
+      <p:sp>
+        <p:nvSpPr>
+          <p:cNvPr id="23" name="Rectangle 18">
+            <a:extLst>
+              <a:ext uri="{FF2B5EF4-FFF2-40B4-BE49-F238E27FC236}">
+                <a16:creationId xmlns:a16="http://schemas.microsoft.com/office/drawing/2014/main" xmlns="" id="{C5373426-E26E-431D-959C-5DB96C0B6208}"/>
+              </a:ext>
+              <a:ext uri="{C183D7F6-B498-43B3-948B-1728B52AA6E4}">
+                <adec:decorative xmlns:adec="http://schemas.microsoft.com/office/drawing/2017/decorative" xmlns="" val="1"/>
+              </a:ext>
+            </a:extLst>
+          </p:cNvPr>
+          <p:cNvSpPr>
+            <a:spLocks noGrp="1" noRot="1" noChangeAspect="1" noMove="1" noResize="1" noEditPoints="1" noAdjustHandles="1" noChangeArrowheads="1" noChangeShapeType="1" noTextEdit="1"/>
+          </p:cNvSpPr>
+          <p:nvPr>
+            <p:extLst>
+              <p:ext uri="{386F3935-93C4-4BCD-93E2-E3B085C9AB24}">
+                <p16:designElem xmlns:p16="http://schemas.microsoft.com/office/powerpoint/2015/main" val="1"/>
+              </p:ext>
+            </p:extLst>
+          </p:nvPr>
+        </p:nvSpPr>
+        <p:spPr>
+          <a:xfrm>
+            <a:off x="643467" y="1238442"/>
+            <a:ext cx="3635926" cy="4355751"/>
+          </a:xfrm>
+          <a:prstGeom prst="rect">
+            <a:avLst/>
+          </a:prstGeom>
+          <a:solidFill>
+            <a:srgbClr val="000000">
+              <a:alpha val="79000"/>
+            </a:srgbClr>
+          </a:solidFill>
+          <a:ln>
+            <a:noFill/>
+          </a:ln>
+        </p:spPr>
+        <p:style>
+          <a:lnRef idx="2">
+            <a:schemeClr val="accent1">
+              <a:shade val="50000"/>
+            </a:schemeClr>
+          </a:lnRef>
+          <a:fillRef idx="1">
+            <a:schemeClr val="accent1"/>
+          </a:fillRef>
+          <a:effectRef idx="0">
+            <a:schemeClr val="accent1"/>
+          </a:effectRef>
+          <a:fontRef idx="minor">
+            <a:schemeClr val="lt1"/>
+          </a:fontRef>
+        </p:style>
+        <p:txBody>
+          <a:bodyPr rtlCol="0" anchor="ctr"/>
+          <a:lstStyle/>
+          <a:p>
+            <a:pPr algn="ctr"/>
+            <a:endParaRPr lang="en-US"/>
+          </a:p>
+        </p:txBody>
+      </p:sp>
+      <p:sp>
+        <p:nvSpPr>
           <p:cNvPr id="2" name="Title 1">
             <a:extLst>
               <a:ext uri="{FF2B5EF4-FFF2-40B4-BE49-F238E27FC236}">
-                <a16:creationId xmlns:a16="http://schemas.microsoft.com/office/drawing/2014/main" id="{AF364D4C-E3D9-4755-8034-FF331AF56E30}"/>
+                <a16:creationId xmlns:a16="http://schemas.microsoft.com/office/drawing/2014/main" xmlns="" id="{7EC255F8-4C8F-46C1-8EF3-020D7D5358F5}"/>
+              </a:ext>
+            </a:extLst>
+          </p:cNvPr>
+          <p:cNvSpPr>
+            <a:spLocks noGrp="1"/>
+          </p:cNvSpPr>
+          <p:nvPr>
+            <p:ph type="ctrTitle"/>
+          </p:nvPr>
+        </p:nvSpPr>
+        <p:spPr>
+          <a:xfrm>
+            <a:off x="853439" y="1475234"/>
+            <a:ext cx="3214307" cy="2901694"/>
+          </a:xfrm>
+        </p:spPr>
+        <p:txBody>
+          <a:bodyPr anchor="b">
+            <a:normAutofit/>
+          </a:bodyPr>
+          <a:lstStyle/>
+          <a:p>
+            <a:r>
+              <a:rPr lang="en-US" sz="3700" b="1">
+                <a:solidFill>
+                  <a:srgbClr val="FFFFFF"/>
+                </a:solidFill>
+              </a:rPr>
+              <a:t>VISUALIZATION OF molecular simulations using VMD on Stampede2 </a:t>
+            </a:r>
+          </a:p>
+        </p:txBody>
+      </p:sp>
+      <p:cxnSp>
+        <p:nvCxnSpPr>
+          <p:cNvPr id="21" name="Straight Connector 20">
+            <a:extLst>
+              <a:ext uri="{FF2B5EF4-FFF2-40B4-BE49-F238E27FC236}">
+                <a16:creationId xmlns:a16="http://schemas.microsoft.com/office/drawing/2014/main" xmlns="" id="{96D07482-83A3-4451-943C-B46961082957}"/>
+              </a:ext>
+              <a:ext uri="{C183D7F6-B498-43B3-948B-1728B52AA6E4}">
+                <adec:decorative xmlns:adec="http://schemas.microsoft.com/office/drawing/2017/decorative" xmlns="" val="1"/>
+              </a:ext>
+            </a:extLst>
+          </p:cNvPr>
+          <p:cNvCxnSpPr>
+            <a:cxnSpLocks noGrp="1" noRot="1" noChangeAspect="1" noMove="1" noResize="1" noEditPoints="1" noAdjustHandles="1" noChangeArrowheads="1" noChangeShapeType="1"/>
+          </p:cNvCxnSpPr>
+          <p:nvPr>
+            <p:extLst>
+              <p:ext uri="{386F3935-93C4-4BCD-93E2-E3B085C9AB24}">
+                <p16:designElem xmlns:p16="http://schemas.microsoft.com/office/powerpoint/2015/main" val="1"/>
+              </p:ext>
+            </p:extLst>
+          </p:nvPr>
+        </p:nvCxnSpPr>
+        <p:spPr>
+          <a:xfrm>
+            <a:off x="1065829" y="4508519"/>
+            <a:ext cx="2926080" cy="0"/>
+          </a:xfrm>
+          <a:prstGeom prst="line">
+            <a:avLst/>
+          </a:prstGeom>
+          <a:ln w="19050">
+            <a:solidFill>
+              <a:srgbClr val="36D8EE"/>
+            </a:solidFill>
+          </a:ln>
+        </p:spPr>
+        <p:style>
+          <a:lnRef idx="1">
+            <a:schemeClr val="accent1"/>
+          </a:lnRef>
+          <a:fillRef idx="0">
+            <a:schemeClr val="accent1"/>
+          </a:fillRef>
+          <a:effectRef idx="0">
+            <a:schemeClr val="accent1"/>
+          </a:effectRef>
+          <a:fontRef idx="minor">
+            <a:schemeClr val="tx1"/>
+          </a:fontRef>
+        </p:style>
+      </p:cxnSp>
+    </p:spTree>
+    <p:extLst>
+      <p:ext uri="{BB962C8B-B14F-4D97-AF65-F5344CB8AC3E}">
+        <p14:creationId xmlns:p14="http://schemas.microsoft.com/office/powerpoint/2010/main" val="2122616403"/>
+      </p:ext>
+    </p:extLst>
+  </p:cSld>
+  <p:clrMapOvr>
+    <a:masterClrMapping/>
+  </p:clrMapOvr>
+</p:sld>
+</file>
+
+<file path=ppt/slides/slide4.xml><?xml version="1.0" encoding="utf-8"?>
+<p:sld xmlns:a="http://schemas.openxmlformats.org/drawingml/2006/main" xmlns:r="http://schemas.openxmlformats.org/officeDocument/2006/relationships" xmlns:p="http://schemas.openxmlformats.org/presentationml/2006/main">
+  <p:cSld>
+    <p:spTree>
+      <p:nvGrpSpPr>
+        <p:cNvPr id="1" name=""/>
+        <p:cNvGrpSpPr/>
+        <p:nvPr/>
+      </p:nvGrpSpPr>
+      <p:grpSpPr>
+        <a:xfrm>
+          <a:off x="0" y="0"/>
+          <a:ext cx="0" cy="0"/>
+          <a:chOff x="0" y="0"/>
+          <a:chExt cx="0" cy="0"/>
+        </a:xfrm>
+      </p:grpSpPr>
+      <p:sp>
+        <p:nvSpPr>
+          <p:cNvPr id="2" name="Title 1">
+            <a:extLst>
+              <a:ext uri="{FF2B5EF4-FFF2-40B4-BE49-F238E27FC236}">
+                <a16:creationId xmlns:a16="http://schemas.microsoft.com/office/drawing/2014/main" xmlns="" id="{AF364D4C-E3D9-4755-8034-FF331AF56E30}"/>
               </a:ext>
             </a:extLst>
           </p:cNvPr>
@@ -31094,7 +37314,7 @@
           <p:cNvPr id="3" name="Content Placeholder 2">
             <a:extLst>
               <a:ext uri="{FF2B5EF4-FFF2-40B4-BE49-F238E27FC236}">
-                <a16:creationId xmlns:a16="http://schemas.microsoft.com/office/drawing/2014/main" id="{CBF82D96-0AC4-4AA6-81F2-4B224E88F30E}"/>
+                <a16:creationId xmlns:a16="http://schemas.microsoft.com/office/drawing/2014/main" xmlns="" id="{CBF82D96-0AC4-4AA6-81F2-4B224E88F30E}"/>
               </a:ext>
             </a:extLst>
           </p:cNvPr>
@@ -31141,7 +37361,7 @@
           <p:cNvPr id="5" name="Picture 4">
             <a:extLst>
               <a:ext uri="{FF2B5EF4-FFF2-40B4-BE49-F238E27FC236}">
-                <a16:creationId xmlns:a16="http://schemas.microsoft.com/office/drawing/2014/main" id="{7A82AB25-5CB0-4378-B6DF-BD77B3D06FEB}"/>
+                <a16:creationId xmlns:a16="http://schemas.microsoft.com/office/drawing/2014/main" xmlns="" id="{7A82AB25-5CB0-4378-B6DF-BD77B3D06FEB}"/>
               </a:ext>
             </a:extLst>
           </p:cNvPr>
@@ -31170,7 +37390,7 @@
           <p:cNvPr id="6" name="Picture 5">
             <a:extLst>
               <a:ext uri="{FF2B5EF4-FFF2-40B4-BE49-F238E27FC236}">
-                <a16:creationId xmlns:a16="http://schemas.microsoft.com/office/drawing/2014/main" id="{AD34D775-2D34-48D7-B6BE-203D2B4E9861}"/>
+                <a16:creationId xmlns:a16="http://schemas.microsoft.com/office/drawing/2014/main" xmlns="" id="{AD34D775-2D34-48D7-B6BE-203D2B4E9861}"/>
               </a:ext>
             </a:extLst>
           </p:cNvPr>
@@ -31200,7 +37420,7 @@
           <p:cNvPr id="4" name="Rectangle 3">
             <a:extLst>
               <a:ext uri="{FF2B5EF4-FFF2-40B4-BE49-F238E27FC236}">
-                <a16:creationId xmlns:a16="http://schemas.microsoft.com/office/drawing/2014/main" id="{9A0165D8-0A27-4955-86FC-8B3E932EF3FF}"/>
+                <a16:creationId xmlns:a16="http://schemas.microsoft.com/office/drawing/2014/main" xmlns="" id="{9A0165D8-0A27-4955-86FC-8B3E932EF3FF}"/>
               </a:ext>
             </a:extLst>
           </p:cNvPr>
@@ -31281,7 +37501,7 @@
           <p:cNvPr id="8" name="Rectangle 7">
             <a:extLst>
               <a:ext uri="{FF2B5EF4-FFF2-40B4-BE49-F238E27FC236}">
-                <a16:creationId xmlns:a16="http://schemas.microsoft.com/office/drawing/2014/main" id="{3FD7DA98-5E93-41C5-9B34-AC346EA9165C}"/>
+                <a16:creationId xmlns:a16="http://schemas.microsoft.com/office/drawing/2014/main" xmlns="" id="{3FD7DA98-5E93-41C5-9B34-AC346EA9165C}"/>
               </a:ext>
             </a:extLst>
           </p:cNvPr>
@@ -31343,7 +37563,7 @@
           <p:cNvPr id="10" name="Graphic 9" descr="Computer">
             <a:extLst>
               <a:ext uri="{FF2B5EF4-FFF2-40B4-BE49-F238E27FC236}">
-                <a16:creationId xmlns:a16="http://schemas.microsoft.com/office/drawing/2014/main" id="{91A5482E-C1AD-4606-80FF-662438D3E13B}"/>
+                <a16:creationId xmlns:a16="http://schemas.microsoft.com/office/drawing/2014/main" xmlns="" id="{91A5482E-C1AD-4606-80FF-662438D3E13B}"/>
               </a:ext>
             </a:extLst>
           </p:cNvPr>
@@ -31359,7 +37579,7 @@
                 <a14:useLocalDpi xmlns:a14="http://schemas.microsoft.com/office/drawing/2010/main" val="0"/>
               </a:ext>
               <a:ext uri="{96DAC541-7B7A-43D3-8B79-37D633B846F1}">
-                <asvg:svgBlip xmlns:asvg="http://schemas.microsoft.com/office/drawing/2016/SVG/main" r:embed="rId5"/>
+                <asvg:svgBlip xmlns:asvg="http://schemas.microsoft.com/office/drawing/2016/SVG/main" xmlns="" r:embed="rId5"/>
               </a:ext>
             </a:extLst>
           </a:blip>
@@ -31390,7 +37610,7 @@
 </p:sld>
 </file>
 
-<file path=ppt/slides/slide3.xml><?xml version="1.0" encoding="utf-8"?>
+<file path=ppt/slides/slide5.xml><?xml version="1.0" encoding="utf-8"?>
 <p:sld xmlns:a="http://schemas.openxmlformats.org/drawingml/2006/main" xmlns:r="http://schemas.openxmlformats.org/officeDocument/2006/relationships" xmlns:p="http://schemas.openxmlformats.org/presentationml/2006/main">
   <p:cSld>
     <p:spTree>
@@ -31412,7 +37632,7 @@
           <p:cNvPr id="2" name="Title 1">
             <a:extLst>
               <a:ext uri="{FF2B5EF4-FFF2-40B4-BE49-F238E27FC236}">
-                <a16:creationId xmlns:a16="http://schemas.microsoft.com/office/drawing/2014/main" id="{AF364D4C-E3D9-4755-8034-FF331AF56E30}"/>
+                <a16:creationId xmlns:a16="http://schemas.microsoft.com/office/drawing/2014/main" xmlns="" id="{AF364D4C-E3D9-4755-8034-FF331AF56E30}"/>
               </a:ext>
             </a:extLst>
           </p:cNvPr>
@@ -31445,7 +37665,7 @@
           <p:cNvPr id="3" name="Content Placeholder 2">
             <a:extLst>
               <a:ext uri="{FF2B5EF4-FFF2-40B4-BE49-F238E27FC236}">
-                <a16:creationId xmlns:a16="http://schemas.microsoft.com/office/drawing/2014/main" id="{CBF82D96-0AC4-4AA6-81F2-4B224E88F30E}"/>
+                <a16:creationId xmlns:a16="http://schemas.microsoft.com/office/drawing/2014/main" xmlns="" id="{CBF82D96-0AC4-4AA6-81F2-4B224E88F30E}"/>
               </a:ext>
             </a:extLst>
           </p:cNvPr>
@@ -31484,7 +37704,7 @@
           <p:cNvPr id="4" name="Picture 3">
             <a:extLst>
               <a:ext uri="{FF2B5EF4-FFF2-40B4-BE49-F238E27FC236}">
-                <a16:creationId xmlns:a16="http://schemas.microsoft.com/office/drawing/2014/main" id="{E211A632-F602-4E8A-BF3D-5EEFC55A19D3}"/>
+                <a16:creationId xmlns:a16="http://schemas.microsoft.com/office/drawing/2014/main" xmlns="" id="{E211A632-F602-4E8A-BF3D-5EEFC55A19D3}"/>
               </a:ext>
             </a:extLst>
           </p:cNvPr>
@@ -31514,7 +37734,7 @@
           <p:cNvPr id="7" name="Picture 6">
             <a:extLst>
               <a:ext uri="{FF2B5EF4-FFF2-40B4-BE49-F238E27FC236}">
-                <a16:creationId xmlns:a16="http://schemas.microsoft.com/office/drawing/2014/main" id="{F259B6C4-30F5-4514-9307-E8EF32CE66F8}"/>
+                <a16:creationId xmlns:a16="http://schemas.microsoft.com/office/drawing/2014/main" xmlns="" id="{F259B6C4-30F5-4514-9307-E8EF32CE66F8}"/>
               </a:ext>
             </a:extLst>
           </p:cNvPr>
@@ -31544,7 +37764,7 @@
           <p:cNvPr id="8" name="Picture 7">
             <a:extLst>
               <a:ext uri="{FF2B5EF4-FFF2-40B4-BE49-F238E27FC236}">
-                <a16:creationId xmlns:a16="http://schemas.microsoft.com/office/drawing/2014/main" id="{597649C7-D6EC-451D-A6F7-979C56A15A0F}"/>
+                <a16:creationId xmlns:a16="http://schemas.microsoft.com/office/drawing/2014/main" xmlns="" id="{597649C7-D6EC-451D-A6F7-979C56A15A0F}"/>
               </a:ext>
             </a:extLst>
           </p:cNvPr>
@@ -31574,7 +37794,7 @@
           <p:cNvPr id="9" name="TextBox 8">
             <a:extLst>
               <a:ext uri="{FF2B5EF4-FFF2-40B4-BE49-F238E27FC236}">
-                <a16:creationId xmlns:a16="http://schemas.microsoft.com/office/drawing/2014/main" id="{9D95842A-B808-4A7F-BBD8-103E01E19855}"/>
+                <a16:creationId xmlns:a16="http://schemas.microsoft.com/office/drawing/2014/main" xmlns="" id="{9D95842A-B808-4A7F-BBD8-103E01E19855}"/>
               </a:ext>
             </a:extLst>
           </p:cNvPr>
@@ -31610,7 +37830,7 @@
           <p:cNvPr id="11" name="TextBox 10">
             <a:extLst>
               <a:ext uri="{FF2B5EF4-FFF2-40B4-BE49-F238E27FC236}">
-                <a16:creationId xmlns:a16="http://schemas.microsoft.com/office/drawing/2014/main" id="{A4F7DB4A-1C2D-44C2-BEBE-D3A6C4EF7E0B}"/>
+                <a16:creationId xmlns:a16="http://schemas.microsoft.com/office/drawing/2014/main" xmlns="" id="{A4F7DB4A-1C2D-44C2-BEBE-D3A6C4EF7E0B}"/>
               </a:ext>
             </a:extLst>
           </p:cNvPr>
@@ -31646,7 +37866,7 @@
           <p:cNvPr id="5" name="Graphic 4" descr="Computer">
             <a:extLst>
               <a:ext uri="{FF2B5EF4-FFF2-40B4-BE49-F238E27FC236}">
-                <a16:creationId xmlns:a16="http://schemas.microsoft.com/office/drawing/2014/main" id="{EB29860F-5772-4D00-8AC2-FB4A8FFD4F8F}"/>
+                <a16:creationId xmlns:a16="http://schemas.microsoft.com/office/drawing/2014/main" xmlns="" id="{EB29860F-5772-4D00-8AC2-FB4A8FFD4F8F}"/>
               </a:ext>
             </a:extLst>
           </p:cNvPr>
@@ -31662,7 +37882,7 @@
                 <a14:useLocalDpi xmlns:a14="http://schemas.microsoft.com/office/drawing/2010/main" val="0"/>
               </a:ext>
               <a:ext uri="{96DAC541-7B7A-43D3-8B79-37D633B846F1}">
-                <asvg:svgBlip xmlns:asvg="http://schemas.microsoft.com/office/drawing/2016/SVG/main" r:embed="rId6"/>
+                <asvg:svgBlip xmlns:asvg="http://schemas.microsoft.com/office/drawing/2016/SVG/main" xmlns="" r:embed="rId6"/>
               </a:ext>
             </a:extLst>
           </a:blip>
@@ -31685,7 +37905,7 @@
           <p:cNvPr id="6" name="Rectangle 5">
             <a:extLst>
               <a:ext uri="{FF2B5EF4-FFF2-40B4-BE49-F238E27FC236}">
-                <a16:creationId xmlns:a16="http://schemas.microsoft.com/office/drawing/2014/main" id="{022B12B7-0D0D-4E8A-A8C3-3ADFAD48DCC9}"/>
+                <a16:creationId xmlns:a16="http://schemas.microsoft.com/office/drawing/2014/main" xmlns="" id="{022B12B7-0D0D-4E8A-A8C3-3ADFAD48DCC9}"/>
               </a:ext>
             </a:extLst>
           </p:cNvPr>
@@ -31785,7 +38005,7 @@
           <p:cNvPr id="12" name="Rectangle 11">
             <a:extLst>
               <a:ext uri="{FF2B5EF4-FFF2-40B4-BE49-F238E27FC236}">
-                <a16:creationId xmlns:a16="http://schemas.microsoft.com/office/drawing/2014/main" id="{46BCBAF8-A1E5-46FE-A6D1-CF07B721E582}"/>
+                <a16:creationId xmlns:a16="http://schemas.microsoft.com/office/drawing/2014/main" xmlns="" id="{46BCBAF8-A1E5-46FE-A6D1-CF07B721E582}"/>
               </a:ext>
             </a:extLst>
           </p:cNvPr>
@@ -31862,7 +38082,7 @@
 </p:sld>
 </file>
 
-<file path=ppt/slides/slide4.xml><?xml version="1.0" encoding="utf-8"?>
+<file path=ppt/slides/slide6.xml><?xml version="1.0" encoding="utf-8"?>
 <p:sld xmlns:a="http://schemas.openxmlformats.org/drawingml/2006/main" xmlns:r="http://schemas.openxmlformats.org/officeDocument/2006/relationships" xmlns:p="http://schemas.openxmlformats.org/presentationml/2006/main">
   <p:cSld>
     <p:spTree>
@@ -31884,7 +38104,7 @@
           <p:cNvPr id="2" name="Title 1">
             <a:extLst>
               <a:ext uri="{FF2B5EF4-FFF2-40B4-BE49-F238E27FC236}">
-                <a16:creationId xmlns:a16="http://schemas.microsoft.com/office/drawing/2014/main" id="{AF364D4C-E3D9-4755-8034-FF331AF56E30}"/>
+                <a16:creationId xmlns:a16="http://schemas.microsoft.com/office/drawing/2014/main" xmlns="" id="{AF364D4C-E3D9-4755-8034-FF331AF56E30}"/>
               </a:ext>
             </a:extLst>
           </p:cNvPr>
@@ -31919,7 +38139,7 @@
           <p:cNvPr id="3" name="Content Placeholder 2">
             <a:extLst>
               <a:ext uri="{FF2B5EF4-FFF2-40B4-BE49-F238E27FC236}">
-                <a16:creationId xmlns:a16="http://schemas.microsoft.com/office/drawing/2014/main" id="{CBF82D96-0AC4-4AA6-81F2-4B224E88F30E}"/>
+                <a16:creationId xmlns:a16="http://schemas.microsoft.com/office/drawing/2014/main" xmlns="" id="{CBF82D96-0AC4-4AA6-81F2-4B224E88F30E}"/>
               </a:ext>
             </a:extLst>
           </p:cNvPr>
@@ -31977,7 +38197,7 @@
           <p:cNvPr id="5" name="Picture 4">
             <a:extLst>
               <a:ext uri="{FF2B5EF4-FFF2-40B4-BE49-F238E27FC236}">
-                <a16:creationId xmlns:a16="http://schemas.microsoft.com/office/drawing/2014/main" id="{CD0521BC-4490-4CA7-BC0E-DDF170055456}"/>
+                <a16:creationId xmlns:a16="http://schemas.microsoft.com/office/drawing/2014/main" xmlns="" id="{CD0521BC-4490-4CA7-BC0E-DDF170055456}"/>
               </a:ext>
             </a:extLst>
           </p:cNvPr>
@@ -32007,7 +38227,7 @@
           <p:cNvPr id="6" name="Right Brace 5">
             <a:extLst>
               <a:ext uri="{FF2B5EF4-FFF2-40B4-BE49-F238E27FC236}">
-                <a16:creationId xmlns:a16="http://schemas.microsoft.com/office/drawing/2014/main" id="{2D91EADF-6296-48FE-AE05-B7099C3DF906}"/>
+                <a16:creationId xmlns:a16="http://schemas.microsoft.com/office/drawing/2014/main" xmlns="" id="{2D91EADF-6296-48FE-AE05-B7099C3DF906}"/>
               </a:ext>
             </a:extLst>
           </p:cNvPr>
@@ -32055,7 +38275,7 @@
           <p:cNvPr id="10" name="TextBox 9">
             <a:extLst>
               <a:ext uri="{FF2B5EF4-FFF2-40B4-BE49-F238E27FC236}">
-                <a16:creationId xmlns:a16="http://schemas.microsoft.com/office/drawing/2014/main" id="{E933AFD7-0895-4F3D-A104-95ADFAA051E3}"/>
+                <a16:creationId xmlns:a16="http://schemas.microsoft.com/office/drawing/2014/main" xmlns="" id="{E933AFD7-0895-4F3D-A104-95ADFAA051E3}"/>
               </a:ext>
             </a:extLst>
           </p:cNvPr>
@@ -32091,7 +38311,7 @@
           <p:cNvPr id="13" name="Right Brace 12">
             <a:extLst>
               <a:ext uri="{FF2B5EF4-FFF2-40B4-BE49-F238E27FC236}">
-                <a16:creationId xmlns:a16="http://schemas.microsoft.com/office/drawing/2014/main" id="{AB6ED811-D71F-413E-8564-BE3F024B92AE}"/>
+                <a16:creationId xmlns:a16="http://schemas.microsoft.com/office/drawing/2014/main" xmlns="" id="{AB6ED811-D71F-413E-8564-BE3F024B92AE}"/>
               </a:ext>
             </a:extLst>
           </p:cNvPr>
@@ -32139,7 +38359,7 @@
           <p:cNvPr id="20" name="TextBox 19">
             <a:extLst>
               <a:ext uri="{FF2B5EF4-FFF2-40B4-BE49-F238E27FC236}">
-                <a16:creationId xmlns:a16="http://schemas.microsoft.com/office/drawing/2014/main" id="{B13CD659-45AD-416A-9CAC-A5229D8E5147}"/>
+                <a16:creationId xmlns:a16="http://schemas.microsoft.com/office/drawing/2014/main" xmlns="" id="{B13CD659-45AD-416A-9CAC-A5229D8E5147}"/>
               </a:ext>
             </a:extLst>
           </p:cNvPr>
@@ -32207,7 +38427,7 @@
 </p:sld>
 </file>
 
-<file path=ppt/slides/slide5.xml><?xml version="1.0" encoding="utf-8"?>
+<file path=ppt/slides/slide7.xml><?xml version="1.0" encoding="utf-8"?>
 <p:sld xmlns:a="http://schemas.openxmlformats.org/drawingml/2006/main" xmlns:r="http://schemas.openxmlformats.org/officeDocument/2006/relationships" xmlns:p="http://schemas.openxmlformats.org/presentationml/2006/main">
   <p:cSld>
     <p:spTree>
@@ -32229,7 +38449,7 @@
           <p:cNvPr id="2" name="Title 1">
             <a:extLst>
               <a:ext uri="{FF2B5EF4-FFF2-40B4-BE49-F238E27FC236}">
-                <a16:creationId xmlns:a16="http://schemas.microsoft.com/office/drawing/2014/main" id="{AF364D4C-E3D9-4755-8034-FF331AF56E30}"/>
+                <a16:creationId xmlns:a16="http://schemas.microsoft.com/office/drawing/2014/main" xmlns="" id="{AF364D4C-E3D9-4755-8034-FF331AF56E30}"/>
               </a:ext>
             </a:extLst>
           </p:cNvPr>
@@ -32264,7 +38484,7 @@
           <p:cNvPr id="3" name="Content Placeholder 2">
             <a:extLst>
               <a:ext uri="{FF2B5EF4-FFF2-40B4-BE49-F238E27FC236}">
-                <a16:creationId xmlns:a16="http://schemas.microsoft.com/office/drawing/2014/main" id="{CBF82D96-0AC4-4AA6-81F2-4B224E88F30E}"/>
+                <a16:creationId xmlns:a16="http://schemas.microsoft.com/office/drawing/2014/main" xmlns="" id="{CBF82D96-0AC4-4AA6-81F2-4B224E88F30E}"/>
               </a:ext>
             </a:extLst>
           </p:cNvPr>
@@ -32322,7 +38542,7 @@
           <p:cNvPr id="13" name="Right Brace 12">
             <a:extLst>
               <a:ext uri="{FF2B5EF4-FFF2-40B4-BE49-F238E27FC236}">
-                <a16:creationId xmlns:a16="http://schemas.microsoft.com/office/drawing/2014/main" id="{AB6ED811-D71F-413E-8564-BE3F024B92AE}"/>
+                <a16:creationId xmlns:a16="http://schemas.microsoft.com/office/drawing/2014/main" xmlns="" id="{AB6ED811-D71F-413E-8564-BE3F024B92AE}"/>
               </a:ext>
             </a:extLst>
           </p:cNvPr>
@@ -32370,7 +38590,7 @@
           <p:cNvPr id="16" name="Picture 15">
             <a:extLst>
               <a:ext uri="{FF2B5EF4-FFF2-40B4-BE49-F238E27FC236}">
-                <a16:creationId xmlns:a16="http://schemas.microsoft.com/office/drawing/2014/main" id="{36642998-23AA-484D-B255-912393CA97B6}"/>
+                <a16:creationId xmlns:a16="http://schemas.microsoft.com/office/drawing/2014/main" xmlns="" id="{36642998-23AA-484D-B255-912393CA97B6}"/>
               </a:ext>
             </a:extLst>
           </p:cNvPr>
@@ -32400,7 +38620,7 @@
           <p:cNvPr id="4" name="TextBox 3">
             <a:extLst>
               <a:ext uri="{FF2B5EF4-FFF2-40B4-BE49-F238E27FC236}">
-                <a16:creationId xmlns:a16="http://schemas.microsoft.com/office/drawing/2014/main" id="{2454B673-51DD-4173-95BB-D76767851F16}"/>
+                <a16:creationId xmlns:a16="http://schemas.microsoft.com/office/drawing/2014/main" xmlns="" id="{2454B673-51DD-4173-95BB-D76767851F16}"/>
               </a:ext>
             </a:extLst>
           </p:cNvPr>
@@ -32444,7 +38664,7 @@
 </p:sld>
 </file>
 
-<file path=ppt/slides/slide6.xml><?xml version="1.0" encoding="utf-8"?>
+<file path=ppt/slides/slide8.xml><?xml version="1.0" encoding="utf-8"?>
 <p:sld xmlns:a="http://schemas.openxmlformats.org/drawingml/2006/main" xmlns:r="http://schemas.openxmlformats.org/officeDocument/2006/relationships" xmlns:p="http://schemas.openxmlformats.org/presentationml/2006/main">
   <p:cSld>
     <p:spTree>
@@ -32466,7 +38686,7 @@
           <p:cNvPr id="2" name="Title 1">
             <a:extLst>
               <a:ext uri="{FF2B5EF4-FFF2-40B4-BE49-F238E27FC236}">
-                <a16:creationId xmlns:a16="http://schemas.microsoft.com/office/drawing/2014/main" id="{AF364D4C-E3D9-4755-8034-FF331AF56E30}"/>
+                <a16:creationId xmlns:a16="http://schemas.microsoft.com/office/drawing/2014/main" xmlns="" id="{AF364D4C-E3D9-4755-8034-FF331AF56E30}"/>
               </a:ext>
             </a:extLst>
           </p:cNvPr>
@@ -32499,7 +38719,7 @@
           <p:cNvPr id="3" name="Content Placeholder 2">
             <a:extLst>
               <a:ext uri="{FF2B5EF4-FFF2-40B4-BE49-F238E27FC236}">
-                <a16:creationId xmlns:a16="http://schemas.microsoft.com/office/drawing/2014/main" id="{CBF82D96-0AC4-4AA6-81F2-4B224E88F30E}"/>
+                <a16:creationId xmlns:a16="http://schemas.microsoft.com/office/drawing/2014/main" xmlns="" id="{CBF82D96-0AC4-4AA6-81F2-4B224E88F30E}"/>
               </a:ext>
             </a:extLst>
           </p:cNvPr>
@@ -32557,7 +38777,7 @@
           <p:cNvPr id="4" name="TextBox 3">
             <a:extLst>
               <a:ext uri="{FF2B5EF4-FFF2-40B4-BE49-F238E27FC236}">
-                <a16:creationId xmlns:a16="http://schemas.microsoft.com/office/drawing/2014/main" id="{2454B673-51DD-4173-95BB-D76767851F16}"/>
+                <a16:creationId xmlns:a16="http://schemas.microsoft.com/office/drawing/2014/main" xmlns="" id="{2454B673-51DD-4173-95BB-D76767851F16}"/>
               </a:ext>
             </a:extLst>
           </p:cNvPr>
@@ -32609,7 +38829,7 @@
           <p:cNvPr id="7" name="Picture 6">
             <a:extLst>
               <a:ext uri="{FF2B5EF4-FFF2-40B4-BE49-F238E27FC236}">
-                <a16:creationId xmlns:a16="http://schemas.microsoft.com/office/drawing/2014/main" id="{86619799-0198-45CD-9D36-A3DD0419980B}"/>
+                <a16:creationId xmlns:a16="http://schemas.microsoft.com/office/drawing/2014/main" xmlns="" id="{86619799-0198-45CD-9D36-A3DD0419980B}"/>
               </a:ext>
             </a:extLst>
           </p:cNvPr>
@@ -32647,7 +38867,7 @@
 </p:sld>
 </file>
 
-<file path=ppt/slides/slide7.xml><?xml version="1.0" encoding="utf-8"?>
+<file path=ppt/slides/slide9.xml><?xml version="1.0" encoding="utf-8"?>
 <p:sld xmlns:a="http://schemas.openxmlformats.org/drawingml/2006/main" xmlns:r="http://schemas.openxmlformats.org/officeDocument/2006/relationships" xmlns:p="http://schemas.openxmlformats.org/presentationml/2006/main">
   <p:cSld>
     <p:spTree>
@@ -32669,7 +38889,7 @@
           <p:cNvPr id="4" name="Picture 3">
             <a:extLst>
               <a:ext uri="{FF2B5EF4-FFF2-40B4-BE49-F238E27FC236}">
-                <a16:creationId xmlns:a16="http://schemas.microsoft.com/office/drawing/2014/main" id="{C6AB2E0E-9027-4570-B8A0-49B5F16D6594}"/>
+                <a16:creationId xmlns:a16="http://schemas.microsoft.com/office/drawing/2014/main" xmlns="" id="{C6AB2E0E-9027-4570-B8A0-49B5F16D6594}"/>
               </a:ext>
             </a:extLst>
           </p:cNvPr>
@@ -32699,7 +38919,7 @@
           <p:cNvPr id="2" name="Title 1">
             <a:extLst>
               <a:ext uri="{FF2B5EF4-FFF2-40B4-BE49-F238E27FC236}">
-                <a16:creationId xmlns:a16="http://schemas.microsoft.com/office/drawing/2014/main" id="{AF364D4C-E3D9-4755-8034-FF331AF56E30}"/>
+                <a16:creationId xmlns:a16="http://schemas.microsoft.com/office/drawing/2014/main" xmlns="" id="{AF364D4C-E3D9-4755-8034-FF331AF56E30}"/>
               </a:ext>
             </a:extLst>
           </p:cNvPr>
@@ -32734,7 +38954,7 @@
           <p:cNvPr id="3" name="Content Placeholder 2">
             <a:extLst>
               <a:ext uri="{FF2B5EF4-FFF2-40B4-BE49-F238E27FC236}">
-                <a16:creationId xmlns:a16="http://schemas.microsoft.com/office/drawing/2014/main" id="{CBF82D96-0AC4-4AA6-81F2-4B224E88F30E}"/>
+                <a16:creationId xmlns:a16="http://schemas.microsoft.com/office/drawing/2014/main" xmlns="" id="{CBF82D96-0AC4-4AA6-81F2-4B224E88F30E}"/>
               </a:ext>
             </a:extLst>
           </p:cNvPr>
@@ -32792,7 +39012,7 @@
           <p:cNvPr id="6" name="Right Brace 5">
             <a:extLst>
               <a:ext uri="{FF2B5EF4-FFF2-40B4-BE49-F238E27FC236}">
-                <a16:creationId xmlns:a16="http://schemas.microsoft.com/office/drawing/2014/main" id="{954FBB91-366F-4C87-8AD7-29722AF7A627}"/>
+                <a16:creationId xmlns:a16="http://schemas.microsoft.com/office/drawing/2014/main" xmlns="" id="{954FBB91-366F-4C87-8AD7-29722AF7A627}"/>
               </a:ext>
             </a:extLst>
           </p:cNvPr>
@@ -32842,7 +39062,7 @@
           <p:cNvPr id="8" name="TextBox 7">
             <a:extLst>
               <a:ext uri="{FF2B5EF4-FFF2-40B4-BE49-F238E27FC236}">
-                <a16:creationId xmlns:a16="http://schemas.microsoft.com/office/drawing/2014/main" id="{F4741C22-F192-4F53-B215-01E9FDC31A1B}"/>
+                <a16:creationId xmlns:a16="http://schemas.microsoft.com/office/drawing/2014/main" xmlns="" id="{F4741C22-F192-4F53-B215-01E9FDC31A1B}"/>
               </a:ext>
             </a:extLst>
           </p:cNvPr>
@@ -32881,7 +39101,7 @@
           <p:cNvPr id="10" name="Straight Arrow Connector 9">
             <a:extLst>
               <a:ext uri="{FF2B5EF4-FFF2-40B4-BE49-F238E27FC236}">
-                <a16:creationId xmlns:a16="http://schemas.microsoft.com/office/drawing/2014/main" id="{03207850-A0C6-4FED-B7B8-EC44926ACFA6}"/>
+                <a16:creationId xmlns:a16="http://schemas.microsoft.com/office/drawing/2014/main" xmlns="" id="{03207850-A0C6-4FED-B7B8-EC44926ACFA6}"/>
               </a:ext>
             </a:extLst>
           </p:cNvPr>
@@ -32923,7 +39143,7 @@
           <p:cNvPr id="12" name="TextBox 11">
             <a:extLst>
               <a:ext uri="{FF2B5EF4-FFF2-40B4-BE49-F238E27FC236}">
-                <a16:creationId xmlns:a16="http://schemas.microsoft.com/office/drawing/2014/main" id="{97188CBC-77B1-4CA9-9A4D-E27C03FF3CEA}"/>
+                <a16:creationId xmlns:a16="http://schemas.microsoft.com/office/drawing/2014/main" xmlns="" id="{97188CBC-77B1-4CA9-9A4D-E27C03FF3CEA}"/>
               </a:ext>
             </a:extLst>
           </p:cNvPr>
@@ -32962,7 +39182,7 @@
           <p:cNvPr id="14" name="Right Brace 13">
             <a:extLst>
               <a:ext uri="{FF2B5EF4-FFF2-40B4-BE49-F238E27FC236}">
-                <a16:creationId xmlns:a16="http://schemas.microsoft.com/office/drawing/2014/main" id="{CB98DA92-1C2C-4893-94D1-30D1F16B3ADE}"/>
+                <a16:creationId xmlns:a16="http://schemas.microsoft.com/office/drawing/2014/main" xmlns="" id="{CB98DA92-1C2C-4893-94D1-30D1F16B3ADE}"/>
               </a:ext>
             </a:extLst>
           </p:cNvPr>
@@ -33012,7 +39232,7 @@
           <p:cNvPr id="16" name="TextBox 15">
             <a:extLst>
               <a:ext uri="{FF2B5EF4-FFF2-40B4-BE49-F238E27FC236}">
-                <a16:creationId xmlns:a16="http://schemas.microsoft.com/office/drawing/2014/main" id="{5370A578-2DE3-43D0-9B72-0CB33BB19BE2}"/>
+                <a16:creationId xmlns:a16="http://schemas.microsoft.com/office/drawing/2014/main" xmlns="" id="{5370A578-2DE3-43D0-9B72-0CB33BB19BE2}"/>
               </a:ext>
             </a:extLst>
           </p:cNvPr>
@@ -33051,7 +39271,7 @@
           <p:cNvPr id="18" name="Right Brace 17">
             <a:extLst>
               <a:ext uri="{FF2B5EF4-FFF2-40B4-BE49-F238E27FC236}">
-                <a16:creationId xmlns:a16="http://schemas.microsoft.com/office/drawing/2014/main" id="{30DA16C6-A3BC-4562-B49C-8E0EBF282CB9}"/>
+                <a16:creationId xmlns:a16="http://schemas.microsoft.com/office/drawing/2014/main" xmlns="" id="{30DA16C6-A3BC-4562-B49C-8E0EBF282CB9}"/>
               </a:ext>
             </a:extLst>
           </p:cNvPr>
@@ -33101,7 +39321,7 @@
           <p:cNvPr id="20" name="TextBox 19">
             <a:extLst>
               <a:ext uri="{FF2B5EF4-FFF2-40B4-BE49-F238E27FC236}">
-                <a16:creationId xmlns:a16="http://schemas.microsoft.com/office/drawing/2014/main" id="{C4DB195E-10D8-4504-A914-C92B3112252F}"/>
+                <a16:creationId xmlns:a16="http://schemas.microsoft.com/office/drawing/2014/main" xmlns="" id="{C4DB195E-10D8-4504-A914-C92B3112252F}"/>
               </a:ext>
             </a:extLst>
           </p:cNvPr>
@@ -33136,7 +39356,7 @@
           <p:cNvPr id="5" name="TextBox 4">
             <a:extLst>
               <a:ext uri="{FF2B5EF4-FFF2-40B4-BE49-F238E27FC236}">
-                <a16:creationId xmlns:a16="http://schemas.microsoft.com/office/drawing/2014/main" id="{6F33FA00-6C2E-4D89-B197-940A4B6250DE}"/>
+                <a16:creationId xmlns:a16="http://schemas.microsoft.com/office/drawing/2014/main" xmlns="" id="{6F33FA00-6C2E-4D89-B197-940A4B6250DE}"/>
               </a:ext>
             </a:extLst>
           </p:cNvPr>
@@ -33176,7 +39396,7 @@
           <p:cNvPr id="7" name="Rectangle 6">
             <a:extLst>
               <a:ext uri="{FF2B5EF4-FFF2-40B4-BE49-F238E27FC236}">
-                <a16:creationId xmlns:a16="http://schemas.microsoft.com/office/drawing/2014/main" id="{78F59937-47D6-45AA-B7C7-5734AA5359DC}"/>
+                <a16:creationId xmlns:a16="http://schemas.microsoft.com/office/drawing/2014/main" xmlns="" id="{78F59937-47D6-45AA-B7C7-5734AA5359DC}"/>
               </a:ext>
             </a:extLst>
           </p:cNvPr>
@@ -33228,7 +39448,7 @@
           <p:cNvPr id="9" name="Picture 8">
             <a:extLst>
               <a:ext uri="{FF2B5EF4-FFF2-40B4-BE49-F238E27FC236}">
-                <a16:creationId xmlns:a16="http://schemas.microsoft.com/office/drawing/2014/main" id="{817F38D5-DBD8-498B-9157-A73D87437C67}"/>
+                <a16:creationId xmlns:a16="http://schemas.microsoft.com/office/drawing/2014/main" xmlns="" id="{817F38D5-DBD8-498B-9157-A73D87437C67}"/>
               </a:ext>
             </a:extLst>
           </p:cNvPr>
@@ -33257,7 +39477,7 @@
           <p:cNvPr id="13" name="Straight Arrow Connector 12">
             <a:extLst>
               <a:ext uri="{FF2B5EF4-FFF2-40B4-BE49-F238E27FC236}">
-                <a16:creationId xmlns:a16="http://schemas.microsoft.com/office/drawing/2014/main" id="{5B9A2A08-87AE-470F-96C6-BF84C7A00673}"/>
+                <a16:creationId xmlns:a16="http://schemas.microsoft.com/office/drawing/2014/main" xmlns="" id="{5B9A2A08-87AE-470F-96C6-BF84C7A00673}"/>
               </a:ext>
             </a:extLst>
           </p:cNvPr>
@@ -33299,7 +39519,7 @@
           <p:cNvPr id="15" name="TextBox 14">
             <a:extLst>
               <a:ext uri="{FF2B5EF4-FFF2-40B4-BE49-F238E27FC236}">
-                <a16:creationId xmlns:a16="http://schemas.microsoft.com/office/drawing/2014/main" id="{1D7C3801-5956-457E-B709-A0D28B9C91D7}"/>
+                <a16:creationId xmlns:a16="http://schemas.microsoft.com/office/drawing/2014/main" xmlns="" id="{1D7C3801-5956-457E-B709-A0D28B9C91D7}"/>
               </a:ext>
             </a:extLst>
           </p:cNvPr>
@@ -33339,7 +39559,7 @@
           <p:cNvPr id="17" name="TextBox 16">
             <a:extLst>
               <a:ext uri="{FF2B5EF4-FFF2-40B4-BE49-F238E27FC236}">
-                <a16:creationId xmlns:a16="http://schemas.microsoft.com/office/drawing/2014/main" id="{A1C11D44-80D5-416A-85A1-A0A0C3B2BE61}"/>
+                <a16:creationId xmlns:a16="http://schemas.microsoft.com/office/drawing/2014/main" xmlns="" id="{A1C11D44-80D5-416A-85A1-A0A0C3B2BE61}"/>
               </a:ext>
             </a:extLst>
           </p:cNvPr>
@@ -33382,532 +39602,6 @@
     <p:extLst>
       <p:ext uri="{BB962C8B-B14F-4D97-AF65-F5344CB8AC3E}">
         <p14:creationId xmlns:p14="http://schemas.microsoft.com/office/powerpoint/2010/main" val="115325462"/>
-      </p:ext>
-    </p:extLst>
-  </p:cSld>
-  <p:clrMapOvr>
-    <a:masterClrMapping/>
-  </p:clrMapOvr>
-</p:sld>
-</file>
-
-<file path=ppt/slides/slide8.xml><?xml version="1.0" encoding="utf-8"?>
-<p:sld xmlns:a="http://schemas.openxmlformats.org/drawingml/2006/main" xmlns:r="http://schemas.openxmlformats.org/officeDocument/2006/relationships" xmlns:p="http://schemas.openxmlformats.org/presentationml/2006/main">
-  <p:cSld>
-    <p:spTree>
-      <p:nvGrpSpPr>
-        <p:cNvPr id="1" name=""/>
-        <p:cNvGrpSpPr/>
-        <p:nvPr/>
-      </p:nvGrpSpPr>
-      <p:grpSpPr>
-        <a:xfrm>
-          <a:off x="0" y="0"/>
-          <a:ext cx="0" cy="0"/>
-          <a:chOff x="0" y="0"/>
-          <a:chExt cx="0" cy="0"/>
-        </a:xfrm>
-      </p:grpSpPr>
-      <p:sp>
-        <p:nvSpPr>
-          <p:cNvPr id="2" name="Title 1">
-            <a:extLst>
-              <a:ext uri="{FF2B5EF4-FFF2-40B4-BE49-F238E27FC236}">
-                <a16:creationId xmlns:a16="http://schemas.microsoft.com/office/drawing/2014/main" id="{AF364D4C-E3D9-4755-8034-FF331AF56E30}"/>
-              </a:ext>
-            </a:extLst>
-          </p:cNvPr>
-          <p:cNvSpPr>
-            <a:spLocks noGrp="1"/>
-          </p:cNvSpPr>
-          <p:nvPr>
-            <p:ph type="title"/>
-          </p:nvPr>
-        </p:nvSpPr>
-        <p:spPr>
-          <a:xfrm>
-            <a:off x="0" y="18255"/>
-            <a:ext cx="10515600" cy="766359"/>
-          </a:xfrm>
-        </p:spPr>
-        <p:txBody>
-          <a:bodyPr/>
-          <a:lstStyle/>
-          <a:p>
-            <a:r>
-              <a:rPr lang="en-US" dirty="0"/>
-              <a:t>Rendering using VMD MPI</a:t>
-            </a:r>
-          </a:p>
-        </p:txBody>
-      </p:sp>
-      <p:sp>
-        <p:nvSpPr>
-          <p:cNvPr id="3" name="Content Placeholder 2">
-            <a:extLst>
-              <a:ext uri="{FF2B5EF4-FFF2-40B4-BE49-F238E27FC236}">
-                <a16:creationId xmlns:a16="http://schemas.microsoft.com/office/drawing/2014/main" id="{CBF82D96-0AC4-4AA6-81F2-4B224E88F30E}"/>
-              </a:ext>
-            </a:extLst>
-          </p:cNvPr>
-          <p:cNvSpPr>
-            <a:spLocks noGrp="1"/>
-          </p:cNvSpPr>
-          <p:nvPr>
-            <p:ph idx="1"/>
-          </p:nvPr>
-        </p:nvSpPr>
-        <p:spPr>
-          <a:xfrm>
-            <a:off x="896702" y="784614"/>
-            <a:ext cx="8406581" cy="915636"/>
-          </a:xfrm>
-        </p:spPr>
-        <p:txBody>
-          <a:bodyPr>
-            <a:noAutofit/>
-          </a:bodyPr>
-          <a:lstStyle/>
-          <a:p>
-            <a:pPr marL="0" indent="0" algn="just">
-              <a:buNone/>
-            </a:pPr>
-            <a:r>
-              <a:rPr lang="en-US" sz="1900" dirty="0"/>
-              <a:t>The following script describes rendering movies using MPI-supported VMD on Stampede2 supercomputer.</a:t>
-            </a:r>
-            <a:endParaRPr lang="en-US" sz="2000" dirty="0">
-              <a:cs typeface="Times New Roman" panose="02020603050405020304" pitchFamily="18" charset="0"/>
-            </a:endParaRPr>
-          </a:p>
-          <a:p>
-            <a:pPr marL="0" indent="0" algn="just">
-              <a:buNone/>
-            </a:pPr>
-            <a:r>
-              <a:rPr lang="en-US" sz="1900" dirty="0">
-                <a:cs typeface="Times New Roman" panose="02020603050405020304" pitchFamily="18" charset="0"/>
-              </a:rPr>
-              <a:t>	</a:t>
-            </a:r>
-            <a:r>
-              <a:rPr lang="en-US" sz="1900" b="1" dirty="0">
-                <a:cs typeface="Times New Roman" panose="02020603050405020304" pitchFamily="18" charset="0"/>
-              </a:rPr>
-              <a:t>render_movies_mpi.tcl</a:t>
-            </a:r>
-          </a:p>
-        </p:txBody>
-      </p:sp>
-      <p:sp>
-        <p:nvSpPr>
-          <p:cNvPr id="9" name="TextBox 8">
-            <a:extLst>
-              <a:ext uri="{FF2B5EF4-FFF2-40B4-BE49-F238E27FC236}">
-                <a16:creationId xmlns:a16="http://schemas.microsoft.com/office/drawing/2014/main" id="{4E0E68D9-BEB8-4A1B-8F56-334F8EA6DD1D}"/>
-              </a:ext>
-            </a:extLst>
-          </p:cNvPr>
-          <p:cNvSpPr txBox="1"/>
-          <p:nvPr/>
-        </p:nvSpPr>
-        <p:spPr>
-          <a:xfrm>
-            <a:off x="7751752" y="3255599"/>
-            <a:ext cx="4289140" cy="1477328"/>
-          </a:xfrm>
-          <a:prstGeom prst="rect">
-            <a:avLst/>
-          </a:prstGeom>
-          <a:noFill/>
-        </p:spPr>
-        <p:txBody>
-          <a:bodyPr wrap="square" rtlCol="0">
-            <a:spAutoFit/>
-          </a:bodyPr>
-          <a:lstStyle/>
-          <a:p>
-            <a:pPr marL="285750" indent="-285750" algn="just">
-              <a:buFont typeface="Arial" panose="020B0604020202020204" pitchFamily="34" charset="0"/>
-              <a:buChar char="•"/>
-            </a:pPr>
-            <a:r>
-              <a:rPr lang="en-US" dirty="0"/>
-              <a:t>Loads the structure file and preforms the rendering over the total number of ranks requested.</a:t>
-            </a:r>
-          </a:p>
-          <a:p>
-            <a:pPr marL="285750" indent="-285750" algn="just">
-              <a:buFont typeface="Arial" panose="020B0604020202020204" pitchFamily="34" charset="0"/>
-              <a:buChar char="•"/>
-            </a:pPr>
-            <a:r>
-              <a:rPr lang="en-US" dirty="0"/>
-              <a:t>The example follows a trajectory with 5,000 frames.</a:t>
-            </a:r>
-          </a:p>
-        </p:txBody>
-      </p:sp>
-      <p:pic>
-        <p:nvPicPr>
-          <p:cNvPr id="11" name="Picture 10">
-            <a:extLst>
-              <a:ext uri="{FF2B5EF4-FFF2-40B4-BE49-F238E27FC236}">
-                <a16:creationId xmlns:a16="http://schemas.microsoft.com/office/drawing/2014/main" id="{5374A9E5-7EF6-4B80-8AD2-0A7E78D52EC5}"/>
-              </a:ext>
-            </a:extLst>
-          </p:cNvPr>
-          <p:cNvPicPr>
-            <a:picLocks noChangeAspect="1"/>
-          </p:cNvPicPr>
-          <p:nvPr/>
-        </p:nvPicPr>
-        <p:blipFill>
-          <a:blip r:embed="rId2"/>
-          <a:stretch>
-            <a:fillRect/>
-          </a:stretch>
-        </p:blipFill>
-        <p:spPr>
-          <a:xfrm>
-            <a:off x="-1" y="2170963"/>
-            <a:ext cx="7705075" cy="3646600"/>
-          </a:xfrm>
-          <a:prstGeom prst="rect">
-            <a:avLst/>
-          </a:prstGeom>
-        </p:spPr>
-      </p:pic>
-    </p:spTree>
-    <p:extLst>
-      <p:ext uri="{BB962C8B-B14F-4D97-AF65-F5344CB8AC3E}">
-        <p14:creationId xmlns:p14="http://schemas.microsoft.com/office/powerpoint/2010/main" val="4152492162"/>
-      </p:ext>
-    </p:extLst>
-  </p:cSld>
-  <p:clrMapOvr>
-    <a:masterClrMapping/>
-  </p:clrMapOvr>
-</p:sld>
-</file>
-
-<file path=ppt/slides/slide9.xml><?xml version="1.0" encoding="utf-8"?>
-<p:sld xmlns:a="http://schemas.openxmlformats.org/drawingml/2006/main" xmlns:r="http://schemas.openxmlformats.org/officeDocument/2006/relationships" xmlns:p="http://schemas.openxmlformats.org/presentationml/2006/main">
-  <p:cSld>
-    <p:spTree>
-      <p:nvGrpSpPr>
-        <p:cNvPr id="1" name=""/>
-        <p:cNvGrpSpPr/>
-        <p:nvPr/>
-      </p:nvGrpSpPr>
-      <p:grpSpPr>
-        <a:xfrm>
-          <a:off x="0" y="0"/>
-          <a:ext cx="0" cy="0"/>
-          <a:chOff x="0" y="0"/>
-          <a:chExt cx="0" cy="0"/>
-        </a:xfrm>
-      </p:grpSpPr>
-      <p:sp>
-        <p:nvSpPr>
-          <p:cNvPr id="2" name="Title 1">
-            <a:extLst>
-              <a:ext uri="{FF2B5EF4-FFF2-40B4-BE49-F238E27FC236}">
-                <a16:creationId xmlns:a16="http://schemas.microsoft.com/office/drawing/2014/main" id="{AF364D4C-E3D9-4755-8034-FF331AF56E30}"/>
-              </a:ext>
-            </a:extLst>
-          </p:cNvPr>
-          <p:cNvSpPr>
-            <a:spLocks noGrp="1"/>
-          </p:cNvSpPr>
-          <p:nvPr>
-            <p:ph type="title"/>
-          </p:nvPr>
-        </p:nvSpPr>
-        <p:spPr>
-          <a:xfrm>
-            <a:off x="892122" y="987961"/>
-            <a:ext cx="5769569" cy="630674"/>
-          </a:xfrm>
-        </p:spPr>
-        <p:txBody>
-          <a:bodyPr>
-            <a:normAutofit fontScale="90000"/>
-          </a:bodyPr>
-          <a:lstStyle/>
-          <a:p>
-            <a:r>
-              <a:rPr lang="en-US" dirty="0"/>
-              <a:t>Rendering using VMD MPI</a:t>
-            </a:r>
-          </a:p>
-        </p:txBody>
-      </p:sp>
-      <p:sp>
-        <p:nvSpPr>
-          <p:cNvPr id="3" name="Content Placeholder 2">
-            <a:extLst>
-              <a:ext uri="{FF2B5EF4-FFF2-40B4-BE49-F238E27FC236}">
-                <a16:creationId xmlns:a16="http://schemas.microsoft.com/office/drawing/2014/main" id="{CBF82D96-0AC4-4AA6-81F2-4B224E88F30E}"/>
-              </a:ext>
-            </a:extLst>
-          </p:cNvPr>
-          <p:cNvSpPr>
-            <a:spLocks noGrp="1"/>
-          </p:cNvSpPr>
-          <p:nvPr>
-            <p:ph idx="1"/>
-          </p:nvPr>
-        </p:nvSpPr>
-        <p:spPr>
-          <a:xfrm>
-            <a:off x="119472" y="2007461"/>
-            <a:ext cx="5858059" cy="1116936"/>
-          </a:xfrm>
-        </p:spPr>
-        <p:txBody>
-          <a:bodyPr>
-            <a:noAutofit/>
-          </a:bodyPr>
-          <a:lstStyle/>
-          <a:p>
-            <a:pPr marL="0" indent="0" algn="just">
-              <a:buNone/>
-            </a:pPr>
-            <a:r>
-              <a:rPr lang="en-US" sz="1900" dirty="0"/>
-              <a:t>The script is submitted using </a:t>
-            </a:r>
-            <a:r>
-              <a:rPr lang="en-US" sz="1900" dirty="0" err="1"/>
-              <a:t>Slurm</a:t>
-            </a:r>
-            <a:r>
-              <a:rPr lang="en-US" sz="1900" dirty="0"/>
-              <a:t> Workload Manager</a:t>
-            </a:r>
-            <a:endParaRPr lang="en-US" sz="2000" dirty="0">
-              <a:cs typeface="Times New Roman" panose="02020603050405020304" pitchFamily="18" charset="0"/>
-            </a:endParaRPr>
-          </a:p>
-          <a:p>
-            <a:pPr marL="0" indent="0" algn="just">
-              <a:buNone/>
-            </a:pPr>
-            <a:r>
-              <a:rPr lang="en-US" sz="1900" dirty="0">
-                <a:cs typeface="Times New Roman" panose="02020603050405020304" pitchFamily="18" charset="0"/>
-              </a:rPr>
-              <a:t>	</a:t>
-            </a:r>
-            <a:r>
-              <a:rPr lang="en-US" sz="1900" b="1" dirty="0">
-                <a:cs typeface="Times New Roman" panose="02020603050405020304" pitchFamily="18" charset="0"/>
-              </a:rPr>
-              <a:t>runbatch_mpi.sh</a:t>
-            </a:r>
-          </a:p>
-        </p:txBody>
-      </p:sp>
-      <p:pic>
-        <p:nvPicPr>
-          <p:cNvPr id="4" name="Picture 3">
-            <a:extLst>
-              <a:ext uri="{FF2B5EF4-FFF2-40B4-BE49-F238E27FC236}">
-                <a16:creationId xmlns:a16="http://schemas.microsoft.com/office/drawing/2014/main" id="{DADC84BD-F84A-43B6-9200-AFB0471B51F0}"/>
-              </a:ext>
-            </a:extLst>
-          </p:cNvPr>
-          <p:cNvPicPr>
-            <a:picLocks noChangeAspect="1"/>
-          </p:cNvPicPr>
-          <p:nvPr/>
-        </p:nvPicPr>
-        <p:blipFill>
-          <a:blip r:embed="rId2"/>
-          <a:stretch>
-            <a:fillRect/>
-          </a:stretch>
-        </p:blipFill>
-        <p:spPr>
-          <a:xfrm>
-            <a:off x="10062162" y="1737469"/>
-            <a:ext cx="2107406" cy="4173374"/>
-          </a:xfrm>
-          <a:prstGeom prst="rect">
-            <a:avLst/>
-          </a:prstGeom>
-        </p:spPr>
-      </p:pic>
-      <p:pic>
-        <p:nvPicPr>
-          <p:cNvPr id="5" name="Picture 4">
-            <a:extLst>
-              <a:ext uri="{FF2B5EF4-FFF2-40B4-BE49-F238E27FC236}">
-                <a16:creationId xmlns:a16="http://schemas.microsoft.com/office/drawing/2014/main" id="{4B87B48A-A769-4A4D-B9B8-DD0EB4A7A02A}"/>
-              </a:ext>
-            </a:extLst>
-          </p:cNvPr>
-          <p:cNvPicPr>
-            <a:picLocks noChangeAspect="1"/>
-          </p:cNvPicPr>
-          <p:nvPr/>
-        </p:nvPicPr>
-        <p:blipFill>
-          <a:blip r:embed="rId3"/>
-          <a:stretch>
-            <a:fillRect/>
-          </a:stretch>
-        </p:blipFill>
-        <p:spPr>
-          <a:xfrm>
-            <a:off x="8036697" y="1737469"/>
-            <a:ext cx="2188101" cy="4173374"/>
-          </a:xfrm>
-          <a:prstGeom prst="rect">
-            <a:avLst/>
-          </a:prstGeom>
-        </p:spPr>
-      </p:pic>
-      <p:sp>
-        <p:nvSpPr>
-          <p:cNvPr id="6" name="TextBox 5">
-            <a:extLst>
-              <a:ext uri="{FF2B5EF4-FFF2-40B4-BE49-F238E27FC236}">
-                <a16:creationId xmlns:a16="http://schemas.microsoft.com/office/drawing/2014/main" id="{2AB23CE2-76C0-4625-B53F-8A9BA767110F}"/>
-              </a:ext>
-            </a:extLst>
-          </p:cNvPr>
-          <p:cNvSpPr txBox="1"/>
-          <p:nvPr/>
-        </p:nvSpPr>
-        <p:spPr>
-          <a:xfrm>
-            <a:off x="8427225" y="1449358"/>
-            <a:ext cx="908197" cy="338554"/>
-          </a:xfrm>
-          <a:prstGeom prst="rect">
-            <a:avLst/>
-          </a:prstGeom>
-          <a:noFill/>
-        </p:spPr>
-        <p:txBody>
-          <a:bodyPr wrap="none" rtlCol="0">
-            <a:spAutoFit/>
-          </a:bodyPr>
-          <a:lstStyle/>
-          <a:p>
-            <a:r>
-              <a:rPr lang="en-US" sz="1600" b="1" dirty="0"/>
-              <a:t>Frame 0 </a:t>
-            </a:r>
-          </a:p>
-        </p:txBody>
-      </p:sp>
-      <p:sp>
-        <p:nvSpPr>
-          <p:cNvPr id="7" name="TextBox 6">
-            <a:extLst>
-              <a:ext uri="{FF2B5EF4-FFF2-40B4-BE49-F238E27FC236}">
-                <a16:creationId xmlns:a16="http://schemas.microsoft.com/office/drawing/2014/main" id="{877042EC-A726-4FD8-B256-D9E1E3C9A372}"/>
-              </a:ext>
-            </a:extLst>
-          </p:cNvPr>
-          <p:cNvSpPr txBox="1"/>
-          <p:nvPr/>
-        </p:nvSpPr>
-        <p:spPr>
-          <a:xfrm>
-            <a:off x="10383922" y="1449358"/>
-            <a:ext cx="915956" cy="338554"/>
-          </a:xfrm>
-          <a:prstGeom prst="rect">
-            <a:avLst/>
-          </a:prstGeom>
-          <a:noFill/>
-        </p:spPr>
-        <p:txBody>
-          <a:bodyPr wrap="none" rtlCol="0">
-            <a:spAutoFit/>
-          </a:bodyPr>
-          <a:lstStyle/>
-          <a:p>
-            <a:r>
-              <a:rPr lang="en-US" sz="1600" b="1" dirty="0"/>
-              <a:t>Frame 9 </a:t>
-            </a:r>
-          </a:p>
-        </p:txBody>
-      </p:sp>
-      <p:pic>
-        <p:nvPicPr>
-          <p:cNvPr id="12" name="Picture 11">
-            <a:extLst>
-              <a:ext uri="{FF2B5EF4-FFF2-40B4-BE49-F238E27FC236}">
-                <a16:creationId xmlns:a16="http://schemas.microsoft.com/office/drawing/2014/main" id="{CBFE07F0-5024-4848-A609-104ADA063D2D}"/>
-              </a:ext>
-            </a:extLst>
-          </p:cNvPr>
-          <p:cNvPicPr>
-            <a:picLocks noChangeAspect="1"/>
-          </p:cNvPicPr>
-          <p:nvPr/>
-        </p:nvPicPr>
-        <p:blipFill>
-          <a:blip r:embed="rId4"/>
-          <a:stretch>
-            <a:fillRect/>
-          </a:stretch>
-        </p:blipFill>
-        <p:spPr>
-          <a:xfrm>
-            <a:off x="119472" y="3212029"/>
-            <a:ext cx="7917225" cy="1739772"/>
-          </a:xfrm>
-          <a:prstGeom prst="rect">
-            <a:avLst/>
-          </a:prstGeom>
-        </p:spPr>
-      </p:pic>
-      <p:sp>
-        <p:nvSpPr>
-          <p:cNvPr id="13" name="TextBox 12">
-            <a:extLst>
-              <a:ext uri="{FF2B5EF4-FFF2-40B4-BE49-F238E27FC236}">
-                <a16:creationId xmlns:a16="http://schemas.microsoft.com/office/drawing/2014/main" id="{F9A7AFAA-F6B1-489D-B341-8E102CB8BCC2}"/>
-              </a:ext>
-            </a:extLst>
-          </p:cNvPr>
-          <p:cNvSpPr txBox="1"/>
-          <p:nvPr/>
-        </p:nvSpPr>
-        <p:spPr>
-          <a:xfrm>
-            <a:off x="153758" y="5587677"/>
-            <a:ext cx="8003092" cy="646331"/>
-          </a:xfrm>
-          <a:prstGeom prst="rect">
-            <a:avLst/>
-          </a:prstGeom>
-          <a:noFill/>
-        </p:spPr>
-        <p:txBody>
-          <a:bodyPr wrap="square" rtlCol="0">
-            <a:spAutoFit/>
-          </a:bodyPr>
-          <a:lstStyle/>
-          <a:p>
-            <a:r>
-              <a:rPr lang="en-US" dirty="0"/>
-              <a:t>The resources requested correspond to 2 nodes, each one running a single process. Therefore, each node renders 2,500 frames. </a:t>
-            </a:r>
-          </a:p>
-        </p:txBody>
-      </p:sp>
-    </p:spTree>
-    <p:extLst>
-      <p:ext uri="{BB962C8B-B14F-4D97-AF65-F5344CB8AC3E}">
-        <p14:creationId xmlns:p14="http://schemas.microsoft.com/office/powerpoint/2010/main" val="2310702846"/>
       </p:ext>
     </p:extLst>
   </p:cSld>
@@ -34185,6 +39879,548 @@
 </a:theme>
 </file>
 
+<file path=ppt/theme/theme2.xml><?xml version="1.0" encoding="utf-8"?>
+<a:theme xmlns:a="http://schemas.openxmlformats.org/drawingml/2006/main" name="Simple Light">
+  <a:themeElements>
+    <a:clrScheme name="Simple Light">
+      <a:dk1>
+        <a:srgbClr val="000000"/>
+      </a:dk1>
+      <a:lt1>
+        <a:srgbClr val="FFFFFF"/>
+      </a:lt1>
+      <a:dk2>
+        <a:srgbClr val="595959"/>
+      </a:dk2>
+      <a:lt2>
+        <a:srgbClr val="EEEEEE"/>
+      </a:lt2>
+      <a:accent1>
+        <a:srgbClr val="FFAB40"/>
+      </a:accent1>
+      <a:accent2>
+        <a:srgbClr val="212121"/>
+      </a:accent2>
+      <a:accent3>
+        <a:srgbClr val="78909C"/>
+      </a:accent3>
+      <a:accent4>
+        <a:srgbClr val="FFAB40"/>
+      </a:accent4>
+      <a:accent5>
+        <a:srgbClr val="0097A7"/>
+      </a:accent5>
+      <a:accent6>
+        <a:srgbClr val="EEFF41"/>
+      </a:accent6>
+      <a:hlink>
+        <a:srgbClr val="0097A7"/>
+      </a:hlink>
+      <a:folHlink>
+        <a:srgbClr val="0097A7"/>
+      </a:folHlink>
+    </a:clrScheme>
+    <a:fontScheme name="Office">
+      <a:majorFont>
+        <a:latin typeface="Arial"/>
+        <a:ea typeface=""/>
+        <a:cs typeface=""/>
+        <a:font script="Jpan" typeface="ＭＳ Ｐゴシック"/>
+        <a:font script="Hang" typeface="맑은 고딕"/>
+        <a:font script="Hans" typeface="宋体"/>
+        <a:font script="Hant" typeface="新細明體"/>
+        <a:font script="Arab" typeface="Times New Roman"/>
+        <a:font script="Hebr" typeface="Times New Roman"/>
+        <a:font script="Thai" typeface="Angsana New"/>
+        <a:font script="Ethi" typeface="Nyala"/>
+        <a:font script="Beng" typeface="Vrinda"/>
+        <a:font script="Gujr" typeface="Shruti"/>
+        <a:font script="Khmr" typeface="MoolBoran"/>
+        <a:font script="Knda" typeface="Tunga"/>
+        <a:font script="Guru" typeface="Raavi"/>
+        <a:font script="Cans" typeface="Euphemia"/>
+        <a:font script="Cher" typeface="Plantagenet Cherokee"/>
+        <a:font script="Yiii" typeface="Microsoft Yi Baiti"/>
+        <a:font script="Tibt" typeface="Microsoft Himalaya"/>
+        <a:font script="Thaa" typeface="MV Boli"/>
+        <a:font script="Deva" typeface="Mangal"/>
+        <a:font script="Telu" typeface="Gautami"/>
+        <a:font script="Taml" typeface="Latha"/>
+        <a:font script="Syrc" typeface="Estrangelo Edessa"/>
+        <a:font script="Orya" typeface="Kalinga"/>
+        <a:font script="Mlym" typeface="Kartika"/>
+        <a:font script="Laoo" typeface="DokChampa"/>
+        <a:font script="Sinh" typeface="Iskoola Pota"/>
+        <a:font script="Mong" typeface="Mongolian Baiti"/>
+        <a:font script="Viet" typeface="Times New Roman"/>
+        <a:font script="Uigh" typeface="Microsoft Uighur"/>
+        <a:font script="Geor" typeface="Sylfaen"/>
+      </a:majorFont>
+      <a:minorFont>
+        <a:latin typeface="Arial"/>
+        <a:ea typeface=""/>
+        <a:cs typeface=""/>
+        <a:font script="Jpan" typeface="ＭＳ Ｐゴシック"/>
+        <a:font script="Hang" typeface="맑은 고딕"/>
+        <a:font script="Hans" typeface="宋体"/>
+        <a:font script="Hant" typeface="新細明體"/>
+        <a:font script="Arab" typeface="Arial"/>
+        <a:font script="Hebr" typeface="Arial"/>
+        <a:font script="Thai" typeface="Cordia New"/>
+        <a:font script="Ethi" typeface="Nyala"/>
+        <a:font script="Beng" typeface="Vrinda"/>
+        <a:font script="Gujr" typeface="Shruti"/>
+        <a:font script="Khmr" typeface="DaunPenh"/>
+        <a:font script="Knda" typeface="Tunga"/>
+        <a:font script="Guru" typeface="Raavi"/>
+        <a:font script="Cans" typeface="Euphemia"/>
+        <a:font script="Cher" typeface="Plantagenet Cherokee"/>
+        <a:font script="Yiii" typeface="Microsoft Yi Baiti"/>
+        <a:font script="Tibt" typeface="Microsoft Himalaya"/>
+        <a:font script="Thaa" typeface="MV Boli"/>
+        <a:font script="Deva" typeface="Mangal"/>
+        <a:font script="Telu" typeface="Gautami"/>
+        <a:font script="Taml" typeface="Latha"/>
+        <a:font script="Syrc" typeface="Estrangelo Edessa"/>
+        <a:font script="Orya" typeface="Kalinga"/>
+        <a:font script="Mlym" typeface="Kartika"/>
+        <a:font script="Laoo" typeface="DokChampa"/>
+        <a:font script="Sinh" typeface="Iskoola Pota"/>
+        <a:font script="Mong" typeface="Mongolian Baiti"/>
+        <a:font script="Viet" typeface="Arial"/>
+        <a:font script="Uigh" typeface="Microsoft Uighur"/>
+        <a:font script="Geor" typeface="Sylfaen"/>
+      </a:minorFont>
+    </a:fontScheme>
+    <a:fmtScheme name="Office">
+      <a:fillStyleLst>
+        <a:solidFill>
+          <a:schemeClr val="phClr"/>
+        </a:solidFill>
+        <a:gradFill rotWithShape="1">
+          <a:gsLst>
+            <a:gs pos="0">
+              <a:schemeClr val="phClr">
+                <a:tint val="50000"/>
+                <a:satMod val="300000"/>
+              </a:schemeClr>
+            </a:gs>
+            <a:gs pos="35000">
+              <a:schemeClr val="phClr">
+                <a:tint val="37000"/>
+                <a:satMod val="300000"/>
+              </a:schemeClr>
+            </a:gs>
+            <a:gs pos="100000">
+              <a:schemeClr val="phClr">
+                <a:tint val="15000"/>
+                <a:satMod val="350000"/>
+              </a:schemeClr>
+            </a:gs>
+          </a:gsLst>
+          <a:lin ang="16200000" scaled="1"/>
+        </a:gradFill>
+        <a:gradFill rotWithShape="1">
+          <a:gsLst>
+            <a:gs pos="0">
+              <a:schemeClr val="phClr">
+                <a:tint val="100000"/>
+                <a:shade val="100000"/>
+                <a:satMod val="130000"/>
+              </a:schemeClr>
+            </a:gs>
+            <a:gs pos="100000">
+              <a:schemeClr val="phClr">
+                <a:tint val="50000"/>
+                <a:shade val="100000"/>
+                <a:satMod val="350000"/>
+              </a:schemeClr>
+            </a:gs>
+          </a:gsLst>
+          <a:lin ang="16200000" scaled="0"/>
+        </a:gradFill>
+      </a:fillStyleLst>
+      <a:lnStyleLst>
+        <a:ln w="9525" cap="flat" cmpd="sng" algn="ctr">
+          <a:solidFill>
+            <a:schemeClr val="phClr">
+              <a:shade val="95000"/>
+              <a:satMod val="105000"/>
+            </a:schemeClr>
+          </a:solidFill>
+          <a:prstDash val="solid"/>
+        </a:ln>
+        <a:ln w="25400" cap="flat" cmpd="sng" algn="ctr">
+          <a:solidFill>
+            <a:schemeClr val="phClr"/>
+          </a:solidFill>
+          <a:prstDash val="solid"/>
+        </a:ln>
+        <a:ln w="38100" cap="flat" cmpd="sng" algn="ctr">
+          <a:solidFill>
+            <a:schemeClr val="phClr"/>
+          </a:solidFill>
+          <a:prstDash val="solid"/>
+        </a:ln>
+      </a:lnStyleLst>
+      <a:effectStyleLst>
+        <a:effectStyle>
+          <a:effectLst>
+            <a:outerShdw blurRad="40000" dist="20000" dir="5400000" rotWithShape="0">
+              <a:srgbClr val="000000">
+                <a:alpha val="38000"/>
+              </a:srgbClr>
+            </a:outerShdw>
+          </a:effectLst>
+        </a:effectStyle>
+        <a:effectStyle>
+          <a:effectLst>
+            <a:outerShdw blurRad="40000" dist="23000" dir="5400000" rotWithShape="0">
+              <a:srgbClr val="000000">
+                <a:alpha val="35000"/>
+              </a:srgbClr>
+            </a:outerShdw>
+          </a:effectLst>
+        </a:effectStyle>
+        <a:effectStyle>
+          <a:effectLst>
+            <a:outerShdw blurRad="40000" dist="23000" dir="5400000" rotWithShape="0">
+              <a:srgbClr val="000000">
+                <a:alpha val="35000"/>
+              </a:srgbClr>
+            </a:outerShdw>
+          </a:effectLst>
+          <a:scene3d>
+            <a:camera prst="orthographicFront">
+              <a:rot lat="0" lon="0" rev="0"/>
+            </a:camera>
+            <a:lightRig rig="threePt" dir="t">
+              <a:rot lat="0" lon="0" rev="1200000"/>
+            </a:lightRig>
+          </a:scene3d>
+          <a:sp3d>
+            <a:bevelT w="63500" h="25400"/>
+          </a:sp3d>
+        </a:effectStyle>
+      </a:effectStyleLst>
+      <a:bgFillStyleLst>
+        <a:solidFill>
+          <a:schemeClr val="phClr"/>
+        </a:solidFill>
+        <a:gradFill rotWithShape="1">
+          <a:gsLst>
+            <a:gs pos="0">
+              <a:schemeClr val="phClr">
+                <a:tint val="40000"/>
+                <a:satMod val="350000"/>
+              </a:schemeClr>
+            </a:gs>
+            <a:gs pos="40000">
+              <a:schemeClr val="phClr">
+                <a:tint val="45000"/>
+                <a:shade val="99000"/>
+                <a:satMod val="350000"/>
+              </a:schemeClr>
+            </a:gs>
+            <a:gs pos="100000">
+              <a:schemeClr val="phClr">
+                <a:shade val="20000"/>
+                <a:satMod val="255000"/>
+              </a:schemeClr>
+            </a:gs>
+          </a:gsLst>
+          <a:path path="circle">
+            <a:fillToRect l="50000" t="-80000" r="50000" b="180000"/>
+          </a:path>
+        </a:gradFill>
+        <a:gradFill rotWithShape="1">
+          <a:gsLst>
+            <a:gs pos="0">
+              <a:schemeClr val="phClr">
+                <a:tint val="80000"/>
+                <a:satMod val="300000"/>
+              </a:schemeClr>
+            </a:gs>
+            <a:gs pos="100000">
+              <a:schemeClr val="phClr">
+                <a:shade val="30000"/>
+                <a:satMod val="200000"/>
+              </a:schemeClr>
+            </a:gs>
+          </a:gsLst>
+          <a:path path="circle">
+            <a:fillToRect l="50000" t="50000" r="50000" b="50000"/>
+          </a:path>
+        </a:gradFill>
+      </a:bgFillStyleLst>
+    </a:fmtScheme>
+  </a:themeElements>
+  <a:objectDefaults/>
+  <a:extraClrSchemeLst/>
+</a:theme>
+</file>
+
+<file path=ppt/theme/theme3.xml><?xml version="1.0" encoding="utf-8"?>
+<a:theme xmlns:a="http://schemas.openxmlformats.org/drawingml/2006/main" name="Office Theme">
+  <a:themeElements>
+    <a:clrScheme name="Office">
+      <a:dk1>
+        <a:sysClr val="windowText" lastClr="000000"/>
+      </a:dk1>
+      <a:lt1>
+        <a:sysClr val="window" lastClr="FFFFFF"/>
+      </a:lt1>
+      <a:dk2>
+        <a:srgbClr val="44546A"/>
+      </a:dk2>
+      <a:lt2>
+        <a:srgbClr val="E7E6E6"/>
+      </a:lt2>
+      <a:accent1>
+        <a:srgbClr val="4472C4"/>
+      </a:accent1>
+      <a:accent2>
+        <a:srgbClr val="ED7D31"/>
+      </a:accent2>
+      <a:accent3>
+        <a:srgbClr val="A5A5A5"/>
+      </a:accent3>
+      <a:accent4>
+        <a:srgbClr val="FFC000"/>
+      </a:accent4>
+      <a:accent5>
+        <a:srgbClr val="5B9BD5"/>
+      </a:accent5>
+      <a:accent6>
+        <a:srgbClr val="70AD47"/>
+      </a:accent6>
+      <a:hlink>
+        <a:srgbClr val="0563C1"/>
+      </a:hlink>
+      <a:folHlink>
+        <a:srgbClr val="954F72"/>
+      </a:folHlink>
+    </a:clrScheme>
+    <a:fontScheme name="Office">
+      <a:majorFont>
+        <a:latin typeface="Calibri Light" panose="020F0302020204030204"/>
+        <a:ea typeface=""/>
+        <a:cs typeface=""/>
+        <a:font script="Jpan" typeface="Yu Gothic Light"/>
+        <a:font script="Hang" typeface="맑은 고딕"/>
+        <a:font script="Hans" typeface="DengXian Light"/>
+        <a:font script="Hant" typeface="新細明體"/>
+        <a:font script="Arab" typeface="Times New Roman"/>
+        <a:font script="Hebr" typeface="Times New Roman"/>
+        <a:font script="Thai" typeface="Angsana New"/>
+        <a:font script="Ethi" typeface="Nyala"/>
+        <a:font script="Beng" typeface="Vrinda"/>
+        <a:font script="Gujr" typeface="Shruti"/>
+        <a:font script="Khmr" typeface="MoolBoran"/>
+        <a:font script="Knda" typeface="Tunga"/>
+        <a:font script="Guru" typeface="Raavi"/>
+        <a:font script="Cans" typeface="Euphemia"/>
+        <a:font script="Cher" typeface="Plantagenet Cherokee"/>
+        <a:font script="Yiii" typeface="Microsoft Yi Baiti"/>
+        <a:font script="Tibt" typeface="Microsoft Himalaya"/>
+        <a:font script="Thaa" typeface="MV Boli"/>
+        <a:font script="Deva" typeface="Mangal"/>
+        <a:font script="Telu" typeface="Gautami"/>
+        <a:font script="Taml" typeface="Latha"/>
+        <a:font script="Syrc" typeface="Estrangelo Edessa"/>
+        <a:font script="Orya" typeface="Kalinga"/>
+        <a:font script="Mlym" typeface="Kartika"/>
+        <a:font script="Laoo" typeface="DokChampa"/>
+        <a:font script="Sinh" typeface="Iskoola Pota"/>
+        <a:font script="Mong" typeface="Mongolian Baiti"/>
+        <a:font script="Viet" typeface="Times New Roman"/>
+        <a:font script="Uigh" typeface="Microsoft Uighur"/>
+        <a:font script="Geor" typeface="Sylfaen"/>
+      </a:majorFont>
+      <a:minorFont>
+        <a:latin typeface="Calibri" panose="020F0502020204030204"/>
+        <a:ea typeface=""/>
+        <a:cs typeface=""/>
+        <a:font script="Jpan" typeface="Yu Gothic"/>
+        <a:font script="Hang" typeface="맑은 고딕"/>
+        <a:font script="Hans" typeface="DengXian"/>
+        <a:font script="Hant" typeface="新細明體"/>
+        <a:font script="Arab" typeface="Arial"/>
+        <a:font script="Hebr" typeface="Arial"/>
+        <a:font script="Thai" typeface="Cordia New"/>
+        <a:font script="Ethi" typeface="Nyala"/>
+        <a:font script="Beng" typeface="Vrinda"/>
+        <a:font script="Gujr" typeface="Shruti"/>
+        <a:font script="Khmr" typeface="DaunPenh"/>
+        <a:font script="Knda" typeface="Tunga"/>
+        <a:font script="Guru" typeface="Raavi"/>
+        <a:font script="Cans" typeface="Euphemia"/>
+        <a:font script="Cher" typeface="Plantagenet Cherokee"/>
+        <a:font script="Yiii" typeface="Microsoft Yi Baiti"/>
+        <a:font script="Tibt" typeface="Microsoft Himalaya"/>
+        <a:font script="Thaa" typeface="MV Boli"/>
+        <a:font script="Deva" typeface="Mangal"/>
+        <a:font script="Telu" typeface="Gautami"/>
+        <a:font script="Taml" typeface="Latha"/>
+        <a:font script="Syrc" typeface="Estrangelo Edessa"/>
+        <a:font script="Orya" typeface="Kalinga"/>
+        <a:font script="Mlym" typeface="Kartika"/>
+        <a:font script="Laoo" typeface="DokChampa"/>
+        <a:font script="Sinh" typeface="Iskoola Pota"/>
+        <a:font script="Mong" typeface="Mongolian Baiti"/>
+        <a:font script="Viet" typeface="Arial"/>
+        <a:font script="Uigh" typeface="Microsoft Uighur"/>
+        <a:font script="Geor" typeface="Sylfaen"/>
+      </a:minorFont>
+    </a:fontScheme>
+    <a:fmtScheme name="Office">
+      <a:fillStyleLst>
+        <a:solidFill>
+          <a:schemeClr val="phClr"/>
+        </a:solidFill>
+        <a:gradFill rotWithShape="1">
+          <a:gsLst>
+            <a:gs pos="0">
+              <a:schemeClr val="phClr">
+                <a:lumMod val="110000"/>
+                <a:satMod val="105000"/>
+                <a:tint val="67000"/>
+              </a:schemeClr>
+            </a:gs>
+            <a:gs pos="50000">
+              <a:schemeClr val="phClr">
+                <a:lumMod val="105000"/>
+                <a:satMod val="103000"/>
+                <a:tint val="73000"/>
+              </a:schemeClr>
+            </a:gs>
+            <a:gs pos="100000">
+              <a:schemeClr val="phClr">
+                <a:lumMod val="105000"/>
+                <a:satMod val="109000"/>
+                <a:tint val="81000"/>
+              </a:schemeClr>
+            </a:gs>
+          </a:gsLst>
+          <a:lin ang="5400000" scaled="0"/>
+        </a:gradFill>
+        <a:gradFill rotWithShape="1">
+          <a:gsLst>
+            <a:gs pos="0">
+              <a:schemeClr val="phClr">
+                <a:satMod val="103000"/>
+                <a:lumMod val="102000"/>
+                <a:tint val="94000"/>
+              </a:schemeClr>
+            </a:gs>
+            <a:gs pos="50000">
+              <a:schemeClr val="phClr">
+                <a:satMod val="110000"/>
+                <a:lumMod val="100000"/>
+                <a:shade val="100000"/>
+              </a:schemeClr>
+            </a:gs>
+            <a:gs pos="100000">
+              <a:schemeClr val="phClr">
+                <a:lumMod val="99000"/>
+                <a:satMod val="120000"/>
+                <a:shade val="78000"/>
+              </a:schemeClr>
+            </a:gs>
+          </a:gsLst>
+          <a:lin ang="5400000" scaled="0"/>
+        </a:gradFill>
+      </a:fillStyleLst>
+      <a:lnStyleLst>
+        <a:ln w="6350" cap="flat" cmpd="sng" algn="ctr">
+          <a:solidFill>
+            <a:schemeClr val="phClr"/>
+          </a:solidFill>
+          <a:prstDash val="solid"/>
+          <a:miter lim="800000"/>
+        </a:ln>
+        <a:ln w="12700" cap="flat" cmpd="sng" algn="ctr">
+          <a:solidFill>
+            <a:schemeClr val="phClr"/>
+          </a:solidFill>
+          <a:prstDash val="solid"/>
+          <a:miter lim="800000"/>
+        </a:ln>
+        <a:ln w="19050" cap="flat" cmpd="sng" algn="ctr">
+          <a:solidFill>
+            <a:schemeClr val="phClr"/>
+          </a:solidFill>
+          <a:prstDash val="solid"/>
+          <a:miter lim="800000"/>
+        </a:ln>
+      </a:lnStyleLst>
+      <a:effectStyleLst>
+        <a:effectStyle>
+          <a:effectLst/>
+        </a:effectStyle>
+        <a:effectStyle>
+          <a:effectLst/>
+        </a:effectStyle>
+        <a:effectStyle>
+          <a:effectLst>
+            <a:outerShdw blurRad="57150" dist="19050" dir="5400000" algn="ctr" rotWithShape="0">
+              <a:srgbClr val="000000">
+                <a:alpha val="63000"/>
+              </a:srgbClr>
+            </a:outerShdw>
+          </a:effectLst>
+        </a:effectStyle>
+      </a:effectStyleLst>
+      <a:bgFillStyleLst>
+        <a:solidFill>
+          <a:schemeClr val="phClr"/>
+        </a:solidFill>
+        <a:solidFill>
+          <a:schemeClr val="phClr">
+            <a:tint val="95000"/>
+            <a:satMod val="170000"/>
+          </a:schemeClr>
+        </a:solidFill>
+        <a:gradFill rotWithShape="1">
+          <a:gsLst>
+            <a:gs pos="0">
+              <a:schemeClr val="phClr">
+                <a:tint val="93000"/>
+                <a:satMod val="150000"/>
+                <a:shade val="98000"/>
+                <a:lumMod val="102000"/>
+              </a:schemeClr>
+            </a:gs>
+            <a:gs pos="50000">
+              <a:schemeClr val="phClr">
+                <a:tint val="98000"/>
+                <a:satMod val="130000"/>
+                <a:shade val="90000"/>
+                <a:lumMod val="103000"/>
+              </a:schemeClr>
+            </a:gs>
+            <a:gs pos="100000">
+              <a:schemeClr val="phClr">
+                <a:shade val="63000"/>
+                <a:satMod val="120000"/>
+              </a:schemeClr>
+            </a:gs>
+          </a:gsLst>
+          <a:lin ang="5400000" scaled="0"/>
+        </a:gradFill>
+      </a:bgFillStyleLst>
+    </a:fmtScheme>
+  </a:themeElements>
+  <a:objectDefaults/>
+  <a:extraClrSchemeLst/>
+  <a:extLst>
+    <a:ext uri="{05A4C25C-085E-4340-85A3-A5531E510DB2}">
+      <thm15:themeFamily xmlns:thm15="http://schemas.microsoft.com/office/thememl/2012/main" name="Office Theme" id="{62F939B6-93AF-4DB8-9C6B-D6C7DFDC589F}" vid="{4A3C46E8-61CC-4603-A589-7422A47A8E4A}"/>
+    </a:ext>
+  </a:extLst>
+</a:theme>
+</file>
+
 <file path=customXml/item1.xml><?xml version="1.0" encoding="utf-8"?>
 <ct:contentTypeSchema xmlns:ct="http://schemas.microsoft.com/office/2006/metadata/contentType" xmlns:ma="http://schemas.microsoft.com/office/2006/metadata/properties/metaAttributes" ct:_="" ma:_="" ma:contentTypeName="Document" ma:contentTypeID="0x010100BB44408B1F998B4BA15FE4B8D7768EF7" ma:contentTypeVersion="9" ma:contentTypeDescription="Create a new document." ma:contentTypeScope="" ma:versionID="26cff2eb98e4fe1c8224d1a47b7e98f3">
   <xsd:schema xmlns:xsd="http://www.w3.org/2001/XMLSchema" xmlns:xs="http://www.w3.org/2001/XMLSchema" xmlns:p="http://schemas.microsoft.com/office/2006/metadata/properties" xmlns:ns3="74457e66-0124-4930-b391-ceccc081d504" targetNamespace="http://schemas.microsoft.com/office/2006/metadata/properties" ma:root="true" ma:fieldsID="38ab2e23f96e7e314bfb41f348264f2f" ns3:_="">

--- a/units/10/lessons/4/resources/petascale-lesson-10.4-slides.pptx
+++ b/units/10/lessons/4/resources/petascale-lesson-10.4-slides.pptx
@@ -10,7 +10,7 @@
   </p:notesMasterIdLst>
   <p:sldIdLst>
     <p:sldId id="267" r:id="rId6"/>
-    <p:sldId id="268" r:id="rId7"/>
+    <p:sldId id="269" r:id="rId7"/>
     <p:sldId id="256" r:id="rId8"/>
     <p:sldId id="257" r:id="rId9"/>
     <p:sldId id="258" r:id="rId10"/>
@@ -210,7 +210,7 @@
           <a:p>
             <a:fld id="{8EF9096A-EBB7-6742-9BE0-9F60DE8B3928}" type="datetimeFigureOut">
               <a:rPr lang="en-US" smtClean="0"/>
-              <a:t>9/12/20</a:t>
+              <a:t>10/11/20</a:t>
             </a:fld>
             <a:endParaRPr lang="en-US"/>
           </a:p>
@@ -9356,7 +9356,7 @@
           <a:p>
             <a:fld id="{9A0AFBE5-001C-400D-A452-098101439866}" type="datetimeFigureOut">
               <a:rPr lang="en-US" smtClean="0"/>
-              <a:t>9/12/20</a:t>
+              <a:t>10/11/20</a:t>
             </a:fld>
             <a:endParaRPr lang="en-US"/>
           </a:p>
@@ -9563,7 +9563,7 @@
           <a:p>
             <a:fld id="{9A0AFBE5-001C-400D-A452-098101439866}" type="datetimeFigureOut">
               <a:rPr lang="en-US" smtClean="0"/>
-              <a:t>9/12/20</a:t>
+              <a:t>10/11/20</a:t>
             </a:fld>
             <a:endParaRPr lang="en-US"/>
           </a:p>
@@ -9743,7 +9743,7 @@
           <a:p>
             <a:fld id="{9A0AFBE5-001C-400D-A452-098101439866}" type="datetimeFigureOut">
               <a:rPr lang="en-US" smtClean="0"/>
-              <a:t>9/12/20</a:t>
+              <a:t>10/11/20</a:t>
             </a:fld>
             <a:endParaRPr lang="en-US"/>
           </a:p>
@@ -12814,7 +12814,7 @@
           <a:p>
             <a:fld id="{9A0AFBE5-001C-400D-A452-098101439866}" type="datetimeFigureOut">
               <a:rPr lang="en-US" smtClean="0"/>
-              <a:t>9/12/20</a:t>
+              <a:t>10/11/20</a:t>
             </a:fld>
             <a:endParaRPr lang="en-US"/>
           </a:p>
@@ -22328,7 +22328,7 @@
           <a:p>
             <a:fld id="{9A0AFBE5-001C-400D-A452-098101439866}" type="datetimeFigureOut">
               <a:rPr lang="en-US" smtClean="0"/>
-              <a:t>9/12/20</a:t>
+              <a:t>10/11/20</a:t>
             </a:fld>
             <a:endParaRPr lang="en-US"/>
           </a:p>
@@ -22602,7 +22602,7 @@
           <a:p>
             <a:fld id="{9A0AFBE5-001C-400D-A452-098101439866}" type="datetimeFigureOut">
               <a:rPr lang="en-US" smtClean="0"/>
-              <a:t>9/12/20</a:t>
+              <a:t>10/11/20</a:t>
             </a:fld>
             <a:endParaRPr lang="en-US"/>
           </a:p>
@@ -23000,7 +23000,7 @@
           <a:p>
             <a:fld id="{9A0AFBE5-001C-400D-A452-098101439866}" type="datetimeFigureOut">
               <a:rPr lang="en-US" smtClean="0"/>
-              <a:t>9/12/20</a:t>
+              <a:t>10/11/20</a:t>
             </a:fld>
             <a:endParaRPr lang="en-US"/>
           </a:p>
@@ -23118,7 +23118,7 @@
           <a:p>
             <a:fld id="{9A0AFBE5-001C-400D-A452-098101439866}" type="datetimeFigureOut">
               <a:rPr lang="en-US" smtClean="0"/>
-              <a:t>9/12/20</a:t>
+              <a:t>10/11/20</a:t>
             </a:fld>
             <a:endParaRPr lang="en-US"/>
           </a:p>
@@ -23213,7 +23213,7 @@
           <a:p>
             <a:fld id="{9A0AFBE5-001C-400D-A452-098101439866}" type="datetimeFigureOut">
               <a:rPr lang="en-US" smtClean="0"/>
-              <a:t>9/12/20</a:t>
+              <a:t>10/11/20</a:t>
             </a:fld>
             <a:endParaRPr lang="en-US"/>
           </a:p>
@@ -23503,7 +23503,7 @@
           <a:p>
             <a:fld id="{9A0AFBE5-001C-400D-A452-098101439866}" type="datetimeFigureOut">
               <a:rPr lang="en-US" smtClean="0"/>
-              <a:t>9/12/20</a:t>
+              <a:t>10/11/20</a:t>
             </a:fld>
             <a:endParaRPr lang="en-US"/>
           </a:p>
@@ -23783,7 +23783,7 @@
           <a:p>
             <a:fld id="{9A0AFBE5-001C-400D-A452-098101439866}" type="datetimeFigureOut">
               <a:rPr lang="en-US" smtClean="0"/>
-              <a:t>9/12/20</a:t>
+              <a:t>10/11/20</a:t>
             </a:fld>
             <a:endParaRPr lang="en-US"/>
           </a:p>
@@ -24033,7 +24033,7 @@
           <a:p>
             <a:fld id="{9A0AFBE5-001C-400D-A452-098101439866}" type="datetimeFigureOut">
               <a:rPr lang="en-US" smtClean="0"/>
-              <a:t>9/12/20</a:t>
+              <a:t>10/11/20</a:t>
             </a:fld>
             <a:endParaRPr lang="en-US"/>
           </a:p>
@@ -25860,15 +25860,7 @@
                 <a:ea typeface="Times New Roman" charset="0"/>
                 <a:cs typeface="Times New Roman" charset="0"/>
               </a:rPr>
-              <a:t>Blue Waters Petascale</a:t>
-            </a:r>
-            <a:r>
-              <a:rPr lang="en-US" sz="3600" b="1" dirty="0">
-                <a:latin typeface="Times New Roman" charset="0"/>
-                <a:ea typeface="Times New Roman" charset="0"/>
-                <a:cs typeface="Times New Roman" charset="0"/>
-              </a:rPr>
-              <a:t> Semester Curriculum v1.0</a:t>
+              <a:t>Blue Waters Petascale Semester Curriculum v1.0</a:t>
             </a:r>
             <a:r>
               <a:rPr lang="en-US" sz="3600" dirty="0">
@@ -25891,15 +25883,7 @@
                 <a:ea typeface="Times New Roman" charset="0"/>
                 <a:cs typeface="Times New Roman" charset="0"/>
               </a:rPr>
-              <a:t>Unit </a:t>
-            </a:r>
-            <a:r>
-              <a:rPr lang="en-US" sz="3600" b="1" dirty="0">
-                <a:latin typeface="Times New Roman" charset="0"/>
-                <a:ea typeface="Times New Roman" charset="0"/>
-                <a:cs typeface="Times New Roman" charset="0"/>
-              </a:rPr>
-              <a:t>10: Productivity and Visualization</a:t>
+              <a:t>Unit 10: Productivity and Visualization</a:t>
             </a:r>
             <a:br>
               <a:rPr lang="en-US" sz="3600" b="1" dirty="0">
@@ -25961,23 +25945,7 @@
                 <a:ea typeface="Times New Roman" charset="0"/>
                 <a:cs typeface="Times New Roman" charset="0"/>
               </a:rPr>
-              <a:t>Developed </a:t>
-            </a:r>
-            <a:r>
-              <a:rPr lang="en-US" sz="3600" i="1" dirty="0">
-                <a:latin typeface="Times New Roman" charset="0"/>
-                <a:ea typeface="Times New Roman" charset="0"/>
-                <a:cs typeface="Times New Roman" charset="0"/>
-              </a:rPr>
-              <a:t>by </a:t>
-            </a:r>
-            <a:r>
-              <a:rPr lang="en-US" sz="3600" i="1" dirty="0">
-                <a:latin typeface="Times New Roman" charset="0"/>
-                <a:ea typeface="Times New Roman" charset="0"/>
-                <a:cs typeface="Times New Roman" charset="0"/>
-              </a:rPr>
-              <a:t>Juan R. </a:t>
+              <a:t>Developed by Juan R. </a:t>
             </a:r>
             <a:r>
               <a:rPr lang="en-US" sz="3600" i="1" dirty="0" err="1" smtClean="0">
@@ -26055,7 +26023,7 @@
           <p:cNvPr id="2" name="Title 1">
             <a:extLst>
               <a:ext uri="{FF2B5EF4-FFF2-40B4-BE49-F238E27FC236}">
-                <a16:creationId xmlns:a16="http://schemas.microsoft.com/office/drawing/2014/main" xmlns="" id="{AF364D4C-E3D9-4755-8034-FF331AF56E30}"/>
+                <a16:creationId xmlns="" xmlns:a16="http://schemas.microsoft.com/office/drawing/2014/main" id="{AF364D4C-E3D9-4755-8034-FF331AF56E30}"/>
               </a:ext>
             </a:extLst>
           </p:cNvPr>
@@ -26088,7 +26056,7 @@
           <p:cNvPr id="3" name="Content Placeholder 2">
             <a:extLst>
               <a:ext uri="{FF2B5EF4-FFF2-40B4-BE49-F238E27FC236}">
-                <a16:creationId xmlns:a16="http://schemas.microsoft.com/office/drawing/2014/main" xmlns="" id="{CBF82D96-0AC4-4AA6-81F2-4B224E88F30E}"/>
+                <a16:creationId xmlns="" xmlns:a16="http://schemas.microsoft.com/office/drawing/2014/main" id="{CBF82D96-0AC4-4AA6-81F2-4B224E88F30E}"/>
               </a:ext>
             </a:extLst>
           </p:cNvPr>
@@ -26146,7 +26114,7 @@
           <p:cNvPr id="9" name="TextBox 8">
             <a:extLst>
               <a:ext uri="{FF2B5EF4-FFF2-40B4-BE49-F238E27FC236}">
-                <a16:creationId xmlns:a16="http://schemas.microsoft.com/office/drawing/2014/main" xmlns="" id="{4E0E68D9-BEB8-4A1B-8F56-334F8EA6DD1D}"/>
+                <a16:creationId xmlns="" xmlns:a16="http://schemas.microsoft.com/office/drawing/2014/main" id="{4E0E68D9-BEB8-4A1B-8F56-334F8EA6DD1D}"/>
               </a:ext>
             </a:extLst>
           </p:cNvPr>
@@ -26195,7 +26163,7 @@
           <p:cNvPr id="11" name="Picture 10">
             <a:extLst>
               <a:ext uri="{FF2B5EF4-FFF2-40B4-BE49-F238E27FC236}">
-                <a16:creationId xmlns:a16="http://schemas.microsoft.com/office/drawing/2014/main" xmlns="" id="{5374A9E5-7EF6-4B80-8AD2-0A7E78D52EC5}"/>
+                <a16:creationId xmlns="" xmlns:a16="http://schemas.microsoft.com/office/drawing/2014/main" id="{5374A9E5-7EF6-4B80-8AD2-0A7E78D52EC5}"/>
               </a:ext>
             </a:extLst>
           </p:cNvPr>
@@ -26255,7 +26223,7 @@
           <p:cNvPr id="2" name="Title 1">
             <a:extLst>
               <a:ext uri="{FF2B5EF4-FFF2-40B4-BE49-F238E27FC236}">
-                <a16:creationId xmlns:a16="http://schemas.microsoft.com/office/drawing/2014/main" xmlns="" id="{AF364D4C-E3D9-4755-8034-FF331AF56E30}"/>
+                <a16:creationId xmlns="" xmlns:a16="http://schemas.microsoft.com/office/drawing/2014/main" id="{AF364D4C-E3D9-4755-8034-FF331AF56E30}"/>
               </a:ext>
             </a:extLst>
           </p:cNvPr>
@@ -26290,7 +26258,7 @@
           <p:cNvPr id="3" name="Content Placeholder 2">
             <a:extLst>
               <a:ext uri="{FF2B5EF4-FFF2-40B4-BE49-F238E27FC236}">
-                <a16:creationId xmlns:a16="http://schemas.microsoft.com/office/drawing/2014/main" xmlns="" id="{CBF82D96-0AC4-4AA6-81F2-4B224E88F30E}"/>
+                <a16:creationId xmlns="" xmlns:a16="http://schemas.microsoft.com/office/drawing/2014/main" id="{CBF82D96-0AC4-4AA6-81F2-4B224E88F30E}"/>
               </a:ext>
             </a:extLst>
           </p:cNvPr>
@@ -26356,7 +26324,7 @@
           <p:cNvPr id="4" name="Picture 3">
             <a:extLst>
               <a:ext uri="{FF2B5EF4-FFF2-40B4-BE49-F238E27FC236}">
-                <a16:creationId xmlns:a16="http://schemas.microsoft.com/office/drawing/2014/main" xmlns="" id="{DADC84BD-F84A-43B6-9200-AFB0471B51F0}"/>
+                <a16:creationId xmlns="" xmlns:a16="http://schemas.microsoft.com/office/drawing/2014/main" id="{DADC84BD-F84A-43B6-9200-AFB0471B51F0}"/>
               </a:ext>
             </a:extLst>
           </p:cNvPr>
@@ -26386,7 +26354,7 @@
           <p:cNvPr id="5" name="Picture 4">
             <a:extLst>
               <a:ext uri="{FF2B5EF4-FFF2-40B4-BE49-F238E27FC236}">
-                <a16:creationId xmlns:a16="http://schemas.microsoft.com/office/drawing/2014/main" xmlns="" id="{4B87B48A-A769-4A4D-B9B8-DD0EB4A7A02A}"/>
+                <a16:creationId xmlns="" xmlns:a16="http://schemas.microsoft.com/office/drawing/2014/main" id="{4B87B48A-A769-4A4D-B9B8-DD0EB4A7A02A}"/>
               </a:ext>
             </a:extLst>
           </p:cNvPr>
@@ -26416,7 +26384,7 @@
           <p:cNvPr id="6" name="TextBox 5">
             <a:extLst>
               <a:ext uri="{FF2B5EF4-FFF2-40B4-BE49-F238E27FC236}">
-                <a16:creationId xmlns:a16="http://schemas.microsoft.com/office/drawing/2014/main" xmlns="" id="{2AB23CE2-76C0-4625-B53F-8A9BA767110F}"/>
+                <a16:creationId xmlns="" xmlns:a16="http://schemas.microsoft.com/office/drawing/2014/main" id="{2AB23CE2-76C0-4625-B53F-8A9BA767110F}"/>
               </a:ext>
             </a:extLst>
           </p:cNvPr>
@@ -26451,7 +26419,7 @@
           <p:cNvPr id="7" name="TextBox 6">
             <a:extLst>
               <a:ext uri="{FF2B5EF4-FFF2-40B4-BE49-F238E27FC236}">
-                <a16:creationId xmlns:a16="http://schemas.microsoft.com/office/drawing/2014/main" xmlns="" id="{877042EC-A726-4FD8-B256-D9E1E3C9A372}"/>
+                <a16:creationId xmlns="" xmlns:a16="http://schemas.microsoft.com/office/drawing/2014/main" id="{877042EC-A726-4FD8-B256-D9E1E3C9A372}"/>
               </a:ext>
             </a:extLst>
           </p:cNvPr>
@@ -26486,7 +26454,7 @@
           <p:cNvPr id="12" name="Picture 11">
             <a:extLst>
               <a:ext uri="{FF2B5EF4-FFF2-40B4-BE49-F238E27FC236}">
-                <a16:creationId xmlns:a16="http://schemas.microsoft.com/office/drawing/2014/main" xmlns="" id="{CBFE07F0-5024-4848-A609-104ADA063D2D}"/>
+                <a16:creationId xmlns="" xmlns:a16="http://schemas.microsoft.com/office/drawing/2014/main" id="{CBFE07F0-5024-4848-A609-104ADA063D2D}"/>
               </a:ext>
             </a:extLst>
           </p:cNvPr>
@@ -26516,7 +26484,7 @@
           <p:cNvPr id="13" name="TextBox 12">
             <a:extLst>
               <a:ext uri="{FF2B5EF4-FFF2-40B4-BE49-F238E27FC236}">
-                <a16:creationId xmlns:a16="http://schemas.microsoft.com/office/drawing/2014/main" xmlns="" id="{F9A7AFAA-F6B1-489D-B341-8E102CB8BCC2}"/>
+                <a16:creationId xmlns="" xmlns:a16="http://schemas.microsoft.com/office/drawing/2014/main" id="{F9A7AFAA-F6B1-489D-B341-8E102CB8BCC2}"/>
               </a:ext>
             </a:extLst>
           </p:cNvPr>
@@ -26593,10 +26561,10 @@
           <p:cNvPr id="8" name="Rectangle 7">
             <a:extLst>
               <a:ext uri="{FF2B5EF4-FFF2-40B4-BE49-F238E27FC236}">
-                <a16:creationId xmlns:a16="http://schemas.microsoft.com/office/drawing/2014/main" xmlns="" id="{A43280A9-E265-46D1-8575-622906D204C9}"/>
+                <a16:creationId xmlns="" xmlns:a16="http://schemas.microsoft.com/office/drawing/2014/main" id="{A43280A9-E265-46D1-8575-622906D204C9}"/>
               </a:ext>
               <a:ext uri="{C183D7F6-B498-43B3-948B-1728B52AA6E4}">
-                <adec:decorative xmlns:adec="http://schemas.microsoft.com/office/drawing/2017/decorative" xmlns="" val="1"/>
+                <adec:decorative xmlns="" xmlns:adec="http://schemas.microsoft.com/office/drawing/2017/decorative" val="1"/>
               </a:ext>
             </a:extLst>
           </p:cNvPr>
@@ -26653,10 +26621,10 @@
           <p:cNvPr id="10" name="Freeform 16">
             <a:extLst>
               <a:ext uri="{FF2B5EF4-FFF2-40B4-BE49-F238E27FC236}">
-                <a16:creationId xmlns:a16="http://schemas.microsoft.com/office/drawing/2014/main" xmlns="" id="{4DE20B70-4750-4280-B3AC-512C05EEF920}"/>
+                <a16:creationId xmlns="" xmlns:a16="http://schemas.microsoft.com/office/drawing/2014/main" id="{4DE20B70-4750-4280-B3AC-512C05EEF920}"/>
               </a:ext>
               <a:ext uri="{C183D7F6-B498-43B3-948B-1728B52AA6E4}">
-                <adec:decorative xmlns:adec="http://schemas.microsoft.com/office/drawing/2017/decorative" xmlns="" val="1"/>
+                <adec:decorative xmlns="" xmlns:adec="http://schemas.microsoft.com/office/drawing/2017/decorative" val="1"/>
               </a:ext>
             </a:extLst>
           </p:cNvPr>
@@ -35902,10 +35870,10 @@
           <p:cNvPr id="12" name="Rectangle 11">
             <a:extLst>
               <a:ext uri="{FF2B5EF4-FFF2-40B4-BE49-F238E27FC236}">
-                <a16:creationId xmlns:a16="http://schemas.microsoft.com/office/drawing/2014/main" xmlns="" id="{98D95174-B5F2-424A-8183-654A5064D0B6}"/>
+                <a16:creationId xmlns="" xmlns:a16="http://schemas.microsoft.com/office/drawing/2014/main" id="{98D95174-B5F2-424A-8183-654A5064D0B6}"/>
               </a:ext>
               <a:ext uri="{C183D7F6-B498-43B3-948B-1728B52AA6E4}">
-                <adec:decorative xmlns:adec="http://schemas.microsoft.com/office/drawing/2017/decorative" xmlns="" val="1"/>
+                <adec:decorative xmlns="" xmlns:adec="http://schemas.microsoft.com/office/drawing/2017/decorative" val="1"/>
               </a:ext>
             </a:extLst>
           </p:cNvPr>
@@ -35962,10 +35930,10 @@
           <p:cNvPr id="14" name="Rectangle 13">
             <a:extLst>
               <a:ext uri="{FF2B5EF4-FFF2-40B4-BE49-F238E27FC236}">
-                <a16:creationId xmlns:a16="http://schemas.microsoft.com/office/drawing/2014/main" xmlns="" id="{DD368A96-A16E-42CE-842C-9166E567BCC1}"/>
+                <a16:creationId xmlns="" xmlns:a16="http://schemas.microsoft.com/office/drawing/2014/main" id="{DD368A96-A16E-42CE-842C-9166E567BCC1}"/>
               </a:ext>
               <a:ext uri="{C183D7F6-B498-43B3-948B-1728B52AA6E4}">
-                <adec:decorative xmlns:adec="http://schemas.microsoft.com/office/drawing/2017/decorative" xmlns="" val="1"/>
+                <adec:decorative xmlns="" xmlns:adec="http://schemas.microsoft.com/office/drawing/2017/decorative" val="1"/>
               </a:ext>
             </a:extLst>
           </p:cNvPr>
@@ -36025,7 +35993,7 @@
           <p:cNvPr id="2" name="Title 1">
             <a:extLst>
               <a:ext uri="{FF2B5EF4-FFF2-40B4-BE49-F238E27FC236}">
-                <a16:creationId xmlns:a16="http://schemas.microsoft.com/office/drawing/2014/main" xmlns="" id="{AF364D4C-E3D9-4755-8034-FF331AF56E30}"/>
+                <a16:creationId xmlns="" xmlns:a16="http://schemas.microsoft.com/office/drawing/2014/main" id="{AF364D4C-E3D9-4755-8034-FF331AF56E30}"/>
               </a:ext>
             </a:extLst>
           </p:cNvPr>
@@ -36060,10 +36028,10 @@
           <p:cNvPr id="16" name="Straight Connector 15">
             <a:extLst>
               <a:ext uri="{FF2B5EF4-FFF2-40B4-BE49-F238E27FC236}">
-                <a16:creationId xmlns:a16="http://schemas.microsoft.com/office/drawing/2014/main" xmlns="" id="{E350D170-418B-4A22-8B98-15EF799FD957}"/>
+                <a16:creationId xmlns="" xmlns:a16="http://schemas.microsoft.com/office/drawing/2014/main" id="{E350D170-418B-4A22-8B98-15EF799FD957}"/>
               </a:ext>
               <a:ext uri="{C183D7F6-B498-43B3-948B-1728B52AA6E4}">
-                <adec:decorative xmlns:adec="http://schemas.microsoft.com/office/drawing/2017/decorative" xmlns="" val="1"/>
+                <adec:decorative xmlns="" xmlns:adec="http://schemas.microsoft.com/office/drawing/2017/decorative" val="1"/>
               </a:ext>
             </a:extLst>
           </p:cNvPr>
@@ -36112,7 +36080,7 @@
           <p:cNvPr id="3" name="Content Placeholder 2">
             <a:extLst>
               <a:ext uri="{FF2B5EF4-FFF2-40B4-BE49-F238E27FC236}">
-                <a16:creationId xmlns:a16="http://schemas.microsoft.com/office/drawing/2014/main" xmlns="" id="{CBF82D96-0AC4-4AA6-81F2-4B224E88F30E}"/>
+                <a16:creationId xmlns="" xmlns:a16="http://schemas.microsoft.com/office/drawing/2014/main" id="{CBF82D96-0AC4-4AA6-81F2-4B224E88F30E}"/>
               </a:ext>
             </a:extLst>
           </p:cNvPr>
@@ -36381,10 +36349,10 @@
           <p:cNvPr id="8" name="Rectangle 7">
             <a:extLst>
               <a:ext uri="{FF2B5EF4-FFF2-40B4-BE49-F238E27FC236}">
-                <a16:creationId xmlns:a16="http://schemas.microsoft.com/office/drawing/2014/main" xmlns="" id="{B0890400-BB8B-4A44-AB63-65C7CA223EBA}"/>
+                <a16:creationId xmlns="" xmlns:a16="http://schemas.microsoft.com/office/drawing/2014/main" id="{B0890400-BB8B-4A44-AB63-65C7CA223EBA}"/>
               </a:ext>
               <a:ext uri="{C183D7F6-B498-43B3-948B-1728B52AA6E4}">
-                <adec:decorative xmlns:adec="http://schemas.microsoft.com/office/drawing/2017/decorative" xmlns="" val="1"/>
+                <adec:decorative xmlns="" xmlns:adec="http://schemas.microsoft.com/office/drawing/2017/decorative" val="1"/>
               </a:ext>
             </a:extLst>
           </p:cNvPr>
@@ -36441,7 +36409,7 @@
           <p:cNvPr id="2" name="Title 1">
             <a:extLst>
               <a:ext uri="{FF2B5EF4-FFF2-40B4-BE49-F238E27FC236}">
-                <a16:creationId xmlns:a16="http://schemas.microsoft.com/office/drawing/2014/main" xmlns="" id="{AF364D4C-E3D9-4755-8034-FF331AF56E30}"/>
+                <a16:creationId xmlns="" xmlns:a16="http://schemas.microsoft.com/office/drawing/2014/main" id="{AF364D4C-E3D9-4755-8034-FF331AF56E30}"/>
               </a:ext>
             </a:extLst>
           </p:cNvPr>
@@ -36478,10 +36446,10 @@
           <p:cNvPr id="10" name="Straight Connector 9">
             <a:extLst>
               <a:ext uri="{FF2B5EF4-FFF2-40B4-BE49-F238E27FC236}">
-                <a16:creationId xmlns:a16="http://schemas.microsoft.com/office/drawing/2014/main" xmlns="" id="{4D39B797-CDC6-4529-8A36-9CBFC9816337}"/>
+                <a16:creationId xmlns="" xmlns:a16="http://schemas.microsoft.com/office/drawing/2014/main" id="{4D39B797-CDC6-4529-8A36-9CBFC9816337}"/>
               </a:ext>
               <a:ext uri="{C183D7F6-B498-43B3-948B-1728B52AA6E4}">
-                <adec:decorative xmlns:adec="http://schemas.microsoft.com/office/drawing/2017/decorative" xmlns="" val="1"/>
+                <adec:decorative xmlns="" xmlns:adec="http://schemas.microsoft.com/office/drawing/2017/decorative" val="1"/>
               </a:ext>
             </a:extLst>
           </p:cNvPr>
@@ -36530,7 +36498,7 @@
           <p:cNvPr id="3" name="Content Placeholder 2">
             <a:extLst>
               <a:ext uri="{FF2B5EF4-FFF2-40B4-BE49-F238E27FC236}">
-                <a16:creationId xmlns:a16="http://schemas.microsoft.com/office/drawing/2014/main" xmlns="" id="{CBF82D96-0AC4-4AA6-81F2-4B224E88F30E}"/>
+                <a16:creationId xmlns="" xmlns:a16="http://schemas.microsoft.com/office/drawing/2014/main" id="{CBF82D96-0AC4-4AA6-81F2-4B224E88F30E}"/>
               </a:ext>
             </a:extLst>
           </p:cNvPr>
@@ -36746,7 +36714,7 @@
         </p:nvSpPr>
         <p:spPr>
           <a:xfrm>
-            <a:off x="754745" y="0"/>
+            <a:off x="754743" y="0"/>
             <a:ext cx="10682515" cy="6858000"/>
           </a:xfrm>
         </p:spPr>
@@ -36793,7 +36761,23 @@
                 <a:ea typeface="Times New Roman" charset="0"/>
                 <a:cs typeface="Times New Roman" charset="0"/>
               </a:rPr>
-              <a:t>CC BY-NC 4.0. To view a copy of this license, visit </a:t>
+              <a:t>CC </a:t>
+            </a:r>
+            <a:r>
+              <a:rPr lang="en-US" sz="2800" dirty="0">
+                <a:latin typeface="Times New Roman" charset="0"/>
+                <a:ea typeface="Times New Roman" charset="0"/>
+                <a:cs typeface="Times New Roman" charset="0"/>
+              </a:rPr>
+              <a:t>BY-SA </a:t>
+            </a:r>
+            <a:r>
+              <a:rPr lang="en-US" sz="2800" dirty="0">
+                <a:latin typeface="Times New Roman" charset="0"/>
+                <a:ea typeface="Times New Roman" charset="0"/>
+                <a:cs typeface="Times New Roman" charset="0"/>
+              </a:rPr>
+              <a:t>4.0. To view a copy of this license, visit </a:t>
             </a:r>
             <a:r>
               <a:rPr lang="en-US" sz="2800" dirty="0">
@@ -36802,7 +36786,16 @@
                 <a:cs typeface="Times New Roman" charset="0"/>
                 <a:hlinkClick r:id="rId2"/>
               </a:rPr>
-              <a:t>https://creativecommons.org/licenses/by-nc/4.0</a:t>
+              <a:t>https://</a:t>
+            </a:r>
+            <a:r>
+              <a:rPr lang="en-US" sz="2800" dirty="0">
+                <a:latin typeface="Times New Roman" charset="0"/>
+                <a:ea typeface="Times New Roman" charset="0"/>
+                <a:cs typeface="Times New Roman" charset="0"/>
+                <a:hlinkClick r:id="rId2"/>
+              </a:rPr>
+              <a:t>creativecommons.org/licenses/by-sa/4.0</a:t>
             </a:r>
             <a:r>
               <a:rPr lang="en-US" sz="2800" dirty="0">
@@ -36956,20 +36949,13 @@
     </p:spTree>
     <p:extLst>
       <p:ext uri="{BB962C8B-B14F-4D97-AF65-F5344CB8AC3E}">
-        <p14:creationId xmlns:p14="http://schemas.microsoft.com/office/powerpoint/2010/main" val="1192433871"/>
+        <p14:creationId xmlns:p14="http://schemas.microsoft.com/office/powerpoint/2010/main" val="727421661"/>
       </p:ext>
     </p:extLst>
   </p:cSld>
   <p:clrMapOvr>
     <a:masterClrMapping/>
   </p:clrMapOvr>
-  <p:timing>
-    <p:tnLst>
-      <p:par>
-        <p:cTn id="1" dur="indefinite" restart="never" nodeType="tmRoot"/>
-      </p:par>
-    </p:tnLst>
-  </p:timing>
 </p:sld>
 </file>
 
@@ -37003,10 +36989,10 @@
           <p:cNvPr id="22" name="Rectangle 16">
             <a:extLst>
               <a:ext uri="{FF2B5EF4-FFF2-40B4-BE49-F238E27FC236}">
-                <a16:creationId xmlns:a16="http://schemas.microsoft.com/office/drawing/2014/main" xmlns="" id="{2FDF0794-1B86-42B2-B8C7-F60123E638ED}"/>
+                <a16:creationId xmlns="" xmlns:a16="http://schemas.microsoft.com/office/drawing/2014/main" id="{2FDF0794-1B86-42B2-B8C7-F60123E638ED}"/>
               </a:ext>
               <a:ext uri="{C183D7F6-B498-43B3-948B-1728B52AA6E4}">
-                <adec:decorative xmlns:adec="http://schemas.microsoft.com/office/drawing/2017/decorative" xmlns="" val="1"/>
+                <adec:decorative xmlns="" xmlns:adec="http://schemas.microsoft.com/office/drawing/2017/decorative" val="1"/>
               </a:ext>
             </a:extLst>
           </p:cNvPr>
@@ -37066,7 +37052,7 @@
           <p:cNvPr id="5" name="Picture 4">
             <a:extLst>
               <a:ext uri="{FF2B5EF4-FFF2-40B4-BE49-F238E27FC236}">
-                <a16:creationId xmlns:a16="http://schemas.microsoft.com/office/drawing/2014/main" xmlns="" id="{65BCED74-8C23-468B-93E9-2C5CCD60AD6A}"/>
+                <a16:creationId xmlns="" xmlns:a16="http://schemas.microsoft.com/office/drawing/2014/main" id="{65BCED74-8C23-468B-93E9-2C5CCD60AD6A}"/>
               </a:ext>
             </a:extLst>
           </p:cNvPr>
@@ -37095,10 +37081,10 @@
           <p:cNvPr id="23" name="Rectangle 18">
             <a:extLst>
               <a:ext uri="{FF2B5EF4-FFF2-40B4-BE49-F238E27FC236}">
-                <a16:creationId xmlns:a16="http://schemas.microsoft.com/office/drawing/2014/main" xmlns="" id="{C5373426-E26E-431D-959C-5DB96C0B6208}"/>
+                <a16:creationId xmlns="" xmlns:a16="http://schemas.microsoft.com/office/drawing/2014/main" id="{C5373426-E26E-431D-959C-5DB96C0B6208}"/>
               </a:ext>
               <a:ext uri="{C183D7F6-B498-43B3-948B-1728B52AA6E4}">
-                <adec:decorative xmlns:adec="http://schemas.microsoft.com/office/drawing/2017/decorative" xmlns="" val="1"/>
+                <adec:decorative xmlns="" xmlns:adec="http://schemas.microsoft.com/office/drawing/2017/decorative" val="1"/>
               </a:ext>
             </a:extLst>
           </p:cNvPr>
@@ -37160,7 +37146,7 @@
           <p:cNvPr id="2" name="Title 1">
             <a:extLst>
               <a:ext uri="{FF2B5EF4-FFF2-40B4-BE49-F238E27FC236}">
-                <a16:creationId xmlns:a16="http://schemas.microsoft.com/office/drawing/2014/main" xmlns="" id="{7EC255F8-4C8F-46C1-8EF3-020D7D5358F5}"/>
+                <a16:creationId xmlns="" xmlns:a16="http://schemas.microsoft.com/office/drawing/2014/main" id="{7EC255F8-4C8F-46C1-8EF3-020D7D5358F5}"/>
               </a:ext>
             </a:extLst>
           </p:cNvPr>
@@ -37199,10 +37185,10 @@
           <p:cNvPr id="21" name="Straight Connector 20">
             <a:extLst>
               <a:ext uri="{FF2B5EF4-FFF2-40B4-BE49-F238E27FC236}">
-                <a16:creationId xmlns:a16="http://schemas.microsoft.com/office/drawing/2014/main" xmlns="" id="{96D07482-83A3-4451-943C-B46961082957}"/>
+                <a16:creationId xmlns="" xmlns:a16="http://schemas.microsoft.com/office/drawing/2014/main" id="{96D07482-83A3-4451-943C-B46961082957}"/>
               </a:ext>
               <a:ext uri="{C183D7F6-B498-43B3-948B-1728B52AA6E4}">
-                <adec:decorative xmlns:adec="http://schemas.microsoft.com/office/drawing/2017/decorative" xmlns="" val="1"/>
+                <adec:decorative xmlns="" xmlns:adec="http://schemas.microsoft.com/office/drawing/2017/decorative" val="1"/>
               </a:ext>
             </a:extLst>
           </p:cNvPr>
@@ -37281,7 +37267,7 @@
           <p:cNvPr id="2" name="Title 1">
             <a:extLst>
               <a:ext uri="{FF2B5EF4-FFF2-40B4-BE49-F238E27FC236}">
-                <a16:creationId xmlns:a16="http://schemas.microsoft.com/office/drawing/2014/main" xmlns="" id="{AF364D4C-E3D9-4755-8034-FF331AF56E30}"/>
+                <a16:creationId xmlns="" xmlns:a16="http://schemas.microsoft.com/office/drawing/2014/main" id="{AF364D4C-E3D9-4755-8034-FF331AF56E30}"/>
               </a:ext>
             </a:extLst>
           </p:cNvPr>
@@ -37314,7 +37300,7 @@
           <p:cNvPr id="3" name="Content Placeholder 2">
             <a:extLst>
               <a:ext uri="{FF2B5EF4-FFF2-40B4-BE49-F238E27FC236}">
-                <a16:creationId xmlns:a16="http://schemas.microsoft.com/office/drawing/2014/main" xmlns="" id="{CBF82D96-0AC4-4AA6-81F2-4B224E88F30E}"/>
+                <a16:creationId xmlns="" xmlns:a16="http://schemas.microsoft.com/office/drawing/2014/main" id="{CBF82D96-0AC4-4AA6-81F2-4B224E88F30E}"/>
               </a:ext>
             </a:extLst>
           </p:cNvPr>
@@ -37361,7 +37347,7 @@
           <p:cNvPr id="5" name="Picture 4">
             <a:extLst>
               <a:ext uri="{FF2B5EF4-FFF2-40B4-BE49-F238E27FC236}">
-                <a16:creationId xmlns:a16="http://schemas.microsoft.com/office/drawing/2014/main" xmlns="" id="{7A82AB25-5CB0-4378-B6DF-BD77B3D06FEB}"/>
+                <a16:creationId xmlns="" xmlns:a16="http://schemas.microsoft.com/office/drawing/2014/main" id="{7A82AB25-5CB0-4378-B6DF-BD77B3D06FEB}"/>
               </a:ext>
             </a:extLst>
           </p:cNvPr>
@@ -37390,7 +37376,7 @@
           <p:cNvPr id="6" name="Picture 5">
             <a:extLst>
               <a:ext uri="{FF2B5EF4-FFF2-40B4-BE49-F238E27FC236}">
-                <a16:creationId xmlns:a16="http://schemas.microsoft.com/office/drawing/2014/main" xmlns="" id="{AD34D775-2D34-48D7-B6BE-203D2B4E9861}"/>
+                <a16:creationId xmlns="" xmlns:a16="http://schemas.microsoft.com/office/drawing/2014/main" id="{AD34D775-2D34-48D7-B6BE-203D2B4E9861}"/>
               </a:ext>
             </a:extLst>
           </p:cNvPr>
@@ -37420,7 +37406,7 @@
           <p:cNvPr id="4" name="Rectangle 3">
             <a:extLst>
               <a:ext uri="{FF2B5EF4-FFF2-40B4-BE49-F238E27FC236}">
-                <a16:creationId xmlns:a16="http://schemas.microsoft.com/office/drawing/2014/main" xmlns="" id="{9A0165D8-0A27-4955-86FC-8B3E932EF3FF}"/>
+                <a16:creationId xmlns="" xmlns:a16="http://schemas.microsoft.com/office/drawing/2014/main" id="{9A0165D8-0A27-4955-86FC-8B3E932EF3FF}"/>
               </a:ext>
             </a:extLst>
           </p:cNvPr>
@@ -37501,7 +37487,7 @@
           <p:cNvPr id="8" name="Rectangle 7">
             <a:extLst>
               <a:ext uri="{FF2B5EF4-FFF2-40B4-BE49-F238E27FC236}">
-                <a16:creationId xmlns:a16="http://schemas.microsoft.com/office/drawing/2014/main" xmlns="" id="{3FD7DA98-5E93-41C5-9B34-AC346EA9165C}"/>
+                <a16:creationId xmlns="" xmlns:a16="http://schemas.microsoft.com/office/drawing/2014/main" id="{3FD7DA98-5E93-41C5-9B34-AC346EA9165C}"/>
               </a:ext>
             </a:extLst>
           </p:cNvPr>
@@ -37563,7 +37549,7 @@
           <p:cNvPr id="10" name="Graphic 9" descr="Computer">
             <a:extLst>
               <a:ext uri="{FF2B5EF4-FFF2-40B4-BE49-F238E27FC236}">
-                <a16:creationId xmlns:a16="http://schemas.microsoft.com/office/drawing/2014/main" xmlns="" id="{91A5482E-C1AD-4606-80FF-662438D3E13B}"/>
+                <a16:creationId xmlns="" xmlns:a16="http://schemas.microsoft.com/office/drawing/2014/main" id="{91A5482E-C1AD-4606-80FF-662438D3E13B}"/>
               </a:ext>
             </a:extLst>
           </p:cNvPr>
@@ -37579,7 +37565,7 @@
                 <a14:useLocalDpi xmlns:a14="http://schemas.microsoft.com/office/drawing/2010/main" val="0"/>
               </a:ext>
               <a:ext uri="{96DAC541-7B7A-43D3-8B79-37D633B846F1}">
-                <asvg:svgBlip xmlns:asvg="http://schemas.microsoft.com/office/drawing/2016/SVG/main" xmlns="" r:embed="rId5"/>
+                <asvg:svgBlip xmlns="" xmlns:asvg="http://schemas.microsoft.com/office/drawing/2016/SVG/main" r:embed="rId5"/>
               </a:ext>
             </a:extLst>
           </a:blip>
@@ -37632,7 +37618,7 @@
           <p:cNvPr id="2" name="Title 1">
             <a:extLst>
               <a:ext uri="{FF2B5EF4-FFF2-40B4-BE49-F238E27FC236}">
-                <a16:creationId xmlns:a16="http://schemas.microsoft.com/office/drawing/2014/main" xmlns="" id="{AF364D4C-E3D9-4755-8034-FF331AF56E30}"/>
+                <a16:creationId xmlns="" xmlns:a16="http://schemas.microsoft.com/office/drawing/2014/main" id="{AF364D4C-E3D9-4755-8034-FF331AF56E30}"/>
               </a:ext>
             </a:extLst>
           </p:cNvPr>
@@ -37665,7 +37651,7 @@
           <p:cNvPr id="3" name="Content Placeholder 2">
             <a:extLst>
               <a:ext uri="{FF2B5EF4-FFF2-40B4-BE49-F238E27FC236}">
-                <a16:creationId xmlns:a16="http://schemas.microsoft.com/office/drawing/2014/main" xmlns="" id="{CBF82D96-0AC4-4AA6-81F2-4B224E88F30E}"/>
+                <a16:creationId xmlns="" xmlns:a16="http://schemas.microsoft.com/office/drawing/2014/main" id="{CBF82D96-0AC4-4AA6-81F2-4B224E88F30E}"/>
               </a:ext>
             </a:extLst>
           </p:cNvPr>
@@ -37704,7 +37690,7 @@
           <p:cNvPr id="4" name="Picture 3">
             <a:extLst>
               <a:ext uri="{FF2B5EF4-FFF2-40B4-BE49-F238E27FC236}">
-                <a16:creationId xmlns:a16="http://schemas.microsoft.com/office/drawing/2014/main" xmlns="" id="{E211A632-F602-4E8A-BF3D-5EEFC55A19D3}"/>
+                <a16:creationId xmlns="" xmlns:a16="http://schemas.microsoft.com/office/drawing/2014/main" id="{E211A632-F602-4E8A-BF3D-5EEFC55A19D3}"/>
               </a:ext>
             </a:extLst>
           </p:cNvPr>
@@ -37734,7 +37720,7 @@
           <p:cNvPr id="7" name="Picture 6">
             <a:extLst>
               <a:ext uri="{FF2B5EF4-FFF2-40B4-BE49-F238E27FC236}">
-                <a16:creationId xmlns:a16="http://schemas.microsoft.com/office/drawing/2014/main" xmlns="" id="{F259B6C4-30F5-4514-9307-E8EF32CE66F8}"/>
+                <a16:creationId xmlns="" xmlns:a16="http://schemas.microsoft.com/office/drawing/2014/main" id="{F259B6C4-30F5-4514-9307-E8EF32CE66F8}"/>
               </a:ext>
             </a:extLst>
           </p:cNvPr>
@@ -37764,7 +37750,7 @@
           <p:cNvPr id="8" name="Picture 7">
             <a:extLst>
               <a:ext uri="{FF2B5EF4-FFF2-40B4-BE49-F238E27FC236}">
-                <a16:creationId xmlns:a16="http://schemas.microsoft.com/office/drawing/2014/main" xmlns="" id="{597649C7-D6EC-451D-A6F7-979C56A15A0F}"/>
+                <a16:creationId xmlns="" xmlns:a16="http://schemas.microsoft.com/office/drawing/2014/main" id="{597649C7-D6EC-451D-A6F7-979C56A15A0F}"/>
               </a:ext>
             </a:extLst>
           </p:cNvPr>
@@ -37794,7 +37780,7 @@
           <p:cNvPr id="9" name="TextBox 8">
             <a:extLst>
               <a:ext uri="{FF2B5EF4-FFF2-40B4-BE49-F238E27FC236}">
-                <a16:creationId xmlns:a16="http://schemas.microsoft.com/office/drawing/2014/main" xmlns="" id="{9D95842A-B808-4A7F-BBD8-103E01E19855}"/>
+                <a16:creationId xmlns="" xmlns:a16="http://schemas.microsoft.com/office/drawing/2014/main" id="{9D95842A-B808-4A7F-BBD8-103E01E19855}"/>
               </a:ext>
             </a:extLst>
           </p:cNvPr>
@@ -37830,7 +37816,7 @@
           <p:cNvPr id="11" name="TextBox 10">
             <a:extLst>
               <a:ext uri="{FF2B5EF4-FFF2-40B4-BE49-F238E27FC236}">
-                <a16:creationId xmlns:a16="http://schemas.microsoft.com/office/drawing/2014/main" xmlns="" id="{A4F7DB4A-1C2D-44C2-BEBE-D3A6C4EF7E0B}"/>
+                <a16:creationId xmlns="" xmlns:a16="http://schemas.microsoft.com/office/drawing/2014/main" id="{A4F7DB4A-1C2D-44C2-BEBE-D3A6C4EF7E0B}"/>
               </a:ext>
             </a:extLst>
           </p:cNvPr>
@@ -37866,7 +37852,7 @@
           <p:cNvPr id="5" name="Graphic 4" descr="Computer">
             <a:extLst>
               <a:ext uri="{FF2B5EF4-FFF2-40B4-BE49-F238E27FC236}">
-                <a16:creationId xmlns:a16="http://schemas.microsoft.com/office/drawing/2014/main" xmlns="" id="{EB29860F-5772-4D00-8AC2-FB4A8FFD4F8F}"/>
+                <a16:creationId xmlns="" xmlns:a16="http://schemas.microsoft.com/office/drawing/2014/main" id="{EB29860F-5772-4D00-8AC2-FB4A8FFD4F8F}"/>
               </a:ext>
             </a:extLst>
           </p:cNvPr>
@@ -37882,7 +37868,7 @@
                 <a14:useLocalDpi xmlns:a14="http://schemas.microsoft.com/office/drawing/2010/main" val="0"/>
               </a:ext>
               <a:ext uri="{96DAC541-7B7A-43D3-8B79-37D633B846F1}">
-                <asvg:svgBlip xmlns:asvg="http://schemas.microsoft.com/office/drawing/2016/SVG/main" xmlns="" r:embed="rId6"/>
+                <asvg:svgBlip xmlns="" xmlns:asvg="http://schemas.microsoft.com/office/drawing/2016/SVG/main" r:embed="rId6"/>
               </a:ext>
             </a:extLst>
           </a:blip>
@@ -37905,7 +37891,7 @@
           <p:cNvPr id="6" name="Rectangle 5">
             <a:extLst>
               <a:ext uri="{FF2B5EF4-FFF2-40B4-BE49-F238E27FC236}">
-                <a16:creationId xmlns:a16="http://schemas.microsoft.com/office/drawing/2014/main" xmlns="" id="{022B12B7-0D0D-4E8A-A8C3-3ADFAD48DCC9}"/>
+                <a16:creationId xmlns="" xmlns:a16="http://schemas.microsoft.com/office/drawing/2014/main" id="{022B12B7-0D0D-4E8A-A8C3-3ADFAD48DCC9}"/>
               </a:ext>
             </a:extLst>
           </p:cNvPr>
@@ -38005,7 +37991,7 @@
           <p:cNvPr id="12" name="Rectangle 11">
             <a:extLst>
               <a:ext uri="{FF2B5EF4-FFF2-40B4-BE49-F238E27FC236}">
-                <a16:creationId xmlns:a16="http://schemas.microsoft.com/office/drawing/2014/main" xmlns="" id="{46BCBAF8-A1E5-46FE-A6D1-CF07B721E582}"/>
+                <a16:creationId xmlns="" xmlns:a16="http://schemas.microsoft.com/office/drawing/2014/main" id="{46BCBAF8-A1E5-46FE-A6D1-CF07B721E582}"/>
               </a:ext>
             </a:extLst>
           </p:cNvPr>
@@ -38104,7 +38090,7 @@
           <p:cNvPr id="2" name="Title 1">
             <a:extLst>
               <a:ext uri="{FF2B5EF4-FFF2-40B4-BE49-F238E27FC236}">
-                <a16:creationId xmlns:a16="http://schemas.microsoft.com/office/drawing/2014/main" xmlns="" id="{AF364D4C-E3D9-4755-8034-FF331AF56E30}"/>
+                <a16:creationId xmlns="" xmlns:a16="http://schemas.microsoft.com/office/drawing/2014/main" id="{AF364D4C-E3D9-4755-8034-FF331AF56E30}"/>
               </a:ext>
             </a:extLst>
           </p:cNvPr>
@@ -38139,7 +38125,7 @@
           <p:cNvPr id="3" name="Content Placeholder 2">
             <a:extLst>
               <a:ext uri="{FF2B5EF4-FFF2-40B4-BE49-F238E27FC236}">
-                <a16:creationId xmlns:a16="http://schemas.microsoft.com/office/drawing/2014/main" xmlns="" id="{CBF82D96-0AC4-4AA6-81F2-4B224E88F30E}"/>
+                <a16:creationId xmlns="" xmlns:a16="http://schemas.microsoft.com/office/drawing/2014/main" id="{CBF82D96-0AC4-4AA6-81F2-4B224E88F30E}"/>
               </a:ext>
             </a:extLst>
           </p:cNvPr>
@@ -38197,7 +38183,7 @@
           <p:cNvPr id="5" name="Picture 4">
             <a:extLst>
               <a:ext uri="{FF2B5EF4-FFF2-40B4-BE49-F238E27FC236}">
-                <a16:creationId xmlns:a16="http://schemas.microsoft.com/office/drawing/2014/main" xmlns="" id="{CD0521BC-4490-4CA7-BC0E-DDF170055456}"/>
+                <a16:creationId xmlns="" xmlns:a16="http://schemas.microsoft.com/office/drawing/2014/main" id="{CD0521BC-4490-4CA7-BC0E-DDF170055456}"/>
               </a:ext>
             </a:extLst>
           </p:cNvPr>
@@ -38227,7 +38213,7 @@
           <p:cNvPr id="6" name="Right Brace 5">
             <a:extLst>
               <a:ext uri="{FF2B5EF4-FFF2-40B4-BE49-F238E27FC236}">
-                <a16:creationId xmlns:a16="http://schemas.microsoft.com/office/drawing/2014/main" xmlns="" id="{2D91EADF-6296-48FE-AE05-B7099C3DF906}"/>
+                <a16:creationId xmlns="" xmlns:a16="http://schemas.microsoft.com/office/drawing/2014/main" id="{2D91EADF-6296-48FE-AE05-B7099C3DF906}"/>
               </a:ext>
             </a:extLst>
           </p:cNvPr>
@@ -38275,7 +38261,7 @@
           <p:cNvPr id="10" name="TextBox 9">
             <a:extLst>
               <a:ext uri="{FF2B5EF4-FFF2-40B4-BE49-F238E27FC236}">
-                <a16:creationId xmlns:a16="http://schemas.microsoft.com/office/drawing/2014/main" xmlns="" id="{E933AFD7-0895-4F3D-A104-95ADFAA051E3}"/>
+                <a16:creationId xmlns="" xmlns:a16="http://schemas.microsoft.com/office/drawing/2014/main" id="{E933AFD7-0895-4F3D-A104-95ADFAA051E3}"/>
               </a:ext>
             </a:extLst>
           </p:cNvPr>
@@ -38311,7 +38297,7 @@
           <p:cNvPr id="13" name="Right Brace 12">
             <a:extLst>
               <a:ext uri="{FF2B5EF4-FFF2-40B4-BE49-F238E27FC236}">
-                <a16:creationId xmlns:a16="http://schemas.microsoft.com/office/drawing/2014/main" xmlns="" id="{AB6ED811-D71F-413E-8564-BE3F024B92AE}"/>
+                <a16:creationId xmlns="" xmlns:a16="http://schemas.microsoft.com/office/drawing/2014/main" id="{AB6ED811-D71F-413E-8564-BE3F024B92AE}"/>
               </a:ext>
             </a:extLst>
           </p:cNvPr>
@@ -38359,7 +38345,7 @@
           <p:cNvPr id="20" name="TextBox 19">
             <a:extLst>
               <a:ext uri="{FF2B5EF4-FFF2-40B4-BE49-F238E27FC236}">
-                <a16:creationId xmlns:a16="http://schemas.microsoft.com/office/drawing/2014/main" xmlns="" id="{B13CD659-45AD-416A-9CAC-A5229D8E5147}"/>
+                <a16:creationId xmlns="" xmlns:a16="http://schemas.microsoft.com/office/drawing/2014/main" id="{B13CD659-45AD-416A-9CAC-A5229D8E5147}"/>
               </a:ext>
             </a:extLst>
           </p:cNvPr>
@@ -38449,7 +38435,7 @@
           <p:cNvPr id="2" name="Title 1">
             <a:extLst>
               <a:ext uri="{FF2B5EF4-FFF2-40B4-BE49-F238E27FC236}">
-                <a16:creationId xmlns:a16="http://schemas.microsoft.com/office/drawing/2014/main" xmlns="" id="{AF364D4C-E3D9-4755-8034-FF331AF56E30}"/>
+                <a16:creationId xmlns="" xmlns:a16="http://schemas.microsoft.com/office/drawing/2014/main" id="{AF364D4C-E3D9-4755-8034-FF331AF56E30}"/>
               </a:ext>
             </a:extLst>
           </p:cNvPr>
@@ -38484,7 +38470,7 @@
           <p:cNvPr id="3" name="Content Placeholder 2">
             <a:extLst>
               <a:ext uri="{FF2B5EF4-FFF2-40B4-BE49-F238E27FC236}">
-                <a16:creationId xmlns:a16="http://schemas.microsoft.com/office/drawing/2014/main" xmlns="" id="{CBF82D96-0AC4-4AA6-81F2-4B224E88F30E}"/>
+                <a16:creationId xmlns="" xmlns:a16="http://schemas.microsoft.com/office/drawing/2014/main" id="{CBF82D96-0AC4-4AA6-81F2-4B224E88F30E}"/>
               </a:ext>
             </a:extLst>
           </p:cNvPr>
@@ -38542,7 +38528,7 @@
           <p:cNvPr id="13" name="Right Brace 12">
             <a:extLst>
               <a:ext uri="{FF2B5EF4-FFF2-40B4-BE49-F238E27FC236}">
-                <a16:creationId xmlns:a16="http://schemas.microsoft.com/office/drawing/2014/main" xmlns="" id="{AB6ED811-D71F-413E-8564-BE3F024B92AE}"/>
+                <a16:creationId xmlns="" xmlns:a16="http://schemas.microsoft.com/office/drawing/2014/main" id="{AB6ED811-D71F-413E-8564-BE3F024B92AE}"/>
               </a:ext>
             </a:extLst>
           </p:cNvPr>
@@ -38590,7 +38576,7 @@
           <p:cNvPr id="16" name="Picture 15">
             <a:extLst>
               <a:ext uri="{FF2B5EF4-FFF2-40B4-BE49-F238E27FC236}">
-                <a16:creationId xmlns:a16="http://schemas.microsoft.com/office/drawing/2014/main" xmlns="" id="{36642998-23AA-484D-B255-912393CA97B6}"/>
+                <a16:creationId xmlns="" xmlns:a16="http://schemas.microsoft.com/office/drawing/2014/main" id="{36642998-23AA-484D-B255-912393CA97B6}"/>
               </a:ext>
             </a:extLst>
           </p:cNvPr>
@@ -38620,7 +38606,7 @@
           <p:cNvPr id="4" name="TextBox 3">
             <a:extLst>
               <a:ext uri="{FF2B5EF4-FFF2-40B4-BE49-F238E27FC236}">
-                <a16:creationId xmlns:a16="http://schemas.microsoft.com/office/drawing/2014/main" xmlns="" id="{2454B673-51DD-4173-95BB-D76767851F16}"/>
+                <a16:creationId xmlns="" xmlns:a16="http://schemas.microsoft.com/office/drawing/2014/main" id="{2454B673-51DD-4173-95BB-D76767851F16}"/>
               </a:ext>
             </a:extLst>
           </p:cNvPr>
@@ -38686,7 +38672,7 @@
           <p:cNvPr id="2" name="Title 1">
             <a:extLst>
               <a:ext uri="{FF2B5EF4-FFF2-40B4-BE49-F238E27FC236}">
-                <a16:creationId xmlns:a16="http://schemas.microsoft.com/office/drawing/2014/main" xmlns="" id="{AF364D4C-E3D9-4755-8034-FF331AF56E30}"/>
+                <a16:creationId xmlns="" xmlns:a16="http://schemas.microsoft.com/office/drawing/2014/main" id="{AF364D4C-E3D9-4755-8034-FF331AF56E30}"/>
               </a:ext>
             </a:extLst>
           </p:cNvPr>
@@ -38719,7 +38705,7 @@
           <p:cNvPr id="3" name="Content Placeholder 2">
             <a:extLst>
               <a:ext uri="{FF2B5EF4-FFF2-40B4-BE49-F238E27FC236}">
-                <a16:creationId xmlns:a16="http://schemas.microsoft.com/office/drawing/2014/main" xmlns="" id="{CBF82D96-0AC4-4AA6-81F2-4B224E88F30E}"/>
+                <a16:creationId xmlns="" xmlns:a16="http://schemas.microsoft.com/office/drawing/2014/main" id="{CBF82D96-0AC4-4AA6-81F2-4B224E88F30E}"/>
               </a:ext>
             </a:extLst>
           </p:cNvPr>
@@ -38777,7 +38763,7 @@
           <p:cNvPr id="4" name="TextBox 3">
             <a:extLst>
               <a:ext uri="{FF2B5EF4-FFF2-40B4-BE49-F238E27FC236}">
-                <a16:creationId xmlns:a16="http://schemas.microsoft.com/office/drawing/2014/main" xmlns="" id="{2454B673-51DD-4173-95BB-D76767851F16}"/>
+                <a16:creationId xmlns="" xmlns:a16="http://schemas.microsoft.com/office/drawing/2014/main" id="{2454B673-51DD-4173-95BB-D76767851F16}"/>
               </a:ext>
             </a:extLst>
           </p:cNvPr>
@@ -38829,7 +38815,7 @@
           <p:cNvPr id="7" name="Picture 6">
             <a:extLst>
               <a:ext uri="{FF2B5EF4-FFF2-40B4-BE49-F238E27FC236}">
-                <a16:creationId xmlns:a16="http://schemas.microsoft.com/office/drawing/2014/main" xmlns="" id="{86619799-0198-45CD-9D36-A3DD0419980B}"/>
+                <a16:creationId xmlns="" xmlns:a16="http://schemas.microsoft.com/office/drawing/2014/main" id="{86619799-0198-45CD-9D36-A3DD0419980B}"/>
               </a:ext>
             </a:extLst>
           </p:cNvPr>
@@ -38889,7 +38875,7 @@
           <p:cNvPr id="4" name="Picture 3">
             <a:extLst>
               <a:ext uri="{FF2B5EF4-FFF2-40B4-BE49-F238E27FC236}">
-                <a16:creationId xmlns:a16="http://schemas.microsoft.com/office/drawing/2014/main" xmlns="" id="{C6AB2E0E-9027-4570-B8A0-49B5F16D6594}"/>
+                <a16:creationId xmlns="" xmlns:a16="http://schemas.microsoft.com/office/drawing/2014/main" id="{C6AB2E0E-9027-4570-B8A0-49B5F16D6594}"/>
               </a:ext>
             </a:extLst>
           </p:cNvPr>
@@ -38919,7 +38905,7 @@
           <p:cNvPr id="2" name="Title 1">
             <a:extLst>
               <a:ext uri="{FF2B5EF4-FFF2-40B4-BE49-F238E27FC236}">
-                <a16:creationId xmlns:a16="http://schemas.microsoft.com/office/drawing/2014/main" xmlns="" id="{AF364D4C-E3D9-4755-8034-FF331AF56E30}"/>
+                <a16:creationId xmlns="" xmlns:a16="http://schemas.microsoft.com/office/drawing/2014/main" id="{AF364D4C-E3D9-4755-8034-FF331AF56E30}"/>
               </a:ext>
             </a:extLst>
           </p:cNvPr>
@@ -38954,7 +38940,7 @@
           <p:cNvPr id="3" name="Content Placeholder 2">
             <a:extLst>
               <a:ext uri="{FF2B5EF4-FFF2-40B4-BE49-F238E27FC236}">
-                <a16:creationId xmlns:a16="http://schemas.microsoft.com/office/drawing/2014/main" xmlns="" id="{CBF82D96-0AC4-4AA6-81F2-4B224E88F30E}"/>
+                <a16:creationId xmlns="" xmlns:a16="http://schemas.microsoft.com/office/drawing/2014/main" id="{CBF82D96-0AC4-4AA6-81F2-4B224E88F30E}"/>
               </a:ext>
             </a:extLst>
           </p:cNvPr>
@@ -39012,7 +38998,7 @@
           <p:cNvPr id="6" name="Right Brace 5">
             <a:extLst>
               <a:ext uri="{FF2B5EF4-FFF2-40B4-BE49-F238E27FC236}">
-                <a16:creationId xmlns:a16="http://schemas.microsoft.com/office/drawing/2014/main" xmlns="" id="{954FBB91-366F-4C87-8AD7-29722AF7A627}"/>
+                <a16:creationId xmlns="" xmlns:a16="http://schemas.microsoft.com/office/drawing/2014/main" id="{954FBB91-366F-4C87-8AD7-29722AF7A627}"/>
               </a:ext>
             </a:extLst>
           </p:cNvPr>
@@ -39062,7 +39048,7 @@
           <p:cNvPr id="8" name="TextBox 7">
             <a:extLst>
               <a:ext uri="{FF2B5EF4-FFF2-40B4-BE49-F238E27FC236}">
-                <a16:creationId xmlns:a16="http://schemas.microsoft.com/office/drawing/2014/main" xmlns="" id="{F4741C22-F192-4F53-B215-01E9FDC31A1B}"/>
+                <a16:creationId xmlns="" xmlns:a16="http://schemas.microsoft.com/office/drawing/2014/main" id="{F4741C22-F192-4F53-B215-01E9FDC31A1B}"/>
               </a:ext>
             </a:extLst>
           </p:cNvPr>
@@ -39101,7 +39087,7 @@
           <p:cNvPr id="10" name="Straight Arrow Connector 9">
             <a:extLst>
               <a:ext uri="{FF2B5EF4-FFF2-40B4-BE49-F238E27FC236}">
-                <a16:creationId xmlns:a16="http://schemas.microsoft.com/office/drawing/2014/main" xmlns="" id="{03207850-A0C6-4FED-B7B8-EC44926ACFA6}"/>
+                <a16:creationId xmlns="" xmlns:a16="http://schemas.microsoft.com/office/drawing/2014/main" id="{03207850-A0C6-4FED-B7B8-EC44926ACFA6}"/>
               </a:ext>
             </a:extLst>
           </p:cNvPr>
@@ -39143,7 +39129,7 @@
           <p:cNvPr id="12" name="TextBox 11">
             <a:extLst>
               <a:ext uri="{FF2B5EF4-FFF2-40B4-BE49-F238E27FC236}">
-                <a16:creationId xmlns:a16="http://schemas.microsoft.com/office/drawing/2014/main" xmlns="" id="{97188CBC-77B1-4CA9-9A4D-E27C03FF3CEA}"/>
+                <a16:creationId xmlns="" xmlns:a16="http://schemas.microsoft.com/office/drawing/2014/main" id="{97188CBC-77B1-4CA9-9A4D-E27C03FF3CEA}"/>
               </a:ext>
             </a:extLst>
           </p:cNvPr>
@@ -39182,7 +39168,7 @@
           <p:cNvPr id="14" name="Right Brace 13">
             <a:extLst>
               <a:ext uri="{FF2B5EF4-FFF2-40B4-BE49-F238E27FC236}">
-                <a16:creationId xmlns:a16="http://schemas.microsoft.com/office/drawing/2014/main" xmlns="" id="{CB98DA92-1C2C-4893-94D1-30D1F16B3ADE}"/>
+                <a16:creationId xmlns="" xmlns:a16="http://schemas.microsoft.com/office/drawing/2014/main" id="{CB98DA92-1C2C-4893-94D1-30D1F16B3ADE}"/>
               </a:ext>
             </a:extLst>
           </p:cNvPr>
@@ -39232,7 +39218,7 @@
           <p:cNvPr id="16" name="TextBox 15">
             <a:extLst>
               <a:ext uri="{FF2B5EF4-FFF2-40B4-BE49-F238E27FC236}">
-                <a16:creationId xmlns:a16="http://schemas.microsoft.com/office/drawing/2014/main" xmlns="" id="{5370A578-2DE3-43D0-9B72-0CB33BB19BE2}"/>
+                <a16:creationId xmlns="" xmlns:a16="http://schemas.microsoft.com/office/drawing/2014/main" id="{5370A578-2DE3-43D0-9B72-0CB33BB19BE2}"/>
               </a:ext>
             </a:extLst>
           </p:cNvPr>
@@ -39271,7 +39257,7 @@
           <p:cNvPr id="18" name="Right Brace 17">
             <a:extLst>
               <a:ext uri="{FF2B5EF4-FFF2-40B4-BE49-F238E27FC236}">
-                <a16:creationId xmlns:a16="http://schemas.microsoft.com/office/drawing/2014/main" xmlns="" id="{30DA16C6-A3BC-4562-B49C-8E0EBF282CB9}"/>
+                <a16:creationId xmlns="" xmlns:a16="http://schemas.microsoft.com/office/drawing/2014/main" id="{30DA16C6-A3BC-4562-B49C-8E0EBF282CB9}"/>
               </a:ext>
             </a:extLst>
           </p:cNvPr>
@@ -39321,7 +39307,7 @@
           <p:cNvPr id="20" name="TextBox 19">
             <a:extLst>
               <a:ext uri="{FF2B5EF4-FFF2-40B4-BE49-F238E27FC236}">
-                <a16:creationId xmlns:a16="http://schemas.microsoft.com/office/drawing/2014/main" xmlns="" id="{C4DB195E-10D8-4504-A914-C92B3112252F}"/>
+                <a16:creationId xmlns="" xmlns:a16="http://schemas.microsoft.com/office/drawing/2014/main" id="{C4DB195E-10D8-4504-A914-C92B3112252F}"/>
               </a:ext>
             </a:extLst>
           </p:cNvPr>
@@ -39356,7 +39342,7 @@
           <p:cNvPr id="5" name="TextBox 4">
             <a:extLst>
               <a:ext uri="{FF2B5EF4-FFF2-40B4-BE49-F238E27FC236}">
-                <a16:creationId xmlns:a16="http://schemas.microsoft.com/office/drawing/2014/main" xmlns="" id="{6F33FA00-6C2E-4D89-B197-940A4B6250DE}"/>
+                <a16:creationId xmlns="" xmlns:a16="http://schemas.microsoft.com/office/drawing/2014/main" id="{6F33FA00-6C2E-4D89-B197-940A4B6250DE}"/>
               </a:ext>
             </a:extLst>
           </p:cNvPr>
@@ -39396,7 +39382,7 @@
           <p:cNvPr id="7" name="Rectangle 6">
             <a:extLst>
               <a:ext uri="{FF2B5EF4-FFF2-40B4-BE49-F238E27FC236}">
-                <a16:creationId xmlns:a16="http://schemas.microsoft.com/office/drawing/2014/main" xmlns="" id="{78F59937-47D6-45AA-B7C7-5734AA5359DC}"/>
+                <a16:creationId xmlns="" xmlns:a16="http://schemas.microsoft.com/office/drawing/2014/main" id="{78F59937-47D6-45AA-B7C7-5734AA5359DC}"/>
               </a:ext>
             </a:extLst>
           </p:cNvPr>
@@ -39448,7 +39434,7 @@
           <p:cNvPr id="9" name="Picture 8">
             <a:extLst>
               <a:ext uri="{FF2B5EF4-FFF2-40B4-BE49-F238E27FC236}">
-                <a16:creationId xmlns:a16="http://schemas.microsoft.com/office/drawing/2014/main" xmlns="" id="{817F38D5-DBD8-498B-9157-A73D87437C67}"/>
+                <a16:creationId xmlns="" xmlns:a16="http://schemas.microsoft.com/office/drawing/2014/main" id="{817F38D5-DBD8-498B-9157-A73D87437C67}"/>
               </a:ext>
             </a:extLst>
           </p:cNvPr>
@@ -39477,7 +39463,7 @@
           <p:cNvPr id="13" name="Straight Arrow Connector 12">
             <a:extLst>
               <a:ext uri="{FF2B5EF4-FFF2-40B4-BE49-F238E27FC236}">
-                <a16:creationId xmlns:a16="http://schemas.microsoft.com/office/drawing/2014/main" xmlns="" id="{5B9A2A08-87AE-470F-96C6-BF84C7A00673}"/>
+                <a16:creationId xmlns="" xmlns:a16="http://schemas.microsoft.com/office/drawing/2014/main" id="{5B9A2A08-87AE-470F-96C6-BF84C7A00673}"/>
               </a:ext>
             </a:extLst>
           </p:cNvPr>
@@ -39519,7 +39505,7 @@
           <p:cNvPr id="15" name="TextBox 14">
             <a:extLst>
               <a:ext uri="{FF2B5EF4-FFF2-40B4-BE49-F238E27FC236}">
-                <a16:creationId xmlns:a16="http://schemas.microsoft.com/office/drawing/2014/main" xmlns="" id="{1D7C3801-5956-457E-B709-A0D28B9C91D7}"/>
+                <a16:creationId xmlns="" xmlns:a16="http://schemas.microsoft.com/office/drawing/2014/main" id="{1D7C3801-5956-457E-B709-A0D28B9C91D7}"/>
               </a:ext>
             </a:extLst>
           </p:cNvPr>
@@ -39559,7 +39545,7 @@
           <p:cNvPr id="17" name="TextBox 16">
             <a:extLst>
               <a:ext uri="{FF2B5EF4-FFF2-40B4-BE49-F238E27FC236}">
-                <a16:creationId xmlns:a16="http://schemas.microsoft.com/office/drawing/2014/main" xmlns="" id="{A1C11D44-80D5-416A-85A1-A0A0C3B2BE61}"/>
+                <a16:creationId xmlns="" xmlns:a16="http://schemas.microsoft.com/office/drawing/2014/main" id="{A1C11D44-80D5-416A-85A1-A0A0C3B2BE61}"/>
               </a:ext>
             </a:extLst>
           </p:cNvPr>

--- a/units/10/lessons/4/resources/petascale-lesson-10.4-slides.pptx
+++ b/units/10/lessons/4/resources/petascale-lesson-10.4-slides.pptx
@@ -210,7 +210,7 @@
           <a:p>
             <a:fld id="{8EF9096A-EBB7-6742-9BE0-9F60DE8B3928}" type="datetimeFigureOut">
               <a:rPr lang="en-US" smtClean="0"/>
-              <a:t>10/11/20</a:t>
+              <a:t>12/11/2020</a:t>
             </a:fld>
             <a:endParaRPr lang="en-US"/>
           </a:p>
@@ -274,38 +274,37 @@
           <a:p>
             <a:pPr lvl="0"/>
             <a:r>
-              <a:rPr lang="en-US" smtClean="0"/>
+              <a:rPr lang="en-US"/>
               <a:t>Click to edit Master text styles</a:t>
             </a:r>
           </a:p>
           <a:p>
             <a:pPr lvl="1"/>
             <a:r>
-              <a:rPr lang="en-US" smtClean="0"/>
+              <a:rPr lang="en-US"/>
               <a:t>Second level</a:t>
             </a:r>
           </a:p>
           <a:p>
             <a:pPr lvl="2"/>
             <a:r>
-              <a:rPr lang="en-US" smtClean="0"/>
+              <a:rPr lang="en-US"/>
               <a:t>Third level</a:t>
             </a:r>
           </a:p>
           <a:p>
             <a:pPr lvl="3"/>
             <a:r>
-              <a:rPr lang="en-US" smtClean="0"/>
+              <a:rPr lang="en-US"/>
               <a:t>Fourth level</a:t>
             </a:r>
           </a:p>
           <a:p>
             <a:pPr lvl="4"/>
             <a:r>
-              <a:rPr lang="en-US" smtClean="0"/>
+              <a:rPr lang="en-US"/>
               <a:t>Fifth level</a:t>
             </a:r>
-            <a:endParaRPr lang="en-US"/>
           </a:p>
         </p:txBody>
       </p:sp>
@@ -9356,7 +9355,7 @@
           <a:p>
             <a:fld id="{9A0AFBE5-001C-400D-A452-098101439866}" type="datetimeFigureOut">
               <a:rPr lang="en-US" smtClean="0"/>
-              <a:t>10/11/20</a:t>
+              <a:t>12/11/2020</a:t>
             </a:fld>
             <a:endParaRPr lang="en-US"/>
           </a:p>
@@ -9563,7 +9562,7 @@
           <a:p>
             <a:fld id="{9A0AFBE5-001C-400D-A452-098101439866}" type="datetimeFigureOut">
               <a:rPr lang="en-US" smtClean="0"/>
-              <a:t>10/11/20</a:t>
+              <a:t>12/11/2020</a:t>
             </a:fld>
             <a:endParaRPr lang="en-US"/>
           </a:p>
@@ -9743,7 +9742,7 @@
           <a:p>
             <a:fld id="{9A0AFBE5-001C-400D-A452-098101439866}" type="datetimeFigureOut">
               <a:rPr lang="en-US" smtClean="0"/>
-              <a:t>10/11/20</a:t>
+              <a:t>12/11/2020</a:t>
             </a:fld>
             <a:endParaRPr lang="en-US"/>
           </a:p>
@@ -12814,7 +12813,7 @@
           <a:p>
             <a:fld id="{9A0AFBE5-001C-400D-A452-098101439866}" type="datetimeFigureOut">
               <a:rPr lang="en-US" smtClean="0"/>
-              <a:t>10/11/20</a:t>
+              <a:t>12/11/2020</a:t>
             </a:fld>
             <a:endParaRPr lang="en-US"/>
           </a:p>
@@ -22328,7 +22327,7 @@
           <a:p>
             <a:fld id="{9A0AFBE5-001C-400D-A452-098101439866}" type="datetimeFigureOut">
               <a:rPr lang="en-US" smtClean="0"/>
-              <a:t>10/11/20</a:t>
+              <a:t>12/11/2020</a:t>
             </a:fld>
             <a:endParaRPr lang="en-US"/>
           </a:p>
@@ -22602,7 +22601,7 @@
           <a:p>
             <a:fld id="{9A0AFBE5-001C-400D-A452-098101439866}" type="datetimeFigureOut">
               <a:rPr lang="en-US" smtClean="0"/>
-              <a:t>10/11/20</a:t>
+              <a:t>12/11/2020</a:t>
             </a:fld>
             <a:endParaRPr lang="en-US"/>
           </a:p>
@@ -23000,7 +22999,7 @@
           <a:p>
             <a:fld id="{9A0AFBE5-001C-400D-A452-098101439866}" type="datetimeFigureOut">
               <a:rPr lang="en-US" smtClean="0"/>
-              <a:t>10/11/20</a:t>
+              <a:t>12/11/2020</a:t>
             </a:fld>
             <a:endParaRPr lang="en-US"/>
           </a:p>
@@ -23118,7 +23117,7 @@
           <a:p>
             <a:fld id="{9A0AFBE5-001C-400D-A452-098101439866}" type="datetimeFigureOut">
               <a:rPr lang="en-US" smtClean="0"/>
-              <a:t>10/11/20</a:t>
+              <a:t>12/11/2020</a:t>
             </a:fld>
             <a:endParaRPr lang="en-US"/>
           </a:p>
@@ -23213,7 +23212,7 @@
           <a:p>
             <a:fld id="{9A0AFBE5-001C-400D-A452-098101439866}" type="datetimeFigureOut">
               <a:rPr lang="en-US" smtClean="0"/>
-              <a:t>10/11/20</a:t>
+              <a:t>12/11/2020</a:t>
             </a:fld>
             <a:endParaRPr lang="en-US"/>
           </a:p>
@@ -23503,7 +23502,7 @@
           <a:p>
             <a:fld id="{9A0AFBE5-001C-400D-A452-098101439866}" type="datetimeFigureOut">
               <a:rPr lang="en-US" smtClean="0"/>
-              <a:t>10/11/20</a:t>
+              <a:t>12/11/2020</a:t>
             </a:fld>
             <a:endParaRPr lang="en-US"/>
           </a:p>
@@ -23783,7 +23782,7 @@
           <a:p>
             <a:fld id="{9A0AFBE5-001C-400D-A452-098101439866}" type="datetimeFigureOut">
               <a:rPr lang="en-US" smtClean="0"/>
-              <a:t>10/11/20</a:t>
+              <a:t>12/11/2020</a:t>
             </a:fld>
             <a:endParaRPr lang="en-US"/>
           </a:p>
@@ -24033,7 +24032,7 @@
           <a:p>
             <a:fld id="{9A0AFBE5-001C-400D-A452-098101439866}" type="datetimeFigureOut">
               <a:rPr lang="en-US" smtClean="0"/>
-              <a:t>10/11/20</a:t>
+              <a:t>12/11/2020</a:t>
             </a:fld>
             <a:endParaRPr lang="en-US"/>
           </a:p>
@@ -25862,14 +25861,6 @@
               </a:rPr>
               <a:t>Blue Waters Petascale Semester Curriculum v1.0</a:t>
             </a:r>
-            <a:r>
-              <a:rPr lang="en-US" sz="3600" dirty="0">
-                <a:latin typeface="Times New Roman" charset="0"/>
-                <a:ea typeface="Times New Roman" charset="0"/>
-                <a:cs typeface="Times New Roman" charset="0"/>
-              </a:rPr>
-              <a:t/>
-            </a:r>
             <a:br>
               <a:rPr lang="en-US" sz="3600" dirty="0">
                 <a:latin typeface="Times New Roman" charset="0"/>
@@ -25898,39 +25889,7 @@
                 <a:ea typeface="Times New Roman" charset="0"/>
                 <a:cs typeface="Times New Roman" charset="0"/>
               </a:rPr>
-              <a:t>Lesson </a:t>
-            </a:r>
-            <a:r>
-              <a:rPr lang="en-US" sz="3600" b="1" dirty="0" smtClean="0">
-                <a:latin typeface="Times New Roman" charset="0"/>
-                <a:ea typeface="Times New Roman" charset="0"/>
-                <a:cs typeface="Times New Roman" charset="0"/>
-              </a:rPr>
-              <a:t>4: </a:t>
-            </a:r>
-            <a:r>
-              <a:rPr lang="en-US" sz="3600" b="1" dirty="0">
-                <a:latin typeface="Times New Roman" charset="0"/>
-                <a:ea typeface="Times New Roman" charset="0"/>
-                <a:cs typeface="Times New Roman" charset="0"/>
-              </a:rPr>
-              <a:t>Visualization </a:t>
-            </a:r>
-            <a:r>
-              <a:rPr lang="en-US" sz="3600" b="1" dirty="0" smtClean="0">
-                <a:latin typeface="Times New Roman" charset="0"/>
-                <a:ea typeface="Times New Roman" charset="0"/>
-                <a:cs typeface="Times New Roman" charset="0"/>
-              </a:rPr>
-              <a:t>2</a:t>
-            </a:r>
-            <a:r>
-              <a:rPr lang="en-US" sz="3600" b="1" dirty="0">
-                <a:latin typeface="Times New Roman" charset="0"/>
-                <a:ea typeface="Times New Roman" charset="0"/>
-                <a:cs typeface="Times New Roman" charset="0"/>
-              </a:rPr>
-              <a:t/>
+              <a:t>Lesson 4: Visualization 2</a:t>
             </a:r>
             <a:br>
               <a:rPr lang="en-US" sz="3600" b="1" dirty="0">
@@ -25948,20 +25907,12 @@
               <a:t>Developed by Juan R. </a:t>
             </a:r>
             <a:r>
-              <a:rPr lang="en-US" sz="3600" i="1" dirty="0" err="1" smtClean="0">
+              <a:rPr lang="en-US" sz="3600" i="1" dirty="0" err="1">
                 <a:latin typeface="Times New Roman" charset="0"/>
                 <a:ea typeface="Times New Roman" charset="0"/>
                 <a:cs typeface="Times New Roman" charset="0"/>
               </a:rPr>
               <a:t>Perilla</a:t>
-            </a:r>
-            <a:r>
-              <a:rPr lang="en-US" sz="3600" i="1" dirty="0">
-                <a:latin typeface="Times New Roman" charset="0"/>
-                <a:ea typeface="Times New Roman" charset="0"/>
-                <a:cs typeface="Times New Roman" charset="0"/>
-              </a:rPr>
-              <a:t/>
             </a:r>
             <a:br>
               <a:rPr lang="en-US" sz="3600" i="1" dirty="0">
@@ -25991,13 +25942,6 @@
   <p:clrMapOvr>
     <a:masterClrMapping/>
   </p:clrMapOvr>
-  <p:timing>
-    <p:tnLst>
-      <p:par>
-        <p:cTn id="1" dur="indefinite" restart="never" nodeType="tmRoot"/>
-      </p:par>
-    </p:tnLst>
-  </p:timing>
 </p:sld>
 </file>
 
@@ -26023,7 +25967,7 @@
           <p:cNvPr id="2" name="Title 1">
             <a:extLst>
               <a:ext uri="{FF2B5EF4-FFF2-40B4-BE49-F238E27FC236}">
-                <a16:creationId xmlns="" xmlns:a16="http://schemas.microsoft.com/office/drawing/2014/main" id="{AF364D4C-E3D9-4755-8034-FF331AF56E30}"/>
+                <a16:creationId xmlns:a16="http://schemas.microsoft.com/office/drawing/2014/main" id="{AF364D4C-E3D9-4755-8034-FF331AF56E30}"/>
               </a:ext>
             </a:extLst>
           </p:cNvPr>
@@ -26056,7 +26000,7 @@
           <p:cNvPr id="3" name="Content Placeholder 2">
             <a:extLst>
               <a:ext uri="{FF2B5EF4-FFF2-40B4-BE49-F238E27FC236}">
-                <a16:creationId xmlns="" xmlns:a16="http://schemas.microsoft.com/office/drawing/2014/main" id="{CBF82D96-0AC4-4AA6-81F2-4B224E88F30E}"/>
+                <a16:creationId xmlns:a16="http://schemas.microsoft.com/office/drawing/2014/main" id="{CBF82D96-0AC4-4AA6-81F2-4B224E88F30E}"/>
               </a:ext>
             </a:extLst>
           </p:cNvPr>
@@ -26114,7 +26058,7 @@
           <p:cNvPr id="9" name="TextBox 8">
             <a:extLst>
               <a:ext uri="{FF2B5EF4-FFF2-40B4-BE49-F238E27FC236}">
-                <a16:creationId xmlns="" xmlns:a16="http://schemas.microsoft.com/office/drawing/2014/main" id="{4E0E68D9-BEB8-4A1B-8F56-334F8EA6DD1D}"/>
+                <a16:creationId xmlns:a16="http://schemas.microsoft.com/office/drawing/2014/main" id="{4E0E68D9-BEB8-4A1B-8F56-334F8EA6DD1D}"/>
               </a:ext>
             </a:extLst>
           </p:cNvPr>
@@ -26163,7 +26107,7 @@
           <p:cNvPr id="11" name="Picture 10">
             <a:extLst>
               <a:ext uri="{FF2B5EF4-FFF2-40B4-BE49-F238E27FC236}">
-                <a16:creationId xmlns="" xmlns:a16="http://schemas.microsoft.com/office/drawing/2014/main" id="{5374A9E5-7EF6-4B80-8AD2-0A7E78D52EC5}"/>
+                <a16:creationId xmlns:a16="http://schemas.microsoft.com/office/drawing/2014/main" id="{5374A9E5-7EF6-4B80-8AD2-0A7E78D52EC5}"/>
               </a:ext>
             </a:extLst>
           </p:cNvPr>
@@ -26223,7 +26167,7 @@
           <p:cNvPr id="2" name="Title 1">
             <a:extLst>
               <a:ext uri="{FF2B5EF4-FFF2-40B4-BE49-F238E27FC236}">
-                <a16:creationId xmlns="" xmlns:a16="http://schemas.microsoft.com/office/drawing/2014/main" id="{AF364D4C-E3D9-4755-8034-FF331AF56E30}"/>
+                <a16:creationId xmlns:a16="http://schemas.microsoft.com/office/drawing/2014/main" id="{AF364D4C-E3D9-4755-8034-FF331AF56E30}"/>
               </a:ext>
             </a:extLst>
           </p:cNvPr>
@@ -26258,7 +26202,7 @@
           <p:cNvPr id="3" name="Content Placeholder 2">
             <a:extLst>
               <a:ext uri="{FF2B5EF4-FFF2-40B4-BE49-F238E27FC236}">
-                <a16:creationId xmlns="" xmlns:a16="http://schemas.microsoft.com/office/drawing/2014/main" id="{CBF82D96-0AC4-4AA6-81F2-4B224E88F30E}"/>
+                <a16:creationId xmlns:a16="http://schemas.microsoft.com/office/drawing/2014/main" id="{CBF82D96-0AC4-4AA6-81F2-4B224E88F30E}"/>
               </a:ext>
             </a:extLst>
           </p:cNvPr>
@@ -26324,7 +26268,7 @@
           <p:cNvPr id="4" name="Picture 3">
             <a:extLst>
               <a:ext uri="{FF2B5EF4-FFF2-40B4-BE49-F238E27FC236}">
-                <a16:creationId xmlns="" xmlns:a16="http://schemas.microsoft.com/office/drawing/2014/main" id="{DADC84BD-F84A-43B6-9200-AFB0471B51F0}"/>
+                <a16:creationId xmlns:a16="http://schemas.microsoft.com/office/drawing/2014/main" id="{DADC84BD-F84A-43B6-9200-AFB0471B51F0}"/>
               </a:ext>
             </a:extLst>
           </p:cNvPr>
@@ -26354,7 +26298,7 @@
           <p:cNvPr id="5" name="Picture 4">
             <a:extLst>
               <a:ext uri="{FF2B5EF4-FFF2-40B4-BE49-F238E27FC236}">
-                <a16:creationId xmlns="" xmlns:a16="http://schemas.microsoft.com/office/drawing/2014/main" id="{4B87B48A-A769-4A4D-B9B8-DD0EB4A7A02A}"/>
+                <a16:creationId xmlns:a16="http://schemas.microsoft.com/office/drawing/2014/main" id="{4B87B48A-A769-4A4D-B9B8-DD0EB4A7A02A}"/>
               </a:ext>
             </a:extLst>
           </p:cNvPr>
@@ -26384,7 +26328,7 @@
           <p:cNvPr id="6" name="TextBox 5">
             <a:extLst>
               <a:ext uri="{FF2B5EF4-FFF2-40B4-BE49-F238E27FC236}">
-                <a16:creationId xmlns="" xmlns:a16="http://schemas.microsoft.com/office/drawing/2014/main" id="{2AB23CE2-76C0-4625-B53F-8A9BA767110F}"/>
+                <a16:creationId xmlns:a16="http://schemas.microsoft.com/office/drawing/2014/main" id="{2AB23CE2-76C0-4625-B53F-8A9BA767110F}"/>
               </a:ext>
             </a:extLst>
           </p:cNvPr>
@@ -26419,7 +26363,7 @@
           <p:cNvPr id="7" name="TextBox 6">
             <a:extLst>
               <a:ext uri="{FF2B5EF4-FFF2-40B4-BE49-F238E27FC236}">
-                <a16:creationId xmlns="" xmlns:a16="http://schemas.microsoft.com/office/drawing/2014/main" id="{877042EC-A726-4FD8-B256-D9E1E3C9A372}"/>
+                <a16:creationId xmlns:a16="http://schemas.microsoft.com/office/drawing/2014/main" id="{877042EC-A726-4FD8-B256-D9E1E3C9A372}"/>
               </a:ext>
             </a:extLst>
           </p:cNvPr>
@@ -26454,7 +26398,7 @@
           <p:cNvPr id="12" name="Picture 11">
             <a:extLst>
               <a:ext uri="{FF2B5EF4-FFF2-40B4-BE49-F238E27FC236}">
-                <a16:creationId xmlns="" xmlns:a16="http://schemas.microsoft.com/office/drawing/2014/main" id="{CBFE07F0-5024-4848-A609-104ADA063D2D}"/>
+                <a16:creationId xmlns:a16="http://schemas.microsoft.com/office/drawing/2014/main" id="{CBFE07F0-5024-4848-A609-104ADA063D2D}"/>
               </a:ext>
             </a:extLst>
           </p:cNvPr>
@@ -26484,7 +26428,7 @@
           <p:cNvPr id="13" name="TextBox 12">
             <a:extLst>
               <a:ext uri="{FF2B5EF4-FFF2-40B4-BE49-F238E27FC236}">
-                <a16:creationId xmlns="" xmlns:a16="http://schemas.microsoft.com/office/drawing/2014/main" id="{F9A7AFAA-F6B1-489D-B341-8E102CB8BCC2}"/>
+                <a16:creationId xmlns:a16="http://schemas.microsoft.com/office/drawing/2014/main" id="{F9A7AFAA-F6B1-489D-B341-8E102CB8BCC2}"/>
               </a:ext>
             </a:extLst>
           </p:cNvPr>
@@ -26561,10 +26505,10 @@
           <p:cNvPr id="8" name="Rectangle 7">
             <a:extLst>
               <a:ext uri="{FF2B5EF4-FFF2-40B4-BE49-F238E27FC236}">
-                <a16:creationId xmlns="" xmlns:a16="http://schemas.microsoft.com/office/drawing/2014/main" id="{A43280A9-E265-46D1-8575-622906D204C9}"/>
+                <a16:creationId xmlns:a16="http://schemas.microsoft.com/office/drawing/2014/main" id="{A43280A9-E265-46D1-8575-622906D204C9}"/>
               </a:ext>
               <a:ext uri="{C183D7F6-B498-43B3-948B-1728B52AA6E4}">
-                <adec:decorative xmlns="" xmlns:adec="http://schemas.microsoft.com/office/drawing/2017/decorative" val="1"/>
+                <adec:decorative xmlns:adec="http://schemas.microsoft.com/office/drawing/2017/decorative" val="1"/>
               </a:ext>
             </a:extLst>
           </p:cNvPr>
@@ -26621,10 +26565,10 @@
           <p:cNvPr id="10" name="Freeform 16">
             <a:extLst>
               <a:ext uri="{FF2B5EF4-FFF2-40B4-BE49-F238E27FC236}">
-                <a16:creationId xmlns="" xmlns:a16="http://schemas.microsoft.com/office/drawing/2014/main" id="{4DE20B70-4750-4280-B3AC-512C05EEF920}"/>
+                <a16:creationId xmlns:a16="http://schemas.microsoft.com/office/drawing/2014/main" id="{4DE20B70-4750-4280-B3AC-512C05EEF920}"/>
               </a:ext>
               <a:ext uri="{C183D7F6-B498-43B3-948B-1728B52AA6E4}">
-                <adec:decorative xmlns="" xmlns:adec="http://schemas.microsoft.com/office/drawing/2017/decorative" val="1"/>
+                <adec:decorative xmlns:adec="http://schemas.microsoft.com/office/drawing/2017/decorative" val="1"/>
               </a:ext>
             </a:extLst>
           </p:cNvPr>
@@ -35870,10 +35814,10 @@
           <p:cNvPr id="12" name="Rectangle 11">
             <a:extLst>
               <a:ext uri="{FF2B5EF4-FFF2-40B4-BE49-F238E27FC236}">
-                <a16:creationId xmlns="" xmlns:a16="http://schemas.microsoft.com/office/drawing/2014/main" id="{98D95174-B5F2-424A-8183-654A5064D0B6}"/>
+                <a16:creationId xmlns:a16="http://schemas.microsoft.com/office/drawing/2014/main" id="{98D95174-B5F2-424A-8183-654A5064D0B6}"/>
               </a:ext>
               <a:ext uri="{C183D7F6-B498-43B3-948B-1728B52AA6E4}">
-                <adec:decorative xmlns="" xmlns:adec="http://schemas.microsoft.com/office/drawing/2017/decorative" val="1"/>
+                <adec:decorative xmlns:adec="http://schemas.microsoft.com/office/drawing/2017/decorative" val="1"/>
               </a:ext>
             </a:extLst>
           </p:cNvPr>
@@ -35930,10 +35874,10 @@
           <p:cNvPr id="14" name="Rectangle 13">
             <a:extLst>
               <a:ext uri="{FF2B5EF4-FFF2-40B4-BE49-F238E27FC236}">
-                <a16:creationId xmlns="" xmlns:a16="http://schemas.microsoft.com/office/drawing/2014/main" id="{DD368A96-A16E-42CE-842C-9166E567BCC1}"/>
+                <a16:creationId xmlns:a16="http://schemas.microsoft.com/office/drawing/2014/main" id="{DD368A96-A16E-42CE-842C-9166E567BCC1}"/>
               </a:ext>
               <a:ext uri="{C183D7F6-B498-43B3-948B-1728B52AA6E4}">
-                <adec:decorative xmlns="" xmlns:adec="http://schemas.microsoft.com/office/drawing/2017/decorative" val="1"/>
+                <adec:decorative xmlns:adec="http://schemas.microsoft.com/office/drawing/2017/decorative" val="1"/>
               </a:ext>
             </a:extLst>
           </p:cNvPr>
@@ -35993,7 +35937,7 @@
           <p:cNvPr id="2" name="Title 1">
             <a:extLst>
               <a:ext uri="{FF2B5EF4-FFF2-40B4-BE49-F238E27FC236}">
-                <a16:creationId xmlns="" xmlns:a16="http://schemas.microsoft.com/office/drawing/2014/main" id="{AF364D4C-E3D9-4755-8034-FF331AF56E30}"/>
+                <a16:creationId xmlns:a16="http://schemas.microsoft.com/office/drawing/2014/main" id="{AF364D4C-E3D9-4755-8034-FF331AF56E30}"/>
               </a:ext>
             </a:extLst>
           </p:cNvPr>
@@ -36028,10 +35972,10 @@
           <p:cNvPr id="16" name="Straight Connector 15">
             <a:extLst>
               <a:ext uri="{FF2B5EF4-FFF2-40B4-BE49-F238E27FC236}">
-                <a16:creationId xmlns="" xmlns:a16="http://schemas.microsoft.com/office/drawing/2014/main" id="{E350D170-418B-4A22-8B98-15EF799FD957}"/>
+                <a16:creationId xmlns:a16="http://schemas.microsoft.com/office/drawing/2014/main" id="{E350D170-418B-4A22-8B98-15EF799FD957}"/>
               </a:ext>
               <a:ext uri="{C183D7F6-B498-43B3-948B-1728B52AA6E4}">
-                <adec:decorative xmlns="" xmlns:adec="http://schemas.microsoft.com/office/drawing/2017/decorative" val="1"/>
+                <adec:decorative xmlns:adec="http://schemas.microsoft.com/office/drawing/2017/decorative" val="1"/>
               </a:ext>
             </a:extLst>
           </p:cNvPr>
@@ -36080,7 +36024,7 @@
           <p:cNvPr id="3" name="Content Placeholder 2">
             <a:extLst>
               <a:ext uri="{FF2B5EF4-FFF2-40B4-BE49-F238E27FC236}">
-                <a16:creationId xmlns="" xmlns:a16="http://schemas.microsoft.com/office/drawing/2014/main" id="{CBF82D96-0AC4-4AA6-81F2-4B224E88F30E}"/>
+                <a16:creationId xmlns:a16="http://schemas.microsoft.com/office/drawing/2014/main" id="{CBF82D96-0AC4-4AA6-81F2-4B224E88F30E}"/>
               </a:ext>
             </a:extLst>
           </p:cNvPr>
@@ -36349,10 +36293,10 @@
           <p:cNvPr id="8" name="Rectangle 7">
             <a:extLst>
               <a:ext uri="{FF2B5EF4-FFF2-40B4-BE49-F238E27FC236}">
-                <a16:creationId xmlns="" xmlns:a16="http://schemas.microsoft.com/office/drawing/2014/main" id="{B0890400-BB8B-4A44-AB63-65C7CA223EBA}"/>
+                <a16:creationId xmlns:a16="http://schemas.microsoft.com/office/drawing/2014/main" id="{B0890400-BB8B-4A44-AB63-65C7CA223EBA}"/>
               </a:ext>
               <a:ext uri="{C183D7F6-B498-43B3-948B-1728B52AA6E4}">
-                <adec:decorative xmlns="" xmlns:adec="http://schemas.microsoft.com/office/drawing/2017/decorative" val="1"/>
+                <adec:decorative xmlns:adec="http://schemas.microsoft.com/office/drawing/2017/decorative" val="1"/>
               </a:ext>
             </a:extLst>
           </p:cNvPr>
@@ -36409,7 +36353,7 @@
           <p:cNvPr id="2" name="Title 1">
             <a:extLst>
               <a:ext uri="{FF2B5EF4-FFF2-40B4-BE49-F238E27FC236}">
-                <a16:creationId xmlns="" xmlns:a16="http://schemas.microsoft.com/office/drawing/2014/main" id="{AF364D4C-E3D9-4755-8034-FF331AF56E30}"/>
+                <a16:creationId xmlns:a16="http://schemas.microsoft.com/office/drawing/2014/main" id="{AF364D4C-E3D9-4755-8034-FF331AF56E30}"/>
               </a:ext>
             </a:extLst>
           </p:cNvPr>
@@ -36446,10 +36390,10 @@
           <p:cNvPr id="10" name="Straight Connector 9">
             <a:extLst>
               <a:ext uri="{FF2B5EF4-FFF2-40B4-BE49-F238E27FC236}">
-                <a16:creationId xmlns="" xmlns:a16="http://schemas.microsoft.com/office/drawing/2014/main" id="{4D39B797-CDC6-4529-8A36-9CBFC9816337}"/>
+                <a16:creationId xmlns:a16="http://schemas.microsoft.com/office/drawing/2014/main" id="{4D39B797-CDC6-4529-8A36-9CBFC9816337}"/>
               </a:ext>
               <a:ext uri="{C183D7F6-B498-43B3-948B-1728B52AA6E4}">
-                <adec:decorative xmlns="" xmlns:adec="http://schemas.microsoft.com/office/drawing/2017/decorative" val="1"/>
+                <adec:decorative xmlns:adec="http://schemas.microsoft.com/office/drawing/2017/decorative" val="1"/>
               </a:ext>
             </a:extLst>
           </p:cNvPr>
@@ -36498,7 +36442,7 @@
           <p:cNvPr id="3" name="Content Placeholder 2">
             <a:extLst>
               <a:ext uri="{FF2B5EF4-FFF2-40B4-BE49-F238E27FC236}">
-                <a16:creationId xmlns="" xmlns:a16="http://schemas.microsoft.com/office/drawing/2014/main" id="{CBF82D96-0AC4-4AA6-81F2-4B224E88F30E}"/>
+                <a16:creationId xmlns:a16="http://schemas.microsoft.com/office/drawing/2014/main" id="{CBF82D96-0AC4-4AA6-81F2-4B224E88F30E}"/>
               </a:ext>
             </a:extLst>
           </p:cNvPr>
@@ -36761,23 +36705,7 @@
                 <a:ea typeface="Times New Roman" charset="0"/>
                 <a:cs typeface="Times New Roman" charset="0"/>
               </a:rPr>
-              <a:t>CC </a:t>
-            </a:r>
-            <a:r>
-              <a:rPr lang="en-US" sz="2800" dirty="0">
-                <a:latin typeface="Times New Roman" charset="0"/>
-                <a:ea typeface="Times New Roman" charset="0"/>
-                <a:cs typeface="Times New Roman" charset="0"/>
-              </a:rPr>
-              <a:t>BY-SA </a:t>
-            </a:r>
-            <a:r>
-              <a:rPr lang="en-US" sz="2800" dirty="0">
-                <a:latin typeface="Times New Roman" charset="0"/>
-                <a:ea typeface="Times New Roman" charset="0"/>
-                <a:cs typeface="Times New Roman" charset="0"/>
-              </a:rPr>
-              <a:t>4.0. To view a copy of this license, visit </a:t>
+              <a:t>CC BY-SA 4.0. To view a copy of this license, visit </a:t>
             </a:r>
             <a:r>
               <a:rPr lang="en-US" sz="2800" dirty="0">
@@ -36786,24 +36714,7 @@
                 <a:cs typeface="Times New Roman" charset="0"/>
                 <a:hlinkClick r:id="rId2"/>
               </a:rPr>
-              <a:t>https://</a:t>
-            </a:r>
-            <a:r>
-              <a:rPr lang="en-US" sz="2800" dirty="0">
-                <a:latin typeface="Times New Roman" charset="0"/>
-                <a:ea typeface="Times New Roman" charset="0"/>
-                <a:cs typeface="Times New Roman" charset="0"/>
-                <a:hlinkClick r:id="rId2"/>
-              </a:rPr>
-              <a:t>creativecommons.org/licenses/by-sa/4.0</a:t>
-            </a:r>
-            <a:r>
-              <a:rPr lang="en-US" sz="2800" dirty="0">
-                <a:latin typeface="Times New Roman" charset="0"/>
-                <a:ea typeface="Times New Roman" charset="0"/>
-                <a:cs typeface="Times New Roman" charset="0"/>
-              </a:rPr>
-              <a:t/>
+              <a:t>https://creativecommons.org/licenses/by-sa/4.0</a:t>
             </a:r>
             <a:br>
               <a:rPr lang="en-US" sz="2800" dirty="0">
@@ -36812,14 +36723,6 @@
                 <a:cs typeface="Times New Roman" charset="0"/>
               </a:rPr>
             </a:br>
-            <a:r>
-              <a:rPr lang="en-US" sz="2800" dirty="0">
-                <a:latin typeface="Times New Roman" charset="0"/>
-                <a:ea typeface="Times New Roman" charset="0"/>
-                <a:cs typeface="Times New Roman" charset="0"/>
-              </a:rPr>
-              <a:t/>
-            </a:r>
             <a:br>
               <a:rPr lang="en-US" sz="2800" dirty="0">
                 <a:latin typeface="Times New Roman" charset="0"/>
@@ -36844,14 +36747,6 @@
               </a:rPr>
               <a:t>http://shodor.org/petascale/materials/semester-curriculum</a:t>
             </a:r>
-            <a:r>
-              <a:rPr lang="en-US" sz="2800" dirty="0">
-                <a:latin typeface="Times New Roman" charset="0"/>
-                <a:ea typeface="Times New Roman" charset="0"/>
-                <a:cs typeface="Times New Roman" charset="0"/>
-              </a:rPr>
-              <a:t/>
-            </a:r>
             <a:br>
               <a:rPr lang="en-US" sz="2800" dirty="0">
                 <a:latin typeface="Times New Roman" charset="0"/>
@@ -36859,14 +36754,6 @@
                 <a:cs typeface="Times New Roman" charset="0"/>
               </a:rPr>
             </a:br>
-            <a:r>
-              <a:rPr lang="en-US" sz="2800" dirty="0">
-                <a:latin typeface="Times New Roman" charset="0"/>
-                <a:ea typeface="Times New Roman" charset="0"/>
-                <a:cs typeface="Times New Roman" charset="0"/>
-              </a:rPr>
-              <a:t/>
-            </a:r>
             <a:br>
               <a:rPr lang="en-US" sz="2800" dirty="0">
                 <a:latin typeface="Times New Roman" charset="0"/>
@@ -36891,14 +36778,6 @@
               </a:rPr>
               <a:t>https://github.com/shodor-education/petascale-semester-curriculum</a:t>
             </a:r>
-            <a:r>
-              <a:rPr lang="en-US" sz="2800" dirty="0">
-                <a:latin typeface="Times New Roman" charset="0"/>
-                <a:ea typeface="Times New Roman" charset="0"/>
-                <a:cs typeface="Times New Roman" charset="0"/>
-              </a:rPr>
-              <a:t/>
-            </a:r>
             <a:br>
               <a:rPr lang="en-US" sz="2800" dirty="0">
                 <a:latin typeface="Times New Roman" charset="0"/>
@@ -36906,14 +36785,6 @@
                 <a:cs typeface="Times New Roman" charset="0"/>
               </a:rPr>
             </a:br>
-            <a:r>
-              <a:rPr lang="en-US" sz="2800" dirty="0">
-                <a:latin typeface="Times New Roman" charset="0"/>
-                <a:ea typeface="Times New Roman" charset="0"/>
-                <a:cs typeface="Times New Roman" charset="0"/>
-              </a:rPr>
-              <a:t/>
-            </a:r>
             <a:br>
               <a:rPr lang="en-US" sz="2800" dirty="0">
                 <a:latin typeface="Times New Roman" charset="0"/>
@@ -36984,15 +36855,15 @@
           <a:chExt cx="0" cy="0"/>
         </a:xfrm>
       </p:grpSpPr>
-      <p:sp>
+      <p:sp useBgFill="1">
         <p:nvSpPr>
-          <p:cNvPr id="22" name="Rectangle 16">
+          <p:cNvPr id="28" name="Rectangle 27">
             <a:extLst>
               <a:ext uri="{FF2B5EF4-FFF2-40B4-BE49-F238E27FC236}">
-                <a16:creationId xmlns="" xmlns:a16="http://schemas.microsoft.com/office/drawing/2014/main" id="{2FDF0794-1B86-42B2-B8C7-F60123E638ED}"/>
+                <a16:creationId xmlns:a16="http://schemas.microsoft.com/office/drawing/2014/main" id="{0BA28970-3E8F-46CD-A302-42EE83668B0A}"/>
               </a:ext>
               <a:ext uri="{C183D7F6-B498-43B3-948B-1728B52AA6E4}">
-                <adec:decorative xmlns="" xmlns:adec="http://schemas.microsoft.com/office/drawing/2017/decorative" val="1"/>
+                <adec:decorative xmlns:adec="http://schemas.microsoft.com/office/drawing/2017/decorative" val="1"/>
               </a:ext>
             </a:extLst>
           </p:cNvPr>
@@ -37009,109 +36880,12 @@
         </p:nvSpPr>
         <p:spPr>
           <a:xfrm>
-            <a:off x="3274" y="0"/>
-            <a:ext cx="12188726" cy="6858975"/>
+            <a:off x="0" y="0"/>
+            <a:ext cx="12192000" cy="6858000"/>
           </a:xfrm>
           <a:prstGeom prst="rect">
             <a:avLst/>
           </a:prstGeom>
-          <a:solidFill>
-            <a:schemeClr val="bg1"/>
-          </a:solidFill>
-          <a:ln>
-            <a:noFill/>
-          </a:ln>
-        </p:spPr>
-        <p:style>
-          <a:lnRef idx="2">
-            <a:schemeClr val="accent1">
-              <a:shade val="50000"/>
-            </a:schemeClr>
-          </a:lnRef>
-          <a:fillRef idx="1">
-            <a:schemeClr val="accent1"/>
-          </a:fillRef>
-          <a:effectRef idx="0">
-            <a:schemeClr val="accent1"/>
-          </a:effectRef>
-          <a:fontRef idx="minor">
-            <a:schemeClr val="lt1"/>
-          </a:fontRef>
-        </p:style>
-        <p:txBody>
-          <a:bodyPr rtlCol="0" anchor="ctr"/>
-          <a:lstStyle/>
-          <a:p>
-            <a:pPr algn="ctr"/>
-            <a:endParaRPr lang="en-US"/>
-          </a:p>
-        </p:txBody>
-      </p:sp>
-      <p:pic>
-        <p:nvPicPr>
-          <p:cNvPr id="5" name="Picture 4">
-            <a:extLst>
-              <a:ext uri="{FF2B5EF4-FFF2-40B4-BE49-F238E27FC236}">
-                <a16:creationId xmlns="" xmlns:a16="http://schemas.microsoft.com/office/drawing/2014/main" id="{65BCED74-8C23-468B-93E9-2C5CCD60AD6A}"/>
-              </a:ext>
-            </a:extLst>
-          </p:cNvPr>
-          <p:cNvPicPr>
-            <a:picLocks noChangeAspect="1"/>
-          </p:cNvPicPr>
-          <p:nvPr/>
-        </p:nvPicPr>
-        <p:blipFill rotWithShape="1">
-          <a:blip r:embed="rId2"/>
-          <a:srcRect t="1430" b="23570"/>
-          <a:stretch/>
-        </p:blipFill>
-        <p:spPr>
-          <a:xfrm>
-            <a:off x="20" y="975"/>
-            <a:ext cx="12191980" cy="6858000"/>
-          </a:xfrm>
-          <a:prstGeom prst="rect">
-            <a:avLst/>
-          </a:prstGeom>
-        </p:spPr>
-      </p:pic>
-      <p:sp>
-        <p:nvSpPr>
-          <p:cNvPr id="23" name="Rectangle 18">
-            <a:extLst>
-              <a:ext uri="{FF2B5EF4-FFF2-40B4-BE49-F238E27FC236}">
-                <a16:creationId xmlns="" xmlns:a16="http://schemas.microsoft.com/office/drawing/2014/main" id="{C5373426-E26E-431D-959C-5DB96C0B6208}"/>
-              </a:ext>
-              <a:ext uri="{C183D7F6-B498-43B3-948B-1728B52AA6E4}">
-                <adec:decorative xmlns="" xmlns:adec="http://schemas.microsoft.com/office/drawing/2017/decorative" val="1"/>
-              </a:ext>
-            </a:extLst>
-          </p:cNvPr>
-          <p:cNvSpPr>
-            <a:spLocks noGrp="1" noRot="1" noChangeAspect="1" noMove="1" noResize="1" noEditPoints="1" noAdjustHandles="1" noChangeArrowheads="1" noChangeShapeType="1" noTextEdit="1"/>
-          </p:cNvSpPr>
-          <p:nvPr>
-            <p:extLst>
-              <p:ext uri="{386F3935-93C4-4BCD-93E2-E3B085C9AB24}">
-                <p16:designElem xmlns:p16="http://schemas.microsoft.com/office/powerpoint/2015/main" val="1"/>
-              </p:ext>
-            </p:extLst>
-          </p:nvPr>
-        </p:nvSpPr>
-        <p:spPr>
-          <a:xfrm>
-            <a:off x="643467" y="1238442"/>
-            <a:ext cx="3635926" cy="4355751"/>
-          </a:xfrm>
-          <a:prstGeom prst="rect">
-            <a:avLst/>
-          </a:prstGeom>
-          <a:solidFill>
-            <a:srgbClr val="000000">
-              <a:alpha val="79000"/>
-            </a:srgbClr>
-          </a:solidFill>
           <a:ln>
             <a:noFill/>
           </a:ln>
@@ -37146,7 +36920,7 @@
           <p:cNvPr id="2" name="Title 1">
             <a:extLst>
               <a:ext uri="{FF2B5EF4-FFF2-40B4-BE49-F238E27FC236}">
-                <a16:creationId xmlns="" xmlns:a16="http://schemas.microsoft.com/office/drawing/2014/main" id="{7EC255F8-4C8F-46C1-8EF3-020D7D5358F5}"/>
+                <a16:creationId xmlns:a16="http://schemas.microsoft.com/office/drawing/2014/main" id="{7EC255F8-4C8F-46C1-8EF3-020D7D5358F5}"/>
               </a:ext>
             </a:extLst>
           </p:cNvPr>
@@ -37159,20 +36933,22 @@
         </p:nvSpPr>
         <p:spPr>
           <a:xfrm>
-            <a:off x="853439" y="1475234"/>
-            <a:ext cx="3214307" cy="2901694"/>
+            <a:off x="643467" y="643467"/>
+            <a:ext cx="7164674" cy="5571066"/>
           </a:xfrm>
         </p:spPr>
         <p:txBody>
-          <a:bodyPr anchor="b">
+          <a:bodyPr>
             <a:normAutofit/>
           </a:bodyPr>
           <a:lstStyle/>
           <a:p>
             <a:r>
-              <a:rPr lang="en-US" sz="3700" b="1">
+              <a:rPr lang="en-US" sz="6600" b="1">
                 <a:solidFill>
-                  <a:srgbClr val="FFFFFF"/>
+                  <a:schemeClr val="tx1">
+                    <a:alpha val="80000"/>
+                  </a:schemeClr>
                 </a:solidFill>
               </a:rPr>
               <a:t>VISUALIZATION OF molecular simulations using VMD on Stampede2 </a:t>
@@ -37182,13 +36958,13 @@
       </p:sp>
       <p:cxnSp>
         <p:nvCxnSpPr>
-          <p:cNvPr id="21" name="Straight Connector 20">
+          <p:cNvPr id="30" name="Straight Connector 29">
             <a:extLst>
               <a:ext uri="{FF2B5EF4-FFF2-40B4-BE49-F238E27FC236}">
-                <a16:creationId xmlns="" xmlns:a16="http://schemas.microsoft.com/office/drawing/2014/main" id="{96D07482-83A3-4451-943C-B46961082957}"/>
+                <a16:creationId xmlns:a16="http://schemas.microsoft.com/office/drawing/2014/main" id="{47AE7893-212D-45CB-A5B0-AE377389AB3F}"/>
               </a:ext>
               <a:ext uri="{C183D7F6-B498-43B3-948B-1728B52AA6E4}">
-                <adec:decorative xmlns="" xmlns:adec="http://schemas.microsoft.com/office/drawing/2017/decorative" val="1"/>
+                <adec:decorative xmlns:adec="http://schemas.microsoft.com/office/drawing/2017/decorative" val="1"/>
               </a:ext>
             </a:extLst>
           </p:cNvPr>
@@ -37205,15 +36981,15 @@
         </p:nvCxnSpPr>
         <p:spPr>
           <a:xfrm>
-            <a:off x="1065829" y="4508519"/>
-            <a:ext cx="2926080" cy="0"/>
+            <a:off x="8139605" y="1600200"/>
+            <a:ext cx="0" cy="3657600"/>
           </a:xfrm>
           <a:prstGeom prst="line">
             <a:avLst/>
           </a:prstGeom>
           <a:ln w="19050">
             <a:solidFill>
-              <a:srgbClr val="36D8EE"/>
+              <a:schemeClr val="accent1"/>
             </a:solidFill>
           </a:ln>
         </p:spPr>
@@ -37267,7 +37043,7 @@
           <p:cNvPr id="2" name="Title 1">
             <a:extLst>
               <a:ext uri="{FF2B5EF4-FFF2-40B4-BE49-F238E27FC236}">
-                <a16:creationId xmlns="" xmlns:a16="http://schemas.microsoft.com/office/drawing/2014/main" id="{AF364D4C-E3D9-4755-8034-FF331AF56E30}"/>
+                <a16:creationId xmlns:a16="http://schemas.microsoft.com/office/drawing/2014/main" id="{AF364D4C-E3D9-4755-8034-FF331AF56E30}"/>
               </a:ext>
             </a:extLst>
           </p:cNvPr>
@@ -37300,7 +37076,7 @@
           <p:cNvPr id="3" name="Content Placeholder 2">
             <a:extLst>
               <a:ext uri="{FF2B5EF4-FFF2-40B4-BE49-F238E27FC236}">
-                <a16:creationId xmlns="" xmlns:a16="http://schemas.microsoft.com/office/drawing/2014/main" id="{CBF82D96-0AC4-4AA6-81F2-4B224E88F30E}"/>
+                <a16:creationId xmlns:a16="http://schemas.microsoft.com/office/drawing/2014/main" id="{CBF82D96-0AC4-4AA6-81F2-4B224E88F30E}"/>
               </a:ext>
             </a:extLst>
           </p:cNvPr>
@@ -37347,7 +37123,7 @@
           <p:cNvPr id="5" name="Picture 4">
             <a:extLst>
               <a:ext uri="{FF2B5EF4-FFF2-40B4-BE49-F238E27FC236}">
-                <a16:creationId xmlns="" xmlns:a16="http://schemas.microsoft.com/office/drawing/2014/main" id="{7A82AB25-5CB0-4378-B6DF-BD77B3D06FEB}"/>
+                <a16:creationId xmlns:a16="http://schemas.microsoft.com/office/drawing/2014/main" id="{7A82AB25-5CB0-4378-B6DF-BD77B3D06FEB}"/>
               </a:ext>
             </a:extLst>
           </p:cNvPr>
@@ -37376,7 +37152,7 @@
           <p:cNvPr id="6" name="Picture 5">
             <a:extLst>
               <a:ext uri="{FF2B5EF4-FFF2-40B4-BE49-F238E27FC236}">
-                <a16:creationId xmlns="" xmlns:a16="http://schemas.microsoft.com/office/drawing/2014/main" id="{AD34D775-2D34-48D7-B6BE-203D2B4E9861}"/>
+                <a16:creationId xmlns:a16="http://schemas.microsoft.com/office/drawing/2014/main" id="{AD34D775-2D34-48D7-B6BE-203D2B4E9861}"/>
               </a:ext>
             </a:extLst>
           </p:cNvPr>
@@ -37406,7 +37182,7 @@
           <p:cNvPr id="4" name="Rectangle 3">
             <a:extLst>
               <a:ext uri="{FF2B5EF4-FFF2-40B4-BE49-F238E27FC236}">
-                <a16:creationId xmlns="" xmlns:a16="http://schemas.microsoft.com/office/drawing/2014/main" id="{9A0165D8-0A27-4955-86FC-8B3E932EF3FF}"/>
+                <a16:creationId xmlns:a16="http://schemas.microsoft.com/office/drawing/2014/main" id="{9A0165D8-0A27-4955-86FC-8B3E932EF3FF}"/>
               </a:ext>
             </a:extLst>
           </p:cNvPr>
@@ -37487,7 +37263,7 @@
           <p:cNvPr id="8" name="Rectangle 7">
             <a:extLst>
               <a:ext uri="{FF2B5EF4-FFF2-40B4-BE49-F238E27FC236}">
-                <a16:creationId xmlns="" xmlns:a16="http://schemas.microsoft.com/office/drawing/2014/main" id="{3FD7DA98-5E93-41C5-9B34-AC346EA9165C}"/>
+                <a16:creationId xmlns:a16="http://schemas.microsoft.com/office/drawing/2014/main" id="{3FD7DA98-5E93-41C5-9B34-AC346EA9165C}"/>
               </a:ext>
             </a:extLst>
           </p:cNvPr>
@@ -37549,7 +37325,7 @@
           <p:cNvPr id="10" name="Graphic 9" descr="Computer">
             <a:extLst>
               <a:ext uri="{FF2B5EF4-FFF2-40B4-BE49-F238E27FC236}">
-                <a16:creationId xmlns="" xmlns:a16="http://schemas.microsoft.com/office/drawing/2014/main" id="{91A5482E-C1AD-4606-80FF-662438D3E13B}"/>
+                <a16:creationId xmlns:a16="http://schemas.microsoft.com/office/drawing/2014/main" id="{91A5482E-C1AD-4606-80FF-662438D3E13B}"/>
               </a:ext>
             </a:extLst>
           </p:cNvPr>
@@ -37565,7 +37341,7 @@
                 <a14:useLocalDpi xmlns:a14="http://schemas.microsoft.com/office/drawing/2010/main" val="0"/>
               </a:ext>
               <a:ext uri="{96DAC541-7B7A-43D3-8B79-37D633B846F1}">
-                <asvg:svgBlip xmlns="" xmlns:asvg="http://schemas.microsoft.com/office/drawing/2016/SVG/main" r:embed="rId5"/>
+                <asvg:svgBlip xmlns:asvg="http://schemas.microsoft.com/office/drawing/2016/SVG/main" r:embed="rId5"/>
               </a:ext>
             </a:extLst>
           </a:blip>
@@ -37618,7 +37394,7 @@
           <p:cNvPr id="2" name="Title 1">
             <a:extLst>
               <a:ext uri="{FF2B5EF4-FFF2-40B4-BE49-F238E27FC236}">
-                <a16:creationId xmlns="" xmlns:a16="http://schemas.microsoft.com/office/drawing/2014/main" id="{AF364D4C-E3D9-4755-8034-FF331AF56E30}"/>
+                <a16:creationId xmlns:a16="http://schemas.microsoft.com/office/drawing/2014/main" id="{AF364D4C-E3D9-4755-8034-FF331AF56E30}"/>
               </a:ext>
             </a:extLst>
           </p:cNvPr>
@@ -37651,7 +37427,7 @@
           <p:cNvPr id="3" name="Content Placeholder 2">
             <a:extLst>
               <a:ext uri="{FF2B5EF4-FFF2-40B4-BE49-F238E27FC236}">
-                <a16:creationId xmlns="" xmlns:a16="http://schemas.microsoft.com/office/drawing/2014/main" id="{CBF82D96-0AC4-4AA6-81F2-4B224E88F30E}"/>
+                <a16:creationId xmlns:a16="http://schemas.microsoft.com/office/drawing/2014/main" id="{CBF82D96-0AC4-4AA6-81F2-4B224E88F30E}"/>
               </a:ext>
             </a:extLst>
           </p:cNvPr>
@@ -37690,7 +37466,7 @@
           <p:cNvPr id="4" name="Picture 3">
             <a:extLst>
               <a:ext uri="{FF2B5EF4-FFF2-40B4-BE49-F238E27FC236}">
-                <a16:creationId xmlns="" xmlns:a16="http://schemas.microsoft.com/office/drawing/2014/main" id="{E211A632-F602-4E8A-BF3D-5EEFC55A19D3}"/>
+                <a16:creationId xmlns:a16="http://schemas.microsoft.com/office/drawing/2014/main" id="{E211A632-F602-4E8A-BF3D-5EEFC55A19D3}"/>
               </a:ext>
             </a:extLst>
           </p:cNvPr>
@@ -37720,7 +37496,7 @@
           <p:cNvPr id="7" name="Picture 6">
             <a:extLst>
               <a:ext uri="{FF2B5EF4-FFF2-40B4-BE49-F238E27FC236}">
-                <a16:creationId xmlns="" xmlns:a16="http://schemas.microsoft.com/office/drawing/2014/main" id="{F259B6C4-30F5-4514-9307-E8EF32CE66F8}"/>
+                <a16:creationId xmlns:a16="http://schemas.microsoft.com/office/drawing/2014/main" id="{F259B6C4-30F5-4514-9307-E8EF32CE66F8}"/>
               </a:ext>
             </a:extLst>
           </p:cNvPr>
@@ -37750,7 +37526,7 @@
           <p:cNvPr id="8" name="Picture 7">
             <a:extLst>
               <a:ext uri="{FF2B5EF4-FFF2-40B4-BE49-F238E27FC236}">
-                <a16:creationId xmlns="" xmlns:a16="http://schemas.microsoft.com/office/drawing/2014/main" id="{597649C7-D6EC-451D-A6F7-979C56A15A0F}"/>
+                <a16:creationId xmlns:a16="http://schemas.microsoft.com/office/drawing/2014/main" id="{597649C7-D6EC-451D-A6F7-979C56A15A0F}"/>
               </a:ext>
             </a:extLst>
           </p:cNvPr>
@@ -37780,7 +37556,7 @@
           <p:cNvPr id="9" name="TextBox 8">
             <a:extLst>
               <a:ext uri="{FF2B5EF4-FFF2-40B4-BE49-F238E27FC236}">
-                <a16:creationId xmlns="" xmlns:a16="http://schemas.microsoft.com/office/drawing/2014/main" id="{9D95842A-B808-4A7F-BBD8-103E01E19855}"/>
+                <a16:creationId xmlns:a16="http://schemas.microsoft.com/office/drawing/2014/main" id="{9D95842A-B808-4A7F-BBD8-103E01E19855}"/>
               </a:ext>
             </a:extLst>
           </p:cNvPr>
@@ -37816,7 +37592,7 @@
           <p:cNvPr id="11" name="TextBox 10">
             <a:extLst>
               <a:ext uri="{FF2B5EF4-FFF2-40B4-BE49-F238E27FC236}">
-                <a16:creationId xmlns="" xmlns:a16="http://schemas.microsoft.com/office/drawing/2014/main" id="{A4F7DB4A-1C2D-44C2-BEBE-D3A6C4EF7E0B}"/>
+                <a16:creationId xmlns:a16="http://schemas.microsoft.com/office/drawing/2014/main" id="{A4F7DB4A-1C2D-44C2-BEBE-D3A6C4EF7E0B}"/>
               </a:ext>
             </a:extLst>
           </p:cNvPr>
@@ -37852,7 +37628,7 @@
           <p:cNvPr id="5" name="Graphic 4" descr="Computer">
             <a:extLst>
               <a:ext uri="{FF2B5EF4-FFF2-40B4-BE49-F238E27FC236}">
-                <a16:creationId xmlns="" xmlns:a16="http://schemas.microsoft.com/office/drawing/2014/main" id="{EB29860F-5772-4D00-8AC2-FB4A8FFD4F8F}"/>
+                <a16:creationId xmlns:a16="http://schemas.microsoft.com/office/drawing/2014/main" id="{EB29860F-5772-4D00-8AC2-FB4A8FFD4F8F}"/>
               </a:ext>
             </a:extLst>
           </p:cNvPr>
@@ -37868,7 +37644,7 @@
                 <a14:useLocalDpi xmlns:a14="http://schemas.microsoft.com/office/drawing/2010/main" val="0"/>
               </a:ext>
               <a:ext uri="{96DAC541-7B7A-43D3-8B79-37D633B846F1}">
-                <asvg:svgBlip xmlns="" xmlns:asvg="http://schemas.microsoft.com/office/drawing/2016/SVG/main" r:embed="rId6"/>
+                <asvg:svgBlip xmlns:asvg="http://schemas.microsoft.com/office/drawing/2016/SVG/main" r:embed="rId6"/>
               </a:ext>
             </a:extLst>
           </a:blip>
@@ -37891,7 +37667,7 @@
           <p:cNvPr id="6" name="Rectangle 5">
             <a:extLst>
               <a:ext uri="{FF2B5EF4-FFF2-40B4-BE49-F238E27FC236}">
-                <a16:creationId xmlns="" xmlns:a16="http://schemas.microsoft.com/office/drawing/2014/main" id="{022B12B7-0D0D-4E8A-A8C3-3ADFAD48DCC9}"/>
+                <a16:creationId xmlns:a16="http://schemas.microsoft.com/office/drawing/2014/main" id="{022B12B7-0D0D-4E8A-A8C3-3ADFAD48DCC9}"/>
               </a:ext>
             </a:extLst>
           </p:cNvPr>
@@ -37991,7 +37767,7 @@
           <p:cNvPr id="12" name="Rectangle 11">
             <a:extLst>
               <a:ext uri="{FF2B5EF4-FFF2-40B4-BE49-F238E27FC236}">
-                <a16:creationId xmlns="" xmlns:a16="http://schemas.microsoft.com/office/drawing/2014/main" id="{46BCBAF8-A1E5-46FE-A6D1-CF07B721E582}"/>
+                <a16:creationId xmlns:a16="http://schemas.microsoft.com/office/drawing/2014/main" id="{46BCBAF8-A1E5-46FE-A6D1-CF07B721E582}"/>
               </a:ext>
             </a:extLst>
           </p:cNvPr>
@@ -38090,7 +37866,7 @@
           <p:cNvPr id="2" name="Title 1">
             <a:extLst>
               <a:ext uri="{FF2B5EF4-FFF2-40B4-BE49-F238E27FC236}">
-                <a16:creationId xmlns="" xmlns:a16="http://schemas.microsoft.com/office/drawing/2014/main" id="{AF364D4C-E3D9-4755-8034-FF331AF56E30}"/>
+                <a16:creationId xmlns:a16="http://schemas.microsoft.com/office/drawing/2014/main" id="{AF364D4C-E3D9-4755-8034-FF331AF56E30}"/>
               </a:ext>
             </a:extLst>
           </p:cNvPr>
@@ -38125,7 +37901,7 @@
           <p:cNvPr id="3" name="Content Placeholder 2">
             <a:extLst>
               <a:ext uri="{FF2B5EF4-FFF2-40B4-BE49-F238E27FC236}">
-                <a16:creationId xmlns="" xmlns:a16="http://schemas.microsoft.com/office/drawing/2014/main" id="{CBF82D96-0AC4-4AA6-81F2-4B224E88F30E}"/>
+                <a16:creationId xmlns:a16="http://schemas.microsoft.com/office/drawing/2014/main" id="{CBF82D96-0AC4-4AA6-81F2-4B224E88F30E}"/>
               </a:ext>
             </a:extLst>
           </p:cNvPr>
@@ -38183,7 +37959,7 @@
           <p:cNvPr id="5" name="Picture 4">
             <a:extLst>
               <a:ext uri="{FF2B5EF4-FFF2-40B4-BE49-F238E27FC236}">
-                <a16:creationId xmlns="" xmlns:a16="http://schemas.microsoft.com/office/drawing/2014/main" id="{CD0521BC-4490-4CA7-BC0E-DDF170055456}"/>
+                <a16:creationId xmlns:a16="http://schemas.microsoft.com/office/drawing/2014/main" id="{CD0521BC-4490-4CA7-BC0E-DDF170055456}"/>
               </a:ext>
             </a:extLst>
           </p:cNvPr>
@@ -38213,7 +37989,7 @@
           <p:cNvPr id="6" name="Right Brace 5">
             <a:extLst>
               <a:ext uri="{FF2B5EF4-FFF2-40B4-BE49-F238E27FC236}">
-                <a16:creationId xmlns="" xmlns:a16="http://schemas.microsoft.com/office/drawing/2014/main" id="{2D91EADF-6296-48FE-AE05-B7099C3DF906}"/>
+                <a16:creationId xmlns:a16="http://schemas.microsoft.com/office/drawing/2014/main" id="{2D91EADF-6296-48FE-AE05-B7099C3DF906}"/>
               </a:ext>
             </a:extLst>
           </p:cNvPr>
@@ -38261,7 +38037,7 @@
           <p:cNvPr id="10" name="TextBox 9">
             <a:extLst>
               <a:ext uri="{FF2B5EF4-FFF2-40B4-BE49-F238E27FC236}">
-                <a16:creationId xmlns="" xmlns:a16="http://schemas.microsoft.com/office/drawing/2014/main" id="{E933AFD7-0895-4F3D-A104-95ADFAA051E3}"/>
+                <a16:creationId xmlns:a16="http://schemas.microsoft.com/office/drawing/2014/main" id="{E933AFD7-0895-4F3D-A104-95ADFAA051E3}"/>
               </a:ext>
             </a:extLst>
           </p:cNvPr>
@@ -38297,7 +38073,7 @@
           <p:cNvPr id="13" name="Right Brace 12">
             <a:extLst>
               <a:ext uri="{FF2B5EF4-FFF2-40B4-BE49-F238E27FC236}">
-                <a16:creationId xmlns="" xmlns:a16="http://schemas.microsoft.com/office/drawing/2014/main" id="{AB6ED811-D71F-413E-8564-BE3F024B92AE}"/>
+                <a16:creationId xmlns:a16="http://schemas.microsoft.com/office/drawing/2014/main" id="{AB6ED811-D71F-413E-8564-BE3F024B92AE}"/>
               </a:ext>
             </a:extLst>
           </p:cNvPr>
@@ -38345,7 +38121,7 @@
           <p:cNvPr id="20" name="TextBox 19">
             <a:extLst>
               <a:ext uri="{FF2B5EF4-FFF2-40B4-BE49-F238E27FC236}">
-                <a16:creationId xmlns="" xmlns:a16="http://schemas.microsoft.com/office/drawing/2014/main" id="{B13CD659-45AD-416A-9CAC-A5229D8E5147}"/>
+                <a16:creationId xmlns:a16="http://schemas.microsoft.com/office/drawing/2014/main" id="{B13CD659-45AD-416A-9CAC-A5229D8E5147}"/>
               </a:ext>
             </a:extLst>
           </p:cNvPr>
@@ -38435,7 +38211,7 @@
           <p:cNvPr id="2" name="Title 1">
             <a:extLst>
               <a:ext uri="{FF2B5EF4-FFF2-40B4-BE49-F238E27FC236}">
-                <a16:creationId xmlns="" xmlns:a16="http://schemas.microsoft.com/office/drawing/2014/main" id="{AF364D4C-E3D9-4755-8034-FF331AF56E30}"/>
+                <a16:creationId xmlns:a16="http://schemas.microsoft.com/office/drawing/2014/main" id="{AF364D4C-E3D9-4755-8034-FF331AF56E30}"/>
               </a:ext>
             </a:extLst>
           </p:cNvPr>
@@ -38470,7 +38246,7 @@
           <p:cNvPr id="3" name="Content Placeholder 2">
             <a:extLst>
               <a:ext uri="{FF2B5EF4-FFF2-40B4-BE49-F238E27FC236}">
-                <a16:creationId xmlns="" xmlns:a16="http://schemas.microsoft.com/office/drawing/2014/main" id="{CBF82D96-0AC4-4AA6-81F2-4B224E88F30E}"/>
+                <a16:creationId xmlns:a16="http://schemas.microsoft.com/office/drawing/2014/main" id="{CBF82D96-0AC4-4AA6-81F2-4B224E88F30E}"/>
               </a:ext>
             </a:extLst>
           </p:cNvPr>
@@ -38528,7 +38304,7 @@
           <p:cNvPr id="13" name="Right Brace 12">
             <a:extLst>
               <a:ext uri="{FF2B5EF4-FFF2-40B4-BE49-F238E27FC236}">
-                <a16:creationId xmlns="" xmlns:a16="http://schemas.microsoft.com/office/drawing/2014/main" id="{AB6ED811-D71F-413E-8564-BE3F024B92AE}"/>
+                <a16:creationId xmlns:a16="http://schemas.microsoft.com/office/drawing/2014/main" id="{AB6ED811-D71F-413E-8564-BE3F024B92AE}"/>
               </a:ext>
             </a:extLst>
           </p:cNvPr>
@@ -38576,7 +38352,7 @@
           <p:cNvPr id="16" name="Picture 15">
             <a:extLst>
               <a:ext uri="{FF2B5EF4-FFF2-40B4-BE49-F238E27FC236}">
-                <a16:creationId xmlns="" xmlns:a16="http://schemas.microsoft.com/office/drawing/2014/main" id="{36642998-23AA-484D-B255-912393CA97B6}"/>
+                <a16:creationId xmlns:a16="http://schemas.microsoft.com/office/drawing/2014/main" id="{36642998-23AA-484D-B255-912393CA97B6}"/>
               </a:ext>
             </a:extLst>
           </p:cNvPr>
@@ -38606,7 +38382,7 @@
           <p:cNvPr id="4" name="TextBox 3">
             <a:extLst>
               <a:ext uri="{FF2B5EF4-FFF2-40B4-BE49-F238E27FC236}">
-                <a16:creationId xmlns="" xmlns:a16="http://schemas.microsoft.com/office/drawing/2014/main" id="{2454B673-51DD-4173-95BB-D76767851F16}"/>
+                <a16:creationId xmlns:a16="http://schemas.microsoft.com/office/drawing/2014/main" id="{2454B673-51DD-4173-95BB-D76767851F16}"/>
               </a:ext>
             </a:extLst>
           </p:cNvPr>
@@ -38672,7 +38448,7 @@
           <p:cNvPr id="2" name="Title 1">
             <a:extLst>
               <a:ext uri="{FF2B5EF4-FFF2-40B4-BE49-F238E27FC236}">
-                <a16:creationId xmlns="" xmlns:a16="http://schemas.microsoft.com/office/drawing/2014/main" id="{AF364D4C-E3D9-4755-8034-FF331AF56E30}"/>
+                <a16:creationId xmlns:a16="http://schemas.microsoft.com/office/drawing/2014/main" id="{AF364D4C-E3D9-4755-8034-FF331AF56E30}"/>
               </a:ext>
             </a:extLst>
           </p:cNvPr>
@@ -38705,7 +38481,7 @@
           <p:cNvPr id="3" name="Content Placeholder 2">
             <a:extLst>
               <a:ext uri="{FF2B5EF4-FFF2-40B4-BE49-F238E27FC236}">
-                <a16:creationId xmlns="" xmlns:a16="http://schemas.microsoft.com/office/drawing/2014/main" id="{CBF82D96-0AC4-4AA6-81F2-4B224E88F30E}"/>
+                <a16:creationId xmlns:a16="http://schemas.microsoft.com/office/drawing/2014/main" id="{CBF82D96-0AC4-4AA6-81F2-4B224E88F30E}"/>
               </a:ext>
             </a:extLst>
           </p:cNvPr>
@@ -38763,7 +38539,7 @@
           <p:cNvPr id="4" name="TextBox 3">
             <a:extLst>
               <a:ext uri="{FF2B5EF4-FFF2-40B4-BE49-F238E27FC236}">
-                <a16:creationId xmlns="" xmlns:a16="http://schemas.microsoft.com/office/drawing/2014/main" id="{2454B673-51DD-4173-95BB-D76767851F16}"/>
+                <a16:creationId xmlns:a16="http://schemas.microsoft.com/office/drawing/2014/main" id="{2454B673-51DD-4173-95BB-D76767851F16}"/>
               </a:ext>
             </a:extLst>
           </p:cNvPr>
@@ -38815,7 +38591,7 @@
           <p:cNvPr id="7" name="Picture 6">
             <a:extLst>
               <a:ext uri="{FF2B5EF4-FFF2-40B4-BE49-F238E27FC236}">
-                <a16:creationId xmlns="" xmlns:a16="http://schemas.microsoft.com/office/drawing/2014/main" id="{86619799-0198-45CD-9D36-A3DD0419980B}"/>
+                <a16:creationId xmlns:a16="http://schemas.microsoft.com/office/drawing/2014/main" id="{86619799-0198-45CD-9D36-A3DD0419980B}"/>
               </a:ext>
             </a:extLst>
           </p:cNvPr>
@@ -38875,7 +38651,7 @@
           <p:cNvPr id="4" name="Picture 3">
             <a:extLst>
               <a:ext uri="{FF2B5EF4-FFF2-40B4-BE49-F238E27FC236}">
-                <a16:creationId xmlns="" xmlns:a16="http://schemas.microsoft.com/office/drawing/2014/main" id="{C6AB2E0E-9027-4570-B8A0-49B5F16D6594}"/>
+                <a16:creationId xmlns:a16="http://schemas.microsoft.com/office/drawing/2014/main" id="{C6AB2E0E-9027-4570-B8A0-49B5F16D6594}"/>
               </a:ext>
             </a:extLst>
           </p:cNvPr>
@@ -38905,7 +38681,7 @@
           <p:cNvPr id="2" name="Title 1">
             <a:extLst>
               <a:ext uri="{FF2B5EF4-FFF2-40B4-BE49-F238E27FC236}">
-                <a16:creationId xmlns="" xmlns:a16="http://schemas.microsoft.com/office/drawing/2014/main" id="{AF364D4C-E3D9-4755-8034-FF331AF56E30}"/>
+                <a16:creationId xmlns:a16="http://schemas.microsoft.com/office/drawing/2014/main" id="{AF364D4C-E3D9-4755-8034-FF331AF56E30}"/>
               </a:ext>
             </a:extLst>
           </p:cNvPr>
@@ -38940,7 +38716,7 @@
           <p:cNvPr id="3" name="Content Placeholder 2">
             <a:extLst>
               <a:ext uri="{FF2B5EF4-FFF2-40B4-BE49-F238E27FC236}">
-                <a16:creationId xmlns="" xmlns:a16="http://schemas.microsoft.com/office/drawing/2014/main" id="{CBF82D96-0AC4-4AA6-81F2-4B224E88F30E}"/>
+                <a16:creationId xmlns:a16="http://schemas.microsoft.com/office/drawing/2014/main" id="{CBF82D96-0AC4-4AA6-81F2-4B224E88F30E}"/>
               </a:ext>
             </a:extLst>
           </p:cNvPr>
@@ -38998,7 +38774,7 @@
           <p:cNvPr id="6" name="Right Brace 5">
             <a:extLst>
               <a:ext uri="{FF2B5EF4-FFF2-40B4-BE49-F238E27FC236}">
-                <a16:creationId xmlns="" xmlns:a16="http://schemas.microsoft.com/office/drawing/2014/main" id="{954FBB91-366F-4C87-8AD7-29722AF7A627}"/>
+                <a16:creationId xmlns:a16="http://schemas.microsoft.com/office/drawing/2014/main" id="{954FBB91-366F-4C87-8AD7-29722AF7A627}"/>
               </a:ext>
             </a:extLst>
           </p:cNvPr>
@@ -39048,7 +38824,7 @@
           <p:cNvPr id="8" name="TextBox 7">
             <a:extLst>
               <a:ext uri="{FF2B5EF4-FFF2-40B4-BE49-F238E27FC236}">
-                <a16:creationId xmlns="" xmlns:a16="http://schemas.microsoft.com/office/drawing/2014/main" id="{F4741C22-F192-4F53-B215-01E9FDC31A1B}"/>
+                <a16:creationId xmlns:a16="http://schemas.microsoft.com/office/drawing/2014/main" id="{F4741C22-F192-4F53-B215-01E9FDC31A1B}"/>
               </a:ext>
             </a:extLst>
           </p:cNvPr>
@@ -39087,7 +38863,7 @@
           <p:cNvPr id="10" name="Straight Arrow Connector 9">
             <a:extLst>
               <a:ext uri="{FF2B5EF4-FFF2-40B4-BE49-F238E27FC236}">
-                <a16:creationId xmlns="" xmlns:a16="http://schemas.microsoft.com/office/drawing/2014/main" id="{03207850-A0C6-4FED-B7B8-EC44926ACFA6}"/>
+                <a16:creationId xmlns:a16="http://schemas.microsoft.com/office/drawing/2014/main" id="{03207850-A0C6-4FED-B7B8-EC44926ACFA6}"/>
               </a:ext>
             </a:extLst>
           </p:cNvPr>
@@ -39129,7 +38905,7 @@
           <p:cNvPr id="12" name="TextBox 11">
             <a:extLst>
               <a:ext uri="{FF2B5EF4-FFF2-40B4-BE49-F238E27FC236}">
-                <a16:creationId xmlns="" xmlns:a16="http://schemas.microsoft.com/office/drawing/2014/main" id="{97188CBC-77B1-4CA9-9A4D-E27C03FF3CEA}"/>
+                <a16:creationId xmlns:a16="http://schemas.microsoft.com/office/drawing/2014/main" id="{97188CBC-77B1-4CA9-9A4D-E27C03FF3CEA}"/>
               </a:ext>
             </a:extLst>
           </p:cNvPr>
@@ -39168,7 +38944,7 @@
           <p:cNvPr id="14" name="Right Brace 13">
             <a:extLst>
               <a:ext uri="{FF2B5EF4-FFF2-40B4-BE49-F238E27FC236}">
-                <a16:creationId xmlns="" xmlns:a16="http://schemas.microsoft.com/office/drawing/2014/main" id="{CB98DA92-1C2C-4893-94D1-30D1F16B3ADE}"/>
+                <a16:creationId xmlns:a16="http://schemas.microsoft.com/office/drawing/2014/main" id="{CB98DA92-1C2C-4893-94D1-30D1F16B3ADE}"/>
               </a:ext>
             </a:extLst>
           </p:cNvPr>
@@ -39218,7 +38994,7 @@
           <p:cNvPr id="16" name="TextBox 15">
             <a:extLst>
               <a:ext uri="{FF2B5EF4-FFF2-40B4-BE49-F238E27FC236}">
-                <a16:creationId xmlns="" xmlns:a16="http://schemas.microsoft.com/office/drawing/2014/main" id="{5370A578-2DE3-43D0-9B72-0CB33BB19BE2}"/>
+                <a16:creationId xmlns:a16="http://schemas.microsoft.com/office/drawing/2014/main" id="{5370A578-2DE3-43D0-9B72-0CB33BB19BE2}"/>
               </a:ext>
             </a:extLst>
           </p:cNvPr>
@@ -39257,7 +39033,7 @@
           <p:cNvPr id="18" name="Right Brace 17">
             <a:extLst>
               <a:ext uri="{FF2B5EF4-FFF2-40B4-BE49-F238E27FC236}">
-                <a16:creationId xmlns="" xmlns:a16="http://schemas.microsoft.com/office/drawing/2014/main" id="{30DA16C6-A3BC-4562-B49C-8E0EBF282CB9}"/>
+                <a16:creationId xmlns:a16="http://schemas.microsoft.com/office/drawing/2014/main" id="{30DA16C6-A3BC-4562-B49C-8E0EBF282CB9}"/>
               </a:ext>
             </a:extLst>
           </p:cNvPr>
@@ -39307,7 +39083,7 @@
           <p:cNvPr id="20" name="TextBox 19">
             <a:extLst>
               <a:ext uri="{FF2B5EF4-FFF2-40B4-BE49-F238E27FC236}">
-                <a16:creationId xmlns="" xmlns:a16="http://schemas.microsoft.com/office/drawing/2014/main" id="{C4DB195E-10D8-4504-A914-C92B3112252F}"/>
+                <a16:creationId xmlns:a16="http://schemas.microsoft.com/office/drawing/2014/main" id="{C4DB195E-10D8-4504-A914-C92B3112252F}"/>
               </a:ext>
             </a:extLst>
           </p:cNvPr>
@@ -39342,7 +39118,7 @@
           <p:cNvPr id="5" name="TextBox 4">
             <a:extLst>
               <a:ext uri="{FF2B5EF4-FFF2-40B4-BE49-F238E27FC236}">
-                <a16:creationId xmlns="" xmlns:a16="http://schemas.microsoft.com/office/drawing/2014/main" id="{6F33FA00-6C2E-4D89-B197-940A4B6250DE}"/>
+                <a16:creationId xmlns:a16="http://schemas.microsoft.com/office/drawing/2014/main" id="{6F33FA00-6C2E-4D89-B197-940A4B6250DE}"/>
               </a:ext>
             </a:extLst>
           </p:cNvPr>
@@ -39382,7 +39158,7 @@
           <p:cNvPr id="7" name="Rectangle 6">
             <a:extLst>
               <a:ext uri="{FF2B5EF4-FFF2-40B4-BE49-F238E27FC236}">
-                <a16:creationId xmlns="" xmlns:a16="http://schemas.microsoft.com/office/drawing/2014/main" id="{78F59937-47D6-45AA-B7C7-5734AA5359DC}"/>
+                <a16:creationId xmlns:a16="http://schemas.microsoft.com/office/drawing/2014/main" id="{78F59937-47D6-45AA-B7C7-5734AA5359DC}"/>
               </a:ext>
             </a:extLst>
           </p:cNvPr>
@@ -39434,7 +39210,7 @@
           <p:cNvPr id="9" name="Picture 8">
             <a:extLst>
               <a:ext uri="{FF2B5EF4-FFF2-40B4-BE49-F238E27FC236}">
-                <a16:creationId xmlns="" xmlns:a16="http://schemas.microsoft.com/office/drawing/2014/main" id="{817F38D5-DBD8-498B-9157-A73D87437C67}"/>
+                <a16:creationId xmlns:a16="http://schemas.microsoft.com/office/drawing/2014/main" id="{817F38D5-DBD8-498B-9157-A73D87437C67}"/>
               </a:ext>
             </a:extLst>
           </p:cNvPr>
@@ -39463,7 +39239,7 @@
           <p:cNvPr id="13" name="Straight Arrow Connector 12">
             <a:extLst>
               <a:ext uri="{FF2B5EF4-FFF2-40B4-BE49-F238E27FC236}">
-                <a16:creationId xmlns="" xmlns:a16="http://schemas.microsoft.com/office/drawing/2014/main" id="{5B9A2A08-87AE-470F-96C6-BF84C7A00673}"/>
+                <a16:creationId xmlns:a16="http://schemas.microsoft.com/office/drawing/2014/main" id="{5B9A2A08-87AE-470F-96C6-BF84C7A00673}"/>
               </a:ext>
             </a:extLst>
           </p:cNvPr>
@@ -39505,7 +39281,7 @@
           <p:cNvPr id="15" name="TextBox 14">
             <a:extLst>
               <a:ext uri="{FF2B5EF4-FFF2-40B4-BE49-F238E27FC236}">
-                <a16:creationId xmlns="" xmlns:a16="http://schemas.microsoft.com/office/drawing/2014/main" id="{1D7C3801-5956-457E-B709-A0D28B9C91D7}"/>
+                <a16:creationId xmlns:a16="http://schemas.microsoft.com/office/drawing/2014/main" id="{1D7C3801-5956-457E-B709-A0D28B9C91D7}"/>
               </a:ext>
             </a:extLst>
           </p:cNvPr>
@@ -39545,7 +39321,7 @@
           <p:cNvPr id="17" name="TextBox 16">
             <a:extLst>
               <a:ext uri="{FF2B5EF4-FFF2-40B4-BE49-F238E27FC236}">
-                <a16:creationId xmlns="" xmlns:a16="http://schemas.microsoft.com/office/drawing/2014/main" id="{A1C11D44-80D5-416A-85A1-A0A0C3B2BE61}"/>
+                <a16:creationId xmlns:a16="http://schemas.microsoft.com/office/drawing/2014/main" id="{A1C11D44-80D5-416A-85A1-A0A0C3B2BE61}"/>
               </a:ext>
             </a:extLst>
           </p:cNvPr>
@@ -40408,6 +40184,21 @@
 </file>
 
 <file path=customXml/item1.xml><?xml version="1.0" encoding="utf-8"?>
+<p:properties xmlns:p="http://schemas.microsoft.com/office/2006/metadata/properties" xmlns:xsi="http://www.w3.org/2001/XMLSchema-instance" xmlns:pc="http://schemas.microsoft.com/office/infopath/2007/PartnerControls">
+  <documentManagement/>
+</p:properties>
+</file>
+
+<file path=customXml/item2.xml><?xml version="1.0" encoding="utf-8"?>
+<?mso-contentType ?>
+<FormTemplates xmlns="http://schemas.microsoft.com/sharepoint/v3/contenttype/forms">
+  <Display>DocumentLibraryForm</Display>
+  <Edit>DocumentLibraryForm</Edit>
+  <New>DocumentLibraryForm</New>
+</FormTemplates>
+</file>
+
+<file path=customXml/item3.xml><?xml version="1.0" encoding="utf-8"?>
 <ct:contentTypeSchema xmlns:ct="http://schemas.microsoft.com/office/2006/metadata/contentType" xmlns:ma="http://schemas.microsoft.com/office/2006/metadata/properties/metaAttributes" ct:_="" ma:_="" ma:contentTypeName="Document" ma:contentTypeID="0x010100BB44408B1F998B4BA15FE4B8D7768EF7" ma:contentTypeVersion="9" ma:contentTypeDescription="Create a new document." ma:contentTypeScope="" ma:versionID="26cff2eb98e4fe1c8224d1a47b7e98f3">
   <xsd:schema xmlns:xsd="http://www.w3.org/2001/XMLSchema" xmlns:xs="http://www.w3.org/2001/XMLSchema" xmlns:p="http://schemas.microsoft.com/office/2006/metadata/properties" xmlns:ns3="74457e66-0124-4930-b391-ceccc081d504" targetNamespace="http://schemas.microsoft.com/office/2006/metadata/properties" ma:root="true" ma:fieldsID="38ab2e23f96e7e314bfb41f348264f2f" ns3:_="">
     <xsd:import namespace="74457e66-0124-4930-b391-ceccc081d504"/>
@@ -40585,22 +40376,31 @@
 </ct:contentTypeSchema>
 </file>
 
-<file path=customXml/item2.xml><?xml version="1.0" encoding="utf-8"?>
-<?mso-contentType ?>
-<FormTemplates xmlns="http://schemas.microsoft.com/sharepoint/v3/contenttype/forms">
-  <Display>DocumentLibraryForm</Display>
-  <Edit>DocumentLibraryForm</Edit>
-  <New>DocumentLibraryForm</New>
-</FormTemplates>
+<file path=customXml/itemProps1.xml><?xml version="1.0" encoding="utf-8"?>
+<ds:datastoreItem xmlns:ds="http://schemas.openxmlformats.org/officeDocument/2006/customXml" ds:itemID="{DDA541E4-BAB4-45DD-A16E-DBB41B00AB4A}">
+  <ds:schemaRefs>
+    <ds:schemaRef ds:uri="http://schemas.microsoft.com/office/2006/metadata/properties"/>
+    <ds:schemaRef ds:uri="http://schemas.microsoft.com/office/2006/documentManagement/types"/>
+    <ds:schemaRef ds:uri="http://schemas.openxmlformats.org/package/2006/metadata/core-properties"/>
+    <ds:schemaRef ds:uri="http://purl.org/dc/terms/"/>
+    <ds:schemaRef ds:uri="http://purl.org/dc/dcmitype/"/>
+    <ds:schemaRef ds:uri="http://www.w3.org/XML/1998/namespace"/>
+    <ds:schemaRef ds:uri="http://purl.org/dc/elements/1.1/"/>
+    <ds:schemaRef ds:uri="http://schemas.microsoft.com/office/infopath/2007/PartnerControls"/>
+    <ds:schemaRef ds:uri="74457e66-0124-4930-b391-ceccc081d504"/>
+  </ds:schemaRefs>
+</ds:datastoreItem>
 </file>
 
-<file path=customXml/item3.xml><?xml version="1.0" encoding="utf-8"?>
-<p:properties xmlns:p="http://schemas.microsoft.com/office/2006/metadata/properties" xmlns:xsi="http://www.w3.org/2001/XMLSchema-instance" xmlns:pc="http://schemas.microsoft.com/office/infopath/2007/PartnerControls">
-  <documentManagement/>
-</p:properties>
+<file path=customXml/itemProps2.xml><?xml version="1.0" encoding="utf-8"?>
+<ds:datastoreItem xmlns:ds="http://schemas.openxmlformats.org/officeDocument/2006/customXml" ds:itemID="{31E07D94-762A-439E-83C8-BD1D780B532F}">
+  <ds:schemaRefs>
+    <ds:schemaRef ds:uri="http://schemas.microsoft.com/sharepoint/v3/contenttype/forms"/>
+  </ds:schemaRefs>
+</ds:datastoreItem>
 </file>
 
-<file path=customXml/itemProps1.xml><?xml version="1.0" encoding="utf-8"?>
+<file path=customXml/itemProps3.xml><?xml version="1.0" encoding="utf-8"?>
 <ds:datastoreItem xmlns:ds="http://schemas.openxmlformats.org/officeDocument/2006/customXml" ds:itemID="{D1C513BB-4A12-461A-A0DD-8D4ED6422599}">
   <ds:schemaRefs>
     <ds:schemaRef ds:uri="http://schemas.microsoft.com/office/2006/metadata/contentType"/>
@@ -40616,28 +40416,4 @@
     <ds:schemaRef ds:uri="http://schemas.microsoft.com/internal/obd"/>
   </ds:schemaRefs>
 </ds:datastoreItem>
-</file>
-
-<file path=customXml/itemProps2.xml><?xml version="1.0" encoding="utf-8"?>
-<ds:datastoreItem xmlns:ds="http://schemas.openxmlformats.org/officeDocument/2006/customXml" ds:itemID="{31E07D94-762A-439E-83C8-BD1D780B532F}">
-  <ds:schemaRefs>
-    <ds:schemaRef ds:uri="http://schemas.microsoft.com/sharepoint/v3/contenttype/forms"/>
-  </ds:schemaRefs>
-</ds:datastoreItem>
-</file>
-
-<file path=customXml/itemProps3.xml><?xml version="1.0" encoding="utf-8"?>
-<ds:datastoreItem xmlns:ds="http://schemas.openxmlformats.org/officeDocument/2006/customXml" ds:itemID="{DDA541E4-BAB4-45DD-A16E-DBB41B00AB4A}">
-  <ds:schemaRefs>
-    <ds:schemaRef ds:uri="http://schemas.microsoft.com/office/2006/metadata/properties"/>
-    <ds:schemaRef ds:uri="http://schemas.microsoft.com/office/2006/documentManagement/types"/>
-    <ds:schemaRef ds:uri="http://schemas.openxmlformats.org/package/2006/metadata/core-properties"/>
-    <ds:schemaRef ds:uri="http://purl.org/dc/terms/"/>
-    <ds:schemaRef ds:uri="http://purl.org/dc/dcmitype/"/>
-    <ds:schemaRef ds:uri="http://www.w3.org/XML/1998/namespace"/>
-    <ds:schemaRef ds:uri="http://purl.org/dc/elements/1.1/"/>
-    <ds:schemaRef ds:uri="http://schemas.microsoft.com/office/infopath/2007/PartnerControls"/>
-    <ds:schemaRef ds:uri="74457e66-0124-4930-b391-ceccc081d504"/>
-  </ds:schemaRefs>
-</ds:datastoreItem>
 </file>